--- a/Partitioning & SparkContext.pptx
+++ b/Partitioning & SparkContext.pptx
@@ -7,6 +7,7 @@
   <p:sldIdLst>
     <p:sldId id="256" r:id="rId2"/>
     <p:sldId id="257" r:id="rId3"/>
+    <p:sldId id="258" r:id="rId4"/>
   </p:sldIdLst>
   <p:sldSz cx="12192000" cy="6858000"/>
   <p:notesSz cx="6858000" cy="9144000"/>
@@ -105,6 +106,11 @@
       </a:defRPr>
     </a:lvl9pPr>
   </p:defaultTextStyle>
+  <p:extLst>
+    <p:ext uri="{EFAFB233-063F-42B5-8137-9DF3F51BA10A}">
+      <p15:sldGuideLst xmlns:p15="http://schemas.microsoft.com/office/powerpoint/2012/main"/>
+    </p:ext>
+  </p:extLst>
 </p:presentation>
 </file>
 
@@ -255,7 +261,7 @@
           <a:p>
             <a:fld id="{47E0D79E-6804-0B41-9659-BE215799C31E}" type="datetimeFigureOut">
               <a:rPr lang="en-US" smtClean="0"/>
-              <a:t>4/5/20</a:t>
+              <a:t>4/11/20</a:t>
             </a:fld>
             <a:endParaRPr lang="en-US"/>
           </a:p>
@@ -453,7 +459,7 @@
           <a:p>
             <a:fld id="{47E0D79E-6804-0B41-9659-BE215799C31E}" type="datetimeFigureOut">
               <a:rPr lang="en-US" smtClean="0"/>
-              <a:t>4/5/20</a:t>
+              <a:t>4/11/20</a:t>
             </a:fld>
             <a:endParaRPr lang="en-US"/>
           </a:p>
@@ -661,7 +667,7 @@
           <a:p>
             <a:fld id="{47E0D79E-6804-0B41-9659-BE215799C31E}" type="datetimeFigureOut">
               <a:rPr lang="en-US" smtClean="0"/>
-              <a:t>4/5/20</a:t>
+              <a:t>4/11/20</a:t>
             </a:fld>
             <a:endParaRPr lang="en-US"/>
           </a:p>
@@ -859,7 +865,7 @@
           <a:p>
             <a:fld id="{47E0D79E-6804-0B41-9659-BE215799C31E}" type="datetimeFigureOut">
               <a:rPr lang="en-US" smtClean="0"/>
-              <a:t>4/5/20</a:t>
+              <a:t>4/11/20</a:t>
             </a:fld>
             <a:endParaRPr lang="en-US"/>
           </a:p>
@@ -1134,7 +1140,7 @@
           <a:p>
             <a:fld id="{47E0D79E-6804-0B41-9659-BE215799C31E}" type="datetimeFigureOut">
               <a:rPr lang="en-US" smtClean="0"/>
-              <a:t>4/5/20</a:t>
+              <a:t>4/11/20</a:t>
             </a:fld>
             <a:endParaRPr lang="en-US"/>
           </a:p>
@@ -1399,7 +1405,7 @@
           <a:p>
             <a:fld id="{47E0D79E-6804-0B41-9659-BE215799C31E}" type="datetimeFigureOut">
               <a:rPr lang="en-US" smtClean="0"/>
-              <a:t>4/5/20</a:t>
+              <a:t>4/11/20</a:t>
             </a:fld>
             <a:endParaRPr lang="en-US"/>
           </a:p>
@@ -1811,7 +1817,7 @@
           <a:p>
             <a:fld id="{47E0D79E-6804-0B41-9659-BE215799C31E}" type="datetimeFigureOut">
               <a:rPr lang="en-US" smtClean="0"/>
-              <a:t>4/5/20</a:t>
+              <a:t>4/11/20</a:t>
             </a:fld>
             <a:endParaRPr lang="en-US"/>
           </a:p>
@@ -1952,7 +1958,7 @@
           <a:p>
             <a:fld id="{47E0D79E-6804-0B41-9659-BE215799C31E}" type="datetimeFigureOut">
               <a:rPr lang="en-US" smtClean="0"/>
-              <a:t>4/5/20</a:t>
+              <a:t>4/11/20</a:t>
             </a:fld>
             <a:endParaRPr lang="en-US"/>
           </a:p>
@@ -2065,7 +2071,7 @@
           <a:p>
             <a:fld id="{47E0D79E-6804-0B41-9659-BE215799C31E}" type="datetimeFigureOut">
               <a:rPr lang="en-US" smtClean="0"/>
-              <a:t>4/5/20</a:t>
+              <a:t>4/11/20</a:t>
             </a:fld>
             <a:endParaRPr lang="en-US"/>
           </a:p>
@@ -2376,7 +2382,7 @@
           <a:p>
             <a:fld id="{47E0D79E-6804-0B41-9659-BE215799C31E}" type="datetimeFigureOut">
               <a:rPr lang="en-US" smtClean="0"/>
-              <a:t>4/5/20</a:t>
+              <a:t>4/11/20</a:t>
             </a:fld>
             <a:endParaRPr lang="en-US"/>
           </a:p>
@@ -2664,7 +2670,7 @@
           <a:p>
             <a:fld id="{47E0D79E-6804-0B41-9659-BE215799C31E}" type="datetimeFigureOut">
               <a:rPr lang="en-US" smtClean="0"/>
-              <a:t>4/5/20</a:t>
+              <a:t>4/11/20</a:t>
             </a:fld>
             <a:endParaRPr lang="en-US"/>
           </a:p>
@@ -2905,7 +2911,7 @@
           <a:p>
             <a:fld id="{47E0D79E-6804-0B41-9659-BE215799C31E}" type="datetimeFigureOut">
               <a:rPr lang="en-US" smtClean="0"/>
-              <a:t>4/5/20</a:t>
+              <a:t>4/11/20</a:t>
             </a:fld>
             <a:endParaRPr lang="en-US"/>
           </a:p>
@@ -6381,7 +6387,7 @@
         <p:spPr>
           <a:xfrm>
             <a:off x="512698" y="5365935"/>
-            <a:ext cx="4871847" cy="369332"/>
+            <a:ext cx="5836854" cy="369332"/>
           </a:xfrm>
           <a:prstGeom prst="rect">
             <a:avLst/>
@@ -6404,6 +6410,17 @@
               </a:rPr>
               <a:t>spark.driver.allowMultipleContexts</a:t>
             </a:r>
+            <a:r>
+              <a:rPr lang="en-IN" b="1" u="none" strike="noStrike" dirty="0">
+                <a:solidFill>
+                  <a:srgbClr val="242729"/>
+                </a:solidFill>
+                <a:effectLst/>
+                <a:latin typeface="Courier New" panose="02070309020205020404" pitchFamily="49" charset="0"/>
+                <a:cs typeface="Courier New" panose="02070309020205020404" pitchFamily="49" charset="0"/>
+              </a:rPr>
+              <a:t> = true</a:t>
+            </a:r>
             <a:endParaRPr lang="en-US" b="1" dirty="0">
               <a:latin typeface="Courier New" panose="02070309020205020404" pitchFamily="49" charset="0"/>
               <a:cs typeface="Courier New" panose="02070309020205020404" pitchFamily="49" charset="0"/>
@@ -6593,6 +6610,1255 @@
     <p:extLst>
       <p:ext uri="{BB962C8B-B14F-4D97-AF65-F5344CB8AC3E}">
         <p14:creationId xmlns:p14="http://schemas.microsoft.com/office/powerpoint/2010/main" val="1231338030"/>
+      </p:ext>
+    </p:extLst>
+  </p:cSld>
+  <p:clrMapOvr>
+    <a:masterClrMapping/>
+  </p:clrMapOvr>
+</p:sld>
+</file>
+
+<file path=ppt/slides/slide3.xml><?xml version="1.0" encoding="utf-8"?>
+<p:sld xmlns:a="http://schemas.openxmlformats.org/drawingml/2006/main" xmlns:r="http://schemas.openxmlformats.org/officeDocument/2006/relationships" xmlns:p="http://schemas.openxmlformats.org/presentationml/2006/main">
+  <p:cSld>
+    <p:spTree>
+      <p:nvGrpSpPr>
+        <p:cNvPr id="1" name=""/>
+        <p:cNvGrpSpPr/>
+        <p:nvPr/>
+      </p:nvGrpSpPr>
+      <p:grpSpPr>
+        <a:xfrm>
+          <a:off x="0" y="0"/>
+          <a:ext cx="0" cy="0"/>
+          <a:chOff x="0" y="0"/>
+          <a:chExt cx="0" cy="0"/>
+        </a:xfrm>
+      </p:grpSpPr>
+      <p:sp>
+        <p:nvSpPr>
+          <p:cNvPr id="2" name="Title 1">
+            <a:extLst>
+              <a:ext uri="{FF2B5EF4-FFF2-40B4-BE49-F238E27FC236}">
+                <a16:creationId xmlns:a16="http://schemas.microsoft.com/office/drawing/2014/main" id="{F45C8A4B-88CC-7B4A-8F8F-8FE6EC3D3E1B}"/>
+              </a:ext>
+            </a:extLst>
+          </p:cNvPr>
+          <p:cNvSpPr>
+            <a:spLocks noGrp="1"/>
+          </p:cNvSpPr>
+          <p:nvPr>
+            <p:ph type="title"/>
+          </p:nvPr>
+        </p:nvSpPr>
+        <p:spPr>
+          <a:xfrm>
+            <a:off x="446567" y="106326"/>
+            <a:ext cx="10515600" cy="1325563"/>
+          </a:xfrm>
+        </p:spPr>
+        <p:txBody>
+          <a:bodyPr/>
+          <a:lstStyle/>
+          <a:p>
+            <a:r>
+              <a:rPr lang="en-US" dirty="0" err="1">
+                <a:latin typeface="Avenir Roman" panose="02000503020000020003" pitchFamily="2" charset="0"/>
+              </a:rPr>
+              <a:t>SparkSession</a:t>
+            </a:r>
+            <a:endParaRPr lang="en-US" dirty="0">
+              <a:latin typeface="Avenir Roman" panose="02000503020000020003" pitchFamily="2" charset="0"/>
+            </a:endParaRPr>
+          </a:p>
+        </p:txBody>
+      </p:sp>
+      <p:sp>
+        <p:nvSpPr>
+          <p:cNvPr id="4" name="Rectangle 3">
+            <a:extLst>
+              <a:ext uri="{FF2B5EF4-FFF2-40B4-BE49-F238E27FC236}">
+                <a16:creationId xmlns:a16="http://schemas.microsoft.com/office/drawing/2014/main" id="{725118EB-77A9-CC4E-83AB-377721D0FC44}"/>
+              </a:ext>
+            </a:extLst>
+          </p:cNvPr>
+          <p:cNvSpPr/>
+          <p:nvPr/>
+        </p:nvSpPr>
+        <p:spPr>
+          <a:xfrm>
+            <a:off x="7449880" y="510363"/>
+            <a:ext cx="4557823" cy="5518297"/>
+          </a:xfrm>
+          <a:prstGeom prst="rect">
+            <a:avLst/>
+          </a:prstGeom>
+          <a:ln>
+            <a:noFill/>
+          </a:ln>
+        </p:spPr>
+        <p:style>
+          <a:lnRef idx="2">
+            <a:schemeClr val="accent1">
+              <a:shade val="50000"/>
+            </a:schemeClr>
+          </a:lnRef>
+          <a:fillRef idx="1">
+            <a:schemeClr val="accent1"/>
+          </a:fillRef>
+          <a:effectRef idx="0">
+            <a:schemeClr val="accent1"/>
+          </a:effectRef>
+          <a:fontRef idx="minor">
+            <a:schemeClr val="lt1"/>
+          </a:fontRef>
+        </p:style>
+        <p:txBody>
+          <a:bodyPr rtlCol="0" anchor="b"/>
+          <a:lstStyle/>
+          <a:p>
+            <a:pPr algn="ctr"/>
+            <a:r>
+              <a:rPr lang="en-US" dirty="0">
+                <a:latin typeface="Avenir Roman" panose="02000503020000020003" pitchFamily="2" charset="0"/>
+              </a:rPr>
+              <a:t>Executor Node</a:t>
+            </a:r>
+          </a:p>
+        </p:txBody>
+      </p:sp>
+      <p:sp>
+        <p:nvSpPr>
+          <p:cNvPr id="5" name="Rounded Rectangle 4">
+            <a:extLst>
+              <a:ext uri="{FF2B5EF4-FFF2-40B4-BE49-F238E27FC236}">
+                <a16:creationId xmlns:a16="http://schemas.microsoft.com/office/drawing/2014/main" id="{3AB140DE-D4B5-D34D-969C-2F76B07381B3}"/>
+              </a:ext>
+            </a:extLst>
+          </p:cNvPr>
+          <p:cNvSpPr/>
+          <p:nvPr/>
+        </p:nvSpPr>
+        <p:spPr>
+          <a:xfrm>
+            <a:off x="10113777" y="2737532"/>
+            <a:ext cx="1696780" cy="438769"/>
+          </a:xfrm>
+          <a:prstGeom prst="roundRect">
+            <a:avLst/>
+          </a:prstGeom>
+          <a:solidFill>
+            <a:schemeClr val="bg2"/>
+          </a:solidFill>
+          <a:ln>
+            <a:noFill/>
+          </a:ln>
+        </p:spPr>
+        <p:style>
+          <a:lnRef idx="2">
+            <a:schemeClr val="accent1">
+              <a:shade val="50000"/>
+            </a:schemeClr>
+          </a:lnRef>
+          <a:fillRef idx="1">
+            <a:schemeClr val="accent1"/>
+          </a:fillRef>
+          <a:effectRef idx="0">
+            <a:schemeClr val="accent1"/>
+          </a:effectRef>
+          <a:fontRef idx="minor">
+            <a:schemeClr val="lt1"/>
+          </a:fontRef>
+        </p:style>
+        <p:txBody>
+          <a:bodyPr rtlCol="0" anchor="ctr"/>
+          <a:lstStyle/>
+          <a:p>
+            <a:pPr algn="ctr"/>
+            <a:r>
+              <a:rPr lang="en-US" dirty="0" err="1">
+                <a:solidFill>
+                  <a:schemeClr val="tx1"/>
+                </a:solidFill>
+                <a:latin typeface="Avenir Roman" panose="02000503020000020003" pitchFamily="2" charset="0"/>
+                <a:cs typeface="Courier New" panose="02070309020205020404" pitchFamily="49" charset="0"/>
+              </a:rPr>
+              <a:t>SparkContext</a:t>
+            </a:r>
+            <a:endParaRPr lang="en-US" dirty="0">
+              <a:solidFill>
+                <a:schemeClr val="tx1"/>
+              </a:solidFill>
+              <a:latin typeface="Avenir Roman" panose="02000503020000020003" pitchFamily="2" charset="0"/>
+              <a:cs typeface="Courier New" panose="02070309020205020404" pitchFamily="49" charset="0"/>
+            </a:endParaRPr>
+          </a:p>
+        </p:txBody>
+      </p:sp>
+      <p:sp>
+        <p:nvSpPr>
+          <p:cNvPr id="6" name="Rectangle 5">
+            <a:extLst>
+              <a:ext uri="{FF2B5EF4-FFF2-40B4-BE49-F238E27FC236}">
+                <a16:creationId xmlns:a16="http://schemas.microsoft.com/office/drawing/2014/main" id="{94B90C40-95DC-7B47-B7F2-30C4887E0691}"/>
+              </a:ext>
+            </a:extLst>
+          </p:cNvPr>
+          <p:cNvSpPr/>
+          <p:nvPr/>
+        </p:nvSpPr>
+        <p:spPr>
+          <a:xfrm>
+            <a:off x="446567" y="2573080"/>
+            <a:ext cx="2094614" cy="691116"/>
+          </a:xfrm>
+          <a:prstGeom prst="rect">
+            <a:avLst/>
+          </a:prstGeom>
+          <a:solidFill>
+            <a:srgbClr val="FFC000"/>
+          </a:solidFill>
+          <a:ln>
+            <a:noFill/>
+          </a:ln>
+        </p:spPr>
+        <p:style>
+          <a:lnRef idx="2">
+            <a:schemeClr val="accent1">
+              <a:shade val="50000"/>
+            </a:schemeClr>
+          </a:lnRef>
+          <a:fillRef idx="1">
+            <a:schemeClr val="accent1"/>
+          </a:fillRef>
+          <a:effectRef idx="0">
+            <a:schemeClr val="accent1"/>
+          </a:effectRef>
+          <a:fontRef idx="minor">
+            <a:schemeClr val="lt1"/>
+          </a:fontRef>
+        </p:style>
+        <p:txBody>
+          <a:bodyPr rtlCol="0" anchor="ctr"/>
+          <a:lstStyle/>
+          <a:p>
+            <a:pPr algn="ctr"/>
+            <a:r>
+              <a:rPr lang="en-US" dirty="0" err="1">
+                <a:solidFill>
+                  <a:schemeClr val="tx1"/>
+                </a:solidFill>
+                <a:latin typeface="Avenir Roman" panose="02000503020000020003" pitchFamily="2" charset="0"/>
+              </a:rPr>
+              <a:t>PySpark</a:t>
+            </a:r>
+            <a:r>
+              <a:rPr lang="en-US" dirty="0">
+                <a:solidFill>
+                  <a:schemeClr val="tx1"/>
+                </a:solidFill>
+                <a:latin typeface="Avenir Roman" panose="02000503020000020003" pitchFamily="2" charset="0"/>
+              </a:rPr>
+              <a:t> Code</a:t>
+            </a:r>
+          </a:p>
+          <a:p>
+            <a:pPr algn="ctr"/>
+            <a:r>
+              <a:rPr lang="en-US" dirty="0">
+                <a:solidFill>
+                  <a:schemeClr val="tx1"/>
+                </a:solidFill>
+                <a:latin typeface="Avenir Roman" panose="02000503020000020003" pitchFamily="2" charset="0"/>
+              </a:rPr>
+              <a:t>&lt; by user 1 &gt;</a:t>
+            </a:r>
+          </a:p>
+        </p:txBody>
+      </p:sp>
+      <p:sp>
+        <p:nvSpPr>
+          <p:cNvPr id="9" name="Rectangle 8">
+            <a:extLst>
+              <a:ext uri="{FF2B5EF4-FFF2-40B4-BE49-F238E27FC236}">
+                <a16:creationId xmlns:a16="http://schemas.microsoft.com/office/drawing/2014/main" id="{D443D8A0-5604-A74B-AE9A-24CE6F740742}"/>
+              </a:ext>
+            </a:extLst>
+          </p:cNvPr>
+          <p:cNvSpPr/>
+          <p:nvPr/>
+        </p:nvSpPr>
+        <p:spPr>
+          <a:xfrm>
+            <a:off x="3586718" y="2137200"/>
+            <a:ext cx="3083440" cy="2349740"/>
+          </a:xfrm>
+          <a:prstGeom prst="rect">
+            <a:avLst/>
+          </a:prstGeom>
+          <a:ln>
+            <a:noFill/>
+          </a:ln>
+        </p:spPr>
+        <p:style>
+          <a:lnRef idx="2">
+            <a:schemeClr val="accent1">
+              <a:shade val="50000"/>
+            </a:schemeClr>
+          </a:lnRef>
+          <a:fillRef idx="1">
+            <a:schemeClr val="accent1"/>
+          </a:fillRef>
+          <a:effectRef idx="0">
+            <a:schemeClr val="accent1"/>
+          </a:effectRef>
+          <a:fontRef idx="minor">
+            <a:schemeClr val="lt1"/>
+          </a:fontRef>
+        </p:style>
+        <p:txBody>
+          <a:bodyPr rtlCol="0" anchor="b"/>
+          <a:lstStyle/>
+          <a:p>
+            <a:pPr algn="ctr"/>
+            <a:r>
+              <a:rPr lang="en-US" dirty="0">
+                <a:latin typeface="Avenir Roman" panose="02000503020000020003" pitchFamily="2" charset="0"/>
+              </a:rPr>
+              <a:t>YARN Master Node</a:t>
+            </a:r>
+          </a:p>
+        </p:txBody>
+      </p:sp>
+      <p:sp>
+        <p:nvSpPr>
+          <p:cNvPr id="10" name="Rounded Rectangle 9">
+            <a:extLst>
+              <a:ext uri="{FF2B5EF4-FFF2-40B4-BE49-F238E27FC236}">
+                <a16:creationId xmlns:a16="http://schemas.microsoft.com/office/drawing/2014/main" id="{65E30500-10C3-5B4A-B514-DB849788F407}"/>
+              </a:ext>
+            </a:extLst>
+          </p:cNvPr>
+          <p:cNvSpPr/>
+          <p:nvPr/>
+        </p:nvSpPr>
+        <p:spPr>
+          <a:xfrm>
+            <a:off x="3967717" y="2604978"/>
+            <a:ext cx="2321441" cy="738963"/>
+          </a:xfrm>
+          <a:prstGeom prst="roundRect">
+            <a:avLst/>
+          </a:prstGeom>
+          <a:solidFill>
+            <a:srgbClr val="FF7E79"/>
+          </a:solidFill>
+          <a:ln>
+            <a:noFill/>
+          </a:ln>
+        </p:spPr>
+        <p:style>
+          <a:lnRef idx="2">
+            <a:schemeClr val="accent1">
+              <a:shade val="50000"/>
+            </a:schemeClr>
+          </a:lnRef>
+          <a:fillRef idx="1">
+            <a:schemeClr val="accent1"/>
+          </a:fillRef>
+          <a:effectRef idx="0">
+            <a:schemeClr val="accent1"/>
+          </a:effectRef>
+          <a:fontRef idx="minor">
+            <a:schemeClr val="lt1"/>
+          </a:fontRef>
+        </p:style>
+        <p:txBody>
+          <a:bodyPr rtlCol="0" anchor="ctr"/>
+          <a:lstStyle/>
+          <a:p>
+            <a:pPr algn="ctr"/>
+            <a:r>
+              <a:rPr lang="en-US" dirty="0">
+                <a:latin typeface="Avenir Roman" panose="02000503020000020003" pitchFamily="2" charset="0"/>
+              </a:rPr>
+              <a:t>Application Master</a:t>
+            </a:r>
+          </a:p>
+        </p:txBody>
+      </p:sp>
+      <p:cxnSp>
+        <p:nvCxnSpPr>
+          <p:cNvPr id="14" name="Straight Arrow Connector 13">
+            <a:extLst>
+              <a:ext uri="{FF2B5EF4-FFF2-40B4-BE49-F238E27FC236}">
+                <a16:creationId xmlns:a16="http://schemas.microsoft.com/office/drawing/2014/main" id="{FD7E7776-75B9-1F4C-AEAA-F7115AA0FC00}"/>
+              </a:ext>
+            </a:extLst>
+          </p:cNvPr>
+          <p:cNvCxnSpPr>
+            <a:endCxn id="10" idx="1"/>
+          </p:cNvCxnSpPr>
+          <p:nvPr/>
+        </p:nvCxnSpPr>
+        <p:spPr>
+          <a:xfrm>
+            <a:off x="2583712" y="2974459"/>
+            <a:ext cx="1384005" cy="1"/>
+          </a:xfrm>
+          <a:prstGeom prst="straightConnector1">
+            <a:avLst/>
+          </a:prstGeom>
+          <a:ln w="19050">
+            <a:solidFill>
+              <a:schemeClr val="tx1"/>
+            </a:solidFill>
+            <a:tailEnd type="triangle"/>
+          </a:ln>
+        </p:spPr>
+        <p:style>
+          <a:lnRef idx="1">
+            <a:schemeClr val="accent1"/>
+          </a:lnRef>
+          <a:fillRef idx="0">
+            <a:schemeClr val="accent1"/>
+          </a:fillRef>
+          <a:effectRef idx="0">
+            <a:schemeClr val="accent1"/>
+          </a:effectRef>
+          <a:fontRef idx="minor">
+            <a:schemeClr val="tx1"/>
+          </a:fontRef>
+        </p:style>
+      </p:cxnSp>
+      <p:cxnSp>
+        <p:nvCxnSpPr>
+          <p:cNvPr id="19" name="Elbow Connector 18">
+            <a:extLst>
+              <a:ext uri="{FF2B5EF4-FFF2-40B4-BE49-F238E27FC236}">
+                <a16:creationId xmlns:a16="http://schemas.microsoft.com/office/drawing/2014/main" id="{DFFBA621-4514-824B-9667-AF63795840B2}"/>
+              </a:ext>
+            </a:extLst>
+          </p:cNvPr>
+          <p:cNvCxnSpPr>
+            <a:cxnSpLocks/>
+            <a:stCxn id="17" idx="3"/>
+            <a:endCxn id="5" idx="0"/>
+          </p:cNvCxnSpPr>
+          <p:nvPr/>
+        </p:nvCxnSpPr>
+        <p:spPr>
+          <a:xfrm>
+            <a:off x="9713284" y="1425770"/>
+            <a:ext cx="1248883" cy="1311762"/>
+          </a:xfrm>
+          <a:prstGeom prst="bentConnector2">
+            <a:avLst/>
+          </a:prstGeom>
+          <a:ln w="19050">
+            <a:solidFill>
+              <a:schemeClr val="bg1"/>
+            </a:solidFill>
+            <a:tailEnd type="triangle"/>
+          </a:ln>
+        </p:spPr>
+        <p:style>
+          <a:lnRef idx="1">
+            <a:schemeClr val="accent1"/>
+          </a:lnRef>
+          <a:fillRef idx="0">
+            <a:schemeClr val="accent1"/>
+          </a:fillRef>
+          <a:effectRef idx="0">
+            <a:schemeClr val="accent1"/>
+          </a:effectRef>
+          <a:fontRef idx="minor">
+            <a:schemeClr val="tx1"/>
+          </a:fontRef>
+        </p:style>
+      </p:cxnSp>
+      <p:sp>
+        <p:nvSpPr>
+          <p:cNvPr id="29" name="Rounded Rectangle 28">
+            <a:extLst>
+              <a:ext uri="{FF2B5EF4-FFF2-40B4-BE49-F238E27FC236}">
+                <a16:creationId xmlns:a16="http://schemas.microsoft.com/office/drawing/2014/main" id="{10468349-71BB-4E40-BD7E-10A193BF3802}"/>
+              </a:ext>
+            </a:extLst>
+          </p:cNvPr>
+          <p:cNvSpPr/>
+          <p:nvPr/>
+        </p:nvSpPr>
+        <p:spPr>
+          <a:xfrm>
+            <a:off x="10113777" y="4793059"/>
+            <a:ext cx="1696780" cy="691116"/>
+          </a:xfrm>
+          <a:prstGeom prst="roundRect">
+            <a:avLst/>
+          </a:prstGeom>
+          <a:solidFill>
+            <a:srgbClr val="92D050"/>
+          </a:solidFill>
+          <a:ln>
+            <a:noFill/>
+          </a:ln>
+        </p:spPr>
+        <p:style>
+          <a:lnRef idx="2">
+            <a:schemeClr val="accent1">
+              <a:shade val="50000"/>
+            </a:schemeClr>
+          </a:lnRef>
+          <a:fillRef idx="1">
+            <a:schemeClr val="accent1"/>
+          </a:fillRef>
+          <a:effectRef idx="0">
+            <a:schemeClr val="accent1"/>
+          </a:effectRef>
+          <a:fontRef idx="minor">
+            <a:schemeClr val="lt1"/>
+          </a:fontRef>
+        </p:style>
+        <p:txBody>
+          <a:bodyPr rtlCol="0" anchor="ctr"/>
+          <a:lstStyle/>
+          <a:p>
+            <a:pPr algn="ctr"/>
+            <a:r>
+              <a:rPr lang="en-US" dirty="0">
+                <a:solidFill>
+                  <a:schemeClr val="bg1"/>
+                </a:solidFill>
+                <a:latin typeface="Avenir Roman" panose="02000503020000020003" pitchFamily="2" charset="0"/>
+                <a:cs typeface="Courier New" panose="02070309020205020404" pitchFamily="49" charset="0"/>
+              </a:rPr>
+              <a:t>Driver Program</a:t>
+            </a:r>
+          </a:p>
+        </p:txBody>
+      </p:sp>
+      <p:cxnSp>
+        <p:nvCxnSpPr>
+          <p:cNvPr id="52" name="Elbow Connector 51">
+            <a:extLst>
+              <a:ext uri="{FF2B5EF4-FFF2-40B4-BE49-F238E27FC236}">
+                <a16:creationId xmlns:a16="http://schemas.microsoft.com/office/drawing/2014/main" id="{4EBD82E6-2043-304E-B618-F45282A0129C}"/>
+              </a:ext>
+            </a:extLst>
+          </p:cNvPr>
+          <p:cNvCxnSpPr>
+            <a:cxnSpLocks/>
+            <a:stCxn id="10" idx="3"/>
+            <a:endCxn id="17" idx="1"/>
+          </p:cNvCxnSpPr>
+          <p:nvPr/>
+        </p:nvCxnSpPr>
+        <p:spPr>
+          <a:xfrm flipV="1">
+            <a:off x="6289158" y="1425770"/>
+            <a:ext cx="1481327" cy="1548690"/>
+          </a:xfrm>
+          <a:prstGeom prst="bentConnector3">
+            <a:avLst>
+              <a:gd name="adj1" fmla="val 50000"/>
+            </a:avLst>
+          </a:prstGeom>
+          <a:ln w="19050">
+            <a:solidFill>
+              <a:schemeClr val="tx1"/>
+            </a:solidFill>
+            <a:tailEnd type="triangle"/>
+          </a:ln>
+        </p:spPr>
+        <p:style>
+          <a:lnRef idx="1">
+            <a:schemeClr val="accent1"/>
+          </a:lnRef>
+          <a:fillRef idx="0">
+            <a:schemeClr val="accent1"/>
+          </a:fillRef>
+          <a:effectRef idx="0">
+            <a:schemeClr val="accent1"/>
+          </a:effectRef>
+          <a:fontRef idx="minor">
+            <a:schemeClr val="tx1"/>
+          </a:fontRef>
+        </p:style>
+      </p:cxnSp>
+      <p:sp>
+        <p:nvSpPr>
+          <p:cNvPr id="55" name="Rectangle 54">
+            <a:extLst>
+              <a:ext uri="{FF2B5EF4-FFF2-40B4-BE49-F238E27FC236}">
+                <a16:creationId xmlns:a16="http://schemas.microsoft.com/office/drawing/2014/main" id="{FF85F828-CDD6-FC4D-8E65-5AE4D5B26484}"/>
+              </a:ext>
+            </a:extLst>
+          </p:cNvPr>
+          <p:cNvSpPr/>
+          <p:nvPr/>
+        </p:nvSpPr>
+        <p:spPr>
+          <a:xfrm>
+            <a:off x="460746" y="1718645"/>
+            <a:ext cx="464287" cy="322806"/>
+          </a:xfrm>
+          <a:prstGeom prst="rect">
+            <a:avLst/>
+          </a:prstGeom>
+          <a:solidFill>
+            <a:srgbClr val="0096FF"/>
+          </a:solidFill>
+          <a:ln>
+            <a:noFill/>
+          </a:ln>
+        </p:spPr>
+        <p:style>
+          <a:lnRef idx="2">
+            <a:schemeClr val="accent1">
+              <a:shade val="50000"/>
+            </a:schemeClr>
+          </a:lnRef>
+          <a:fillRef idx="1">
+            <a:schemeClr val="accent1"/>
+          </a:fillRef>
+          <a:effectRef idx="0">
+            <a:schemeClr val="accent1"/>
+          </a:effectRef>
+          <a:fontRef idx="minor">
+            <a:schemeClr val="lt1"/>
+          </a:fontRef>
+        </p:style>
+        <p:txBody>
+          <a:bodyPr rtlCol="0" anchor="ctr"/>
+          <a:lstStyle/>
+          <a:p>
+            <a:pPr algn="ctr"/>
+            <a:endParaRPr lang="en-US"/>
+          </a:p>
+        </p:txBody>
+      </p:sp>
+      <p:sp>
+        <p:nvSpPr>
+          <p:cNvPr id="56" name="Rectangle 55">
+            <a:extLst>
+              <a:ext uri="{FF2B5EF4-FFF2-40B4-BE49-F238E27FC236}">
+                <a16:creationId xmlns:a16="http://schemas.microsoft.com/office/drawing/2014/main" id="{6E00BD5E-E47D-B74E-95A5-042868D3F652}"/>
+              </a:ext>
+            </a:extLst>
+          </p:cNvPr>
+          <p:cNvSpPr/>
+          <p:nvPr/>
+        </p:nvSpPr>
+        <p:spPr>
+          <a:xfrm>
+            <a:off x="1229836" y="1718645"/>
+            <a:ext cx="464287" cy="322806"/>
+          </a:xfrm>
+          <a:prstGeom prst="rect">
+            <a:avLst/>
+          </a:prstGeom>
+          <a:solidFill>
+            <a:srgbClr val="0096FF"/>
+          </a:solidFill>
+          <a:ln>
+            <a:noFill/>
+          </a:ln>
+        </p:spPr>
+        <p:style>
+          <a:lnRef idx="2">
+            <a:schemeClr val="accent1">
+              <a:shade val="50000"/>
+            </a:schemeClr>
+          </a:lnRef>
+          <a:fillRef idx="1">
+            <a:schemeClr val="accent1"/>
+          </a:fillRef>
+          <a:effectRef idx="0">
+            <a:schemeClr val="accent1"/>
+          </a:effectRef>
+          <a:fontRef idx="minor">
+            <a:schemeClr val="lt1"/>
+          </a:fontRef>
+        </p:style>
+        <p:txBody>
+          <a:bodyPr rtlCol="0" anchor="ctr"/>
+          <a:lstStyle/>
+          <a:p>
+            <a:pPr algn="ctr"/>
+            <a:endParaRPr lang="en-US"/>
+          </a:p>
+        </p:txBody>
+      </p:sp>
+      <p:sp>
+        <p:nvSpPr>
+          <p:cNvPr id="57" name="Rectangle 56">
+            <a:extLst>
+              <a:ext uri="{FF2B5EF4-FFF2-40B4-BE49-F238E27FC236}">
+                <a16:creationId xmlns:a16="http://schemas.microsoft.com/office/drawing/2014/main" id="{32B17801-F54F-BF43-A3F7-1AFFC006998D}"/>
+              </a:ext>
+            </a:extLst>
+          </p:cNvPr>
+          <p:cNvSpPr/>
+          <p:nvPr/>
+        </p:nvSpPr>
+        <p:spPr>
+          <a:xfrm>
+            <a:off x="2051200" y="1729874"/>
+            <a:ext cx="464287" cy="322806"/>
+          </a:xfrm>
+          <a:prstGeom prst="rect">
+            <a:avLst/>
+          </a:prstGeom>
+          <a:solidFill>
+            <a:srgbClr val="0096FF"/>
+          </a:solidFill>
+          <a:ln>
+            <a:noFill/>
+          </a:ln>
+        </p:spPr>
+        <p:style>
+          <a:lnRef idx="2">
+            <a:schemeClr val="accent1">
+              <a:shade val="50000"/>
+            </a:schemeClr>
+          </a:lnRef>
+          <a:fillRef idx="1">
+            <a:schemeClr val="accent1"/>
+          </a:fillRef>
+          <a:effectRef idx="0">
+            <a:schemeClr val="accent1"/>
+          </a:effectRef>
+          <a:fontRef idx="minor">
+            <a:schemeClr val="lt1"/>
+          </a:fontRef>
+        </p:style>
+        <p:txBody>
+          <a:bodyPr rtlCol="0" anchor="ctr"/>
+          <a:lstStyle/>
+          <a:p>
+            <a:pPr algn="ctr"/>
+            <a:endParaRPr lang="en-US"/>
+          </a:p>
+        </p:txBody>
+      </p:sp>
+      <p:cxnSp>
+        <p:nvCxnSpPr>
+          <p:cNvPr id="59" name="Straight Arrow Connector 58">
+            <a:extLst>
+              <a:ext uri="{FF2B5EF4-FFF2-40B4-BE49-F238E27FC236}">
+                <a16:creationId xmlns:a16="http://schemas.microsoft.com/office/drawing/2014/main" id="{451B0F41-8ED7-4A47-A622-5D15B9F0DB21}"/>
+              </a:ext>
+            </a:extLst>
+          </p:cNvPr>
+          <p:cNvCxnSpPr>
+            <a:cxnSpLocks/>
+          </p:cNvCxnSpPr>
+          <p:nvPr/>
+        </p:nvCxnSpPr>
+        <p:spPr>
+          <a:xfrm>
+            <a:off x="640613" y="2041451"/>
+            <a:ext cx="0" cy="520400"/>
+          </a:xfrm>
+          <a:prstGeom prst="straightConnector1">
+            <a:avLst/>
+          </a:prstGeom>
+          <a:ln w="19050">
+            <a:solidFill>
+              <a:schemeClr val="tx1"/>
+            </a:solidFill>
+            <a:tailEnd type="triangle"/>
+          </a:ln>
+        </p:spPr>
+        <p:style>
+          <a:lnRef idx="1">
+            <a:schemeClr val="accent1"/>
+          </a:lnRef>
+          <a:fillRef idx="0">
+            <a:schemeClr val="accent1"/>
+          </a:fillRef>
+          <a:effectRef idx="0">
+            <a:schemeClr val="accent1"/>
+          </a:effectRef>
+          <a:fontRef idx="minor">
+            <a:schemeClr val="tx1"/>
+          </a:fontRef>
+        </p:style>
+      </p:cxnSp>
+      <p:cxnSp>
+        <p:nvCxnSpPr>
+          <p:cNvPr id="61" name="Straight Arrow Connector 60">
+            <a:extLst>
+              <a:ext uri="{FF2B5EF4-FFF2-40B4-BE49-F238E27FC236}">
+                <a16:creationId xmlns:a16="http://schemas.microsoft.com/office/drawing/2014/main" id="{8F11C182-13E4-084B-ABF6-3296985112B6}"/>
+              </a:ext>
+            </a:extLst>
+          </p:cNvPr>
+          <p:cNvCxnSpPr>
+            <a:cxnSpLocks/>
+          </p:cNvCxnSpPr>
+          <p:nvPr/>
+        </p:nvCxnSpPr>
+        <p:spPr>
+          <a:xfrm>
+            <a:off x="1461979" y="2052680"/>
+            <a:ext cx="0" cy="520400"/>
+          </a:xfrm>
+          <a:prstGeom prst="straightConnector1">
+            <a:avLst/>
+          </a:prstGeom>
+          <a:ln w="19050">
+            <a:solidFill>
+              <a:schemeClr val="tx1"/>
+            </a:solidFill>
+            <a:tailEnd type="triangle"/>
+          </a:ln>
+        </p:spPr>
+        <p:style>
+          <a:lnRef idx="1">
+            <a:schemeClr val="accent1"/>
+          </a:lnRef>
+          <a:fillRef idx="0">
+            <a:schemeClr val="accent1"/>
+          </a:fillRef>
+          <a:effectRef idx="0">
+            <a:schemeClr val="accent1"/>
+          </a:effectRef>
+          <a:fontRef idx="minor">
+            <a:schemeClr val="tx1"/>
+          </a:fontRef>
+        </p:style>
+      </p:cxnSp>
+      <p:cxnSp>
+        <p:nvCxnSpPr>
+          <p:cNvPr id="62" name="Straight Arrow Connector 61">
+            <a:extLst>
+              <a:ext uri="{FF2B5EF4-FFF2-40B4-BE49-F238E27FC236}">
+                <a16:creationId xmlns:a16="http://schemas.microsoft.com/office/drawing/2014/main" id="{AE9A3432-F888-BD40-AC2D-87A4CDBB8EDE}"/>
+              </a:ext>
+            </a:extLst>
+          </p:cNvPr>
+          <p:cNvCxnSpPr>
+            <a:cxnSpLocks/>
+          </p:cNvCxnSpPr>
+          <p:nvPr/>
+        </p:nvCxnSpPr>
+        <p:spPr>
+          <a:xfrm>
+            <a:off x="2283343" y="2042351"/>
+            <a:ext cx="0" cy="520400"/>
+          </a:xfrm>
+          <a:prstGeom prst="straightConnector1">
+            <a:avLst/>
+          </a:prstGeom>
+          <a:ln w="19050">
+            <a:solidFill>
+              <a:schemeClr val="tx1"/>
+            </a:solidFill>
+            <a:tailEnd type="triangle"/>
+          </a:ln>
+        </p:spPr>
+        <p:style>
+          <a:lnRef idx="1">
+            <a:schemeClr val="accent1"/>
+          </a:lnRef>
+          <a:fillRef idx="0">
+            <a:schemeClr val="accent1"/>
+          </a:fillRef>
+          <a:effectRef idx="0">
+            <a:schemeClr val="accent1"/>
+          </a:effectRef>
+          <a:fontRef idx="minor">
+            <a:schemeClr val="tx1"/>
+          </a:fontRef>
+        </p:style>
+      </p:cxnSp>
+      <p:sp>
+        <p:nvSpPr>
+          <p:cNvPr id="63" name="TextBox 62">
+            <a:extLst>
+              <a:ext uri="{FF2B5EF4-FFF2-40B4-BE49-F238E27FC236}">
+                <a16:creationId xmlns:a16="http://schemas.microsoft.com/office/drawing/2014/main" id="{D992A725-3646-044D-B945-1DC424C71B24}"/>
+              </a:ext>
+            </a:extLst>
+          </p:cNvPr>
+          <p:cNvSpPr txBox="1"/>
+          <p:nvPr/>
+        </p:nvSpPr>
+        <p:spPr>
+          <a:xfrm>
+            <a:off x="278338" y="1247223"/>
+            <a:ext cx="2910100" cy="369332"/>
+          </a:xfrm>
+          <a:prstGeom prst="rect">
+            <a:avLst/>
+          </a:prstGeom>
+          <a:noFill/>
+        </p:spPr>
+        <p:txBody>
+          <a:bodyPr wrap="square" rtlCol="0">
+            <a:spAutoFit/>
+          </a:bodyPr>
+          <a:lstStyle/>
+          <a:p>
+            <a:r>
+              <a:rPr lang="en-US" dirty="0">
+                <a:latin typeface="Avenir Roman" panose="02000503020000020003" pitchFamily="2" charset="0"/>
+              </a:rPr>
+              <a:t>Multiple end user </a:t>
+            </a:r>
+            <a:r>
+              <a:rPr lang="en-US" dirty="0" err="1">
+                <a:latin typeface="Avenir Roman" panose="02000503020000020003" pitchFamily="2" charset="0"/>
+              </a:rPr>
+              <a:t>appl</a:t>
+            </a:r>
+            <a:endParaRPr lang="en-US" dirty="0">
+              <a:latin typeface="Avenir Roman" panose="02000503020000020003" pitchFamily="2" charset="0"/>
+            </a:endParaRPr>
+          </a:p>
+        </p:txBody>
+      </p:sp>
+      <p:sp>
+        <p:nvSpPr>
+          <p:cNvPr id="17" name="Rounded Rectangle 16">
+            <a:extLst>
+              <a:ext uri="{FF2B5EF4-FFF2-40B4-BE49-F238E27FC236}">
+                <a16:creationId xmlns:a16="http://schemas.microsoft.com/office/drawing/2014/main" id="{0C6AD8B3-9D8E-6A44-91F6-B76276B8B622}"/>
+              </a:ext>
+            </a:extLst>
+          </p:cNvPr>
+          <p:cNvSpPr/>
+          <p:nvPr/>
+        </p:nvSpPr>
+        <p:spPr>
+          <a:xfrm>
+            <a:off x="7770485" y="1178664"/>
+            <a:ext cx="1942799" cy="494211"/>
+          </a:xfrm>
+          <a:prstGeom prst="roundRect">
+            <a:avLst/>
+          </a:prstGeom>
+          <a:solidFill>
+            <a:schemeClr val="accent4">
+              <a:lumMod val="60000"/>
+              <a:lumOff val="40000"/>
+            </a:schemeClr>
+          </a:solidFill>
+          <a:ln>
+            <a:solidFill>
+              <a:schemeClr val="bg1"/>
+            </a:solidFill>
+          </a:ln>
+        </p:spPr>
+        <p:style>
+          <a:lnRef idx="2">
+            <a:schemeClr val="accent1">
+              <a:shade val="50000"/>
+            </a:schemeClr>
+          </a:lnRef>
+          <a:fillRef idx="1">
+            <a:schemeClr val="accent1"/>
+          </a:fillRef>
+          <a:effectRef idx="0">
+            <a:schemeClr val="accent1"/>
+          </a:effectRef>
+          <a:fontRef idx="minor">
+            <a:schemeClr val="lt1"/>
+          </a:fontRef>
+        </p:style>
+        <p:txBody>
+          <a:bodyPr rtlCol="0" anchor="ctr"/>
+          <a:lstStyle/>
+          <a:p>
+            <a:pPr algn="ctr"/>
+            <a:r>
+              <a:rPr lang="en-US" dirty="0" err="1">
+                <a:solidFill>
+                  <a:schemeClr val="tx1">
+                    <a:lumMod val="75000"/>
+                    <a:lumOff val="25000"/>
+                  </a:schemeClr>
+                </a:solidFill>
+                <a:latin typeface="Avenir Roman" panose="02000503020000020003" pitchFamily="2" charset="0"/>
+              </a:rPr>
+              <a:t>SparkSession</a:t>
+            </a:r>
+            <a:r>
+              <a:rPr lang="en-US" dirty="0">
+                <a:solidFill>
+                  <a:schemeClr val="tx1">
+                    <a:lumMod val="75000"/>
+                    <a:lumOff val="25000"/>
+                  </a:schemeClr>
+                </a:solidFill>
+                <a:latin typeface="Avenir Roman" panose="02000503020000020003" pitchFamily="2" charset="0"/>
+              </a:rPr>
+              <a:t> 1</a:t>
+            </a:r>
+          </a:p>
+        </p:txBody>
+      </p:sp>
+      <p:sp>
+        <p:nvSpPr>
+          <p:cNvPr id="38" name="Rounded Rectangle 37">
+            <a:extLst>
+              <a:ext uri="{FF2B5EF4-FFF2-40B4-BE49-F238E27FC236}">
+                <a16:creationId xmlns:a16="http://schemas.microsoft.com/office/drawing/2014/main" id="{3529B71C-196E-C34E-AD46-58FCF17E7328}"/>
+              </a:ext>
+            </a:extLst>
+          </p:cNvPr>
+          <p:cNvSpPr/>
+          <p:nvPr/>
+        </p:nvSpPr>
+        <p:spPr>
+          <a:xfrm>
+            <a:off x="7762513" y="2649518"/>
+            <a:ext cx="1942799" cy="494211"/>
+          </a:xfrm>
+          <a:prstGeom prst="roundRect">
+            <a:avLst/>
+          </a:prstGeom>
+          <a:solidFill>
+            <a:schemeClr val="accent4">
+              <a:lumMod val="60000"/>
+              <a:lumOff val="40000"/>
+            </a:schemeClr>
+          </a:solidFill>
+          <a:ln>
+            <a:solidFill>
+              <a:schemeClr val="bg1"/>
+            </a:solidFill>
+          </a:ln>
+        </p:spPr>
+        <p:style>
+          <a:lnRef idx="2">
+            <a:schemeClr val="accent1">
+              <a:shade val="50000"/>
+            </a:schemeClr>
+          </a:lnRef>
+          <a:fillRef idx="1">
+            <a:schemeClr val="accent1"/>
+          </a:fillRef>
+          <a:effectRef idx="0">
+            <a:schemeClr val="accent1"/>
+          </a:effectRef>
+          <a:fontRef idx="minor">
+            <a:schemeClr val="lt1"/>
+          </a:fontRef>
+        </p:style>
+        <p:txBody>
+          <a:bodyPr rtlCol="0" anchor="ctr"/>
+          <a:lstStyle/>
+          <a:p>
+            <a:pPr algn="ctr"/>
+            <a:r>
+              <a:rPr lang="en-US" dirty="0" err="1">
+                <a:solidFill>
+                  <a:schemeClr val="tx1">
+                    <a:lumMod val="75000"/>
+                    <a:lumOff val="25000"/>
+                  </a:schemeClr>
+                </a:solidFill>
+                <a:latin typeface="Avenir Roman" panose="02000503020000020003" pitchFamily="2" charset="0"/>
+              </a:rPr>
+              <a:t>SparkSession</a:t>
+            </a:r>
+            <a:r>
+              <a:rPr lang="en-US" dirty="0">
+                <a:solidFill>
+                  <a:schemeClr val="tx1">
+                    <a:lumMod val="75000"/>
+                    <a:lumOff val="25000"/>
+                  </a:schemeClr>
+                </a:solidFill>
+                <a:latin typeface="Avenir Roman" panose="02000503020000020003" pitchFamily="2" charset="0"/>
+              </a:rPr>
+              <a:t> 2</a:t>
+            </a:r>
+          </a:p>
+        </p:txBody>
+      </p:sp>
+      <p:sp>
+        <p:nvSpPr>
+          <p:cNvPr id="41" name="Rounded Rectangle 40">
+            <a:extLst>
+              <a:ext uri="{FF2B5EF4-FFF2-40B4-BE49-F238E27FC236}">
+                <a16:creationId xmlns:a16="http://schemas.microsoft.com/office/drawing/2014/main" id="{0A6D20A1-95AE-D14F-82DA-9B12ACE35B63}"/>
+              </a:ext>
+            </a:extLst>
+          </p:cNvPr>
+          <p:cNvSpPr/>
+          <p:nvPr/>
+        </p:nvSpPr>
+        <p:spPr>
+          <a:xfrm>
+            <a:off x="7765174" y="4107184"/>
+            <a:ext cx="1942799" cy="494211"/>
+          </a:xfrm>
+          <a:prstGeom prst="roundRect">
+            <a:avLst/>
+          </a:prstGeom>
+          <a:solidFill>
+            <a:schemeClr val="accent4">
+              <a:lumMod val="60000"/>
+              <a:lumOff val="40000"/>
+            </a:schemeClr>
+          </a:solidFill>
+          <a:ln>
+            <a:solidFill>
+              <a:schemeClr val="bg1"/>
+            </a:solidFill>
+          </a:ln>
+        </p:spPr>
+        <p:style>
+          <a:lnRef idx="2">
+            <a:schemeClr val="accent1">
+              <a:shade val="50000"/>
+            </a:schemeClr>
+          </a:lnRef>
+          <a:fillRef idx="1">
+            <a:schemeClr val="accent1"/>
+          </a:fillRef>
+          <a:effectRef idx="0">
+            <a:schemeClr val="accent1"/>
+          </a:effectRef>
+          <a:fontRef idx="minor">
+            <a:schemeClr val="lt1"/>
+          </a:fontRef>
+        </p:style>
+        <p:txBody>
+          <a:bodyPr rtlCol="0" anchor="ctr"/>
+          <a:lstStyle/>
+          <a:p>
+            <a:pPr algn="ctr"/>
+            <a:r>
+              <a:rPr lang="en-US" dirty="0" err="1">
+                <a:solidFill>
+                  <a:schemeClr val="tx1">
+                    <a:lumMod val="75000"/>
+                    <a:lumOff val="25000"/>
+                  </a:schemeClr>
+                </a:solidFill>
+                <a:latin typeface="Avenir Roman" panose="02000503020000020003" pitchFamily="2" charset="0"/>
+              </a:rPr>
+              <a:t>SparkSession</a:t>
+            </a:r>
+            <a:r>
+              <a:rPr lang="en-US" dirty="0">
+                <a:solidFill>
+                  <a:schemeClr val="tx1">
+                    <a:lumMod val="75000"/>
+                    <a:lumOff val="25000"/>
+                  </a:schemeClr>
+                </a:solidFill>
+                <a:latin typeface="Avenir Roman" panose="02000503020000020003" pitchFamily="2" charset="0"/>
+              </a:rPr>
+              <a:t> 3</a:t>
+            </a:r>
+          </a:p>
+        </p:txBody>
+      </p:sp>
+      <p:cxnSp>
+        <p:nvCxnSpPr>
+          <p:cNvPr id="42" name="Elbow Connector 41">
+            <a:extLst>
+              <a:ext uri="{FF2B5EF4-FFF2-40B4-BE49-F238E27FC236}">
+                <a16:creationId xmlns:a16="http://schemas.microsoft.com/office/drawing/2014/main" id="{F98C6F17-84C4-0A4B-9C07-8D1E9157FF73}"/>
+              </a:ext>
+            </a:extLst>
+          </p:cNvPr>
+          <p:cNvCxnSpPr>
+            <a:cxnSpLocks/>
+            <a:stCxn id="38" idx="3"/>
+            <a:endCxn id="5" idx="1"/>
+          </p:cNvCxnSpPr>
+          <p:nvPr/>
+        </p:nvCxnSpPr>
+        <p:spPr>
+          <a:xfrm>
+            <a:off x="9705312" y="2896624"/>
+            <a:ext cx="408465" cy="60293"/>
+          </a:xfrm>
+          <a:prstGeom prst="bentConnector3">
+            <a:avLst>
+              <a:gd name="adj1" fmla="val 50000"/>
+            </a:avLst>
+          </a:prstGeom>
+          <a:ln w="19050">
+            <a:solidFill>
+              <a:schemeClr val="bg1"/>
+            </a:solidFill>
+            <a:tailEnd type="triangle"/>
+          </a:ln>
+        </p:spPr>
+        <p:style>
+          <a:lnRef idx="1">
+            <a:schemeClr val="accent1"/>
+          </a:lnRef>
+          <a:fillRef idx="0">
+            <a:schemeClr val="accent1"/>
+          </a:fillRef>
+          <a:effectRef idx="0">
+            <a:schemeClr val="accent1"/>
+          </a:effectRef>
+          <a:fontRef idx="minor">
+            <a:schemeClr val="tx1"/>
+          </a:fontRef>
+        </p:style>
+      </p:cxnSp>
+      <p:cxnSp>
+        <p:nvCxnSpPr>
+          <p:cNvPr id="45" name="Elbow Connector 44">
+            <a:extLst>
+              <a:ext uri="{FF2B5EF4-FFF2-40B4-BE49-F238E27FC236}">
+                <a16:creationId xmlns:a16="http://schemas.microsoft.com/office/drawing/2014/main" id="{CE9365F9-187A-F147-9673-727C793D2757}"/>
+              </a:ext>
+            </a:extLst>
+          </p:cNvPr>
+          <p:cNvCxnSpPr>
+            <a:cxnSpLocks/>
+            <a:stCxn id="41" idx="3"/>
+            <a:endCxn id="5" idx="2"/>
+          </p:cNvCxnSpPr>
+          <p:nvPr/>
+        </p:nvCxnSpPr>
+        <p:spPr>
+          <a:xfrm flipV="1">
+            <a:off x="9707973" y="3176301"/>
+            <a:ext cx="1254194" cy="1177989"/>
+          </a:xfrm>
+          <a:prstGeom prst="bentConnector2">
+            <a:avLst/>
+          </a:prstGeom>
+          <a:ln w="19050">
+            <a:solidFill>
+              <a:schemeClr val="bg1"/>
+            </a:solidFill>
+            <a:tailEnd type="triangle"/>
+          </a:ln>
+        </p:spPr>
+        <p:style>
+          <a:lnRef idx="1">
+            <a:schemeClr val="accent1"/>
+          </a:lnRef>
+          <a:fillRef idx="0">
+            <a:schemeClr val="accent1"/>
+          </a:fillRef>
+          <a:effectRef idx="0">
+            <a:schemeClr val="accent1"/>
+          </a:effectRef>
+          <a:fontRef idx="minor">
+            <a:schemeClr val="tx1"/>
+          </a:fontRef>
+        </p:style>
+      </p:cxnSp>
+    </p:spTree>
+    <p:extLst>
+      <p:ext uri="{BB962C8B-B14F-4D97-AF65-F5344CB8AC3E}">
+        <p14:creationId xmlns:p14="http://schemas.microsoft.com/office/powerpoint/2010/main" val="85073718"/>
       </p:ext>
     </p:extLst>
   </p:cSld>

--- a/Partitioning & SparkContext.pptx
+++ b/Partitioning & SparkContext.pptx
@@ -8,6 +8,7 @@
     <p:sldId id="256" r:id="rId2"/>
     <p:sldId id="257" r:id="rId3"/>
     <p:sldId id="258" r:id="rId4"/>
+    <p:sldId id="259" r:id="rId5"/>
   </p:sldIdLst>
   <p:sldSz cx="12192000" cy="6858000"/>
   <p:notesSz cx="6858000" cy="9144000"/>
@@ -261,7 +262,7 @@
           <a:p>
             <a:fld id="{47E0D79E-6804-0B41-9659-BE215799C31E}" type="datetimeFigureOut">
               <a:rPr lang="en-US" smtClean="0"/>
-              <a:t>4/11/20</a:t>
+              <a:t>4/17/20</a:t>
             </a:fld>
             <a:endParaRPr lang="en-US"/>
           </a:p>
@@ -459,7 +460,7 @@
           <a:p>
             <a:fld id="{47E0D79E-6804-0B41-9659-BE215799C31E}" type="datetimeFigureOut">
               <a:rPr lang="en-US" smtClean="0"/>
-              <a:t>4/11/20</a:t>
+              <a:t>4/17/20</a:t>
             </a:fld>
             <a:endParaRPr lang="en-US"/>
           </a:p>
@@ -667,7 +668,7 @@
           <a:p>
             <a:fld id="{47E0D79E-6804-0B41-9659-BE215799C31E}" type="datetimeFigureOut">
               <a:rPr lang="en-US" smtClean="0"/>
-              <a:t>4/11/20</a:t>
+              <a:t>4/17/20</a:t>
             </a:fld>
             <a:endParaRPr lang="en-US"/>
           </a:p>
@@ -865,7 +866,7 @@
           <a:p>
             <a:fld id="{47E0D79E-6804-0B41-9659-BE215799C31E}" type="datetimeFigureOut">
               <a:rPr lang="en-US" smtClean="0"/>
-              <a:t>4/11/20</a:t>
+              <a:t>4/17/20</a:t>
             </a:fld>
             <a:endParaRPr lang="en-US"/>
           </a:p>
@@ -1140,7 +1141,7 @@
           <a:p>
             <a:fld id="{47E0D79E-6804-0B41-9659-BE215799C31E}" type="datetimeFigureOut">
               <a:rPr lang="en-US" smtClean="0"/>
-              <a:t>4/11/20</a:t>
+              <a:t>4/17/20</a:t>
             </a:fld>
             <a:endParaRPr lang="en-US"/>
           </a:p>
@@ -1405,7 +1406,7 @@
           <a:p>
             <a:fld id="{47E0D79E-6804-0B41-9659-BE215799C31E}" type="datetimeFigureOut">
               <a:rPr lang="en-US" smtClean="0"/>
-              <a:t>4/11/20</a:t>
+              <a:t>4/17/20</a:t>
             </a:fld>
             <a:endParaRPr lang="en-US"/>
           </a:p>
@@ -1817,7 +1818,7 @@
           <a:p>
             <a:fld id="{47E0D79E-6804-0B41-9659-BE215799C31E}" type="datetimeFigureOut">
               <a:rPr lang="en-US" smtClean="0"/>
-              <a:t>4/11/20</a:t>
+              <a:t>4/17/20</a:t>
             </a:fld>
             <a:endParaRPr lang="en-US"/>
           </a:p>
@@ -1958,7 +1959,7 @@
           <a:p>
             <a:fld id="{47E0D79E-6804-0B41-9659-BE215799C31E}" type="datetimeFigureOut">
               <a:rPr lang="en-US" smtClean="0"/>
-              <a:t>4/11/20</a:t>
+              <a:t>4/17/20</a:t>
             </a:fld>
             <a:endParaRPr lang="en-US"/>
           </a:p>
@@ -2071,7 +2072,7 @@
           <a:p>
             <a:fld id="{47E0D79E-6804-0B41-9659-BE215799C31E}" type="datetimeFigureOut">
               <a:rPr lang="en-US" smtClean="0"/>
-              <a:t>4/11/20</a:t>
+              <a:t>4/17/20</a:t>
             </a:fld>
             <a:endParaRPr lang="en-US"/>
           </a:p>
@@ -2382,7 +2383,7 @@
           <a:p>
             <a:fld id="{47E0D79E-6804-0B41-9659-BE215799C31E}" type="datetimeFigureOut">
               <a:rPr lang="en-US" smtClean="0"/>
-              <a:t>4/11/20</a:t>
+              <a:t>4/17/20</a:t>
             </a:fld>
             <a:endParaRPr lang="en-US"/>
           </a:p>
@@ -2670,7 +2671,7 @@
           <a:p>
             <a:fld id="{47E0D79E-6804-0B41-9659-BE215799C31E}" type="datetimeFigureOut">
               <a:rPr lang="en-US" smtClean="0"/>
-              <a:t>4/11/20</a:t>
+              <a:t>4/17/20</a:t>
             </a:fld>
             <a:endParaRPr lang="en-US"/>
           </a:p>
@@ -2911,7 +2912,7 @@
           <a:p>
             <a:fld id="{47E0D79E-6804-0B41-9659-BE215799C31E}" type="datetimeFigureOut">
               <a:rPr lang="en-US" smtClean="0"/>
-              <a:t>4/11/20</a:t>
+              <a:t>4/17/20</a:t>
             </a:fld>
             <a:endParaRPr lang="en-US"/>
           </a:p>
@@ -7868,6 +7869,1141 @@
 </p:sld>
 </file>
 
+<file path=ppt/slides/slide4.xml><?xml version="1.0" encoding="utf-8"?>
+<p:sld xmlns:a="http://schemas.openxmlformats.org/drawingml/2006/main" xmlns:r="http://schemas.openxmlformats.org/officeDocument/2006/relationships" xmlns:p="http://schemas.openxmlformats.org/presentationml/2006/main">
+  <p:cSld>
+    <p:spTree>
+      <p:nvGrpSpPr>
+        <p:cNvPr id="1" name=""/>
+        <p:cNvGrpSpPr/>
+        <p:nvPr/>
+      </p:nvGrpSpPr>
+      <p:grpSpPr>
+        <a:xfrm>
+          <a:off x="0" y="0"/>
+          <a:ext cx="0" cy="0"/>
+          <a:chOff x="0" y="0"/>
+          <a:chExt cx="0" cy="0"/>
+        </a:xfrm>
+      </p:grpSpPr>
+      <p:sp>
+        <p:nvSpPr>
+          <p:cNvPr id="2" name="Title 1">
+            <a:extLst>
+              <a:ext uri="{FF2B5EF4-FFF2-40B4-BE49-F238E27FC236}">
+                <a16:creationId xmlns:a16="http://schemas.microsoft.com/office/drawing/2014/main" id="{6221D110-9F03-EF47-AC5C-1EAB8071190E}"/>
+              </a:ext>
+            </a:extLst>
+          </p:cNvPr>
+          <p:cNvSpPr>
+            <a:spLocks noGrp="1"/>
+          </p:cNvSpPr>
+          <p:nvPr>
+            <p:ph type="title"/>
+          </p:nvPr>
+        </p:nvSpPr>
+        <p:spPr>
+          <a:xfrm>
+            <a:off x="423530" y="195005"/>
+            <a:ext cx="10515600" cy="868252"/>
+          </a:xfrm>
+        </p:spPr>
+        <p:txBody>
+          <a:bodyPr/>
+          <a:lstStyle/>
+          <a:p>
+            <a:r>
+              <a:rPr lang="en-US" dirty="0">
+                <a:latin typeface="Avenir Roman" panose="02000503020000020003" pitchFamily="2" charset="0"/>
+              </a:rPr>
+              <a:t>Execution Plan – Catalyst Optimizer</a:t>
+            </a:r>
+          </a:p>
+        </p:txBody>
+      </p:sp>
+      <p:sp>
+        <p:nvSpPr>
+          <p:cNvPr id="4" name="Rectangle 3">
+            <a:extLst>
+              <a:ext uri="{FF2B5EF4-FFF2-40B4-BE49-F238E27FC236}">
+                <a16:creationId xmlns:a16="http://schemas.microsoft.com/office/drawing/2014/main" id="{AB8D6067-BF88-8C49-9701-B4C7175E7524}"/>
+              </a:ext>
+            </a:extLst>
+          </p:cNvPr>
+          <p:cNvSpPr/>
+          <p:nvPr/>
+        </p:nvSpPr>
+        <p:spPr>
+          <a:xfrm>
+            <a:off x="127592" y="1607285"/>
+            <a:ext cx="1286538" cy="382773"/>
+          </a:xfrm>
+          <a:prstGeom prst="rect">
+            <a:avLst/>
+          </a:prstGeom>
+          <a:solidFill>
+            <a:srgbClr val="0096FF"/>
+          </a:solidFill>
+          <a:ln>
+            <a:noFill/>
+          </a:ln>
+        </p:spPr>
+        <p:style>
+          <a:lnRef idx="2">
+            <a:schemeClr val="accent1">
+              <a:shade val="50000"/>
+            </a:schemeClr>
+          </a:lnRef>
+          <a:fillRef idx="1">
+            <a:schemeClr val="accent1"/>
+          </a:fillRef>
+          <a:effectRef idx="0">
+            <a:schemeClr val="accent1"/>
+          </a:effectRef>
+          <a:fontRef idx="minor">
+            <a:schemeClr val="lt1"/>
+          </a:fontRef>
+        </p:style>
+        <p:txBody>
+          <a:bodyPr rtlCol="0" anchor="ctr"/>
+          <a:lstStyle/>
+          <a:p>
+            <a:pPr algn="ctr"/>
+            <a:r>
+              <a:rPr lang="en-US" sz="1600" dirty="0">
+                <a:latin typeface="Avenir Roman" panose="02000503020000020003" pitchFamily="2" charset="0"/>
+              </a:rPr>
+              <a:t>Spark SQL</a:t>
+            </a:r>
+          </a:p>
+        </p:txBody>
+      </p:sp>
+      <p:sp>
+        <p:nvSpPr>
+          <p:cNvPr id="5" name="Rectangle 4">
+            <a:extLst>
+              <a:ext uri="{FF2B5EF4-FFF2-40B4-BE49-F238E27FC236}">
+                <a16:creationId xmlns:a16="http://schemas.microsoft.com/office/drawing/2014/main" id="{5B475EDC-CD43-424D-9478-133BF5BA0111}"/>
+              </a:ext>
+            </a:extLst>
+          </p:cNvPr>
+          <p:cNvSpPr/>
+          <p:nvPr/>
+        </p:nvSpPr>
+        <p:spPr>
+          <a:xfrm>
+            <a:off x="127591" y="3012555"/>
+            <a:ext cx="1286537" cy="382773"/>
+          </a:xfrm>
+          <a:prstGeom prst="rect">
+            <a:avLst/>
+          </a:prstGeom>
+          <a:solidFill>
+            <a:srgbClr val="0096FF"/>
+          </a:solidFill>
+          <a:ln>
+            <a:noFill/>
+          </a:ln>
+        </p:spPr>
+        <p:style>
+          <a:lnRef idx="2">
+            <a:schemeClr val="accent1">
+              <a:shade val="50000"/>
+            </a:schemeClr>
+          </a:lnRef>
+          <a:fillRef idx="1">
+            <a:schemeClr val="accent1"/>
+          </a:fillRef>
+          <a:effectRef idx="0">
+            <a:schemeClr val="accent1"/>
+          </a:effectRef>
+          <a:fontRef idx="minor">
+            <a:schemeClr val="lt1"/>
+          </a:fontRef>
+        </p:style>
+        <p:txBody>
+          <a:bodyPr rtlCol="0" anchor="ctr"/>
+          <a:lstStyle/>
+          <a:p>
+            <a:pPr algn="ctr"/>
+            <a:r>
+              <a:rPr lang="en-US" sz="1600" dirty="0" err="1">
+                <a:latin typeface="Avenir Roman" panose="02000503020000020003" pitchFamily="2" charset="0"/>
+              </a:rPr>
+              <a:t>DataFrame</a:t>
+            </a:r>
+            <a:endParaRPr lang="en-US" sz="1600" dirty="0">
+              <a:latin typeface="Avenir Roman" panose="02000503020000020003" pitchFamily="2" charset="0"/>
+            </a:endParaRPr>
+          </a:p>
+        </p:txBody>
+      </p:sp>
+      <p:sp>
+        <p:nvSpPr>
+          <p:cNvPr id="6" name="Rectangle 5">
+            <a:extLst>
+              <a:ext uri="{FF2B5EF4-FFF2-40B4-BE49-F238E27FC236}">
+                <a16:creationId xmlns:a16="http://schemas.microsoft.com/office/drawing/2014/main" id="{20EBEB6F-4BCD-4944-80BA-E32BD186F098}"/>
+              </a:ext>
+            </a:extLst>
+          </p:cNvPr>
+          <p:cNvSpPr/>
+          <p:nvPr/>
+        </p:nvSpPr>
+        <p:spPr>
+          <a:xfrm>
+            <a:off x="1811080" y="2030817"/>
+            <a:ext cx="1158949" cy="779720"/>
+          </a:xfrm>
+          <a:prstGeom prst="rect">
+            <a:avLst/>
+          </a:prstGeom>
+          <a:solidFill>
+            <a:srgbClr val="FF9300"/>
+          </a:solidFill>
+          <a:ln>
+            <a:noFill/>
+          </a:ln>
+        </p:spPr>
+        <p:style>
+          <a:lnRef idx="2">
+            <a:schemeClr val="accent1">
+              <a:shade val="50000"/>
+            </a:schemeClr>
+          </a:lnRef>
+          <a:fillRef idx="1">
+            <a:schemeClr val="accent1"/>
+          </a:fillRef>
+          <a:effectRef idx="0">
+            <a:schemeClr val="accent1"/>
+          </a:effectRef>
+          <a:fontRef idx="minor">
+            <a:schemeClr val="lt1"/>
+          </a:fontRef>
+        </p:style>
+        <p:txBody>
+          <a:bodyPr rtlCol="0" anchor="ctr"/>
+          <a:lstStyle/>
+          <a:p>
+            <a:pPr algn="ctr"/>
+            <a:r>
+              <a:rPr lang="en-US" sz="1400" dirty="0">
+                <a:latin typeface="Avenir Roman" panose="02000503020000020003" pitchFamily="2" charset="0"/>
+              </a:rPr>
+              <a:t>Unresolved Logical Plan</a:t>
+            </a:r>
+          </a:p>
+        </p:txBody>
+      </p:sp>
+      <p:sp>
+        <p:nvSpPr>
+          <p:cNvPr id="7" name="Rectangle 6">
+            <a:extLst>
+              <a:ext uri="{FF2B5EF4-FFF2-40B4-BE49-F238E27FC236}">
+                <a16:creationId xmlns:a16="http://schemas.microsoft.com/office/drawing/2014/main" id="{37E00159-98E2-3549-899D-73B880A4D759}"/>
+              </a:ext>
+            </a:extLst>
+          </p:cNvPr>
+          <p:cNvSpPr/>
+          <p:nvPr/>
+        </p:nvSpPr>
+        <p:spPr>
+          <a:xfrm>
+            <a:off x="3379381" y="2030817"/>
+            <a:ext cx="1158949" cy="779720"/>
+          </a:xfrm>
+          <a:prstGeom prst="rect">
+            <a:avLst/>
+          </a:prstGeom>
+          <a:solidFill>
+            <a:srgbClr val="FF9300"/>
+          </a:solidFill>
+          <a:ln>
+            <a:noFill/>
+          </a:ln>
+        </p:spPr>
+        <p:style>
+          <a:lnRef idx="2">
+            <a:schemeClr val="accent1">
+              <a:shade val="50000"/>
+            </a:schemeClr>
+          </a:lnRef>
+          <a:fillRef idx="1">
+            <a:schemeClr val="accent1"/>
+          </a:fillRef>
+          <a:effectRef idx="0">
+            <a:schemeClr val="accent1"/>
+          </a:effectRef>
+          <a:fontRef idx="minor">
+            <a:schemeClr val="lt1"/>
+          </a:fontRef>
+        </p:style>
+        <p:txBody>
+          <a:bodyPr rtlCol="0" anchor="ctr"/>
+          <a:lstStyle/>
+          <a:p>
+            <a:pPr algn="ctr"/>
+            <a:r>
+              <a:rPr lang="en-US" sz="1400" dirty="0">
+                <a:latin typeface="Avenir Roman" panose="02000503020000020003" pitchFamily="2" charset="0"/>
+              </a:rPr>
+              <a:t>Resolved Logical Plan</a:t>
+            </a:r>
+          </a:p>
+        </p:txBody>
+      </p:sp>
+      <p:sp>
+        <p:nvSpPr>
+          <p:cNvPr id="8" name="Rectangle 7">
+            <a:extLst>
+              <a:ext uri="{FF2B5EF4-FFF2-40B4-BE49-F238E27FC236}">
+                <a16:creationId xmlns:a16="http://schemas.microsoft.com/office/drawing/2014/main" id="{0AB64878-87D5-F647-A5C8-D424DF7DB022}"/>
+              </a:ext>
+            </a:extLst>
+          </p:cNvPr>
+          <p:cNvSpPr/>
+          <p:nvPr/>
+        </p:nvSpPr>
+        <p:spPr>
+          <a:xfrm>
+            <a:off x="4976039" y="2030817"/>
+            <a:ext cx="1158949" cy="779720"/>
+          </a:xfrm>
+          <a:prstGeom prst="rect">
+            <a:avLst/>
+          </a:prstGeom>
+          <a:solidFill>
+            <a:srgbClr val="FF9300"/>
+          </a:solidFill>
+          <a:ln>
+            <a:noFill/>
+          </a:ln>
+        </p:spPr>
+        <p:style>
+          <a:lnRef idx="2">
+            <a:schemeClr val="accent1">
+              <a:shade val="50000"/>
+            </a:schemeClr>
+          </a:lnRef>
+          <a:fillRef idx="1">
+            <a:schemeClr val="accent1"/>
+          </a:fillRef>
+          <a:effectRef idx="0">
+            <a:schemeClr val="accent1"/>
+          </a:effectRef>
+          <a:fontRef idx="minor">
+            <a:schemeClr val="lt1"/>
+          </a:fontRef>
+        </p:style>
+        <p:txBody>
+          <a:bodyPr rtlCol="0" anchor="ctr"/>
+          <a:lstStyle/>
+          <a:p>
+            <a:pPr algn="ctr"/>
+            <a:r>
+              <a:rPr lang="en-US" sz="1400" dirty="0">
+                <a:latin typeface="Avenir Roman" panose="02000503020000020003" pitchFamily="2" charset="0"/>
+              </a:rPr>
+              <a:t>Optimized Logical Plan</a:t>
+            </a:r>
+          </a:p>
+        </p:txBody>
+      </p:sp>
+      <p:sp>
+        <p:nvSpPr>
+          <p:cNvPr id="9" name="Rectangle 8">
+            <a:extLst>
+              <a:ext uri="{FF2B5EF4-FFF2-40B4-BE49-F238E27FC236}">
+                <a16:creationId xmlns:a16="http://schemas.microsoft.com/office/drawing/2014/main" id="{F70FB0E5-FEE2-324F-9144-31A069A03D3C}"/>
+              </a:ext>
+            </a:extLst>
+          </p:cNvPr>
+          <p:cNvSpPr/>
+          <p:nvPr/>
+        </p:nvSpPr>
+        <p:spPr>
+          <a:xfrm>
+            <a:off x="6592184" y="2030817"/>
+            <a:ext cx="988826" cy="779720"/>
+          </a:xfrm>
+          <a:prstGeom prst="rect">
+            <a:avLst/>
+          </a:prstGeom>
+          <a:solidFill>
+            <a:srgbClr val="00B050"/>
+          </a:solidFill>
+          <a:ln>
+            <a:noFill/>
+          </a:ln>
+        </p:spPr>
+        <p:style>
+          <a:lnRef idx="2">
+            <a:schemeClr val="accent1">
+              <a:shade val="50000"/>
+            </a:schemeClr>
+          </a:lnRef>
+          <a:fillRef idx="1">
+            <a:schemeClr val="accent1"/>
+          </a:fillRef>
+          <a:effectRef idx="0">
+            <a:schemeClr val="accent1"/>
+          </a:effectRef>
+          <a:fontRef idx="minor">
+            <a:schemeClr val="lt1"/>
+          </a:fontRef>
+        </p:style>
+        <p:txBody>
+          <a:bodyPr rtlCol="0" anchor="ctr"/>
+          <a:lstStyle/>
+          <a:p>
+            <a:pPr algn="ctr"/>
+            <a:r>
+              <a:rPr lang="en-US" sz="1600" dirty="0">
+                <a:latin typeface="Avenir Roman" panose="02000503020000020003" pitchFamily="2" charset="0"/>
+              </a:rPr>
+              <a:t>Physical Plan</a:t>
+            </a:r>
+          </a:p>
+        </p:txBody>
+      </p:sp>
+      <p:cxnSp>
+        <p:nvCxnSpPr>
+          <p:cNvPr id="13" name="Elbow Connector 12">
+            <a:extLst>
+              <a:ext uri="{FF2B5EF4-FFF2-40B4-BE49-F238E27FC236}">
+                <a16:creationId xmlns:a16="http://schemas.microsoft.com/office/drawing/2014/main" id="{13BAED3B-61FE-2E42-AF08-6B5F19CE5FC3}"/>
+              </a:ext>
+            </a:extLst>
+          </p:cNvPr>
+          <p:cNvCxnSpPr>
+            <a:cxnSpLocks/>
+            <a:stCxn id="4" idx="3"/>
+            <a:endCxn id="6" idx="0"/>
+          </p:cNvCxnSpPr>
+          <p:nvPr/>
+        </p:nvCxnSpPr>
+        <p:spPr>
+          <a:xfrm>
+            <a:off x="1414130" y="1798672"/>
+            <a:ext cx="976425" cy="232145"/>
+          </a:xfrm>
+          <a:prstGeom prst="bentConnector2">
+            <a:avLst/>
+          </a:prstGeom>
+          <a:ln w="19050">
+            <a:solidFill>
+              <a:schemeClr val="tx1">
+                <a:lumMod val="50000"/>
+                <a:lumOff val="50000"/>
+              </a:schemeClr>
+            </a:solidFill>
+            <a:prstDash val="dash"/>
+            <a:tailEnd type="triangle"/>
+          </a:ln>
+        </p:spPr>
+        <p:style>
+          <a:lnRef idx="1">
+            <a:schemeClr val="accent1"/>
+          </a:lnRef>
+          <a:fillRef idx="0">
+            <a:schemeClr val="accent1"/>
+          </a:fillRef>
+          <a:effectRef idx="0">
+            <a:schemeClr val="accent1"/>
+          </a:effectRef>
+          <a:fontRef idx="minor">
+            <a:schemeClr val="tx1"/>
+          </a:fontRef>
+        </p:style>
+      </p:cxnSp>
+      <p:cxnSp>
+        <p:nvCxnSpPr>
+          <p:cNvPr id="14" name="Elbow Connector 13">
+            <a:extLst>
+              <a:ext uri="{FF2B5EF4-FFF2-40B4-BE49-F238E27FC236}">
+                <a16:creationId xmlns:a16="http://schemas.microsoft.com/office/drawing/2014/main" id="{2225352A-92E3-BA4F-A680-06974E15C74C}"/>
+              </a:ext>
+            </a:extLst>
+          </p:cNvPr>
+          <p:cNvCxnSpPr>
+            <a:cxnSpLocks/>
+            <a:endCxn id="6" idx="2"/>
+          </p:cNvCxnSpPr>
+          <p:nvPr/>
+        </p:nvCxnSpPr>
+        <p:spPr>
+          <a:xfrm flipV="1">
+            <a:off x="1414129" y="2810537"/>
+            <a:ext cx="976426" cy="393404"/>
+          </a:xfrm>
+          <a:prstGeom prst="bentConnector2">
+            <a:avLst/>
+          </a:prstGeom>
+          <a:ln w="19050">
+            <a:solidFill>
+              <a:schemeClr val="tx1">
+                <a:lumMod val="85000"/>
+                <a:lumOff val="15000"/>
+              </a:schemeClr>
+            </a:solidFill>
+            <a:tailEnd type="triangle"/>
+          </a:ln>
+        </p:spPr>
+        <p:style>
+          <a:lnRef idx="1">
+            <a:schemeClr val="accent1"/>
+          </a:lnRef>
+          <a:fillRef idx="0">
+            <a:schemeClr val="accent1"/>
+          </a:fillRef>
+          <a:effectRef idx="0">
+            <a:schemeClr val="accent1"/>
+          </a:effectRef>
+          <a:fontRef idx="minor">
+            <a:schemeClr val="tx1"/>
+          </a:fontRef>
+        </p:style>
+      </p:cxnSp>
+      <p:cxnSp>
+        <p:nvCxnSpPr>
+          <p:cNvPr id="17" name="Straight Arrow Connector 16">
+            <a:extLst>
+              <a:ext uri="{FF2B5EF4-FFF2-40B4-BE49-F238E27FC236}">
+                <a16:creationId xmlns:a16="http://schemas.microsoft.com/office/drawing/2014/main" id="{0EC1AAE6-455D-A247-83C3-AFDE81EE9183}"/>
+              </a:ext>
+            </a:extLst>
+          </p:cNvPr>
+          <p:cNvCxnSpPr>
+            <a:stCxn id="6" idx="3"/>
+            <a:endCxn id="7" idx="1"/>
+          </p:cNvCxnSpPr>
+          <p:nvPr/>
+        </p:nvCxnSpPr>
+        <p:spPr>
+          <a:xfrm>
+            <a:off x="2970029" y="2420677"/>
+            <a:ext cx="409352" cy="0"/>
+          </a:xfrm>
+          <a:prstGeom prst="straightConnector1">
+            <a:avLst/>
+          </a:prstGeom>
+          <a:ln w="19050">
+            <a:solidFill>
+              <a:schemeClr val="tx1">
+                <a:lumMod val="85000"/>
+                <a:lumOff val="15000"/>
+              </a:schemeClr>
+            </a:solidFill>
+            <a:tailEnd type="triangle"/>
+          </a:ln>
+        </p:spPr>
+        <p:style>
+          <a:lnRef idx="1">
+            <a:schemeClr val="accent1"/>
+          </a:lnRef>
+          <a:fillRef idx="0">
+            <a:schemeClr val="accent1"/>
+          </a:fillRef>
+          <a:effectRef idx="0">
+            <a:schemeClr val="accent1"/>
+          </a:effectRef>
+          <a:fontRef idx="minor">
+            <a:schemeClr val="tx1"/>
+          </a:fontRef>
+        </p:style>
+      </p:cxnSp>
+      <p:cxnSp>
+        <p:nvCxnSpPr>
+          <p:cNvPr id="18" name="Straight Arrow Connector 17">
+            <a:extLst>
+              <a:ext uri="{FF2B5EF4-FFF2-40B4-BE49-F238E27FC236}">
+                <a16:creationId xmlns:a16="http://schemas.microsoft.com/office/drawing/2014/main" id="{070081C8-2C84-6548-BA8C-4138923B983C}"/>
+              </a:ext>
+            </a:extLst>
+          </p:cNvPr>
+          <p:cNvCxnSpPr>
+            <a:cxnSpLocks/>
+            <a:stCxn id="7" idx="3"/>
+            <a:endCxn id="8" idx="1"/>
+          </p:cNvCxnSpPr>
+          <p:nvPr/>
+        </p:nvCxnSpPr>
+        <p:spPr>
+          <a:xfrm>
+            <a:off x="4538330" y="2420677"/>
+            <a:ext cx="437709" cy="0"/>
+          </a:xfrm>
+          <a:prstGeom prst="straightConnector1">
+            <a:avLst/>
+          </a:prstGeom>
+          <a:ln w="19050">
+            <a:solidFill>
+              <a:schemeClr val="tx1">
+                <a:lumMod val="85000"/>
+                <a:lumOff val="15000"/>
+              </a:schemeClr>
+            </a:solidFill>
+            <a:tailEnd type="triangle"/>
+          </a:ln>
+        </p:spPr>
+        <p:style>
+          <a:lnRef idx="1">
+            <a:schemeClr val="accent1"/>
+          </a:lnRef>
+          <a:fillRef idx="0">
+            <a:schemeClr val="accent1"/>
+          </a:fillRef>
+          <a:effectRef idx="0">
+            <a:schemeClr val="accent1"/>
+          </a:effectRef>
+          <a:fontRef idx="minor">
+            <a:schemeClr val="tx1"/>
+          </a:fontRef>
+        </p:style>
+      </p:cxnSp>
+      <p:cxnSp>
+        <p:nvCxnSpPr>
+          <p:cNvPr id="19" name="Straight Arrow Connector 18">
+            <a:extLst>
+              <a:ext uri="{FF2B5EF4-FFF2-40B4-BE49-F238E27FC236}">
+                <a16:creationId xmlns:a16="http://schemas.microsoft.com/office/drawing/2014/main" id="{9404F2AE-8A4C-DD42-BD96-347F187B60A5}"/>
+              </a:ext>
+            </a:extLst>
+          </p:cNvPr>
+          <p:cNvCxnSpPr>
+            <a:cxnSpLocks/>
+            <a:stCxn id="8" idx="3"/>
+            <a:endCxn id="9" idx="1"/>
+          </p:cNvCxnSpPr>
+          <p:nvPr/>
+        </p:nvCxnSpPr>
+        <p:spPr>
+          <a:xfrm>
+            <a:off x="6134988" y="2420677"/>
+            <a:ext cx="457196" cy="0"/>
+          </a:xfrm>
+          <a:prstGeom prst="straightConnector1">
+            <a:avLst/>
+          </a:prstGeom>
+          <a:ln w="19050">
+            <a:solidFill>
+              <a:schemeClr val="tx1">
+                <a:lumMod val="85000"/>
+                <a:lumOff val="15000"/>
+              </a:schemeClr>
+            </a:solidFill>
+            <a:tailEnd type="triangle"/>
+          </a:ln>
+        </p:spPr>
+        <p:style>
+          <a:lnRef idx="1">
+            <a:schemeClr val="accent1"/>
+          </a:lnRef>
+          <a:fillRef idx="0">
+            <a:schemeClr val="accent1"/>
+          </a:fillRef>
+          <a:effectRef idx="0">
+            <a:schemeClr val="accent1"/>
+          </a:effectRef>
+          <a:fontRef idx="minor">
+            <a:schemeClr val="tx1"/>
+          </a:fontRef>
+        </p:style>
+      </p:cxnSp>
+      <p:sp>
+        <p:nvSpPr>
+          <p:cNvPr id="20" name="Rectangle 19">
+            <a:extLst>
+              <a:ext uri="{FF2B5EF4-FFF2-40B4-BE49-F238E27FC236}">
+                <a16:creationId xmlns:a16="http://schemas.microsoft.com/office/drawing/2014/main" id="{BDE7853D-C315-D445-9B53-14E90CD82F91}"/>
+              </a:ext>
+            </a:extLst>
+          </p:cNvPr>
+          <p:cNvSpPr/>
+          <p:nvPr/>
+        </p:nvSpPr>
+        <p:spPr>
+          <a:xfrm>
+            <a:off x="8038206" y="2030817"/>
+            <a:ext cx="903767" cy="779720"/>
+          </a:xfrm>
+          <a:prstGeom prst="rect">
+            <a:avLst/>
+          </a:prstGeom>
+          <a:ln>
+            <a:noFill/>
+          </a:ln>
+        </p:spPr>
+        <p:style>
+          <a:lnRef idx="2">
+            <a:schemeClr val="accent1">
+              <a:shade val="50000"/>
+            </a:schemeClr>
+          </a:lnRef>
+          <a:fillRef idx="1">
+            <a:schemeClr val="accent1"/>
+          </a:fillRef>
+          <a:effectRef idx="0">
+            <a:schemeClr val="accent1"/>
+          </a:effectRef>
+          <a:fontRef idx="minor">
+            <a:schemeClr val="lt1"/>
+          </a:fontRef>
+        </p:style>
+        <p:txBody>
+          <a:bodyPr rtlCol="0" anchor="ctr"/>
+          <a:lstStyle/>
+          <a:p>
+            <a:pPr algn="ctr"/>
+            <a:r>
+              <a:rPr lang="en-US" sz="1600" dirty="0">
+                <a:latin typeface="Avenir Roman" panose="02000503020000020003" pitchFamily="2" charset="0"/>
+              </a:rPr>
+              <a:t>Cost Model</a:t>
+            </a:r>
+          </a:p>
+        </p:txBody>
+      </p:sp>
+      <p:cxnSp>
+        <p:nvCxnSpPr>
+          <p:cNvPr id="21" name="Straight Arrow Connector 20">
+            <a:extLst>
+              <a:ext uri="{FF2B5EF4-FFF2-40B4-BE49-F238E27FC236}">
+                <a16:creationId xmlns:a16="http://schemas.microsoft.com/office/drawing/2014/main" id="{BF73F6D6-28A0-E349-B9E6-BFA1E487A28C}"/>
+              </a:ext>
+            </a:extLst>
+          </p:cNvPr>
+          <p:cNvCxnSpPr>
+            <a:cxnSpLocks/>
+            <a:stCxn id="9" idx="3"/>
+            <a:endCxn id="20" idx="1"/>
+          </p:cNvCxnSpPr>
+          <p:nvPr/>
+        </p:nvCxnSpPr>
+        <p:spPr>
+          <a:xfrm>
+            <a:off x="7581010" y="2420677"/>
+            <a:ext cx="457196" cy="0"/>
+          </a:xfrm>
+          <a:prstGeom prst="straightConnector1">
+            <a:avLst/>
+          </a:prstGeom>
+          <a:ln w="19050">
+            <a:solidFill>
+              <a:schemeClr val="tx1">
+                <a:lumMod val="85000"/>
+                <a:lumOff val="15000"/>
+              </a:schemeClr>
+            </a:solidFill>
+            <a:tailEnd type="triangle"/>
+          </a:ln>
+        </p:spPr>
+        <p:style>
+          <a:lnRef idx="1">
+            <a:schemeClr val="accent1"/>
+          </a:lnRef>
+          <a:fillRef idx="0">
+            <a:schemeClr val="accent1"/>
+          </a:fillRef>
+          <a:effectRef idx="0">
+            <a:schemeClr val="accent1"/>
+          </a:effectRef>
+          <a:fontRef idx="minor">
+            <a:schemeClr val="tx1"/>
+          </a:fontRef>
+        </p:style>
+      </p:cxnSp>
+      <p:sp>
+        <p:nvSpPr>
+          <p:cNvPr id="22" name="Rectangle 21">
+            <a:extLst>
+              <a:ext uri="{FF2B5EF4-FFF2-40B4-BE49-F238E27FC236}">
+                <a16:creationId xmlns:a16="http://schemas.microsoft.com/office/drawing/2014/main" id="{D105D851-6DD1-5C46-BC83-2D706EAF557B}"/>
+              </a:ext>
+            </a:extLst>
+          </p:cNvPr>
+          <p:cNvSpPr/>
+          <p:nvPr/>
+        </p:nvSpPr>
+        <p:spPr>
+          <a:xfrm>
+            <a:off x="9471825" y="2030817"/>
+            <a:ext cx="981739" cy="779720"/>
+          </a:xfrm>
+          <a:prstGeom prst="rect">
+            <a:avLst/>
+          </a:prstGeom>
+          <a:solidFill>
+            <a:srgbClr val="00B050"/>
+          </a:solidFill>
+          <a:ln>
+            <a:noFill/>
+          </a:ln>
+        </p:spPr>
+        <p:style>
+          <a:lnRef idx="2">
+            <a:schemeClr val="accent1">
+              <a:shade val="50000"/>
+            </a:schemeClr>
+          </a:lnRef>
+          <a:fillRef idx="1">
+            <a:schemeClr val="accent1"/>
+          </a:fillRef>
+          <a:effectRef idx="0">
+            <a:schemeClr val="accent1"/>
+          </a:effectRef>
+          <a:fontRef idx="minor">
+            <a:schemeClr val="lt1"/>
+          </a:fontRef>
+        </p:style>
+        <p:txBody>
+          <a:bodyPr rtlCol="0" anchor="ctr"/>
+          <a:lstStyle/>
+          <a:p>
+            <a:pPr algn="ctr"/>
+            <a:r>
+              <a:rPr lang="en-US" sz="1600" dirty="0">
+                <a:latin typeface="Avenir Roman" panose="02000503020000020003" pitchFamily="2" charset="0"/>
+              </a:rPr>
+              <a:t>Final</a:t>
+            </a:r>
+          </a:p>
+          <a:p>
+            <a:pPr algn="ctr"/>
+            <a:r>
+              <a:rPr lang="en-US" sz="1600" dirty="0">
+                <a:latin typeface="Avenir Roman" panose="02000503020000020003" pitchFamily="2" charset="0"/>
+              </a:rPr>
+              <a:t>Physical Plan</a:t>
+            </a:r>
+          </a:p>
+        </p:txBody>
+      </p:sp>
+      <p:cxnSp>
+        <p:nvCxnSpPr>
+          <p:cNvPr id="23" name="Straight Arrow Connector 22">
+            <a:extLst>
+              <a:ext uri="{FF2B5EF4-FFF2-40B4-BE49-F238E27FC236}">
+                <a16:creationId xmlns:a16="http://schemas.microsoft.com/office/drawing/2014/main" id="{15D13473-F5B8-1D49-8C97-040B0647E170}"/>
+              </a:ext>
+            </a:extLst>
+          </p:cNvPr>
+          <p:cNvCxnSpPr>
+            <a:cxnSpLocks/>
+            <a:stCxn id="20" idx="3"/>
+            <a:endCxn id="22" idx="1"/>
+          </p:cNvCxnSpPr>
+          <p:nvPr/>
+        </p:nvCxnSpPr>
+        <p:spPr>
+          <a:xfrm>
+            <a:off x="8941973" y="2420677"/>
+            <a:ext cx="529852" cy="0"/>
+          </a:xfrm>
+          <a:prstGeom prst="straightConnector1">
+            <a:avLst/>
+          </a:prstGeom>
+          <a:ln w="19050">
+            <a:solidFill>
+              <a:schemeClr val="tx1">
+                <a:lumMod val="85000"/>
+                <a:lumOff val="15000"/>
+              </a:schemeClr>
+            </a:solidFill>
+            <a:tailEnd type="triangle"/>
+          </a:ln>
+        </p:spPr>
+        <p:style>
+          <a:lnRef idx="1">
+            <a:schemeClr val="accent1"/>
+          </a:lnRef>
+          <a:fillRef idx="0">
+            <a:schemeClr val="accent1"/>
+          </a:fillRef>
+          <a:effectRef idx="0">
+            <a:schemeClr val="accent1"/>
+          </a:effectRef>
+          <a:fontRef idx="minor">
+            <a:schemeClr val="tx1"/>
+          </a:fontRef>
+        </p:style>
+      </p:cxnSp>
+      <p:sp>
+        <p:nvSpPr>
+          <p:cNvPr id="36" name="Rectangle 35">
+            <a:extLst>
+              <a:ext uri="{FF2B5EF4-FFF2-40B4-BE49-F238E27FC236}">
+                <a16:creationId xmlns:a16="http://schemas.microsoft.com/office/drawing/2014/main" id="{9A760B17-C674-204A-BF6D-10A9AA18D000}"/>
+              </a:ext>
+            </a:extLst>
+          </p:cNvPr>
+          <p:cNvSpPr/>
+          <p:nvPr/>
+        </p:nvSpPr>
+        <p:spPr>
+          <a:xfrm>
+            <a:off x="10960396" y="2030817"/>
+            <a:ext cx="848846" cy="779720"/>
+          </a:xfrm>
+          <a:prstGeom prst="rect">
+            <a:avLst/>
+          </a:prstGeom>
+          <a:solidFill>
+            <a:srgbClr val="FF7E79"/>
+          </a:solidFill>
+          <a:ln>
+            <a:noFill/>
+          </a:ln>
+        </p:spPr>
+        <p:style>
+          <a:lnRef idx="2">
+            <a:schemeClr val="accent1">
+              <a:shade val="50000"/>
+            </a:schemeClr>
+          </a:lnRef>
+          <a:fillRef idx="1">
+            <a:schemeClr val="accent1"/>
+          </a:fillRef>
+          <a:effectRef idx="0">
+            <a:schemeClr val="accent1"/>
+          </a:effectRef>
+          <a:fontRef idx="minor">
+            <a:schemeClr val="lt1"/>
+          </a:fontRef>
+        </p:style>
+        <p:txBody>
+          <a:bodyPr rtlCol="0" anchor="ctr"/>
+          <a:lstStyle/>
+          <a:p>
+            <a:pPr algn="ctr"/>
+            <a:r>
+              <a:rPr lang="en-US" sz="1600" dirty="0">
+                <a:latin typeface="Avenir Roman" panose="02000503020000020003" pitchFamily="2" charset="0"/>
+              </a:rPr>
+              <a:t>RDDs</a:t>
+            </a:r>
+          </a:p>
+        </p:txBody>
+      </p:sp>
+      <p:cxnSp>
+        <p:nvCxnSpPr>
+          <p:cNvPr id="37" name="Straight Arrow Connector 36">
+            <a:extLst>
+              <a:ext uri="{FF2B5EF4-FFF2-40B4-BE49-F238E27FC236}">
+                <a16:creationId xmlns:a16="http://schemas.microsoft.com/office/drawing/2014/main" id="{145EF469-4BA9-374F-86EF-E959E38E7430}"/>
+              </a:ext>
+            </a:extLst>
+          </p:cNvPr>
+          <p:cNvCxnSpPr>
+            <a:cxnSpLocks/>
+            <a:stCxn id="22" idx="3"/>
+            <a:endCxn id="36" idx="1"/>
+          </p:cNvCxnSpPr>
+          <p:nvPr/>
+        </p:nvCxnSpPr>
+        <p:spPr>
+          <a:xfrm>
+            <a:off x="10453564" y="2420677"/>
+            <a:ext cx="506832" cy="0"/>
+          </a:xfrm>
+          <a:prstGeom prst="straightConnector1">
+            <a:avLst/>
+          </a:prstGeom>
+          <a:ln w="19050">
+            <a:solidFill>
+              <a:schemeClr val="tx1">
+                <a:lumMod val="85000"/>
+                <a:lumOff val="15000"/>
+              </a:schemeClr>
+            </a:solidFill>
+            <a:tailEnd type="triangle"/>
+          </a:ln>
+        </p:spPr>
+        <p:style>
+          <a:lnRef idx="1">
+            <a:schemeClr val="accent1"/>
+          </a:lnRef>
+          <a:fillRef idx="0">
+            <a:schemeClr val="accent1"/>
+          </a:fillRef>
+          <a:effectRef idx="0">
+            <a:schemeClr val="accent1"/>
+          </a:effectRef>
+          <a:fontRef idx="minor">
+            <a:schemeClr val="tx1"/>
+          </a:fontRef>
+        </p:style>
+      </p:cxnSp>
+      <p:cxnSp>
+        <p:nvCxnSpPr>
+          <p:cNvPr id="45" name="Straight Arrow Connector 44">
+            <a:extLst>
+              <a:ext uri="{FF2B5EF4-FFF2-40B4-BE49-F238E27FC236}">
+                <a16:creationId xmlns:a16="http://schemas.microsoft.com/office/drawing/2014/main" id="{F7DBB1C4-76DF-3C4D-949E-A33C72B37AE7}"/>
+              </a:ext>
+            </a:extLst>
+          </p:cNvPr>
+          <p:cNvCxnSpPr>
+            <a:cxnSpLocks/>
+            <a:stCxn id="4" idx="2"/>
+            <a:endCxn id="5" idx="0"/>
+          </p:cNvCxnSpPr>
+          <p:nvPr/>
+        </p:nvCxnSpPr>
+        <p:spPr>
+          <a:xfrm flipH="1">
+            <a:off x="770860" y="1990058"/>
+            <a:ext cx="1" cy="1022497"/>
+          </a:xfrm>
+          <a:prstGeom prst="straightConnector1">
+            <a:avLst/>
+          </a:prstGeom>
+          <a:ln w="19050">
+            <a:solidFill>
+              <a:schemeClr val="tx1">
+                <a:lumMod val="85000"/>
+                <a:lumOff val="15000"/>
+              </a:schemeClr>
+            </a:solidFill>
+            <a:tailEnd type="triangle"/>
+          </a:ln>
+        </p:spPr>
+        <p:style>
+          <a:lnRef idx="1">
+            <a:schemeClr val="accent1"/>
+          </a:lnRef>
+          <a:fillRef idx="0">
+            <a:schemeClr val="accent1"/>
+          </a:fillRef>
+          <a:effectRef idx="0">
+            <a:schemeClr val="accent1"/>
+          </a:effectRef>
+          <a:fontRef idx="minor">
+            <a:schemeClr val="tx1"/>
+          </a:fontRef>
+        </p:style>
+      </p:cxnSp>
+      <p:sp>
+        <p:nvSpPr>
+          <p:cNvPr id="48" name="Rectangle 47">
+            <a:extLst>
+              <a:ext uri="{FF2B5EF4-FFF2-40B4-BE49-F238E27FC236}">
+                <a16:creationId xmlns:a16="http://schemas.microsoft.com/office/drawing/2014/main" id="{A287E4A5-1EB4-8B41-8AAD-F2252060009A}"/>
+              </a:ext>
+            </a:extLst>
+          </p:cNvPr>
+          <p:cNvSpPr/>
+          <p:nvPr/>
+        </p:nvSpPr>
+        <p:spPr>
+          <a:xfrm>
+            <a:off x="2700670" y="1265274"/>
+            <a:ext cx="1031358" cy="342011"/>
+          </a:xfrm>
+          <a:prstGeom prst="rect">
+            <a:avLst/>
+          </a:prstGeom>
+          <a:solidFill>
+            <a:schemeClr val="tx1">
+              <a:lumMod val="50000"/>
+              <a:lumOff val="50000"/>
+            </a:schemeClr>
+          </a:solidFill>
+          <a:ln>
+            <a:noFill/>
+          </a:ln>
+        </p:spPr>
+        <p:style>
+          <a:lnRef idx="2">
+            <a:schemeClr val="accent1">
+              <a:shade val="50000"/>
+            </a:schemeClr>
+          </a:lnRef>
+          <a:fillRef idx="1">
+            <a:schemeClr val="accent1"/>
+          </a:fillRef>
+          <a:effectRef idx="0">
+            <a:schemeClr val="accent1"/>
+          </a:effectRef>
+          <a:fontRef idx="minor">
+            <a:schemeClr val="lt1"/>
+          </a:fontRef>
+        </p:style>
+        <p:txBody>
+          <a:bodyPr rtlCol="0" anchor="ctr"/>
+          <a:lstStyle/>
+          <a:p>
+            <a:pPr algn="ctr"/>
+            <a:r>
+              <a:rPr lang="en-US" sz="1600" dirty="0">
+                <a:latin typeface="Avenir Roman" panose="02000503020000020003" pitchFamily="2" charset="0"/>
+              </a:rPr>
+              <a:t>Catalog</a:t>
+            </a:r>
+          </a:p>
+        </p:txBody>
+      </p:sp>
+      <p:cxnSp>
+        <p:nvCxnSpPr>
+          <p:cNvPr id="50" name="Straight Arrow Connector 49">
+            <a:extLst>
+              <a:ext uri="{FF2B5EF4-FFF2-40B4-BE49-F238E27FC236}">
+                <a16:creationId xmlns:a16="http://schemas.microsoft.com/office/drawing/2014/main" id="{C7409FFB-1456-B64B-A218-0EFFAD622138}"/>
+              </a:ext>
+            </a:extLst>
+          </p:cNvPr>
+          <p:cNvCxnSpPr>
+            <a:stCxn id="48" idx="2"/>
+          </p:cNvCxnSpPr>
+          <p:nvPr/>
+        </p:nvCxnSpPr>
+        <p:spPr>
+          <a:xfrm>
+            <a:off x="3216349" y="1607285"/>
+            <a:ext cx="0" cy="765546"/>
+          </a:xfrm>
+          <a:prstGeom prst="straightConnector1">
+            <a:avLst/>
+          </a:prstGeom>
+          <a:ln w="19050">
+            <a:solidFill>
+              <a:schemeClr val="tx1">
+                <a:lumMod val="50000"/>
+                <a:lumOff val="50000"/>
+              </a:schemeClr>
+            </a:solidFill>
+            <a:prstDash val="dash"/>
+            <a:tailEnd type="triangle"/>
+          </a:ln>
+        </p:spPr>
+        <p:style>
+          <a:lnRef idx="1">
+            <a:schemeClr val="accent1"/>
+          </a:lnRef>
+          <a:fillRef idx="0">
+            <a:schemeClr val="accent1"/>
+          </a:fillRef>
+          <a:effectRef idx="0">
+            <a:schemeClr val="accent1"/>
+          </a:effectRef>
+          <a:fontRef idx="minor">
+            <a:schemeClr val="tx1"/>
+          </a:fontRef>
+        </p:style>
+      </p:cxnSp>
+    </p:spTree>
+    <p:extLst>
+      <p:ext uri="{BB962C8B-B14F-4D97-AF65-F5344CB8AC3E}">
+        <p14:creationId xmlns:p14="http://schemas.microsoft.com/office/powerpoint/2010/main" val="588617414"/>
+      </p:ext>
+    </p:extLst>
+  </p:cSld>
+  <p:clrMapOvr>
+    <a:masterClrMapping/>
+  </p:clrMapOvr>
+</p:sld>
+</file>
+
 <file path=ppt/theme/theme1.xml><?xml version="1.0" encoding="utf-8"?>
 <a:theme xmlns:a="http://schemas.openxmlformats.org/drawingml/2006/main" name="Office Theme">
   <a:themeElements>

--- a/Partitioning & SparkContext.pptx
+++ b/Partitioning & SparkContext.pptx
@@ -8,7 +8,12 @@
     <p:sldId id="256" r:id="rId2"/>
     <p:sldId id="257" r:id="rId3"/>
     <p:sldId id="258" r:id="rId4"/>
-    <p:sldId id="259" r:id="rId5"/>
+    <p:sldId id="260" r:id="rId5"/>
+    <p:sldId id="261" r:id="rId6"/>
+    <p:sldId id="262" r:id="rId7"/>
+    <p:sldId id="265" r:id="rId8"/>
+    <p:sldId id="259" r:id="rId9"/>
+    <p:sldId id="264" r:id="rId10"/>
   </p:sldIdLst>
   <p:sldSz cx="12192000" cy="6858000"/>
   <p:notesSz cx="6858000" cy="9144000"/>
@@ -262,7 +267,7 @@
           <a:p>
             <a:fld id="{47E0D79E-6804-0B41-9659-BE215799C31E}" type="datetimeFigureOut">
               <a:rPr lang="en-US" smtClean="0"/>
-              <a:t>4/17/20</a:t>
+              <a:t>4/18/20</a:t>
             </a:fld>
             <a:endParaRPr lang="en-US"/>
           </a:p>
@@ -460,7 +465,7 @@
           <a:p>
             <a:fld id="{47E0D79E-6804-0B41-9659-BE215799C31E}" type="datetimeFigureOut">
               <a:rPr lang="en-US" smtClean="0"/>
-              <a:t>4/17/20</a:t>
+              <a:t>4/18/20</a:t>
             </a:fld>
             <a:endParaRPr lang="en-US"/>
           </a:p>
@@ -668,7 +673,7 @@
           <a:p>
             <a:fld id="{47E0D79E-6804-0B41-9659-BE215799C31E}" type="datetimeFigureOut">
               <a:rPr lang="en-US" smtClean="0"/>
-              <a:t>4/17/20</a:t>
+              <a:t>4/18/20</a:t>
             </a:fld>
             <a:endParaRPr lang="en-US"/>
           </a:p>
@@ -866,7 +871,7 @@
           <a:p>
             <a:fld id="{47E0D79E-6804-0B41-9659-BE215799C31E}" type="datetimeFigureOut">
               <a:rPr lang="en-US" smtClean="0"/>
-              <a:t>4/17/20</a:t>
+              <a:t>4/18/20</a:t>
             </a:fld>
             <a:endParaRPr lang="en-US"/>
           </a:p>
@@ -1141,7 +1146,7 @@
           <a:p>
             <a:fld id="{47E0D79E-6804-0B41-9659-BE215799C31E}" type="datetimeFigureOut">
               <a:rPr lang="en-US" smtClean="0"/>
-              <a:t>4/17/20</a:t>
+              <a:t>4/18/20</a:t>
             </a:fld>
             <a:endParaRPr lang="en-US"/>
           </a:p>
@@ -1406,7 +1411,7 @@
           <a:p>
             <a:fld id="{47E0D79E-6804-0B41-9659-BE215799C31E}" type="datetimeFigureOut">
               <a:rPr lang="en-US" smtClean="0"/>
-              <a:t>4/17/20</a:t>
+              <a:t>4/18/20</a:t>
             </a:fld>
             <a:endParaRPr lang="en-US"/>
           </a:p>
@@ -1818,7 +1823,7 @@
           <a:p>
             <a:fld id="{47E0D79E-6804-0B41-9659-BE215799C31E}" type="datetimeFigureOut">
               <a:rPr lang="en-US" smtClean="0"/>
-              <a:t>4/17/20</a:t>
+              <a:t>4/18/20</a:t>
             </a:fld>
             <a:endParaRPr lang="en-US"/>
           </a:p>
@@ -1959,7 +1964,7 @@
           <a:p>
             <a:fld id="{47E0D79E-6804-0B41-9659-BE215799C31E}" type="datetimeFigureOut">
               <a:rPr lang="en-US" smtClean="0"/>
-              <a:t>4/17/20</a:t>
+              <a:t>4/18/20</a:t>
             </a:fld>
             <a:endParaRPr lang="en-US"/>
           </a:p>
@@ -2072,7 +2077,7 @@
           <a:p>
             <a:fld id="{47E0D79E-6804-0B41-9659-BE215799C31E}" type="datetimeFigureOut">
               <a:rPr lang="en-US" smtClean="0"/>
-              <a:t>4/17/20</a:t>
+              <a:t>4/18/20</a:t>
             </a:fld>
             <a:endParaRPr lang="en-US"/>
           </a:p>
@@ -2383,7 +2388,7 @@
           <a:p>
             <a:fld id="{47E0D79E-6804-0B41-9659-BE215799C31E}" type="datetimeFigureOut">
               <a:rPr lang="en-US" smtClean="0"/>
-              <a:t>4/17/20</a:t>
+              <a:t>4/18/20</a:t>
             </a:fld>
             <a:endParaRPr lang="en-US"/>
           </a:p>
@@ -2671,7 +2676,7 @@
           <a:p>
             <a:fld id="{47E0D79E-6804-0B41-9659-BE215799C31E}" type="datetimeFigureOut">
               <a:rPr lang="en-US" smtClean="0"/>
-              <a:t>4/17/20</a:t>
+              <a:t>4/18/20</a:t>
             </a:fld>
             <a:endParaRPr lang="en-US"/>
           </a:p>
@@ -2912,7 +2917,7 @@
           <a:p>
             <a:fld id="{47E0D79E-6804-0B41-9659-BE215799C31E}" type="datetimeFigureOut">
               <a:rPr lang="en-US" smtClean="0"/>
-              <a:t>4/17/20</a:t>
+              <a:t>4/18/20</a:t>
             </a:fld>
             <a:endParaRPr lang="en-US"/>
           </a:p>
@@ -7891,7 +7896,7 @@
           <p:cNvPr id="2" name="Title 1">
             <a:extLst>
               <a:ext uri="{FF2B5EF4-FFF2-40B4-BE49-F238E27FC236}">
-                <a16:creationId xmlns:a16="http://schemas.microsoft.com/office/drawing/2014/main" id="{6221D110-9F03-EF47-AC5C-1EAB8071190E}"/>
+                <a16:creationId xmlns:a16="http://schemas.microsoft.com/office/drawing/2014/main" id="{EEA5F434-80A5-A041-8B0E-1DEBC1CB8B62}"/>
               </a:ext>
             </a:extLst>
           </p:cNvPr>
@@ -7904,29 +7909,169 @@
         </p:nvSpPr>
         <p:spPr>
           <a:xfrm>
-            <a:off x="423530" y="195005"/>
-            <a:ext cx="10515600" cy="868252"/>
-          </a:xfrm>
-        </p:spPr>
-        <p:txBody>
-          <a:bodyPr/>
+            <a:off x="238538" y="225287"/>
+            <a:ext cx="10515600" cy="1325563"/>
+          </a:xfrm>
+        </p:spPr>
+        <p:txBody>
+          <a:bodyPr vert="horz" lIns="91440" tIns="45720" rIns="91440" bIns="45720" rtlCol="0" anchor="ctr">
+            <a:normAutofit/>
+          </a:bodyPr>
           <a:lstStyle/>
           <a:p>
             <a:r>
               <a:rPr lang="en-US" dirty="0">
                 <a:latin typeface="Avenir Roman" panose="02000503020000020003" pitchFamily="2" charset="0"/>
               </a:rPr>
-              <a:t>Execution Plan – Catalyst Optimizer</a:t>
-            </a:r>
-          </a:p>
-        </p:txBody>
-      </p:sp>
-      <p:sp>
-        <p:nvSpPr>
-          <p:cNvPr id="4" name="Rectangle 3">
-            <a:extLst>
-              <a:ext uri="{FF2B5EF4-FFF2-40B4-BE49-F238E27FC236}">
-                <a16:creationId xmlns:a16="http://schemas.microsoft.com/office/drawing/2014/main" id="{AB8D6067-BF88-8C49-9701-B4C7175E7524}"/>
+              <a:t>Joins – </a:t>
+            </a:r>
+            <a:br>
+              <a:rPr lang="en-US" dirty="0">
+                <a:latin typeface="Avenir Roman" panose="02000503020000020003" pitchFamily="2" charset="0"/>
+              </a:rPr>
+            </a:br>
+            <a:r>
+              <a:rPr lang="en-US" dirty="0">
+                <a:latin typeface="Avenir Roman" panose="02000503020000020003" pitchFamily="2" charset="0"/>
+              </a:rPr>
+              <a:t>Sort Merge Join</a:t>
+            </a:r>
+          </a:p>
+        </p:txBody>
+      </p:sp>
+      <p:pic>
+        <p:nvPicPr>
+          <p:cNvPr id="5" name="Content Placeholder 4">
+            <a:extLst>
+              <a:ext uri="{FF2B5EF4-FFF2-40B4-BE49-F238E27FC236}">
+                <a16:creationId xmlns:a16="http://schemas.microsoft.com/office/drawing/2014/main" id="{F3AE8397-04C3-4046-A284-C31716A954C1}"/>
+              </a:ext>
+            </a:extLst>
+          </p:cNvPr>
+          <p:cNvPicPr>
+            <a:picLocks noGrp="1" noChangeAspect="1"/>
+          </p:cNvPicPr>
+          <p:nvPr>
+            <p:ph idx="1"/>
+          </p:nvPr>
+        </p:nvPicPr>
+        <p:blipFill>
+          <a:blip r:embed="rId2"/>
+          <a:stretch>
+            <a:fillRect/>
+          </a:stretch>
+        </p:blipFill>
+        <p:spPr>
+          <a:xfrm>
+            <a:off x="4539551" y="225286"/>
+            <a:ext cx="7599438" cy="6162729"/>
+          </a:xfrm>
+        </p:spPr>
+      </p:pic>
+      <p:sp>
+        <p:nvSpPr>
+          <p:cNvPr id="6" name="TextBox 5">
+            <a:extLst>
+              <a:ext uri="{FF2B5EF4-FFF2-40B4-BE49-F238E27FC236}">
+                <a16:creationId xmlns:a16="http://schemas.microsoft.com/office/drawing/2014/main" id="{4C532D07-4E5C-3843-84E2-E73642F0763E}"/>
+              </a:ext>
+            </a:extLst>
+          </p:cNvPr>
+          <p:cNvSpPr txBox="1"/>
+          <p:nvPr/>
+        </p:nvSpPr>
+        <p:spPr>
+          <a:xfrm>
+            <a:off x="238538" y="1908314"/>
+            <a:ext cx="4399723" cy="800219"/>
+          </a:xfrm>
+          <a:prstGeom prst="rect">
+            <a:avLst/>
+          </a:prstGeom>
+          <a:noFill/>
+        </p:spPr>
+        <p:txBody>
+          <a:bodyPr wrap="square" rtlCol="0">
+            <a:spAutoFit/>
+          </a:bodyPr>
+          <a:lstStyle/>
+          <a:p>
+            <a:pPr marL="285750" indent="-285750">
+              <a:spcAft>
+                <a:spcPts val="1200"/>
+              </a:spcAft>
+              <a:buFont typeface="Arial" panose="020B0604020202020204" pitchFamily="34" charset="0"/>
+              <a:buChar char="•"/>
+            </a:pPr>
+            <a:r>
+              <a:rPr lang="en-IN" dirty="0">
+                <a:latin typeface="Avenir Roman" panose="02000503020000020003" pitchFamily="2" charset="0"/>
+              </a:rPr>
+              <a:t>Principle: Sort data before joining.</a:t>
+            </a:r>
+          </a:p>
+          <a:p>
+            <a:pPr marL="285750" indent="-285750">
+              <a:spcAft>
+                <a:spcPts val="1200"/>
+              </a:spcAft>
+              <a:buFont typeface="Arial" panose="020B0604020202020204" pitchFamily="34" charset="0"/>
+              <a:buChar char="•"/>
+            </a:pPr>
+            <a:r>
+              <a:rPr lang="en-IN" dirty="0" err="1">
+                <a:latin typeface="Avenir Roman" panose="02000503020000020003" pitchFamily="2" charset="0"/>
+              </a:rPr>
+              <a:t>spark.sql.join.preferSortMergeJoin</a:t>
+            </a:r>
+            <a:r>
+              <a:rPr lang="en-IN" dirty="0">
+                <a:latin typeface="Avenir Roman" panose="02000503020000020003" pitchFamily="2" charset="0"/>
+              </a:rPr>
+              <a:t> </a:t>
+            </a:r>
+            <a:endParaRPr lang="en-US" dirty="0">
+              <a:latin typeface="Avenir Roman" panose="02000503020000020003" pitchFamily="2" charset="0"/>
+            </a:endParaRPr>
+          </a:p>
+        </p:txBody>
+      </p:sp>
+    </p:spTree>
+    <p:extLst>
+      <p:ext uri="{BB962C8B-B14F-4D97-AF65-F5344CB8AC3E}">
+        <p14:creationId xmlns:p14="http://schemas.microsoft.com/office/powerpoint/2010/main" val="1931001350"/>
+      </p:ext>
+    </p:extLst>
+  </p:cSld>
+  <p:clrMapOvr>
+    <a:masterClrMapping/>
+  </p:clrMapOvr>
+</p:sld>
+</file>
+
+<file path=ppt/slides/slide5.xml><?xml version="1.0" encoding="utf-8"?>
+<p:sld xmlns:a="http://schemas.openxmlformats.org/drawingml/2006/main" xmlns:r="http://schemas.openxmlformats.org/officeDocument/2006/relationships" xmlns:p="http://schemas.openxmlformats.org/presentationml/2006/main">
+  <p:cSld>
+    <p:spTree>
+      <p:nvGrpSpPr>
+        <p:cNvPr id="1" name=""/>
+        <p:cNvGrpSpPr/>
+        <p:nvPr/>
+      </p:nvGrpSpPr>
+      <p:grpSpPr>
+        <a:xfrm>
+          <a:off x="0" y="0"/>
+          <a:ext cx="0" cy="0"/>
+          <a:chOff x="0" y="0"/>
+          <a:chExt cx="0" cy="0"/>
+        </a:xfrm>
+      </p:grpSpPr>
+      <p:sp>
+        <p:nvSpPr>
+          <p:cNvPr id="25" name="Rounded Rectangle 24">
+            <a:extLst>
+              <a:ext uri="{FF2B5EF4-FFF2-40B4-BE49-F238E27FC236}">
+                <a16:creationId xmlns:a16="http://schemas.microsoft.com/office/drawing/2014/main" id="{A2F22960-FCE2-CA44-ABAA-4BFEDE673535}"/>
               </a:ext>
             </a:extLst>
           </p:cNvPr>
@@ -7935,8 +8080,4075 @@
         </p:nvSpPr>
         <p:spPr>
           <a:xfrm>
-            <a:off x="127592" y="1607285"/>
-            <a:ext cx="1286538" cy="382773"/>
+            <a:off x="3962400" y="1656522"/>
+            <a:ext cx="3962400" cy="662608"/>
+          </a:xfrm>
+          <a:prstGeom prst="roundRect">
+            <a:avLst/>
+          </a:prstGeom>
+          <a:solidFill>
+            <a:schemeClr val="bg1">
+              <a:lumMod val="85000"/>
+            </a:schemeClr>
+          </a:solidFill>
+          <a:ln>
+            <a:noFill/>
+          </a:ln>
+        </p:spPr>
+        <p:style>
+          <a:lnRef idx="2">
+            <a:schemeClr val="accent1">
+              <a:shade val="50000"/>
+            </a:schemeClr>
+          </a:lnRef>
+          <a:fillRef idx="1">
+            <a:schemeClr val="accent1"/>
+          </a:fillRef>
+          <a:effectRef idx="0">
+            <a:schemeClr val="accent1"/>
+          </a:effectRef>
+          <a:fontRef idx="minor">
+            <a:schemeClr val="lt1"/>
+          </a:fontRef>
+        </p:style>
+        <p:txBody>
+          <a:bodyPr rtlCol="0" anchor="ctr"/>
+          <a:lstStyle/>
+          <a:p>
+            <a:pPr algn="ctr"/>
+            <a:endParaRPr lang="en-US"/>
+          </a:p>
+        </p:txBody>
+      </p:sp>
+      <p:sp>
+        <p:nvSpPr>
+          <p:cNvPr id="2" name="Title 1">
+            <a:extLst>
+              <a:ext uri="{FF2B5EF4-FFF2-40B4-BE49-F238E27FC236}">
+                <a16:creationId xmlns:a16="http://schemas.microsoft.com/office/drawing/2014/main" id="{EEA5F434-80A5-A041-8B0E-1DEBC1CB8B62}"/>
+              </a:ext>
+            </a:extLst>
+          </p:cNvPr>
+          <p:cNvSpPr>
+            <a:spLocks noGrp="1"/>
+          </p:cNvSpPr>
+          <p:nvPr>
+            <p:ph type="title"/>
+          </p:nvPr>
+        </p:nvSpPr>
+        <p:spPr>
+          <a:xfrm>
+            <a:off x="167307" y="-146268"/>
+            <a:ext cx="10515600" cy="1325563"/>
+          </a:xfrm>
+        </p:spPr>
+        <p:txBody>
+          <a:bodyPr vert="horz" lIns="91440" tIns="45720" rIns="91440" bIns="45720" rtlCol="0" anchor="ctr">
+            <a:normAutofit/>
+          </a:bodyPr>
+          <a:lstStyle/>
+          <a:p>
+            <a:r>
+              <a:rPr lang="en-US" dirty="0">
+                <a:latin typeface="Avenir Roman" panose="02000503020000020003" pitchFamily="2" charset="0"/>
+              </a:rPr>
+              <a:t>Joins – Shuffle Hash Join</a:t>
+            </a:r>
+          </a:p>
+        </p:txBody>
+      </p:sp>
+      <p:sp>
+        <p:nvSpPr>
+          <p:cNvPr id="6" name="Rectangle 5">
+            <a:extLst>
+              <a:ext uri="{FF2B5EF4-FFF2-40B4-BE49-F238E27FC236}">
+                <a16:creationId xmlns:a16="http://schemas.microsoft.com/office/drawing/2014/main" id="{07D9ADC2-EA22-884A-A1C9-BB45D0640A93}"/>
+              </a:ext>
+            </a:extLst>
+          </p:cNvPr>
+          <p:cNvSpPr/>
+          <p:nvPr/>
+        </p:nvSpPr>
+        <p:spPr>
+          <a:xfrm>
+            <a:off x="238538" y="3162127"/>
+            <a:ext cx="1278837" cy="427380"/>
+          </a:xfrm>
+          <a:prstGeom prst="rect">
+            <a:avLst/>
+          </a:prstGeom>
+          <a:ln>
+            <a:noFill/>
+          </a:ln>
+        </p:spPr>
+        <p:style>
+          <a:lnRef idx="2">
+            <a:schemeClr val="accent1">
+              <a:shade val="50000"/>
+            </a:schemeClr>
+          </a:lnRef>
+          <a:fillRef idx="1">
+            <a:schemeClr val="accent1"/>
+          </a:fillRef>
+          <a:effectRef idx="0">
+            <a:schemeClr val="accent1"/>
+          </a:effectRef>
+          <a:fontRef idx="minor">
+            <a:schemeClr val="lt1"/>
+          </a:fontRef>
+        </p:style>
+        <p:txBody>
+          <a:bodyPr rtlCol="0" anchor="ctr"/>
+          <a:lstStyle/>
+          <a:p>
+            <a:pPr algn="ctr"/>
+            <a:r>
+              <a:rPr lang="en-US" sz="1600" dirty="0">
+                <a:latin typeface="Avenir Roman" panose="02000503020000020003" pitchFamily="2" charset="0"/>
+              </a:rPr>
+              <a:t>DF 1</a:t>
+            </a:r>
+          </a:p>
+        </p:txBody>
+      </p:sp>
+      <p:sp>
+        <p:nvSpPr>
+          <p:cNvPr id="7" name="Rectangle 6">
+            <a:extLst>
+              <a:ext uri="{FF2B5EF4-FFF2-40B4-BE49-F238E27FC236}">
+                <a16:creationId xmlns:a16="http://schemas.microsoft.com/office/drawing/2014/main" id="{A4030EB9-4B3D-3640-B318-4FF0D2FB2646}"/>
+              </a:ext>
+            </a:extLst>
+          </p:cNvPr>
+          <p:cNvSpPr/>
+          <p:nvPr/>
+        </p:nvSpPr>
+        <p:spPr>
+          <a:xfrm>
+            <a:off x="1782416" y="1776134"/>
+            <a:ext cx="1278837" cy="427380"/>
+          </a:xfrm>
+          <a:prstGeom prst="rect">
+            <a:avLst/>
+          </a:prstGeom>
+          <a:ln>
+            <a:noFill/>
+          </a:ln>
+        </p:spPr>
+        <p:style>
+          <a:lnRef idx="2">
+            <a:schemeClr val="accent1">
+              <a:shade val="50000"/>
+            </a:schemeClr>
+          </a:lnRef>
+          <a:fillRef idx="1">
+            <a:schemeClr val="accent1"/>
+          </a:fillRef>
+          <a:effectRef idx="0">
+            <a:schemeClr val="accent1"/>
+          </a:effectRef>
+          <a:fontRef idx="minor">
+            <a:schemeClr val="lt1"/>
+          </a:fontRef>
+        </p:style>
+        <p:txBody>
+          <a:bodyPr rtlCol="0" anchor="ctr"/>
+          <a:lstStyle/>
+          <a:p>
+            <a:pPr algn="ctr"/>
+            <a:r>
+              <a:rPr lang="en-US" sz="1600" dirty="0">
+                <a:latin typeface="Avenir Roman" panose="02000503020000020003" pitchFamily="2" charset="0"/>
+              </a:rPr>
+              <a:t>Partition 0</a:t>
+            </a:r>
+          </a:p>
+        </p:txBody>
+      </p:sp>
+      <p:sp>
+        <p:nvSpPr>
+          <p:cNvPr id="8" name="Rectangle 7">
+            <a:extLst>
+              <a:ext uri="{FF2B5EF4-FFF2-40B4-BE49-F238E27FC236}">
+                <a16:creationId xmlns:a16="http://schemas.microsoft.com/office/drawing/2014/main" id="{3FD8A293-6B50-644C-ABE7-935E84646EA6}"/>
+              </a:ext>
+            </a:extLst>
+          </p:cNvPr>
+          <p:cNvSpPr/>
+          <p:nvPr/>
+        </p:nvSpPr>
+        <p:spPr>
+          <a:xfrm>
+            <a:off x="1782415" y="2657235"/>
+            <a:ext cx="1278837" cy="427380"/>
+          </a:xfrm>
+          <a:prstGeom prst="rect">
+            <a:avLst/>
+          </a:prstGeom>
+          <a:ln>
+            <a:noFill/>
+          </a:ln>
+        </p:spPr>
+        <p:style>
+          <a:lnRef idx="2">
+            <a:schemeClr val="accent1">
+              <a:shade val="50000"/>
+            </a:schemeClr>
+          </a:lnRef>
+          <a:fillRef idx="1">
+            <a:schemeClr val="accent1"/>
+          </a:fillRef>
+          <a:effectRef idx="0">
+            <a:schemeClr val="accent1"/>
+          </a:effectRef>
+          <a:fontRef idx="minor">
+            <a:schemeClr val="lt1"/>
+          </a:fontRef>
+        </p:style>
+        <p:txBody>
+          <a:bodyPr rtlCol="0" anchor="ctr"/>
+          <a:lstStyle/>
+          <a:p>
+            <a:pPr algn="ctr"/>
+            <a:r>
+              <a:rPr lang="en-US" sz="1600" dirty="0">
+                <a:latin typeface="Avenir Roman" panose="02000503020000020003" pitchFamily="2" charset="0"/>
+              </a:rPr>
+              <a:t>Partition 1</a:t>
+            </a:r>
+          </a:p>
+        </p:txBody>
+      </p:sp>
+      <p:sp>
+        <p:nvSpPr>
+          <p:cNvPr id="9" name="Rectangle 8">
+            <a:extLst>
+              <a:ext uri="{FF2B5EF4-FFF2-40B4-BE49-F238E27FC236}">
+                <a16:creationId xmlns:a16="http://schemas.microsoft.com/office/drawing/2014/main" id="{076DE417-4207-2244-B97D-1056060F3836}"/>
+              </a:ext>
+            </a:extLst>
+          </p:cNvPr>
+          <p:cNvSpPr/>
+          <p:nvPr/>
+        </p:nvSpPr>
+        <p:spPr>
+          <a:xfrm>
+            <a:off x="1782415" y="3514169"/>
+            <a:ext cx="1278837" cy="427380"/>
+          </a:xfrm>
+          <a:prstGeom prst="rect">
+            <a:avLst/>
+          </a:prstGeom>
+          <a:ln>
+            <a:noFill/>
+          </a:ln>
+        </p:spPr>
+        <p:style>
+          <a:lnRef idx="2">
+            <a:schemeClr val="accent1">
+              <a:shade val="50000"/>
+            </a:schemeClr>
+          </a:lnRef>
+          <a:fillRef idx="1">
+            <a:schemeClr val="accent1"/>
+          </a:fillRef>
+          <a:effectRef idx="0">
+            <a:schemeClr val="accent1"/>
+          </a:effectRef>
+          <a:fontRef idx="minor">
+            <a:schemeClr val="lt1"/>
+          </a:fontRef>
+        </p:style>
+        <p:txBody>
+          <a:bodyPr rtlCol="0" anchor="ctr"/>
+          <a:lstStyle/>
+          <a:p>
+            <a:pPr algn="ctr"/>
+            <a:r>
+              <a:rPr lang="en-US" sz="1600" dirty="0">
+                <a:latin typeface="Avenir Roman" panose="02000503020000020003" pitchFamily="2" charset="0"/>
+              </a:rPr>
+              <a:t>Partition 2</a:t>
+            </a:r>
+          </a:p>
+        </p:txBody>
+      </p:sp>
+      <p:sp>
+        <p:nvSpPr>
+          <p:cNvPr id="10" name="Rectangle 9">
+            <a:extLst>
+              <a:ext uri="{FF2B5EF4-FFF2-40B4-BE49-F238E27FC236}">
+                <a16:creationId xmlns:a16="http://schemas.microsoft.com/office/drawing/2014/main" id="{AF0E25D5-3D5B-8D4C-906C-072D2D935BC7}"/>
+              </a:ext>
+            </a:extLst>
+          </p:cNvPr>
+          <p:cNvSpPr/>
+          <p:nvPr/>
+        </p:nvSpPr>
+        <p:spPr>
+          <a:xfrm>
+            <a:off x="1782414" y="4380013"/>
+            <a:ext cx="1278837" cy="427380"/>
+          </a:xfrm>
+          <a:prstGeom prst="rect">
+            <a:avLst/>
+          </a:prstGeom>
+          <a:ln>
+            <a:noFill/>
+          </a:ln>
+        </p:spPr>
+        <p:style>
+          <a:lnRef idx="2">
+            <a:schemeClr val="accent1">
+              <a:shade val="50000"/>
+            </a:schemeClr>
+          </a:lnRef>
+          <a:fillRef idx="1">
+            <a:schemeClr val="accent1"/>
+          </a:fillRef>
+          <a:effectRef idx="0">
+            <a:schemeClr val="accent1"/>
+          </a:effectRef>
+          <a:fontRef idx="minor">
+            <a:schemeClr val="lt1"/>
+          </a:fontRef>
+        </p:style>
+        <p:txBody>
+          <a:bodyPr rtlCol="0" anchor="ctr"/>
+          <a:lstStyle/>
+          <a:p>
+            <a:pPr algn="ctr"/>
+            <a:r>
+              <a:rPr lang="en-US" sz="1600" dirty="0">
+                <a:latin typeface="Avenir Roman" panose="02000503020000020003" pitchFamily="2" charset="0"/>
+              </a:rPr>
+              <a:t>Partition 3</a:t>
+            </a:r>
+          </a:p>
+        </p:txBody>
+      </p:sp>
+      <p:sp>
+        <p:nvSpPr>
+          <p:cNvPr id="11" name="Rectangle 10">
+            <a:extLst>
+              <a:ext uri="{FF2B5EF4-FFF2-40B4-BE49-F238E27FC236}">
+                <a16:creationId xmlns:a16="http://schemas.microsoft.com/office/drawing/2014/main" id="{48321D3E-943C-6E4C-B001-6C4C777FEC42}"/>
+              </a:ext>
+            </a:extLst>
+          </p:cNvPr>
+          <p:cNvSpPr/>
+          <p:nvPr/>
+        </p:nvSpPr>
+        <p:spPr>
+          <a:xfrm>
+            <a:off x="10754135" y="3375817"/>
+            <a:ext cx="1278837" cy="427380"/>
+          </a:xfrm>
+          <a:prstGeom prst="rect">
+            <a:avLst/>
+          </a:prstGeom>
+          <a:solidFill>
+            <a:srgbClr val="92D050"/>
+          </a:solidFill>
+          <a:ln>
+            <a:noFill/>
+          </a:ln>
+        </p:spPr>
+        <p:style>
+          <a:lnRef idx="2">
+            <a:schemeClr val="accent1">
+              <a:shade val="50000"/>
+            </a:schemeClr>
+          </a:lnRef>
+          <a:fillRef idx="1">
+            <a:schemeClr val="accent1"/>
+          </a:fillRef>
+          <a:effectRef idx="0">
+            <a:schemeClr val="accent1"/>
+          </a:effectRef>
+          <a:fontRef idx="minor">
+            <a:schemeClr val="lt1"/>
+          </a:fontRef>
+        </p:style>
+        <p:txBody>
+          <a:bodyPr rtlCol="0" anchor="ctr"/>
+          <a:lstStyle/>
+          <a:p>
+            <a:pPr algn="ctr"/>
+            <a:r>
+              <a:rPr lang="en-US" sz="1600" dirty="0">
+                <a:latin typeface="Avenir Roman" panose="02000503020000020003" pitchFamily="2" charset="0"/>
+              </a:rPr>
+              <a:t>DF 2</a:t>
+            </a:r>
+          </a:p>
+        </p:txBody>
+      </p:sp>
+      <p:sp>
+        <p:nvSpPr>
+          <p:cNvPr id="13" name="Rectangle 12">
+            <a:extLst>
+              <a:ext uri="{FF2B5EF4-FFF2-40B4-BE49-F238E27FC236}">
+                <a16:creationId xmlns:a16="http://schemas.microsoft.com/office/drawing/2014/main" id="{8071272D-289E-4245-80E0-80BC51A8477F}"/>
+              </a:ext>
+            </a:extLst>
+          </p:cNvPr>
+          <p:cNvSpPr/>
+          <p:nvPr/>
+        </p:nvSpPr>
+        <p:spPr>
+          <a:xfrm>
+            <a:off x="9037977" y="1776480"/>
+            <a:ext cx="1278837" cy="427380"/>
+          </a:xfrm>
+          <a:prstGeom prst="rect">
+            <a:avLst/>
+          </a:prstGeom>
+          <a:solidFill>
+            <a:srgbClr val="92D050"/>
+          </a:solidFill>
+          <a:ln>
+            <a:noFill/>
+          </a:ln>
+        </p:spPr>
+        <p:style>
+          <a:lnRef idx="2">
+            <a:schemeClr val="accent1">
+              <a:shade val="50000"/>
+            </a:schemeClr>
+          </a:lnRef>
+          <a:fillRef idx="1">
+            <a:schemeClr val="accent1"/>
+          </a:fillRef>
+          <a:effectRef idx="0">
+            <a:schemeClr val="accent1"/>
+          </a:effectRef>
+          <a:fontRef idx="minor">
+            <a:schemeClr val="lt1"/>
+          </a:fontRef>
+        </p:style>
+        <p:txBody>
+          <a:bodyPr rot="0" spcFirstLastPara="0" vertOverflow="overflow" horzOverflow="overflow" vert="horz" wrap="square" lIns="91440" tIns="45720" rIns="91440" bIns="45720" numCol="1" spcCol="0" rtlCol="0" fromWordArt="0" anchor="ctr" anchorCtr="0" forceAA="0" compatLnSpc="1">
+            <a:prstTxWarp prst="textNoShape">
+              <a:avLst/>
+            </a:prstTxWarp>
+            <a:noAutofit/>
+          </a:bodyPr>
+          <a:lstStyle/>
+          <a:p>
+            <a:pPr algn="ctr"/>
+            <a:r>
+              <a:rPr lang="en-US" sz="1600" dirty="0">
+                <a:latin typeface="Avenir Roman" panose="02000503020000020003" pitchFamily="2" charset="0"/>
+              </a:rPr>
+              <a:t>Partition 3</a:t>
+            </a:r>
+          </a:p>
+        </p:txBody>
+      </p:sp>
+      <p:sp>
+        <p:nvSpPr>
+          <p:cNvPr id="14" name="Rectangle 13">
+            <a:extLst>
+              <a:ext uri="{FF2B5EF4-FFF2-40B4-BE49-F238E27FC236}">
+                <a16:creationId xmlns:a16="http://schemas.microsoft.com/office/drawing/2014/main" id="{86959CA0-782B-D943-B174-DA77866DE2F1}"/>
+              </a:ext>
+            </a:extLst>
+          </p:cNvPr>
+          <p:cNvSpPr/>
+          <p:nvPr/>
+        </p:nvSpPr>
+        <p:spPr>
+          <a:xfrm>
+            <a:off x="9031343" y="2604568"/>
+            <a:ext cx="1278837" cy="427380"/>
+          </a:xfrm>
+          <a:prstGeom prst="rect">
+            <a:avLst/>
+          </a:prstGeom>
+          <a:solidFill>
+            <a:srgbClr val="92D050"/>
+          </a:solidFill>
+          <a:ln>
+            <a:noFill/>
+          </a:ln>
+        </p:spPr>
+        <p:style>
+          <a:lnRef idx="2">
+            <a:schemeClr val="accent1">
+              <a:shade val="50000"/>
+            </a:schemeClr>
+          </a:lnRef>
+          <a:fillRef idx="1">
+            <a:schemeClr val="accent1"/>
+          </a:fillRef>
+          <a:effectRef idx="0">
+            <a:schemeClr val="accent1"/>
+          </a:effectRef>
+          <a:fontRef idx="minor">
+            <a:schemeClr val="lt1"/>
+          </a:fontRef>
+        </p:style>
+        <p:txBody>
+          <a:bodyPr rot="0" spcFirstLastPara="0" vertOverflow="overflow" horzOverflow="overflow" vert="horz" wrap="square" lIns="91440" tIns="45720" rIns="91440" bIns="45720" numCol="1" spcCol="0" rtlCol="0" fromWordArt="0" anchor="ctr" anchorCtr="0" forceAA="0" compatLnSpc="1">
+            <a:prstTxWarp prst="textNoShape">
+              <a:avLst/>
+            </a:prstTxWarp>
+            <a:noAutofit/>
+          </a:bodyPr>
+          <a:lstStyle/>
+          <a:p>
+            <a:pPr algn="ctr"/>
+            <a:r>
+              <a:rPr lang="en-US" sz="1600" dirty="0">
+                <a:latin typeface="Avenir Roman" panose="02000503020000020003" pitchFamily="2" charset="0"/>
+              </a:rPr>
+              <a:t>Partition 2</a:t>
+            </a:r>
+          </a:p>
+        </p:txBody>
+      </p:sp>
+      <p:sp>
+        <p:nvSpPr>
+          <p:cNvPr id="15" name="Rectangle 14">
+            <a:extLst>
+              <a:ext uri="{FF2B5EF4-FFF2-40B4-BE49-F238E27FC236}">
+                <a16:creationId xmlns:a16="http://schemas.microsoft.com/office/drawing/2014/main" id="{962152A8-CE63-4448-95AA-1924E8F2AFFB}"/>
+              </a:ext>
+            </a:extLst>
+          </p:cNvPr>
+          <p:cNvSpPr/>
+          <p:nvPr/>
+        </p:nvSpPr>
+        <p:spPr>
+          <a:xfrm>
+            <a:off x="9031342" y="3514169"/>
+            <a:ext cx="1278837" cy="427380"/>
+          </a:xfrm>
+          <a:prstGeom prst="rect">
+            <a:avLst/>
+          </a:prstGeom>
+          <a:solidFill>
+            <a:srgbClr val="92D050"/>
+          </a:solidFill>
+          <a:ln>
+            <a:noFill/>
+          </a:ln>
+        </p:spPr>
+        <p:style>
+          <a:lnRef idx="2">
+            <a:schemeClr val="accent1">
+              <a:shade val="50000"/>
+            </a:schemeClr>
+          </a:lnRef>
+          <a:fillRef idx="1">
+            <a:schemeClr val="accent1"/>
+          </a:fillRef>
+          <a:effectRef idx="0">
+            <a:schemeClr val="accent1"/>
+          </a:effectRef>
+          <a:fontRef idx="minor">
+            <a:schemeClr val="lt1"/>
+          </a:fontRef>
+        </p:style>
+        <p:txBody>
+          <a:bodyPr rot="0" spcFirstLastPara="0" vertOverflow="overflow" horzOverflow="overflow" vert="horz" wrap="square" lIns="91440" tIns="45720" rIns="91440" bIns="45720" numCol="1" spcCol="0" rtlCol="0" fromWordArt="0" anchor="ctr" anchorCtr="0" forceAA="0" compatLnSpc="1">
+            <a:prstTxWarp prst="textNoShape">
+              <a:avLst/>
+            </a:prstTxWarp>
+            <a:noAutofit/>
+          </a:bodyPr>
+          <a:lstStyle/>
+          <a:p>
+            <a:pPr algn="ctr"/>
+            <a:r>
+              <a:rPr lang="en-US" sz="1600" dirty="0">
+                <a:latin typeface="Avenir Roman" panose="02000503020000020003" pitchFamily="2" charset="0"/>
+              </a:rPr>
+              <a:t>Partition 1</a:t>
+            </a:r>
+          </a:p>
+        </p:txBody>
+      </p:sp>
+      <p:sp>
+        <p:nvSpPr>
+          <p:cNvPr id="16" name="Rectangle 15">
+            <a:extLst>
+              <a:ext uri="{FF2B5EF4-FFF2-40B4-BE49-F238E27FC236}">
+                <a16:creationId xmlns:a16="http://schemas.microsoft.com/office/drawing/2014/main" id="{1FFF52E5-27D2-074C-80A9-9E4E9C308BF3}"/>
+              </a:ext>
+            </a:extLst>
+          </p:cNvPr>
+          <p:cNvSpPr/>
+          <p:nvPr/>
+        </p:nvSpPr>
+        <p:spPr>
+          <a:xfrm>
+            <a:off x="9031341" y="4380013"/>
+            <a:ext cx="1278837" cy="427380"/>
+          </a:xfrm>
+          <a:prstGeom prst="rect">
+            <a:avLst/>
+          </a:prstGeom>
+          <a:solidFill>
+            <a:srgbClr val="92D050"/>
+          </a:solidFill>
+          <a:ln>
+            <a:noFill/>
+          </a:ln>
+        </p:spPr>
+        <p:style>
+          <a:lnRef idx="2">
+            <a:schemeClr val="accent1">
+              <a:shade val="50000"/>
+            </a:schemeClr>
+          </a:lnRef>
+          <a:fillRef idx="1">
+            <a:schemeClr val="accent1"/>
+          </a:fillRef>
+          <a:effectRef idx="0">
+            <a:schemeClr val="accent1"/>
+          </a:effectRef>
+          <a:fontRef idx="minor">
+            <a:schemeClr val="lt1"/>
+          </a:fontRef>
+        </p:style>
+        <p:txBody>
+          <a:bodyPr rot="0" spcFirstLastPara="0" vertOverflow="overflow" horzOverflow="overflow" vert="horz" wrap="square" lIns="91440" tIns="45720" rIns="91440" bIns="45720" numCol="1" spcCol="0" rtlCol="0" fromWordArt="0" anchor="ctr" anchorCtr="0" forceAA="0" compatLnSpc="1">
+            <a:prstTxWarp prst="textNoShape">
+              <a:avLst/>
+            </a:prstTxWarp>
+            <a:noAutofit/>
+          </a:bodyPr>
+          <a:lstStyle/>
+          <a:p>
+            <a:pPr algn="ctr"/>
+            <a:r>
+              <a:rPr lang="en-US" sz="1600" dirty="0">
+                <a:latin typeface="Avenir Roman" panose="02000503020000020003" pitchFamily="2" charset="0"/>
+              </a:rPr>
+              <a:t>Partition 0</a:t>
+            </a:r>
+          </a:p>
+        </p:txBody>
+      </p:sp>
+      <p:sp>
+        <p:nvSpPr>
+          <p:cNvPr id="19" name="Rectangle 18">
+            <a:extLst>
+              <a:ext uri="{FF2B5EF4-FFF2-40B4-BE49-F238E27FC236}">
+                <a16:creationId xmlns:a16="http://schemas.microsoft.com/office/drawing/2014/main" id="{3556EEC8-DF13-BF46-B1C3-01D8E560E834}"/>
+              </a:ext>
+            </a:extLst>
+          </p:cNvPr>
+          <p:cNvSpPr/>
+          <p:nvPr/>
+        </p:nvSpPr>
+        <p:spPr>
+          <a:xfrm>
+            <a:off x="4174428" y="1776134"/>
+            <a:ext cx="1278837" cy="427380"/>
+          </a:xfrm>
+          <a:prstGeom prst="rect">
+            <a:avLst/>
+          </a:prstGeom>
+          <a:ln>
+            <a:noFill/>
+          </a:ln>
+        </p:spPr>
+        <p:style>
+          <a:lnRef idx="2">
+            <a:schemeClr val="accent1">
+              <a:shade val="50000"/>
+            </a:schemeClr>
+          </a:lnRef>
+          <a:fillRef idx="1">
+            <a:schemeClr val="accent1"/>
+          </a:fillRef>
+          <a:effectRef idx="0">
+            <a:schemeClr val="accent1"/>
+          </a:effectRef>
+          <a:fontRef idx="minor">
+            <a:schemeClr val="lt1"/>
+          </a:fontRef>
+        </p:style>
+        <p:txBody>
+          <a:bodyPr rtlCol="0" anchor="ctr"/>
+          <a:lstStyle/>
+          <a:p>
+            <a:pPr algn="ctr"/>
+            <a:r>
+              <a:rPr lang="en-US" sz="1600" dirty="0">
+                <a:latin typeface="Avenir Roman" panose="02000503020000020003" pitchFamily="2" charset="0"/>
+              </a:rPr>
+              <a:t>Partition 1</a:t>
+            </a:r>
+          </a:p>
+        </p:txBody>
+      </p:sp>
+      <p:sp>
+        <p:nvSpPr>
+          <p:cNvPr id="22" name="Rectangle 21">
+            <a:extLst>
+              <a:ext uri="{FF2B5EF4-FFF2-40B4-BE49-F238E27FC236}">
+                <a16:creationId xmlns:a16="http://schemas.microsoft.com/office/drawing/2014/main" id="{188196D2-C2E0-DA40-9D15-8F17E2DF3786}"/>
+              </a:ext>
+            </a:extLst>
+          </p:cNvPr>
+          <p:cNvSpPr/>
+          <p:nvPr/>
+        </p:nvSpPr>
+        <p:spPr>
+          <a:xfrm>
+            <a:off x="6480304" y="1783819"/>
+            <a:ext cx="1278837" cy="427380"/>
+          </a:xfrm>
+          <a:prstGeom prst="rect">
+            <a:avLst/>
+          </a:prstGeom>
+          <a:solidFill>
+            <a:srgbClr val="92D050"/>
+          </a:solidFill>
+          <a:ln>
+            <a:noFill/>
+          </a:ln>
+        </p:spPr>
+        <p:style>
+          <a:lnRef idx="2">
+            <a:schemeClr val="accent1">
+              <a:shade val="50000"/>
+            </a:schemeClr>
+          </a:lnRef>
+          <a:fillRef idx="1">
+            <a:schemeClr val="accent1"/>
+          </a:fillRef>
+          <a:effectRef idx="0">
+            <a:schemeClr val="accent1"/>
+          </a:effectRef>
+          <a:fontRef idx="minor">
+            <a:schemeClr val="lt1"/>
+          </a:fontRef>
+        </p:style>
+        <p:txBody>
+          <a:bodyPr rot="0" spcFirstLastPara="0" vertOverflow="overflow" horzOverflow="overflow" vert="horz" wrap="square" lIns="91440" tIns="45720" rIns="91440" bIns="45720" numCol="1" spcCol="0" rtlCol="0" fromWordArt="0" anchor="ctr" anchorCtr="0" forceAA="0" compatLnSpc="1">
+            <a:prstTxWarp prst="textNoShape">
+              <a:avLst/>
+            </a:prstTxWarp>
+            <a:noAutofit/>
+          </a:bodyPr>
+          <a:lstStyle/>
+          <a:p>
+            <a:pPr algn="ctr"/>
+            <a:r>
+              <a:rPr lang="en-US" sz="1600" dirty="0">
+                <a:latin typeface="Avenir Roman" panose="02000503020000020003" pitchFamily="2" charset="0"/>
+              </a:rPr>
+              <a:t>Partition 1</a:t>
+            </a:r>
+          </a:p>
+        </p:txBody>
+      </p:sp>
+      <p:sp>
+        <p:nvSpPr>
+          <p:cNvPr id="26" name="Rounded Rectangle 25">
+            <a:extLst>
+              <a:ext uri="{FF2B5EF4-FFF2-40B4-BE49-F238E27FC236}">
+                <a16:creationId xmlns:a16="http://schemas.microsoft.com/office/drawing/2014/main" id="{A162D219-F5EF-424D-87CF-2B29EBCC6AFB}"/>
+              </a:ext>
+            </a:extLst>
+          </p:cNvPr>
+          <p:cNvSpPr/>
+          <p:nvPr/>
+        </p:nvSpPr>
+        <p:spPr>
+          <a:xfrm>
+            <a:off x="3962400" y="4262399"/>
+            <a:ext cx="3962400" cy="662608"/>
+          </a:xfrm>
+          <a:prstGeom prst="roundRect">
+            <a:avLst/>
+          </a:prstGeom>
+          <a:solidFill>
+            <a:schemeClr val="bg1">
+              <a:lumMod val="85000"/>
+            </a:schemeClr>
+          </a:solidFill>
+          <a:ln>
+            <a:noFill/>
+          </a:ln>
+        </p:spPr>
+        <p:style>
+          <a:lnRef idx="2">
+            <a:schemeClr val="accent1">
+              <a:shade val="50000"/>
+            </a:schemeClr>
+          </a:lnRef>
+          <a:fillRef idx="1">
+            <a:schemeClr val="accent1"/>
+          </a:fillRef>
+          <a:effectRef idx="0">
+            <a:schemeClr val="accent1"/>
+          </a:effectRef>
+          <a:fontRef idx="minor">
+            <a:schemeClr val="lt1"/>
+          </a:fontRef>
+        </p:style>
+        <p:txBody>
+          <a:bodyPr rtlCol="0" anchor="ctr"/>
+          <a:lstStyle/>
+          <a:p>
+            <a:pPr algn="ctr"/>
+            <a:endParaRPr lang="en-US"/>
+          </a:p>
+        </p:txBody>
+      </p:sp>
+      <p:sp>
+        <p:nvSpPr>
+          <p:cNvPr id="27" name="Rounded Rectangle 26">
+            <a:extLst>
+              <a:ext uri="{FF2B5EF4-FFF2-40B4-BE49-F238E27FC236}">
+                <a16:creationId xmlns:a16="http://schemas.microsoft.com/office/drawing/2014/main" id="{434ACFFF-2945-C742-9D3C-83F3CDCF32A3}"/>
+              </a:ext>
+            </a:extLst>
+          </p:cNvPr>
+          <p:cNvSpPr/>
+          <p:nvPr/>
+        </p:nvSpPr>
+        <p:spPr>
+          <a:xfrm>
+            <a:off x="3962400" y="3370105"/>
+            <a:ext cx="3962400" cy="662608"/>
+          </a:xfrm>
+          <a:prstGeom prst="roundRect">
+            <a:avLst/>
+          </a:prstGeom>
+          <a:solidFill>
+            <a:schemeClr val="bg1">
+              <a:lumMod val="85000"/>
+            </a:schemeClr>
+          </a:solidFill>
+          <a:ln>
+            <a:noFill/>
+          </a:ln>
+        </p:spPr>
+        <p:style>
+          <a:lnRef idx="2">
+            <a:schemeClr val="accent1">
+              <a:shade val="50000"/>
+            </a:schemeClr>
+          </a:lnRef>
+          <a:fillRef idx="1">
+            <a:schemeClr val="accent1"/>
+          </a:fillRef>
+          <a:effectRef idx="0">
+            <a:schemeClr val="accent1"/>
+          </a:effectRef>
+          <a:fontRef idx="minor">
+            <a:schemeClr val="lt1"/>
+          </a:fontRef>
+        </p:style>
+        <p:txBody>
+          <a:bodyPr rtlCol="0" anchor="ctr"/>
+          <a:lstStyle/>
+          <a:p>
+            <a:pPr algn="ctr"/>
+            <a:endParaRPr lang="en-US"/>
+          </a:p>
+        </p:txBody>
+      </p:sp>
+      <p:sp>
+        <p:nvSpPr>
+          <p:cNvPr id="28" name="Rounded Rectangle 27">
+            <a:extLst>
+              <a:ext uri="{FF2B5EF4-FFF2-40B4-BE49-F238E27FC236}">
+                <a16:creationId xmlns:a16="http://schemas.microsoft.com/office/drawing/2014/main" id="{A1A4A473-7B1B-4D45-8373-6790C66445D1}"/>
+              </a:ext>
+            </a:extLst>
+          </p:cNvPr>
+          <p:cNvSpPr/>
+          <p:nvPr/>
+        </p:nvSpPr>
+        <p:spPr>
+          <a:xfrm>
+            <a:off x="3962400" y="2544502"/>
+            <a:ext cx="3962400" cy="662608"/>
+          </a:xfrm>
+          <a:prstGeom prst="roundRect">
+            <a:avLst/>
+          </a:prstGeom>
+          <a:solidFill>
+            <a:schemeClr val="bg1">
+              <a:lumMod val="85000"/>
+            </a:schemeClr>
+          </a:solidFill>
+          <a:ln>
+            <a:noFill/>
+          </a:ln>
+        </p:spPr>
+        <p:style>
+          <a:lnRef idx="2">
+            <a:schemeClr val="accent1">
+              <a:shade val="50000"/>
+            </a:schemeClr>
+          </a:lnRef>
+          <a:fillRef idx="1">
+            <a:schemeClr val="accent1"/>
+          </a:fillRef>
+          <a:effectRef idx="0">
+            <a:schemeClr val="accent1"/>
+          </a:effectRef>
+          <a:fontRef idx="minor">
+            <a:schemeClr val="lt1"/>
+          </a:fontRef>
+        </p:style>
+        <p:txBody>
+          <a:bodyPr rtlCol="0" anchor="ctr"/>
+          <a:lstStyle/>
+          <a:p>
+            <a:pPr algn="ctr"/>
+            <a:endParaRPr lang="en-US"/>
+          </a:p>
+        </p:txBody>
+      </p:sp>
+      <p:sp>
+        <p:nvSpPr>
+          <p:cNvPr id="29" name="Rectangle 28">
+            <a:extLst>
+              <a:ext uri="{FF2B5EF4-FFF2-40B4-BE49-F238E27FC236}">
+                <a16:creationId xmlns:a16="http://schemas.microsoft.com/office/drawing/2014/main" id="{473A0CB8-8EF7-ED45-9106-E08D7962F8DA}"/>
+              </a:ext>
+            </a:extLst>
+          </p:cNvPr>
+          <p:cNvSpPr/>
+          <p:nvPr/>
+        </p:nvSpPr>
+        <p:spPr>
+          <a:xfrm>
+            <a:off x="4197619" y="2674520"/>
+            <a:ext cx="1278837" cy="427380"/>
+          </a:xfrm>
+          <a:prstGeom prst="rect">
+            <a:avLst/>
+          </a:prstGeom>
+          <a:ln>
+            <a:noFill/>
+          </a:ln>
+        </p:spPr>
+        <p:style>
+          <a:lnRef idx="2">
+            <a:schemeClr val="accent1">
+              <a:shade val="50000"/>
+            </a:schemeClr>
+          </a:lnRef>
+          <a:fillRef idx="1">
+            <a:schemeClr val="accent1"/>
+          </a:fillRef>
+          <a:effectRef idx="0">
+            <a:schemeClr val="accent1"/>
+          </a:effectRef>
+          <a:fontRef idx="minor">
+            <a:schemeClr val="lt1"/>
+          </a:fontRef>
+        </p:style>
+        <p:txBody>
+          <a:bodyPr rtlCol="0" anchor="ctr"/>
+          <a:lstStyle/>
+          <a:p>
+            <a:pPr algn="ctr"/>
+            <a:r>
+              <a:rPr lang="en-US" sz="1600" dirty="0">
+                <a:latin typeface="Avenir Roman" panose="02000503020000020003" pitchFamily="2" charset="0"/>
+              </a:rPr>
+              <a:t>Partition 0</a:t>
+            </a:r>
+          </a:p>
+        </p:txBody>
+      </p:sp>
+      <p:sp>
+        <p:nvSpPr>
+          <p:cNvPr id="30" name="Rectangle 29">
+            <a:extLst>
+              <a:ext uri="{FF2B5EF4-FFF2-40B4-BE49-F238E27FC236}">
+                <a16:creationId xmlns:a16="http://schemas.microsoft.com/office/drawing/2014/main" id="{7616A0AE-80D5-0048-966B-7C85879102CB}"/>
+              </a:ext>
+            </a:extLst>
+          </p:cNvPr>
+          <p:cNvSpPr/>
+          <p:nvPr/>
+        </p:nvSpPr>
+        <p:spPr>
+          <a:xfrm>
+            <a:off x="6480305" y="2649217"/>
+            <a:ext cx="1278837" cy="427380"/>
+          </a:xfrm>
+          <a:prstGeom prst="rect">
+            <a:avLst/>
+          </a:prstGeom>
+          <a:solidFill>
+            <a:srgbClr val="92D050"/>
+          </a:solidFill>
+          <a:ln>
+            <a:noFill/>
+          </a:ln>
+        </p:spPr>
+        <p:style>
+          <a:lnRef idx="2">
+            <a:schemeClr val="accent1">
+              <a:shade val="50000"/>
+            </a:schemeClr>
+          </a:lnRef>
+          <a:fillRef idx="1">
+            <a:schemeClr val="accent1"/>
+          </a:fillRef>
+          <a:effectRef idx="0">
+            <a:schemeClr val="accent1"/>
+          </a:effectRef>
+          <a:fontRef idx="minor">
+            <a:schemeClr val="lt1"/>
+          </a:fontRef>
+        </p:style>
+        <p:txBody>
+          <a:bodyPr rot="0" spcFirstLastPara="0" vertOverflow="overflow" horzOverflow="overflow" vert="horz" wrap="square" lIns="91440" tIns="45720" rIns="91440" bIns="45720" numCol="1" spcCol="0" rtlCol="0" fromWordArt="0" anchor="ctr" anchorCtr="0" forceAA="0" compatLnSpc="1">
+            <a:prstTxWarp prst="textNoShape">
+              <a:avLst/>
+            </a:prstTxWarp>
+            <a:noAutofit/>
+          </a:bodyPr>
+          <a:lstStyle/>
+          <a:p>
+            <a:pPr algn="ctr"/>
+            <a:r>
+              <a:rPr lang="en-US" sz="1600" dirty="0">
+                <a:latin typeface="Avenir Roman" panose="02000503020000020003" pitchFamily="2" charset="0"/>
+              </a:rPr>
+              <a:t>Partition 0</a:t>
+            </a:r>
+          </a:p>
+        </p:txBody>
+      </p:sp>
+      <p:sp>
+        <p:nvSpPr>
+          <p:cNvPr id="31" name="Rectangle 30">
+            <a:extLst>
+              <a:ext uri="{FF2B5EF4-FFF2-40B4-BE49-F238E27FC236}">
+                <a16:creationId xmlns:a16="http://schemas.microsoft.com/office/drawing/2014/main" id="{8638FF9E-B852-7447-9FF8-CE3EB7D1FBED}"/>
+              </a:ext>
+            </a:extLst>
+          </p:cNvPr>
+          <p:cNvSpPr/>
+          <p:nvPr/>
+        </p:nvSpPr>
+        <p:spPr>
+          <a:xfrm>
+            <a:off x="4131359" y="4412555"/>
+            <a:ext cx="1278837" cy="427380"/>
+          </a:xfrm>
+          <a:prstGeom prst="rect">
+            <a:avLst/>
+          </a:prstGeom>
+          <a:ln>
+            <a:noFill/>
+          </a:ln>
+        </p:spPr>
+        <p:style>
+          <a:lnRef idx="2">
+            <a:schemeClr val="accent1">
+              <a:shade val="50000"/>
+            </a:schemeClr>
+          </a:lnRef>
+          <a:fillRef idx="1">
+            <a:schemeClr val="accent1"/>
+          </a:fillRef>
+          <a:effectRef idx="0">
+            <a:schemeClr val="accent1"/>
+          </a:effectRef>
+          <a:fontRef idx="minor">
+            <a:schemeClr val="lt1"/>
+          </a:fontRef>
+        </p:style>
+        <p:txBody>
+          <a:bodyPr rtlCol="0" anchor="ctr"/>
+          <a:lstStyle/>
+          <a:p>
+            <a:pPr algn="ctr"/>
+            <a:r>
+              <a:rPr lang="en-US" sz="1600" dirty="0">
+                <a:latin typeface="Avenir Roman" panose="02000503020000020003" pitchFamily="2" charset="0"/>
+              </a:rPr>
+              <a:t>Partition 2</a:t>
+            </a:r>
+          </a:p>
+        </p:txBody>
+      </p:sp>
+      <p:sp>
+        <p:nvSpPr>
+          <p:cNvPr id="32" name="Rectangle 31">
+            <a:extLst>
+              <a:ext uri="{FF2B5EF4-FFF2-40B4-BE49-F238E27FC236}">
+                <a16:creationId xmlns:a16="http://schemas.microsoft.com/office/drawing/2014/main" id="{D247FEBF-B696-E046-82A0-FEC51AE0DC3F}"/>
+              </a:ext>
+            </a:extLst>
+          </p:cNvPr>
+          <p:cNvSpPr/>
+          <p:nvPr/>
+        </p:nvSpPr>
+        <p:spPr>
+          <a:xfrm>
+            <a:off x="4174426" y="3514169"/>
+            <a:ext cx="1278837" cy="427380"/>
+          </a:xfrm>
+          <a:prstGeom prst="rect">
+            <a:avLst/>
+          </a:prstGeom>
+          <a:ln>
+            <a:noFill/>
+          </a:ln>
+        </p:spPr>
+        <p:style>
+          <a:lnRef idx="2">
+            <a:schemeClr val="accent1">
+              <a:shade val="50000"/>
+            </a:schemeClr>
+          </a:lnRef>
+          <a:fillRef idx="1">
+            <a:schemeClr val="accent1"/>
+          </a:fillRef>
+          <a:effectRef idx="0">
+            <a:schemeClr val="accent1"/>
+          </a:effectRef>
+          <a:fontRef idx="minor">
+            <a:schemeClr val="lt1"/>
+          </a:fontRef>
+        </p:style>
+        <p:txBody>
+          <a:bodyPr rtlCol="0" anchor="ctr"/>
+          <a:lstStyle/>
+          <a:p>
+            <a:pPr algn="ctr"/>
+            <a:r>
+              <a:rPr lang="en-US" sz="1600" dirty="0">
+                <a:latin typeface="Avenir Roman" panose="02000503020000020003" pitchFamily="2" charset="0"/>
+              </a:rPr>
+              <a:t>Partition 3</a:t>
+            </a:r>
+          </a:p>
+        </p:txBody>
+      </p:sp>
+      <p:sp>
+        <p:nvSpPr>
+          <p:cNvPr id="33" name="Rectangle 32">
+            <a:extLst>
+              <a:ext uri="{FF2B5EF4-FFF2-40B4-BE49-F238E27FC236}">
+                <a16:creationId xmlns:a16="http://schemas.microsoft.com/office/drawing/2014/main" id="{9D5E71E0-8B71-9547-B988-8997D115CC8A}"/>
+              </a:ext>
+            </a:extLst>
+          </p:cNvPr>
+          <p:cNvSpPr/>
+          <p:nvPr/>
+        </p:nvSpPr>
+        <p:spPr>
+          <a:xfrm>
+            <a:off x="6476986" y="4380013"/>
+            <a:ext cx="1278837" cy="427380"/>
+          </a:xfrm>
+          <a:prstGeom prst="rect">
+            <a:avLst/>
+          </a:prstGeom>
+          <a:solidFill>
+            <a:srgbClr val="92D050"/>
+          </a:solidFill>
+          <a:ln>
+            <a:noFill/>
+          </a:ln>
+        </p:spPr>
+        <p:style>
+          <a:lnRef idx="2">
+            <a:schemeClr val="accent1">
+              <a:shade val="50000"/>
+            </a:schemeClr>
+          </a:lnRef>
+          <a:fillRef idx="1">
+            <a:schemeClr val="accent1"/>
+          </a:fillRef>
+          <a:effectRef idx="0">
+            <a:schemeClr val="accent1"/>
+          </a:effectRef>
+          <a:fontRef idx="minor">
+            <a:schemeClr val="lt1"/>
+          </a:fontRef>
+        </p:style>
+        <p:txBody>
+          <a:bodyPr rot="0" spcFirstLastPara="0" vertOverflow="overflow" horzOverflow="overflow" vert="horz" wrap="square" lIns="91440" tIns="45720" rIns="91440" bIns="45720" numCol="1" spcCol="0" rtlCol="0" fromWordArt="0" anchor="ctr" anchorCtr="0" forceAA="0" compatLnSpc="1">
+            <a:prstTxWarp prst="textNoShape">
+              <a:avLst/>
+            </a:prstTxWarp>
+            <a:noAutofit/>
+          </a:bodyPr>
+          <a:lstStyle/>
+          <a:p>
+            <a:pPr algn="ctr"/>
+            <a:r>
+              <a:rPr lang="en-US" sz="1600" dirty="0">
+                <a:latin typeface="Avenir Roman" panose="02000503020000020003" pitchFamily="2" charset="0"/>
+              </a:rPr>
+              <a:t>Partition 2</a:t>
+            </a:r>
+          </a:p>
+        </p:txBody>
+      </p:sp>
+      <p:sp>
+        <p:nvSpPr>
+          <p:cNvPr id="34" name="Rectangle 33">
+            <a:extLst>
+              <a:ext uri="{FF2B5EF4-FFF2-40B4-BE49-F238E27FC236}">
+                <a16:creationId xmlns:a16="http://schemas.microsoft.com/office/drawing/2014/main" id="{FFC57F4B-B5F7-D145-AE19-69BFD84F4155}"/>
+              </a:ext>
+            </a:extLst>
+          </p:cNvPr>
+          <p:cNvSpPr/>
+          <p:nvPr/>
+        </p:nvSpPr>
+        <p:spPr>
+          <a:xfrm>
+            <a:off x="6476985" y="3504406"/>
+            <a:ext cx="1278837" cy="427380"/>
+          </a:xfrm>
+          <a:prstGeom prst="rect">
+            <a:avLst/>
+          </a:prstGeom>
+          <a:solidFill>
+            <a:srgbClr val="92D050"/>
+          </a:solidFill>
+          <a:ln>
+            <a:noFill/>
+          </a:ln>
+        </p:spPr>
+        <p:style>
+          <a:lnRef idx="2">
+            <a:schemeClr val="accent1">
+              <a:shade val="50000"/>
+            </a:schemeClr>
+          </a:lnRef>
+          <a:fillRef idx="1">
+            <a:schemeClr val="accent1"/>
+          </a:fillRef>
+          <a:effectRef idx="0">
+            <a:schemeClr val="accent1"/>
+          </a:effectRef>
+          <a:fontRef idx="minor">
+            <a:schemeClr val="lt1"/>
+          </a:fontRef>
+        </p:style>
+        <p:txBody>
+          <a:bodyPr rot="0" spcFirstLastPara="0" vertOverflow="overflow" horzOverflow="overflow" vert="horz" wrap="square" lIns="91440" tIns="45720" rIns="91440" bIns="45720" numCol="1" spcCol="0" rtlCol="0" fromWordArt="0" anchor="ctr" anchorCtr="0" forceAA="0" compatLnSpc="1">
+            <a:prstTxWarp prst="textNoShape">
+              <a:avLst/>
+            </a:prstTxWarp>
+            <a:noAutofit/>
+          </a:bodyPr>
+          <a:lstStyle/>
+          <a:p>
+            <a:pPr algn="ctr"/>
+            <a:r>
+              <a:rPr lang="en-US" sz="1600" dirty="0">
+                <a:latin typeface="Avenir Roman" panose="02000503020000020003" pitchFamily="2" charset="0"/>
+              </a:rPr>
+              <a:t>Partition 3</a:t>
+            </a:r>
+          </a:p>
+        </p:txBody>
+      </p:sp>
+      <p:cxnSp>
+        <p:nvCxnSpPr>
+          <p:cNvPr id="36" name="Straight Arrow Connector 35">
+            <a:extLst>
+              <a:ext uri="{FF2B5EF4-FFF2-40B4-BE49-F238E27FC236}">
+                <a16:creationId xmlns:a16="http://schemas.microsoft.com/office/drawing/2014/main" id="{0345C8C3-C8D5-5C46-9CEE-FC9CB533D694}"/>
+              </a:ext>
+            </a:extLst>
+          </p:cNvPr>
+          <p:cNvCxnSpPr>
+            <a:endCxn id="29" idx="1"/>
+          </p:cNvCxnSpPr>
+          <p:nvPr/>
+        </p:nvCxnSpPr>
+        <p:spPr>
+          <a:xfrm>
+            <a:off x="3061251" y="1987826"/>
+            <a:ext cx="1136368" cy="900384"/>
+          </a:xfrm>
+          <a:prstGeom prst="straightConnector1">
+            <a:avLst/>
+          </a:prstGeom>
+          <a:ln w="19050">
+            <a:solidFill>
+              <a:schemeClr val="bg1">
+                <a:lumMod val="65000"/>
+              </a:schemeClr>
+            </a:solidFill>
+            <a:prstDash val="dash"/>
+            <a:tailEnd type="triangle"/>
+          </a:ln>
+        </p:spPr>
+        <p:style>
+          <a:lnRef idx="1">
+            <a:schemeClr val="accent1"/>
+          </a:lnRef>
+          <a:fillRef idx="0">
+            <a:schemeClr val="accent1"/>
+          </a:fillRef>
+          <a:effectRef idx="0">
+            <a:schemeClr val="accent1"/>
+          </a:effectRef>
+          <a:fontRef idx="minor">
+            <a:schemeClr val="tx1"/>
+          </a:fontRef>
+        </p:style>
+      </p:cxnSp>
+      <p:cxnSp>
+        <p:nvCxnSpPr>
+          <p:cNvPr id="37" name="Straight Arrow Connector 36">
+            <a:extLst>
+              <a:ext uri="{FF2B5EF4-FFF2-40B4-BE49-F238E27FC236}">
+                <a16:creationId xmlns:a16="http://schemas.microsoft.com/office/drawing/2014/main" id="{C94F47A1-F243-D34C-B516-482CE115DA9E}"/>
+              </a:ext>
+            </a:extLst>
+          </p:cNvPr>
+          <p:cNvCxnSpPr>
+            <a:cxnSpLocks/>
+            <a:stCxn id="8" idx="3"/>
+            <a:endCxn id="19" idx="1"/>
+          </p:cNvCxnSpPr>
+          <p:nvPr/>
+        </p:nvCxnSpPr>
+        <p:spPr>
+          <a:xfrm flipV="1">
+            <a:off x="3061252" y="1989824"/>
+            <a:ext cx="1113176" cy="881101"/>
+          </a:xfrm>
+          <a:prstGeom prst="straightConnector1">
+            <a:avLst/>
+          </a:prstGeom>
+          <a:ln w="19050">
+            <a:solidFill>
+              <a:schemeClr val="bg1">
+                <a:lumMod val="65000"/>
+              </a:schemeClr>
+            </a:solidFill>
+            <a:prstDash val="dash"/>
+            <a:tailEnd type="triangle"/>
+          </a:ln>
+        </p:spPr>
+        <p:style>
+          <a:lnRef idx="1">
+            <a:schemeClr val="accent1"/>
+          </a:lnRef>
+          <a:fillRef idx="0">
+            <a:schemeClr val="accent1"/>
+          </a:fillRef>
+          <a:effectRef idx="0">
+            <a:schemeClr val="accent1"/>
+          </a:effectRef>
+          <a:fontRef idx="minor">
+            <a:schemeClr val="tx1"/>
+          </a:fontRef>
+        </p:style>
+      </p:cxnSp>
+      <p:cxnSp>
+        <p:nvCxnSpPr>
+          <p:cNvPr id="40" name="Straight Arrow Connector 39">
+            <a:extLst>
+              <a:ext uri="{FF2B5EF4-FFF2-40B4-BE49-F238E27FC236}">
+                <a16:creationId xmlns:a16="http://schemas.microsoft.com/office/drawing/2014/main" id="{5CD5308E-9123-FF48-A8D1-6C73742A9E61}"/>
+              </a:ext>
+            </a:extLst>
+          </p:cNvPr>
+          <p:cNvCxnSpPr>
+            <a:cxnSpLocks/>
+            <a:stCxn id="9" idx="3"/>
+            <a:endCxn id="31" idx="1"/>
+          </p:cNvCxnSpPr>
+          <p:nvPr/>
+        </p:nvCxnSpPr>
+        <p:spPr>
+          <a:xfrm>
+            <a:off x="3061252" y="3727859"/>
+            <a:ext cx="1070107" cy="898386"/>
+          </a:xfrm>
+          <a:prstGeom prst="straightConnector1">
+            <a:avLst/>
+          </a:prstGeom>
+          <a:ln w="19050">
+            <a:solidFill>
+              <a:schemeClr val="bg1">
+                <a:lumMod val="65000"/>
+              </a:schemeClr>
+            </a:solidFill>
+            <a:prstDash val="dash"/>
+            <a:tailEnd type="triangle"/>
+          </a:ln>
+        </p:spPr>
+        <p:style>
+          <a:lnRef idx="1">
+            <a:schemeClr val="accent1"/>
+          </a:lnRef>
+          <a:fillRef idx="0">
+            <a:schemeClr val="accent1"/>
+          </a:fillRef>
+          <a:effectRef idx="0">
+            <a:schemeClr val="accent1"/>
+          </a:effectRef>
+          <a:fontRef idx="minor">
+            <a:schemeClr val="tx1"/>
+          </a:fontRef>
+        </p:style>
+      </p:cxnSp>
+      <p:cxnSp>
+        <p:nvCxnSpPr>
+          <p:cNvPr id="43" name="Straight Arrow Connector 42">
+            <a:extLst>
+              <a:ext uri="{FF2B5EF4-FFF2-40B4-BE49-F238E27FC236}">
+                <a16:creationId xmlns:a16="http://schemas.microsoft.com/office/drawing/2014/main" id="{BFC3D6A4-7921-144E-A375-C669006E1B1C}"/>
+              </a:ext>
+            </a:extLst>
+          </p:cNvPr>
+          <p:cNvCxnSpPr>
+            <a:cxnSpLocks/>
+            <a:stCxn id="10" idx="3"/>
+            <a:endCxn id="32" idx="1"/>
+          </p:cNvCxnSpPr>
+          <p:nvPr/>
+        </p:nvCxnSpPr>
+        <p:spPr>
+          <a:xfrm flipV="1">
+            <a:off x="3061251" y="3727859"/>
+            <a:ext cx="1113175" cy="865844"/>
+          </a:xfrm>
+          <a:prstGeom prst="straightConnector1">
+            <a:avLst/>
+          </a:prstGeom>
+          <a:ln w="19050">
+            <a:solidFill>
+              <a:schemeClr val="bg1">
+                <a:lumMod val="65000"/>
+              </a:schemeClr>
+            </a:solidFill>
+            <a:prstDash val="dash"/>
+            <a:tailEnd type="triangle"/>
+          </a:ln>
+        </p:spPr>
+        <p:style>
+          <a:lnRef idx="1">
+            <a:schemeClr val="accent1"/>
+          </a:lnRef>
+          <a:fillRef idx="0">
+            <a:schemeClr val="accent1"/>
+          </a:fillRef>
+          <a:effectRef idx="0">
+            <a:schemeClr val="accent1"/>
+          </a:effectRef>
+          <a:fontRef idx="minor">
+            <a:schemeClr val="tx1"/>
+          </a:fontRef>
+        </p:style>
+      </p:cxnSp>
+      <p:cxnSp>
+        <p:nvCxnSpPr>
+          <p:cNvPr id="46" name="Straight Arrow Connector 45">
+            <a:extLst>
+              <a:ext uri="{FF2B5EF4-FFF2-40B4-BE49-F238E27FC236}">
+                <a16:creationId xmlns:a16="http://schemas.microsoft.com/office/drawing/2014/main" id="{19D86D33-AA3A-B940-91BD-FB881FDCF77B}"/>
+              </a:ext>
+            </a:extLst>
+          </p:cNvPr>
+          <p:cNvCxnSpPr>
+            <a:cxnSpLocks/>
+            <a:stCxn id="15" idx="1"/>
+            <a:endCxn id="22" idx="3"/>
+          </p:cNvCxnSpPr>
+          <p:nvPr/>
+        </p:nvCxnSpPr>
+        <p:spPr>
+          <a:xfrm flipH="1" flipV="1">
+            <a:off x="7759141" y="1997509"/>
+            <a:ext cx="1272201" cy="1730350"/>
+          </a:xfrm>
+          <a:prstGeom prst="straightConnector1">
+            <a:avLst/>
+          </a:prstGeom>
+          <a:ln w="19050">
+            <a:solidFill>
+              <a:schemeClr val="bg1">
+                <a:lumMod val="65000"/>
+              </a:schemeClr>
+            </a:solidFill>
+            <a:prstDash val="dash"/>
+            <a:tailEnd type="triangle"/>
+          </a:ln>
+        </p:spPr>
+        <p:style>
+          <a:lnRef idx="1">
+            <a:schemeClr val="accent1"/>
+          </a:lnRef>
+          <a:fillRef idx="0">
+            <a:schemeClr val="accent1"/>
+          </a:fillRef>
+          <a:effectRef idx="0">
+            <a:schemeClr val="accent1"/>
+          </a:effectRef>
+          <a:fontRef idx="minor">
+            <a:schemeClr val="tx1"/>
+          </a:fontRef>
+        </p:style>
+      </p:cxnSp>
+      <p:cxnSp>
+        <p:nvCxnSpPr>
+          <p:cNvPr id="49" name="Straight Arrow Connector 48">
+            <a:extLst>
+              <a:ext uri="{FF2B5EF4-FFF2-40B4-BE49-F238E27FC236}">
+                <a16:creationId xmlns:a16="http://schemas.microsoft.com/office/drawing/2014/main" id="{9247C540-561D-E647-8E9C-C7643F3BBFD0}"/>
+              </a:ext>
+            </a:extLst>
+          </p:cNvPr>
+          <p:cNvCxnSpPr>
+            <a:cxnSpLocks/>
+            <a:stCxn id="13" idx="1"/>
+            <a:endCxn id="34" idx="3"/>
+          </p:cNvCxnSpPr>
+          <p:nvPr/>
+        </p:nvCxnSpPr>
+        <p:spPr>
+          <a:xfrm flipH="1">
+            <a:off x="7755822" y="1990170"/>
+            <a:ext cx="1282155" cy="1727926"/>
+          </a:xfrm>
+          <a:prstGeom prst="straightConnector1">
+            <a:avLst/>
+          </a:prstGeom>
+          <a:ln w="19050">
+            <a:solidFill>
+              <a:schemeClr val="bg1">
+                <a:lumMod val="65000"/>
+              </a:schemeClr>
+            </a:solidFill>
+            <a:prstDash val="dash"/>
+            <a:tailEnd type="triangle"/>
+          </a:ln>
+        </p:spPr>
+        <p:style>
+          <a:lnRef idx="1">
+            <a:schemeClr val="accent1"/>
+          </a:lnRef>
+          <a:fillRef idx="0">
+            <a:schemeClr val="accent1"/>
+          </a:fillRef>
+          <a:effectRef idx="0">
+            <a:schemeClr val="accent1"/>
+          </a:effectRef>
+          <a:fontRef idx="minor">
+            <a:schemeClr val="tx1"/>
+          </a:fontRef>
+        </p:style>
+      </p:cxnSp>
+      <p:cxnSp>
+        <p:nvCxnSpPr>
+          <p:cNvPr id="52" name="Straight Arrow Connector 51">
+            <a:extLst>
+              <a:ext uri="{FF2B5EF4-FFF2-40B4-BE49-F238E27FC236}">
+                <a16:creationId xmlns:a16="http://schemas.microsoft.com/office/drawing/2014/main" id="{0995041D-26A3-FA43-8E2D-1AAB674D62AC}"/>
+              </a:ext>
+            </a:extLst>
+          </p:cNvPr>
+          <p:cNvCxnSpPr>
+            <a:cxnSpLocks/>
+            <a:stCxn id="14" idx="1"/>
+            <a:endCxn id="33" idx="3"/>
+          </p:cNvCxnSpPr>
+          <p:nvPr/>
+        </p:nvCxnSpPr>
+        <p:spPr>
+          <a:xfrm flipH="1">
+            <a:off x="7755823" y="2818258"/>
+            <a:ext cx="1275520" cy="1775445"/>
+          </a:xfrm>
+          <a:prstGeom prst="straightConnector1">
+            <a:avLst/>
+          </a:prstGeom>
+          <a:ln w="19050">
+            <a:solidFill>
+              <a:schemeClr val="bg1">
+                <a:lumMod val="65000"/>
+              </a:schemeClr>
+            </a:solidFill>
+            <a:prstDash val="dash"/>
+            <a:tailEnd type="triangle"/>
+          </a:ln>
+        </p:spPr>
+        <p:style>
+          <a:lnRef idx="1">
+            <a:schemeClr val="accent1"/>
+          </a:lnRef>
+          <a:fillRef idx="0">
+            <a:schemeClr val="accent1"/>
+          </a:fillRef>
+          <a:effectRef idx="0">
+            <a:schemeClr val="accent1"/>
+          </a:effectRef>
+          <a:fontRef idx="minor">
+            <a:schemeClr val="tx1"/>
+          </a:fontRef>
+        </p:style>
+      </p:cxnSp>
+      <p:cxnSp>
+        <p:nvCxnSpPr>
+          <p:cNvPr id="55" name="Straight Arrow Connector 54">
+            <a:extLst>
+              <a:ext uri="{FF2B5EF4-FFF2-40B4-BE49-F238E27FC236}">
+                <a16:creationId xmlns:a16="http://schemas.microsoft.com/office/drawing/2014/main" id="{B8D54EA2-6266-F04D-8087-D8EC3B81D147}"/>
+              </a:ext>
+            </a:extLst>
+          </p:cNvPr>
+          <p:cNvCxnSpPr>
+            <a:cxnSpLocks/>
+            <a:stCxn id="16" idx="1"/>
+            <a:endCxn id="30" idx="3"/>
+          </p:cNvCxnSpPr>
+          <p:nvPr/>
+        </p:nvCxnSpPr>
+        <p:spPr>
+          <a:xfrm flipH="1" flipV="1">
+            <a:off x="7759142" y="2862907"/>
+            <a:ext cx="1272199" cy="1730796"/>
+          </a:xfrm>
+          <a:prstGeom prst="straightConnector1">
+            <a:avLst/>
+          </a:prstGeom>
+          <a:ln w="19050">
+            <a:solidFill>
+              <a:schemeClr val="bg1">
+                <a:lumMod val="65000"/>
+              </a:schemeClr>
+            </a:solidFill>
+            <a:prstDash val="dash"/>
+            <a:tailEnd type="triangle"/>
+          </a:ln>
+        </p:spPr>
+        <p:style>
+          <a:lnRef idx="1">
+            <a:schemeClr val="accent1"/>
+          </a:lnRef>
+          <a:fillRef idx="0">
+            <a:schemeClr val="accent1"/>
+          </a:fillRef>
+          <a:effectRef idx="0">
+            <a:schemeClr val="accent1"/>
+          </a:effectRef>
+          <a:fontRef idx="minor">
+            <a:schemeClr val="tx1"/>
+          </a:fontRef>
+        </p:style>
+      </p:cxnSp>
+      <p:sp>
+        <p:nvSpPr>
+          <p:cNvPr id="58" name="Rectangle 57">
+            <a:extLst>
+              <a:ext uri="{FF2B5EF4-FFF2-40B4-BE49-F238E27FC236}">
+                <a16:creationId xmlns:a16="http://schemas.microsoft.com/office/drawing/2014/main" id="{9B944AA8-234E-9D43-8511-0C4AE044DD2C}"/>
+              </a:ext>
+            </a:extLst>
+          </p:cNvPr>
+          <p:cNvSpPr/>
+          <p:nvPr/>
+        </p:nvSpPr>
+        <p:spPr>
+          <a:xfrm>
+            <a:off x="2902226" y="1151708"/>
+            <a:ext cx="1229133" cy="397565"/>
+          </a:xfrm>
+          <a:prstGeom prst="rect">
+            <a:avLst/>
+          </a:prstGeom>
+          <a:solidFill>
+            <a:schemeClr val="bg1">
+              <a:lumMod val="95000"/>
+            </a:schemeClr>
+          </a:solidFill>
+          <a:ln w="6350">
+            <a:solidFill>
+              <a:schemeClr val="bg1">
+                <a:lumMod val="65000"/>
+              </a:schemeClr>
+            </a:solidFill>
+            <a:prstDash val="dash"/>
+          </a:ln>
+        </p:spPr>
+        <p:style>
+          <a:lnRef idx="2">
+            <a:schemeClr val="accent1">
+              <a:shade val="50000"/>
+            </a:schemeClr>
+          </a:lnRef>
+          <a:fillRef idx="1">
+            <a:schemeClr val="accent1"/>
+          </a:fillRef>
+          <a:effectRef idx="0">
+            <a:schemeClr val="accent1"/>
+          </a:effectRef>
+          <a:fontRef idx="minor">
+            <a:schemeClr val="lt1"/>
+          </a:fontRef>
+        </p:style>
+        <p:txBody>
+          <a:bodyPr rtlCol="0" anchor="ctr"/>
+          <a:lstStyle/>
+          <a:p>
+            <a:pPr algn="ctr"/>
+            <a:r>
+              <a:rPr lang="en-US" sz="1600" dirty="0">
+                <a:solidFill>
+                  <a:schemeClr val="tx1">
+                    <a:lumMod val="65000"/>
+                    <a:lumOff val="35000"/>
+                  </a:schemeClr>
+                </a:solidFill>
+                <a:latin typeface="Avenir Roman" panose="02000503020000020003" pitchFamily="2" charset="0"/>
+              </a:rPr>
+              <a:t>Shuffle</a:t>
+            </a:r>
+          </a:p>
+        </p:txBody>
+      </p:sp>
+      <p:sp>
+        <p:nvSpPr>
+          <p:cNvPr id="59" name="Rectangle 58">
+            <a:extLst>
+              <a:ext uri="{FF2B5EF4-FFF2-40B4-BE49-F238E27FC236}">
+                <a16:creationId xmlns:a16="http://schemas.microsoft.com/office/drawing/2014/main" id="{59C55A42-7526-5644-92B0-1972D75EB75C}"/>
+              </a:ext>
+            </a:extLst>
+          </p:cNvPr>
+          <p:cNvSpPr/>
+          <p:nvPr/>
+        </p:nvSpPr>
+        <p:spPr>
+          <a:xfrm>
+            <a:off x="7918166" y="1137804"/>
+            <a:ext cx="1229133" cy="397565"/>
+          </a:xfrm>
+          <a:prstGeom prst="rect">
+            <a:avLst/>
+          </a:prstGeom>
+          <a:solidFill>
+            <a:schemeClr val="bg1">
+              <a:lumMod val="95000"/>
+            </a:schemeClr>
+          </a:solidFill>
+          <a:ln w="6350">
+            <a:solidFill>
+              <a:schemeClr val="bg1">
+                <a:lumMod val="65000"/>
+              </a:schemeClr>
+            </a:solidFill>
+            <a:prstDash val="dash"/>
+          </a:ln>
+        </p:spPr>
+        <p:style>
+          <a:lnRef idx="2">
+            <a:schemeClr val="accent1">
+              <a:shade val="50000"/>
+            </a:schemeClr>
+          </a:lnRef>
+          <a:fillRef idx="1">
+            <a:schemeClr val="accent1"/>
+          </a:fillRef>
+          <a:effectRef idx="0">
+            <a:schemeClr val="accent1"/>
+          </a:effectRef>
+          <a:fontRef idx="minor">
+            <a:schemeClr val="lt1"/>
+          </a:fontRef>
+        </p:style>
+        <p:txBody>
+          <a:bodyPr rtlCol="0" anchor="ctr"/>
+          <a:lstStyle/>
+          <a:p>
+            <a:pPr algn="ctr"/>
+            <a:r>
+              <a:rPr lang="en-US" sz="1600" dirty="0">
+                <a:solidFill>
+                  <a:schemeClr val="tx1">
+                    <a:lumMod val="65000"/>
+                    <a:lumOff val="35000"/>
+                  </a:schemeClr>
+                </a:solidFill>
+                <a:latin typeface="Avenir Roman" panose="02000503020000020003" pitchFamily="2" charset="0"/>
+              </a:rPr>
+              <a:t>Shuffle</a:t>
+            </a:r>
+          </a:p>
+        </p:txBody>
+      </p:sp>
+      <p:cxnSp>
+        <p:nvCxnSpPr>
+          <p:cNvPr id="61" name="Straight Arrow Connector 60">
+            <a:extLst>
+              <a:ext uri="{FF2B5EF4-FFF2-40B4-BE49-F238E27FC236}">
+                <a16:creationId xmlns:a16="http://schemas.microsoft.com/office/drawing/2014/main" id="{F3E5C13D-C945-9E41-969F-8C90E3AB1290}"/>
+              </a:ext>
+            </a:extLst>
+          </p:cNvPr>
+          <p:cNvCxnSpPr>
+            <a:stCxn id="19" idx="3"/>
+          </p:cNvCxnSpPr>
+          <p:nvPr/>
+        </p:nvCxnSpPr>
+        <p:spPr>
+          <a:xfrm>
+            <a:off x="5453265" y="1989824"/>
+            <a:ext cx="1023720" cy="7685"/>
+          </a:xfrm>
+          <a:prstGeom prst="straightConnector1">
+            <a:avLst/>
+          </a:prstGeom>
+          <a:ln>
+            <a:solidFill>
+              <a:schemeClr val="tx1">
+                <a:lumMod val="50000"/>
+                <a:lumOff val="50000"/>
+              </a:schemeClr>
+            </a:solidFill>
+            <a:headEnd type="triangle"/>
+            <a:tailEnd type="triangle"/>
+          </a:ln>
+        </p:spPr>
+        <p:style>
+          <a:lnRef idx="1">
+            <a:schemeClr val="accent1"/>
+          </a:lnRef>
+          <a:fillRef idx="0">
+            <a:schemeClr val="accent1"/>
+          </a:fillRef>
+          <a:effectRef idx="0">
+            <a:schemeClr val="accent1"/>
+          </a:effectRef>
+          <a:fontRef idx="minor">
+            <a:schemeClr val="tx1"/>
+          </a:fontRef>
+        </p:style>
+      </p:cxnSp>
+      <p:cxnSp>
+        <p:nvCxnSpPr>
+          <p:cNvPr id="62" name="Straight Arrow Connector 61">
+            <a:extLst>
+              <a:ext uri="{FF2B5EF4-FFF2-40B4-BE49-F238E27FC236}">
+                <a16:creationId xmlns:a16="http://schemas.microsoft.com/office/drawing/2014/main" id="{2D6B79E8-6EF7-894E-B016-5F399C62B6BC}"/>
+              </a:ext>
+            </a:extLst>
+          </p:cNvPr>
+          <p:cNvCxnSpPr/>
+          <p:nvPr/>
+        </p:nvCxnSpPr>
+        <p:spPr>
+          <a:xfrm>
+            <a:off x="5459899" y="2870925"/>
+            <a:ext cx="1023720" cy="7685"/>
+          </a:xfrm>
+          <a:prstGeom prst="straightConnector1">
+            <a:avLst/>
+          </a:prstGeom>
+          <a:ln>
+            <a:solidFill>
+              <a:schemeClr val="tx1">
+                <a:lumMod val="50000"/>
+                <a:lumOff val="50000"/>
+              </a:schemeClr>
+            </a:solidFill>
+            <a:headEnd type="triangle"/>
+            <a:tailEnd type="triangle"/>
+          </a:ln>
+        </p:spPr>
+        <p:style>
+          <a:lnRef idx="1">
+            <a:schemeClr val="accent1"/>
+          </a:lnRef>
+          <a:fillRef idx="0">
+            <a:schemeClr val="accent1"/>
+          </a:fillRef>
+          <a:effectRef idx="0">
+            <a:schemeClr val="accent1"/>
+          </a:effectRef>
+          <a:fontRef idx="minor">
+            <a:schemeClr val="tx1"/>
+          </a:fontRef>
+        </p:style>
+      </p:cxnSp>
+      <p:cxnSp>
+        <p:nvCxnSpPr>
+          <p:cNvPr id="63" name="Straight Arrow Connector 62">
+            <a:extLst>
+              <a:ext uri="{FF2B5EF4-FFF2-40B4-BE49-F238E27FC236}">
+                <a16:creationId xmlns:a16="http://schemas.microsoft.com/office/drawing/2014/main" id="{58711500-14DD-C141-A45E-2B3DB4DF8E3B}"/>
+              </a:ext>
+            </a:extLst>
+          </p:cNvPr>
+          <p:cNvCxnSpPr/>
+          <p:nvPr/>
+        </p:nvCxnSpPr>
+        <p:spPr>
+          <a:xfrm>
+            <a:off x="5446630" y="3693724"/>
+            <a:ext cx="1023720" cy="7685"/>
+          </a:xfrm>
+          <a:prstGeom prst="straightConnector1">
+            <a:avLst/>
+          </a:prstGeom>
+          <a:ln>
+            <a:solidFill>
+              <a:schemeClr val="tx1">
+                <a:lumMod val="50000"/>
+                <a:lumOff val="50000"/>
+              </a:schemeClr>
+            </a:solidFill>
+            <a:headEnd type="triangle"/>
+            <a:tailEnd type="triangle"/>
+          </a:ln>
+        </p:spPr>
+        <p:style>
+          <a:lnRef idx="1">
+            <a:schemeClr val="accent1"/>
+          </a:lnRef>
+          <a:fillRef idx="0">
+            <a:schemeClr val="accent1"/>
+          </a:fillRef>
+          <a:effectRef idx="0">
+            <a:schemeClr val="accent1"/>
+          </a:effectRef>
+          <a:fontRef idx="minor">
+            <a:schemeClr val="tx1"/>
+          </a:fontRef>
+        </p:style>
+      </p:cxnSp>
+      <p:cxnSp>
+        <p:nvCxnSpPr>
+          <p:cNvPr id="64" name="Straight Arrow Connector 63">
+            <a:extLst>
+              <a:ext uri="{FF2B5EF4-FFF2-40B4-BE49-F238E27FC236}">
+                <a16:creationId xmlns:a16="http://schemas.microsoft.com/office/drawing/2014/main" id="{245AF17B-8B90-1A4F-A57A-FC7FF37B3143}"/>
+              </a:ext>
+            </a:extLst>
+          </p:cNvPr>
+          <p:cNvCxnSpPr/>
+          <p:nvPr/>
+        </p:nvCxnSpPr>
+        <p:spPr>
+          <a:xfrm>
+            <a:off x="5425107" y="4612933"/>
+            <a:ext cx="1023720" cy="7685"/>
+          </a:xfrm>
+          <a:prstGeom prst="straightConnector1">
+            <a:avLst/>
+          </a:prstGeom>
+          <a:ln>
+            <a:solidFill>
+              <a:schemeClr val="tx1">
+                <a:lumMod val="50000"/>
+                <a:lumOff val="50000"/>
+              </a:schemeClr>
+            </a:solidFill>
+            <a:headEnd type="triangle"/>
+            <a:tailEnd type="triangle"/>
+          </a:ln>
+        </p:spPr>
+        <p:style>
+          <a:lnRef idx="1">
+            <a:schemeClr val="accent1"/>
+          </a:lnRef>
+          <a:fillRef idx="0">
+            <a:schemeClr val="accent1"/>
+          </a:fillRef>
+          <a:effectRef idx="0">
+            <a:schemeClr val="accent1"/>
+          </a:effectRef>
+          <a:fontRef idx="minor">
+            <a:schemeClr val="tx1"/>
+          </a:fontRef>
+        </p:style>
+      </p:cxnSp>
+      <p:sp>
+        <p:nvSpPr>
+          <p:cNvPr id="65" name="Rectangle 64">
+            <a:extLst>
+              <a:ext uri="{FF2B5EF4-FFF2-40B4-BE49-F238E27FC236}">
+                <a16:creationId xmlns:a16="http://schemas.microsoft.com/office/drawing/2014/main" id="{D5F84F6E-5FB3-9D4A-A199-DF1641F19F52}"/>
+              </a:ext>
+            </a:extLst>
+          </p:cNvPr>
+          <p:cNvSpPr/>
+          <p:nvPr/>
+        </p:nvSpPr>
+        <p:spPr>
+          <a:xfrm>
+            <a:off x="5410196" y="1184608"/>
+            <a:ext cx="1229133" cy="397565"/>
+          </a:xfrm>
+          <a:prstGeom prst="rect">
+            <a:avLst/>
+          </a:prstGeom>
+          <a:solidFill>
+            <a:schemeClr val="bg1">
+              <a:lumMod val="95000"/>
+            </a:schemeClr>
+          </a:solidFill>
+          <a:ln w="6350">
+            <a:solidFill>
+              <a:schemeClr val="bg1">
+                <a:lumMod val="65000"/>
+              </a:schemeClr>
+            </a:solidFill>
+            <a:prstDash val="dash"/>
+          </a:ln>
+        </p:spPr>
+        <p:style>
+          <a:lnRef idx="2">
+            <a:schemeClr val="accent1">
+              <a:shade val="50000"/>
+            </a:schemeClr>
+          </a:lnRef>
+          <a:fillRef idx="1">
+            <a:schemeClr val="accent1"/>
+          </a:fillRef>
+          <a:effectRef idx="0">
+            <a:schemeClr val="accent1"/>
+          </a:effectRef>
+          <a:fontRef idx="minor">
+            <a:schemeClr val="lt1"/>
+          </a:fontRef>
+        </p:style>
+        <p:txBody>
+          <a:bodyPr rtlCol="0" anchor="ctr"/>
+          <a:lstStyle/>
+          <a:p>
+            <a:pPr algn="ctr"/>
+            <a:r>
+              <a:rPr lang="en-US" sz="1600" dirty="0">
+                <a:solidFill>
+                  <a:schemeClr val="tx1">
+                    <a:lumMod val="65000"/>
+                    <a:lumOff val="35000"/>
+                  </a:schemeClr>
+                </a:solidFill>
+                <a:latin typeface="Avenir Roman" panose="02000503020000020003" pitchFamily="2" charset="0"/>
+              </a:rPr>
+              <a:t>Join</a:t>
+            </a:r>
+          </a:p>
+        </p:txBody>
+      </p:sp>
+      <p:sp>
+        <p:nvSpPr>
+          <p:cNvPr id="69" name="Rounded Rectangle 68">
+            <a:extLst>
+              <a:ext uri="{FF2B5EF4-FFF2-40B4-BE49-F238E27FC236}">
+                <a16:creationId xmlns:a16="http://schemas.microsoft.com/office/drawing/2014/main" id="{381BE4E0-5B1E-EC4E-91EE-43620C2BBF5D}"/>
+              </a:ext>
+            </a:extLst>
+          </p:cNvPr>
+          <p:cNvSpPr/>
+          <p:nvPr/>
+        </p:nvSpPr>
+        <p:spPr>
+          <a:xfrm>
+            <a:off x="5062330" y="5766348"/>
+            <a:ext cx="1749288" cy="945702"/>
+          </a:xfrm>
+          <a:prstGeom prst="roundRect">
+            <a:avLst/>
+          </a:prstGeom>
+          <a:solidFill>
+            <a:schemeClr val="bg1">
+              <a:lumMod val="85000"/>
+            </a:schemeClr>
+          </a:solidFill>
+          <a:ln>
+            <a:noFill/>
+          </a:ln>
+        </p:spPr>
+        <p:style>
+          <a:lnRef idx="2">
+            <a:schemeClr val="accent1">
+              <a:shade val="50000"/>
+            </a:schemeClr>
+          </a:lnRef>
+          <a:fillRef idx="1">
+            <a:schemeClr val="accent1"/>
+          </a:fillRef>
+          <a:effectRef idx="0">
+            <a:schemeClr val="accent1"/>
+          </a:effectRef>
+          <a:fontRef idx="minor">
+            <a:schemeClr val="lt1"/>
+          </a:fontRef>
+        </p:style>
+        <p:txBody>
+          <a:bodyPr rtlCol="0" anchor="ctr"/>
+          <a:lstStyle/>
+          <a:p>
+            <a:pPr algn="ctr"/>
+            <a:endParaRPr lang="en-US"/>
+          </a:p>
+        </p:txBody>
+      </p:sp>
+      <p:sp>
+        <p:nvSpPr>
+          <p:cNvPr id="70" name="Rectangle 69">
+            <a:extLst>
+              <a:ext uri="{FF2B5EF4-FFF2-40B4-BE49-F238E27FC236}">
+                <a16:creationId xmlns:a16="http://schemas.microsoft.com/office/drawing/2014/main" id="{1163B507-6DB7-1C48-A5E7-62A4086E5691}"/>
+              </a:ext>
+            </a:extLst>
+          </p:cNvPr>
+          <p:cNvSpPr/>
+          <p:nvPr/>
+        </p:nvSpPr>
+        <p:spPr>
+          <a:xfrm>
+            <a:off x="5294655" y="5883962"/>
+            <a:ext cx="1297890" cy="693907"/>
+          </a:xfrm>
+          <a:prstGeom prst="rect">
+            <a:avLst/>
+          </a:prstGeom>
+          <a:solidFill>
+            <a:srgbClr val="FF7E79"/>
+          </a:solidFill>
+          <a:ln>
+            <a:noFill/>
+          </a:ln>
+        </p:spPr>
+        <p:style>
+          <a:lnRef idx="2">
+            <a:schemeClr val="accent1">
+              <a:shade val="50000"/>
+            </a:schemeClr>
+          </a:lnRef>
+          <a:fillRef idx="1">
+            <a:schemeClr val="accent1"/>
+          </a:fillRef>
+          <a:effectRef idx="0">
+            <a:schemeClr val="accent1"/>
+          </a:effectRef>
+          <a:fontRef idx="minor">
+            <a:schemeClr val="lt1"/>
+          </a:fontRef>
+        </p:style>
+        <p:txBody>
+          <a:bodyPr rtlCol="0" anchor="ctr"/>
+          <a:lstStyle/>
+          <a:p>
+            <a:pPr algn="ctr"/>
+            <a:r>
+              <a:rPr lang="en-US" sz="1600" dirty="0">
+                <a:latin typeface="Avenir Roman" panose="02000503020000020003" pitchFamily="2" charset="0"/>
+              </a:rPr>
+              <a:t>New </a:t>
+            </a:r>
+            <a:r>
+              <a:rPr lang="en-US" sz="1600" dirty="0" err="1">
+                <a:latin typeface="Avenir Roman" panose="02000503020000020003" pitchFamily="2" charset="0"/>
+              </a:rPr>
+              <a:t>DataFrame</a:t>
+            </a:r>
+            <a:endParaRPr lang="en-US" sz="1600" dirty="0">
+              <a:latin typeface="Avenir Roman" panose="02000503020000020003" pitchFamily="2" charset="0"/>
+            </a:endParaRPr>
+          </a:p>
+        </p:txBody>
+      </p:sp>
+      <p:cxnSp>
+        <p:nvCxnSpPr>
+          <p:cNvPr id="71" name="Straight Arrow Connector 70">
+            <a:extLst>
+              <a:ext uri="{FF2B5EF4-FFF2-40B4-BE49-F238E27FC236}">
+                <a16:creationId xmlns:a16="http://schemas.microsoft.com/office/drawing/2014/main" id="{D3A6144E-E623-3D4F-9DA1-F0487F5CF680}"/>
+              </a:ext>
+            </a:extLst>
+          </p:cNvPr>
+          <p:cNvCxnSpPr>
+            <a:cxnSpLocks/>
+            <a:endCxn id="70" idx="0"/>
+          </p:cNvCxnSpPr>
+          <p:nvPr/>
+        </p:nvCxnSpPr>
+        <p:spPr>
+          <a:xfrm flipH="1">
+            <a:off x="5943600" y="1997509"/>
+            <a:ext cx="28160" cy="3886453"/>
+          </a:xfrm>
+          <a:prstGeom prst="straightConnector1">
+            <a:avLst/>
+          </a:prstGeom>
+          <a:ln>
+            <a:solidFill>
+              <a:schemeClr val="bg1">
+                <a:lumMod val="65000"/>
+              </a:schemeClr>
+            </a:solidFill>
+            <a:prstDash val="dashDot"/>
+            <a:tailEnd type="triangle"/>
+          </a:ln>
+        </p:spPr>
+        <p:style>
+          <a:lnRef idx="1">
+            <a:schemeClr val="accent1"/>
+          </a:lnRef>
+          <a:fillRef idx="0">
+            <a:schemeClr val="accent1"/>
+          </a:fillRef>
+          <a:effectRef idx="0">
+            <a:schemeClr val="accent1"/>
+          </a:effectRef>
+          <a:fontRef idx="minor">
+            <a:schemeClr val="tx1"/>
+          </a:fontRef>
+        </p:style>
+      </p:cxnSp>
+      <p:sp>
+        <p:nvSpPr>
+          <p:cNvPr id="72" name="Rectangle 71">
+            <a:extLst>
+              <a:ext uri="{FF2B5EF4-FFF2-40B4-BE49-F238E27FC236}">
+                <a16:creationId xmlns:a16="http://schemas.microsoft.com/office/drawing/2014/main" id="{DC1D97F6-6D8D-2048-92DF-0028D5F6CF0A}"/>
+              </a:ext>
+            </a:extLst>
+          </p:cNvPr>
+          <p:cNvSpPr/>
+          <p:nvPr/>
+        </p:nvSpPr>
+        <p:spPr>
+          <a:xfrm>
+            <a:off x="5322400" y="5197573"/>
+            <a:ext cx="1229133" cy="397565"/>
+          </a:xfrm>
+          <a:prstGeom prst="rect">
+            <a:avLst/>
+          </a:prstGeom>
+          <a:solidFill>
+            <a:schemeClr val="bg1">
+              <a:lumMod val="95000"/>
+            </a:schemeClr>
+          </a:solidFill>
+          <a:ln w="6350">
+            <a:solidFill>
+              <a:schemeClr val="bg1">
+                <a:lumMod val="65000"/>
+              </a:schemeClr>
+            </a:solidFill>
+            <a:prstDash val="dash"/>
+          </a:ln>
+        </p:spPr>
+        <p:style>
+          <a:lnRef idx="2">
+            <a:schemeClr val="accent1">
+              <a:shade val="50000"/>
+            </a:schemeClr>
+          </a:lnRef>
+          <a:fillRef idx="1">
+            <a:schemeClr val="accent1"/>
+          </a:fillRef>
+          <a:effectRef idx="0">
+            <a:schemeClr val="accent1"/>
+          </a:effectRef>
+          <a:fontRef idx="minor">
+            <a:schemeClr val="lt1"/>
+          </a:fontRef>
+        </p:style>
+        <p:txBody>
+          <a:bodyPr rtlCol="0" anchor="ctr"/>
+          <a:lstStyle/>
+          <a:p>
+            <a:pPr algn="ctr"/>
+            <a:r>
+              <a:rPr lang="en-US" sz="1600" dirty="0">
+                <a:solidFill>
+                  <a:schemeClr val="tx1">
+                    <a:lumMod val="65000"/>
+                    <a:lumOff val="35000"/>
+                  </a:schemeClr>
+                </a:solidFill>
+                <a:latin typeface="Avenir Roman" panose="02000503020000020003" pitchFamily="2" charset="0"/>
+              </a:rPr>
+              <a:t>Shuffle</a:t>
+            </a:r>
+          </a:p>
+        </p:txBody>
+      </p:sp>
+      <p:sp>
+        <p:nvSpPr>
+          <p:cNvPr id="74" name="TextBox 73">
+            <a:extLst>
+              <a:ext uri="{FF2B5EF4-FFF2-40B4-BE49-F238E27FC236}">
+                <a16:creationId xmlns:a16="http://schemas.microsoft.com/office/drawing/2014/main" id="{08086552-5230-9B4D-8477-5F37B056F5AA}"/>
+              </a:ext>
+            </a:extLst>
+          </p:cNvPr>
+          <p:cNvSpPr txBox="1"/>
+          <p:nvPr/>
+        </p:nvSpPr>
+        <p:spPr>
+          <a:xfrm>
+            <a:off x="8653670" y="5595138"/>
+            <a:ext cx="2796208" cy="646331"/>
+          </a:xfrm>
+          <a:prstGeom prst="rect">
+            <a:avLst/>
+          </a:prstGeom>
+          <a:noFill/>
+        </p:spPr>
+        <p:txBody>
+          <a:bodyPr wrap="square" rtlCol="0">
+            <a:spAutoFit/>
+          </a:bodyPr>
+          <a:lstStyle/>
+          <a:p>
+            <a:r>
+              <a:rPr lang="en-US" dirty="0">
+                <a:latin typeface="Avenir Roman" panose="02000503020000020003" pitchFamily="2" charset="0"/>
+              </a:rPr>
+              <a:t>Each shuffle will spawn a new stage – 3 stages</a:t>
+            </a:r>
+          </a:p>
+        </p:txBody>
+      </p:sp>
+    </p:spTree>
+    <p:extLst>
+      <p:ext uri="{BB962C8B-B14F-4D97-AF65-F5344CB8AC3E}">
+        <p14:creationId xmlns:p14="http://schemas.microsoft.com/office/powerpoint/2010/main" val="2888245552"/>
+      </p:ext>
+    </p:extLst>
+  </p:cSld>
+  <p:clrMapOvr>
+    <a:masterClrMapping/>
+  </p:clrMapOvr>
+</p:sld>
+</file>
+
+<file path=ppt/slides/slide6.xml><?xml version="1.0" encoding="utf-8"?>
+<p:sld xmlns:a="http://schemas.openxmlformats.org/drawingml/2006/main" xmlns:r="http://schemas.openxmlformats.org/officeDocument/2006/relationships" xmlns:p="http://schemas.openxmlformats.org/presentationml/2006/main">
+  <p:cSld>
+    <p:spTree>
+      <p:nvGrpSpPr>
+        <p:cNvPr id="1" name=""/>
+        <p:cNvGrpSpPr/>
+        <p:nvPr/>
+      </p:nvGrpSpPr>
+      <p:grpSpPr>
+        <a:xfrm>
+          <a:off x="0" y="0"/>
+          <a:ext cx="0" cy="0"/>
+          <a:chOff x="0" y="0"/>
+          <a:chExt cx="0" cy="0"/>
+        </a:xfrm>
+      </p:grpSpPr>
+      <p:sp>
+        <p:nvSpPr>
+          <p:cNvPr id="25" name="Rounded Rectangle 24">
+            <a:extLst>
+              <a:ext uri="{FF2B5EF4-FFF2-40B4-BE49-F238E27FC236}">
+                <a16:creationId xmlns:a16="http://schemas.microsoft.com/office/drawing/2014/main" id="{A2F22960-FCE2-CA44-ABAA-4BFEDE673535}"/>
+              </a:ext>
+            </a:extLst>
+          </p:cNvPr>
+          <p:cNvSpPr/>
+          <p:nvPr/>
+        </p:nvSpPr>
+        <p:spPr>
+          <a:xfrm>
+            <a:off x="3962400" y="1656522"/>
+            <a:ext cx="3962400" cy="662608"/>
+          </a:xfrm>
+          <a:prstGeom prst="roundRect">
+            <a:avLst/>
+          </a:prstGeom>
+          <a:solidFill>
+            <a:schemeClr val="bg1">
+              <a:lumMod val="85000"/>
+            </a:schemeClr>
+          </a:solidFill>
+          <a:ln>
+            <a:noFill/>
+          </a:ln>
+        </p:spPr>
+        <p:style>
+          <a:lnRef idx="2">
+            <a:schemeClr val="accent1">
+              <a:shade val="50000"/>
+            </a:schemeClr>
+          </a:lnRef>
+          <a:fillRef idx="1">
+            <a:schemeClr val="accent1"/>
+          </a:fillRef>
+          <a:effectRef idx="0">
+            <a:schemeClr val="accent1"/>
+          </a:effectRef>
+          <a:fontRef idx="minor">
+            <a:schemeClr val="lt1"/>
+          </a:fontRef>
+        </p:style>
+        <p:txBody>
+          <a:bodyPr rtlCol="0" anchor="ctr"/>
+          <a:lstStyle/>
+          <a:p>
+            <a:pPr algn="ctr"/>
+            <a:endParaRPr lang="en-US"/>
+          </a:p>
+        </p:txBody>
+      </p:sp>
+      <p:sp>
+        <p:nvSpPr>
+          <p:cNvPr id="2" name="Title 1">
+            <a:extLst>
+              <a:ext uri="{FF2B5EF4-FFF2-40B4-BE49-F238E27FC236}">
+                <a16:creationId xmlns:a16="http://schemas.microsoft.com/office/drawing/2014/main" id="{EEA5F434-80A5-A041-8B0E-1DEBC1CB8B62}"/>
+              </a:ext>
+            </a:extLst>
+          </p:cNvPr>
+          <p:cNvSpPr>
+            <a:spLocks noGrp="1"/>
+          </p:cNvSpPr>
+          <p:nvPr>
+            <p:ph type="title"/>
+          </p:nvPr>
+        </p:nvSpPr>
+        <p:spPr>
+          <a:xfrm>
+            <a:off x="167307" y="-146268"/>
+            <a:ext cx="10515600" cy="1325563"/>
+          </a:xfrm>
+        </p:spPr>
+        <p:txBody>
+          <a:bodyPr vert="horz" lIns="91440" tIns="45720" rIns="91440" bIns="45720" rtlCol="0" anchor="ctr">
+            <a:normAutofit/>
+          </a:bodyPr>
+          <a:lstStyle/>
+          <a:p>
+            <a:r>
+              <a:rPr lang="en-US" dirty="0">
+                <a:latin typeface="Avenir Roman" panose="02000503020000020003" pitchFamily="2" charset="0"/>
+              </a:rPr>
+              <a:t>Joins – Broadcast Hash Join</a:t>
+            </a:r>
+          </a:p>
+        </p:txBody>
+      </p:sp>
+      <p:sp>
+        <p:nvSpPr>
+          <p:cNvPr id="6" name="Rectangle 5">
+            <a:extLst>
+              <a:ext uri="{FF2B5EF4-FFF2-40B4-BE49-F238E27FC236}">
+                <a16:creationId xmlns:a16="http://schemas.microsoft.com/office/drawing/2014/main" id="{07D9ADC2-EA22-884A-A1C9-BB45D0640A93}"/>
+              </a:ext>
+            </a:extLst>
+          </p:cNvPr>
+          <p:cNvSpPr/>
+          <p:nvPr/>
+        </p:nvSpPr>
+        <p:spPr>
+          <a:xfrm>
+            <a:off x="1904989" y="3088732"/>
+            <a:ext cx="1278837" cy="427380"/>
+          </a:xfrm>
+          <a:prstGeom prst="rect">
+            <a:avLst/>
+          </a:prstGeom>
+          <a:ln>
+            <a:noFill/>
+          </a:ln>
+        </p:spPr>
+        <p:style>
+          <a:lnRef idx="2">
+            <a:schemeClr val="accent1">
+              <a:shade val="50000"/>
+            </a:schemeClr>
+          </a:lnRef>
+          <a:fillRef idx="1">
+            <a:schemeClr val="accent1"/>
+          </a:fillRef>
+          <a:effectRef idx="0">
+            <a:schemeClr val="accent1"/>
+          </a:effectRef>
+          <a:fontRef idx="minor">
+            <a:schemeClr val="lt1"/>
+          </a:fontRef>
+        </p:style>
+        <p:txBody>
+          <a:bodyPr rtlCol="0" anchor="ctr"/>
+          <a:lstStyle/>
+          <a:p>
+            <a:pPr algn="ctr"/>
+            <a:r>
+              <a:rPr lang="en-US" sz="1600" dirty="0">
+                <a:latin typeface="Avenir Roman" panose="02000503020000020003" pitchFamily="2" charset="0"/>
+              </a:rPr>
+              <a:t>DF 1</a:t>
+            </a:r>
+          </a:p>
+        </p:txBody>
+      </p:sp>
+      <p:sp>
+        <p:nvSpPr>
+          <p:cNvPr id="11" name="Rectangle 10">
+            <a:extLst>
+              <a:ext uri="{FF2B5EF4-FFF2-40B4-BE49-F238E27FC236}">
+                <a16:creationId xmlns:a16="http://schemas.microsoft.com/office/drawing/2014/main" id="{48321D3E-943C-6E4C-B001-6C4C777FEC42}"/>
+              </a:ext>
+            </a:extLst>
+          </p:cNvPr>
+          <p:cNvSpPr/>
+          <p:nvPr/>
+        </p:nvSpPr>
+        <p:spPr>
+          <a:xfrm>
+            <a:off x="9147299" y="3086789"/>
+            <a:ext cx="1719484" cy="427380"/>
+          </a:xfrm>
+          <a:prstGeom prst="rect">
+            <a:avLst/>
+          </a:prstGeom>
+          <a:solidFill>
+            <a:srgbClr val="92D050"/>
+          </a:solidFill>
+          <a:ln>
+            <a:noFill/>
+          </a:ln>
+        </p:spPr>
+        <p:style>
+          <a:lnRef idx="2">
+            <a:schemeClr val="accent1">
+              <a:shade val="50000"/>
+            </a:schemeClr>
+          </a:lnRef>
+          <a:fillRef idx="1">
+            <a:schemeClr val="accent1"/>
+          </a:fillRef>
+          <a:effectRef idx="0">
+            <a:schemeClr val="accent1"/>
+          </a:effectRef>
+          <a:fontRef idx="minor">
+            <a:schemeClr val="lt1"/>
+          </a:fontRef>
+        </p:style>
+        <p:txBody>
+          <a:bodyPr rtlCol="0" anchor="ctr"/>
+          <a:lstStyle/>
+          <a:p>
+            <a:pPr algn="ctr"/>
+            <a:r>
+              <a:rPr lang="en-US" sz="1600" dirty="0" err="1">
+                <a:latin typeface="Avenir Roman" panose="02000503020000020003" pitchFamily="2" charset="0"/>
+              </a:rPr>
+              <a:t>DataFrame</a:t>
+            </a:r>
+            <a:r>
+              <a:rPr lang="en-US" sz="1600" dirty="0">
+                <a:latin typeface="Avenir Roman" panose="02000503020000020003" pitchFamily="2" charset="0"/>
+              </a:rPr>
+              <a:t> 2</a:t>
+            </a:r>
+          </a:p>
+        </p:txBody>
+      </p:sp>
+      <p:sp>
+        <p:nvSpPr>
+          <p:cNvPr id="19" name="Rectangle 18">
+            <a:extLst>
+              <a:ext uri="{FF2B5EF4-FFF2-40B4-BE49-F238E27FC236}">
+                <a16:creationId xmlns:a16="http://schemas.microsoft.com/office/drawing/2014/main" id="{3556EEC8-DF13-BF46-B1C3-01D8E560E834}"/>
+              </a:ext>
+            </a:extLst>
+          </p:cNvPr>
+          <p:cNvSpPr/>
+          <p:nvPr/>
+        </p:nvSpPr>
+        <p:spPr>
+          <a:xfrm>
+            <a:off x="4174428" y="1776134"/>
+            <a:ext cx="1278837" cy="427380"/>
+          </a:xfrm>
+          <a:prstGeom prst="rect">
+            <a:avLst/>
+          </a:prstGeom>
+          <a:ln>
+            <a:noFill/>
+          </a:ln>
+        </p:spPr>
+        <p:style>
+          <a:lnRef idx="2">
+            <a:schemeClr val="accent1">
+              <a:shade val="50000"/>
+            </a:schemeClr>
+          </a:lnRef>
+          <a:fillRef idx="1">
+            <a:schemeClr val="accent1"/>
+          </a:fillRef>
+          <a:effectRef idx="0">
+            <a:schemeClr val="accent1"/>
+          </a:effectRef>
+          <a:fontRef idx="minor">
+            <a:schemeClr val="lt1"/>
+          </a:fontRef>
+        </p:style>
+        <p:txBody>
+          <a:bodyPr rtlCol="0" anchor="ctr"/>
+          <a:lstStyle/>
+          <a:p>
+            <a:pPr algn="ctr"/>
+            <a:r>
+              <a:rPr lang="en-US" sz="1600" dirty="0">
+                <a:latin typeface="Avenir Roman" panose="02000503020000020003" pitchFamily="2" charset="0"/>
+              </a:rPr>
+              <a:t>Partition 1</a:t>
+            </a:r>
+          </a:p>
+        </p:txBody>
+      </p:sp>
+      <p:sp>
+        <p:nvSpPr>
+          <p:cNvPr id="22" name="Rectangle 21">
+            <a:extLst>
+              <a:ext uri="{FF2B5EF4-FFF2-40B4-BE49-F238E27FC236}">
+                <a16:creationId xmlns:a16="http://schemas.microsoft.com/office/drawing/2014/main" id="{188196D2-C2E0-DA40-9D15-8F17E2DF3786}"/>
+              </a:ext>
+            </a:extLst>
+          </p:cNvPr>
+          <p:cNvSpPr/>
+          <p:nvPr/>
+        </p:nvSpPr>
+        <p:spPr>
+          <a:xfrm>
+            <a:off x="6438904" y="1783819"/>
+            <a:ext cx="1320238" cy="427380"/>
+          </a:xfrm>
+          <a:prstGeom prst="rect">
+            <a:avLst/>
+          </a:prstGeom>
+          <a:solidFill>
+            <a:srgbClr val="92D050"/>
+          </a:solidFill>
+          <a:ln>
+            <a:noFill/>
+          </a:ln>
+        </p:spPr>
+        <p:style>
+          <a:lnRef idx="2">
+            <a:schemeClr val="accent1">
+              <a:shade val="50000"/>
+            </a:schemeClr>
+          </a:lnRef>
+          <a:fillRef idx="1">
+            <a:schemeClr val="accent1"/>
+          </a:fillRef>
+          <a:effectRef idx="0">
+            <a:schemeClr val="accent1"/>
+          </a:effectRef>
+          <a:fontRef idx="minor">
+            <a:schemeClr val="lt1"/>
+          </a:fontRef>
+        </p:style>
+        <p:txBody>
+          <a:bodyPr rot="0" spcFirstLastPara="0" vertOverflow="overflow" horzOverflow="overflow" vert="horz" wrap="square" lIns="91440" tIns="45720" rIns="91440" bIns="45720" numCol="1" spcCol="0" rtlCol="0" fromWordArt="0" anchor="ctr" anchorCtr="0" forceAA="0" compatLnSpc="1">
+            <a:prstTxWarp prst="textNoShape">
+              <a:avLst/>
+            </a:prstTxWarp>
+            <a:noAutofit/>
+          </a:bodyPr>
+          <a:lstStyle/>
+          <a:p>
+            <a:pPr algn="ctr"/>
+            <a:r>
+              <a:rPr lang="en-US" sz="1600" dirty="0">
+                <a:latin typeface="Avenir Roman" panose="02000503020000020003" pitchFamily="2" charset="0"/>
+              </a:rPr>
+              <a:t>DataFrame2</a:t>
+            </a:r>
+          </a:p>
+        </p:txBody>
+      </p:sp>
+      <p:sp>
+        <p:nvSpPr>
+          <p:cNvPr id="26" name="Rounded Rectangle 25">
+            <a:extLst>
+              <a:ext uri="{FF2B5EF4-FFF2-40B4-BE49-F238E27FC236}">
+                <a16:creationId xmlns:a16="http://schemas.microsoft.com/office/drawing/2014/main" id="{A162D219-F5EF-424D-87CF-2B29EBCC6AFB}"/>
+              </a:ext>
+            </a:extLst>
+          </p:cNvPr>
+          <p:cNvSpPr/>
+          <p:nvPr/>
+        </p:nvSpPr>
+        <p:spPr>
+          <a:xfrm>
+            <a:off x="3962400" y="4262399"/>
+            <a:ext cx="3962400" cy="662608"/>
+          </a:xfrm>
+          <a:prstGeom prst="roundRect">
+            <a:avLst/>
+          </a:prstGeom>
+          <a:solidFill>
+            <a:schemeClr val="bg1">
+              <a:lumMod val="85000"/>
+            </a:schemeClr>
+          </a:solidFill>
+          <a:ln>
+            <a:noFill/>
+          </a:ln>
+        </p:spPr>
+        <p:style>
+          <a:lnRef idx="2">
+            <a:schemeClr val="accent1">
+              <a:shade val="50000"/>
+            </a:schemeClr>
+          </a:lnRef>
+          <a:fillRef idx="1">
+            <a:schemeClr val="accent1"/>
+          </a:fillRef>
+          <a:effectRef idx="0">
+            <a:schemeClr val="accent1"/>
+          </a:effectRef>
+          <a:fontRef idx="minor">
+            <a:schemeClr val="lt1"/>
+          </a:fontRef>
+        </p:style>
+        <p:txBody>
+          <a:bodyPr rtlCol="0" anchor="ctr"/>
+          <a:lstStyle/>
+          <a:p>
+            <a:pPr algn="ctr"/>
+            <a:endParaRPr lang="en-US"/>
+          </a:p>
+        </p:txBody>
+      </p:sp>
+      <p:sp>
+        <p:nvSpPr>
+          <p:cNvPr id="27" name="Rounded Rectangle 26">
+            <a:extLst>
+              <a:ext uri="{FF2B5EF4-FFF2-40B4-BE49-F238E27FC236}">
+                <a16:creationId xmlns:a16="http://schemas.microsoft.com/office/drawing/2014/main" id="{434ACFFF-2945-C742-9D3C-83F3CDCF32A3}"/>
+              </a:ext>
+            </a:extLst>
+          </p:cNvPr>
+          <p:cNvSpPr/>
+          <p:nvPr/>
+        </p:nvSpPr>
+        <p:spPr>
+          <a:xfrm>
+            <a:off x="3962400" y="3370105"/>
+            <a:ext cx="3962400" cy="662608"/>
+          </a:xfrm>
+          <a:prstGeom prst="roundRect">
+            <a:avLst/>
+          </a:prstGeom>
+          <a:solidFill>
+            <a:schemeClr val="bg1">
+              <a:lumMod val="85000"/>
+            </a:schemeClr>
+          </a:solidFill>
+          <a:ln>
+            <a:noFill/>
+          </a:ln>
+        </p:spPr>
+        <p:style>
+          <a:lnRef idx="2">
+            <a:schemeClr val="accent1">
+              <a:shade val="50000"/>
+            </a:schemeClr>
+          </a:lnRef>
+          <a:fillRef idx="1">
+            <a:schemeClr val="accent1"/>
+          </a:fillRef>
+          <a:effectRef idx="0">
+            <a:schemeClr val="accent1"/>
+          </a:effectRef>
+          <a:fontRef idx="minor">
+            <a:schemeClr val="lt1"/>
+          </a:fontRef>
+        </p:style>
+        <p:txBody>
+          <a:bodyPr rtlCol="0" anchor="ctr"/>
+          <a:lstStyle/>
+          <a:p>
+            <a:pPr algn="ctr"/>
+            <a:endParaRPr lang="en-US"/>
+          </a:p>
+        </p:txBody>
+      </p:sp>
+      <p:sp>
+        <p:nvSpPr>
+          <p:cNvPr id="28" name="Rounded Rectangle 27">
+            <a:extLst>
+              <a:ext uri="{FF2B5EF4-FFF2-40B4-BE49-F238E27FC236}">
+                <a16:creationId xmlns:a16="http://schemas.microsoft.com/office/drawing/2014/main" id="{A1A4A473-7B1B-4D45-8373-6790C66445D1}"/>
+              </a:ext>
+            </a:extLst>
+          </p:cNvPr>
+          <p:cNvSpPr/>
+          <p:nvPr/>
+        </p:nvSpPr>
+        <p:spPr>
+          <a:xfrm>
+            <a:off x="3962400" y="2544502"/>
+            <a:ext cx="3962400" cy="662608"/>
+          </a:xfrm>
+          <a:prstGeom prst="roundRect">
+            <a:avLst/>
+          </a:prstGeom>
+          <a:solidFill>
+            <a:schemeClr val="bg1">
+              <a:lumMod val="85000"/>
+            </a:schemeClr>
+          </a:solidFill>
+          <a:ln>
+            <a:noFill/>
+          </a:ln>
+        </p:spPr>
+        <p:style>
+          <a:lnRef idx="2">
+            <a:schemeClr val="accent1">
+              <a:shade val="50000"/>
+            </a:schemeClr>
+          </a:lnRef>
+          <a:fillRef idx="1">
+            <a:schemeClr val="accent1"/>
+          </a:fillRef>
+          <a:effectRef idx="0">
+            <a:schemeClr val="accent1"/>
+          </a:effectRef>
+          <a:fontRef idx="minor">
+            <a:schemeClr val="lt1"/>
+          </a:fontRef>
+        </p:style>
+        <p:txBody>
+          <a:bodyPr rtlCol="0" anchor="ctr"/>
+          <a:lstStyle/>
+          <a:p>
+            <a:pPr algn="ctr"/>
+            <a:endParaRPr lang="en-US"/>
+          </a:p>
+        </p:txBody>
+      </p:sp>
+      <p:sp>
+        <p:nvSpPr>
+          <p:cNvPr id="29" name="Rectangle 28">
+            <a:extLst>
+              <a:ext uri="{FF2B5EF4-FFF2-40B4-BE49-F238E27FC236}">
+                <a16:creationId xmlns:a16="http://schemas.microsoft.com/office/drawing/2014/main" id="{473A0CB8-8EF7-ED45-9106-E08D7962F8DA}"/>
+              </a:ext>
+            </a:extLst>
+          </p:cNvPr>
+          <p:cNvSpPr/>
+          <p:nvPr/>
+        </p:nvSpPr>
+        <p:spPr>
+          <a:xfrm>
+            <a:off x="4197619" y="2674520"/>
+            <a:ext cx="1278837" cy="427380"/>
+          </a:xfrm>
+          <a:prstGeom prst="rect">
+            <a:avLst/>
+          </a:prstGeom>
+          <a:ln>
+            <a:noFill/>
+          </a:ln>
+        </p:spPr>
+        <p:style>
+          <a:lnRef idx="2">
+            <a:schemeClr val="accent1">
+              <a:shade val="50000"/>
+            </a:schemeClr>
+          </a:lnRef>
+          <a:fillRef idx="1">
+            <a:schemeClr val="accent1"/>
+          </a:fillRef>
+          <a:effectRef idx="0">
+            <a:schemeClr val="accent1"/>
+          </a:effectRef>
+          <a:fontRef idx="minor">
+            <a:schemeClr val="lt1"/>
+          </a:fontRef>
+        </p:style>
+        <p:txBody>
+          <a:bodyPr rtlCol="0" anchor="ctr"/>
+          <a:lstStyle/>
+          <a:p>
+            <a:pPr algn="ctr"/>
+            <a:r>
+              <a:rPr lang="en-US" sz="1600" dirty="0">
+                <a:latin typeface="Avenir Roman" panose="02000503020000020003" pitchFamily="2" charset="0"/>
+              </a:rPr>
+              <a:t>Partition 0</a:t>
+            </a:r>
+          </a:p>
+        </p:txBody>
+      </p:sp>
+      <p:sp>
+        <p:nvSpPr>
+          <p:cNvPr id="31" name="Rectangle 30">
+            <a:extLst>
+              <a:ext uri="{FF2B5EF4-FFF2-40B4-BE49-F238E27FC236}">
+                <a16:creationId xmlns:a16="http://schemas.microsoft.com/office/drawing/2014/main" id="{8638FF9E-B852-7447-9FF8-CE3EB7D1FBED}"/>
+              </a:ext>
+            </a:extLst>
+          </p:cNvPr>
+          <p:cNvSpPr/>
+          <p:nvPr/>
+        </p:nvSpPr>
+        <p:spPr>
+          <a:xfrm>
+            <a:off x="4131359" y="4412555"/>
+            <a:ext cx="1278837" cy="427380"/>
+          </a:xfrm>
+          <a:prstGeom prst="rect">
+            <a:avLst/>
+          </a:prstGeom>
+          <a:ln>
+            <a:noFill/>
+          </a:ln>
+        </p:spPr>
+        <p:style>
+          <a:lnRef idx="2">
+            <a:schemeClr val="accent1">
+              <a:shade val="50000"/>
+            </a:schemeClr>
+          </a:lnRef>
+          <a:fillRef idx="1">
+            <a:schemeClr val="accent1"/>
+          </a:fillRef>
+          <a:effectRef idx="0">
+            <a:schemeClr val="accent1"/>
+          </a:effectRef>
+          <a:fontRef idx="minor">
+            <a:schemeClr val="lt1"/>
+          </a:fontRef>
+        </p:style>
+        <p:txBody>
+          <a:bodyPr rtlCol="0" anchor="ctr"/>
+          <a:lstStyle/>
+          <a:p>
+            <a:pPr algn="ctr"/>
+            <a:r>
+              <a:rPr lang="en-US" sz="1600" dirty="0">
+                <a:latin typeface="Avenir Roman" panose="02000503020000020003" pitchFamily="2" charset="0"/>
+              </a:rPr>
+              <a:t>Partition 2</a:t>
+            </a:r>
+          </a:p>
+        </p:txBody>
+      </p:sp>
+      <p:sp>
+        <p:nvSpPr>
+          <p:cNvPr id="32" name="Rectangle 31">
+            <a:extLst>
+              <a:ext uri="{FF2B5EF4-FFF2-40B4-BE49-F238E27FC236}">
+                <a16:creationId xmlns:a16="http://schemas.microsoft.com/office/drawing/2014/main" id="{D247FEBF-B696-E046-82A0-FEC51AE0DC3F}"/>
+              </a:ext>
+            </a:extLst>
+          </p:cNvPr>
+          <p:cNvSpPr/>
+          <p:nvPr/>
+        </p:nvSpPr>
+        <p:spPr>
+          <a:xfrm>
+            <a:off x="4174426" y="3514169"/>
+            <a:ext cx="1278837" cy="427380"/>
+          </a:xfrm>
+          <a:prstGeom prst="rect">
+            <a:avLst/>
+          </a:prstGeom>
+          <a:ln>
+            <a:noFill/>
+          </a:ln>
+        </p:spPr>
+        <p:style>
+          <a:lnRef idx="2">
+            <a:schemeClr val="accent1">
+              <a:shade val="50000"/>
+            </a:schemeClr>
+          </a:lnRef>
+          <a:fillRef idx="1">
+            <a:schemeClr val="accent1"/>
+          </a:fillRef>
+          <a:effectRef idx="0">
+            <a:schemeClr val="accent1"/>
+          </a:effectRef>
+          <a:fontRef idx="minor">
+            <a:schemeClr val="lt1"/>
+          </a:fontRef>
+        </p:style>
+        <p:txBody>
+          <a:bodyPr rtlCol="0" anchor="ctr"/>
+          <a:lstStyle/>
+          <a:p>
+            <a:pPr algn="ctr"/>
+            <a:r>
+              <a:rPr lang="en-US" sz="1600" dirty="0">
+                <a:latin typeface="Avenir Roman" panose="02000503020000020003" pitchFamily="2" charset="0"/>
+              </a:rPr>
+              <a:t>Partition 3</a:t>
+            </a:r>
+          </a:p>
+        </p:txBody>
+      </p:sp>
+      <p:cxnSp>
+        <p:nvCxnSpPr>
+          <p:cNvPr id="46" name="Straight Arrow Connector 45">
+            <a:extLst>
+              <a:ext uri="{FF2B5EF4-FFF2-40B4-BE49-F238E27FC236}">
+                <a16:creationId xmlns:a16="http://schemas.microsoft.com/office/drawing/2014/main" id="{19D86D33-AA3A-B940-91BD-FB881FDCF77B}"/>
+              </a:ext>
+            </a:extLst>
+          </p:cNvPr>
+          <p:cNvCxnSpPr>
+            <a:cxnSpLocks/>
+            <a:stCxn id="71" idx="2"/>
+            <a:endCxn id="22" idx="3"/>
+          </p:cNvCxnSpPr>
+          <p:nvPr/>
+        </p:nvCxnSpPr>
+        <p:spPr>
+          <a:xfrm flipH="1">
+            <a:off x="7759142" y="1601780"/>
+            <a:ext cx="2237956" cy="395729"/>
+          </a:xfrm>
+          <a:prstGeom prst="straightConnector1">
+            <a:avLst/>
+          </a:prstGeom>
+          <a:ln w="19050">
+            <a:solidFill>
+              <a:schemeClr val="bg1">
+                <a:lumMod val="65000"/>
+              </a:schemeClr>
+            </a:solidFill>
+            <a:prstDash val="dash"/>
+            <a:tailEnd type="triangle"/>
+          </a:ln>
+        </p:spPr>
+        <p:style>
+          <a:lnRef idx="1">
+            <a:schemeClr val="accent1"/>
+          </a:lnRef>
+          <a:fillRef idx="0">
+            <a:schemeClr val="accent1"/>
+          </a:fillRef>
+          <a:effectRef idx="0">
+            <a:schemeClr val="accent1"/>
+          </a:effectRef>
+          <a:fontRef idx="minor">
+            <a:schemeClr val="tx1"/>
+          </a:fontRef>
+        </p:style>
+      </p:cxnSp>
+      <p:cxnSp>
+        <p:nvCxnSpPr>
+          <p:cNvPr id="49" name="Straight Arrow Connector 48">
+            <a:extLst>
+              <a:ext uri="{FF2B5EF4-FFF2-40B4-BE49-F238E27FC236}">
+                <a16:creationId xmlns:a16="http://schemas.microsoft.com/office/drawing/2014/main" id="{9247C540-561D-E647-8E9C-C7643F3BBFD0}"/>
+              </a:ext>
+            </a:extLst>
+          </p:cNvPr>
+          <p:cNvCxnSpPr>
+            <a:cxnSpLocks/>
+            <a:stCxn id="71" idx="2"/>
+            <a:endCxn id="53" idx="3"/>
+          </p:cNvCxnSpPr>
+          <p:nvPr/>
+        </p:nvCxnSpPr>
+        <p:spPr>
+          <a:xfrm flipH="1">
+            <a:off x="7800551" y="1601780"/>
+            <a:ext cx="2196547" cy="2091944"/>
+          </a:xfrm>
+          <a:prstGeom prst="straightConnector1">
+            <a:avLst/>
+          </a:prstGeom>
+          <a:ln w="19050">
+            <a:solidFill>
+              <a:schemeClr val="bg1">
+                <a:lumMod val="65000"/>
+              </a:schemeClr>
+            </a:solidFill>
+            <a:prstDash val="dash"/>
+            <a:tailEnd type="triangle"/>
+          </a:ln>
+        </p:spPr>
+        <p:style>
+          <a:lnRef idx="1">
+            <a:schemeClr val="accent1"/>
+          </a:lnRef>
+          <a:fillRef idx="0">
+            <a:schemeClr val="accent1"/>
+          </a:fillRef>
+          <a:effectRef idx="0">
+            <a:schemeClr val="accent1"/>
+          </a:effectRef>
+          <a:fontRef idx="minor">
+            <a:schemeClr val="tx1"/>
+          </a:fontRef>
+        </p:style>
+      </p:cxnSp>
+      <p:cxnSp>
+        <p:nvCxnSpPr>
+          <p:cNvPr id="52" name="Straight Arrow Connector 51">
+            <a:extLst>
+              <a:ext uri="{FF2B5EF4-FFF2-40B4-BE49-F238E27FC236}">
+                <a16:creationId xmlns:a16="http://schemas.microsoft.com/office/drawing/2014/main" id="{0995041D-26A3-FA43-8E2D-1AAB674D62AC}"/>
+              </a:ext>
+            </a:extLst>
+          </p:cNvPr>
+          <p:cNvCxnSpPr>
+            <a:cxnSpLocks/>
+            <a:stCxn id="71" idx="2"/>
+            <a:endCxn id="54" idx="3"/>
+          </p:cNvCxnSpPr>
+          <p:nvPr/>
+        </p:nvCxnSpPr>
+        <p:spPr>
+          <a:xfrm flipH="1">
+            <a:off x="7790613" y="1601780"/>
+            <a:ext cx="2206485" cy="2994236"/>
+          </a:xfrm>
+          <a:prstGeom prst="straightConnector1">
+            <a:avLst/>
+          </a:prstGeom>
+          <a:ln w="19050">
+            <a:solidFill>
+              <a:schemeClr val="bg1">
+                <a:lumMod val="65000"/>
+              </a:schemeClr>
+            </a:solidFill>
+            <a:prstDash val="dash"/>
+            <a:tailEnd type="triangle"/>
+          </a:ln>
+        </p:spPr>
+        <p:style>
+          <a:lnRef idx="1">
+            <a:schemeClr val="accent1"/>
+          </a:lnRef>
+          <a:fillRef idx="0">
+            <a:schemeClr val="accent1"/>
+          </a:fillRef>
+          <a:effectRef idx="0">
+            <a:schemeClr val="accent1"/>
+          </a:effectRef>
+          <a:fontRef idx="minor">
+            <a:schemeClr val="tx1"/>
+          </a:fontRef>
+        </p:style>
+      </p:cxnSp>
+      <p:cxnSp>
+        <p:nvCxnSpPr>
+          <p:cNvPr id="55" name="Straight Arrow Connector 54">
+            <a:extLst>
+              <a:ext uri="{FF2B5EF4-FFF2-40B4-BE49-F238E27FC236}">
+                <a16:creationId xmlns:a16="http://schemas.microsoft.com/office/drawing/2014/main" id="{B8D54EA2-6266-F04D-8087-D8EC3B81D147}"/>
+              </a:ext>
+            </a:extLst>
+          </p:cNvPr>
+          <p:cNvCxnSpPr>
+            <a:cxnSpLocks/>
+            <a:stCxn id="71" idx="2"/>
+            <a:endCxn id="51" idx="3"/>
+          </p:cNvCxnSpPr>
+          <p:nvPr/>
+        </p:nvCxnSpPr>
+        <p:spPr>
+          <a:xfrm flipH="1">
+            <a:off x="7825369" y="1601780"/>
+            <a:ext cx="2171729" cy="1288902"/>
+          </a:xfrm>
+          <a:prstGeom prst="straightConnector1">
+            <a:avLst/>
+          </a:prstGeom>
+          <a:ln w="19050">
+            <a:solidFill>
+              <a:schemeClr val="bg1">
+                <a:lumMod val="65000"/>
+              </a:schemeClr>
+            </a:solidFill>
+            <a:prstDash val="dash"/>
+            <a:tailEnd type="triangle"/>
+          </a:ln>
+        </p:spPr>
+        <p:style>
+          <a:lnRef idx="1">
+            <a:schemeClr val="accent1"/>
+          </a:lnRef>
+          <a:fillRef idx="0">
+            <a:schemeClr val="accent1"/>
+          </a:fillRef>
+          <a:effectRef idx="0">
+            <a:schemeClr val="accent1"/>
+          </a:effectRef>
+          <a:fontRef idx="minor">
+            <a:schemeClr val="tx1"/>
+          </a:fontRef>
+        </p:style>
+      </p:cxnSp>
+      <p:sp>
+        <p:nvSpPr>
+          <p:cNvPr id="59" name="Rectangle 58">
+            <a:extLst>
+              <a:ext uri="{FF2B5EF4-FFF2-40B4-BE49-F238E27FC236}">
+                <a16:creationId xmlns:a16="http://schemas.microsoft.com/office/drawing/2014/main" id="{59C55A42-7526-5644-92B0-1972D75EB75C}"/>
+              </a:ext>
+            </a:extLst>
+          </p:cNvPr>
+          <p:cNvSpPr/>
+          <p:nvPr/>
+        </p:nvSpPr>
+        <p:spPr>
+          <a:xfrm>
+            <a:off x="7626618" y="1177459"/>
+            <a:ext cx="1229133" cy="397565"/>
+          </a:xfrm>
+          <a:prstGeom prst="rect">
+            <a:avLst/>
+          </a:prstGeom>
+          <a:solidFill>
+            <a:schemeClr val="bg1">
+              <a:lumMod val="95000"/>
+            </a:schemeClr>
+          </a:solidFill>
+          <a:ln w="6350">
+            <a:solidFill>
+              <a:schemeClr val="bg1">
+                <a:lumMod val="65000"/>
+              </a:schemeClr>
+            </a:solidFill>
+            <a:prstDash val="dash"/>
+          </a:ln>
+        </p:spPr>
+        <p:style>
+          <a:lnRef idx="2">
+            <a:schemeClr val="accent1">
+              <a:shade val="50000"/>
+            </a:schemeClr>
+          </a:lnRef>
+          <a:fillRef idx="1">
+            <a:schemeClr val="accent1"/>
+          </a:fillRef>
+          <a:effectRef idx="0">
+            <a:schemeClr val="accent1"/>
+          </a:effectRef>
+          <a:fontRef idx="minor">
+            <a:schemeClr val="lt1"/>
+          </a:fontRef>
+        </p:style>
+        <p:txBody>
+          <a:bodyPr rot="0" spcFirstLastPara="0" vertOverflow="overflow" horzOverflow="overflow" vert="horz" wrap="square" lIns="91440" tIns="45720" rIns="91440" bIns="45720" numCol="1" spcCol="0" rtlCol="0" fromWordArt="0" anchor="ctr" anchorCtr="0" forceAA="0" compatLnSpc="1">
+            <a:prstTxWarp prst="textNoShape">
+              <a:avLst/>
+            </a:prstTxWarp>
+            <a:noAutofit/>
+          </a:bodyPr>
+          <a:lstStyle/>
+          <a:p>
+            <a:pPr algn="ctr"/>
+            <a:r>
+              <a:rPr lang="en-US" sz="1600">
+                <a:solidFill>
+                  <a:schemeClr val="tx1">
+                    <a:lumMod val="65000"/>
+                    <a:lumOff val="35000"/>
+                  </a:schemeClr>
+                </a:solidFill>
+                <a:latin typeface="Avenir Roman" panose="02000503020000020003" pitchFamily="2" charset="0"/>
+              </a:rPr>
+              <a:t>Broadcast</a:t>
+            </a:r>
+            <a:endParaRPr lang="en-US" sz="1600" dirty="0">
+              <a:solidFill>
+                <a:schemeClr val="tx1">
+                  <a:lumMod val="65000"/>
+                  <a:lumOff val="35000"/>
+                </a:schemeClr>
+              </a:solidFill>
+              <a:latin typeface="Avenir Roman" panose="02000503020000020003" pitchFamily="2" charset="0"/>
+            </a:endParaRPr>
+          </a:p>
+        </p:txBody>
+      </p:sp>
+      <p:cxnSp>
+        <p:nvCxnSpPr>
+          <p:cNvPr id="61" name="Straight Arrow Connector 60">
+            <a:extLst>
+              <a:ext uri="{FF2B5EF4-FFF2-40B4-BE49-F238E27FC236}">
+                <a16:creationId xmlns:a16="http://schemas.microsoft.com/office/drawing/2014/main" id="{F3E5C13D-C945-9E41-969F-8C90E3AB1290}"/>
+              </a:ext>
+            </a:extLst>
+          </p:cNvPr>
+          <p:cNvCxnSpPr>
+            <a:stCxn id="19" idx="3"/>
+          </p:cNvCxnSpPr>
+          <p:nvPr/>
+        </p:nvCxnSpPr>
+        <p:spPr>
+          <a:xfrm>
+            <a:off x="5453265" y="1989824"/>
+            <a:ext cx="1023720" cy="7685"/>
+          </a:xfrm>
+          <a:prstGeom prst="straightConnector1">
+            <a:avLst/>
+          </a:prstGeom>
+          <a:ln>
+            <a:solidFill>
+              <a:schemeClr val="tx1">
+                <a:lumMod val="50000"/>
+                <a:lumOff val="50000"/>
+              </a:schemeClr>
+            </a:solidFill>
+            <a:headEnd type="triangle"/>
+            <a:tailEnd type="triangle"/>
+          </a:ln>
+        </p:spPr>
+        <p:style>
+          <a:lnRef idx="1">
+            <a:schemeClr val="accent1"/>
+          </a:lnRef>
+          <a:fillRef idx="0">
+            <a:schemeClr val="accent1"/>
+          </a:fillRef>
+          <a:effectRef idx="0">
+            <a:schemeClr val="accent1"/>
+          </a:effectRef>
+          <a:fontRef idx="minor">
+            <a:schemeClr val="tx1"/>
+          </a:fontRef>
+        </p:style>
+      </p:cxnSp>
+      <p:cxnSp>
+        <p:nvCxnSpPr>
+          <p:cNvPr id="62" name="Straight Arrow Connector 61">
+            <a:extLst>
+              <a:ext uri="{FF2B5EF4-FFF2-40B4-BE49-F238E27FC236}">
+                <a16:creationId xmlns:a16="http://schemas.microsoft.com/office/drawing/2014/main" id="{2D6B79E8-6EF7-894E-B016-5F399C62B6BC}"/>
+              </a:ext>
+            </a:extLst>
+          </p:cNvPr>
+          <p:cNvCxnSpPr/>
+          <p:nvPr/>
+        </p:nvCxnSpPr>
+        <p:spPr>
+          <a:xfrm>
+            <a:off x="5459899" y="2870925"/>
+            <a:ext cx="1023720" cy="7685"/>
+          </a:xfrm>
+          <a:prstGeom prst="straightConnector1">
+            <a:avLst/>
+          </a:prstGeom>
+          <a:ln>
+            <a:solidFill>
+              <a:schemeClr val="tx1">
+                <a:lumMod val="50000"/>
+                <a:lumOff val="50000"/>
+              </a:schemeClr>
+            </a:solidFill>
+            <a:headEnd type="triangle"/>
+            <a:tailEnd type="triangle"/>
+          </a:ln>
+        </p:spPr>
+        <p:style>
+          <a:lnRef idx="1">
+            <a:schemeClr val="accent1"/>
+          </a:lnRef>
+          <a:fillRef idx="0">
+            <a:schemeClr val="accent1"/>
+          </a:fillRef>
+          <a:effectRef idx="0">
+            <a:schemeClr val="accent1"/>
+          </a:effectRef>
+          <a:fontRef idx="minor">
+            <a:schemeClr val="tx1"/>
+          </a:fontRef>
+        </p:style>
+      </p:cxnSp>
+      <p:cxnSp>
+        <p:nvCxnSpPr>
+          <p:cNvPr id="63" name="Straight Arrow Connector 62">
+            <a:extLst>
+              <a:ext uri="{FF2B5EF4-FFF2-40B4-BE49-F238E27FC236}">
+                <a16:creationId xmlns:a16="http://schemas.microsoft.com/office/drawing/2014/main" id="{58711500-14DD-C141-A45E-2B3DB4DF8E3B}"/>
+              </a:ext>
+            </a:extLst>
+          </p:cNvPr>
+          <p:cNvCxnSpPr/>
+          <p:nvPr/>
+        </p:nvCxnSpPr>
+        <p:spPr>
+          <a:xfrm>
+            <a:off x="5446630" y="3693724"/>
+            <a:ext cx="1023720" cy="7685"/>
+          </a:xfrm>
+          <a:prstGeom prst="straightConnector1">
+            <a:avLst/>
+          </a:prstGeom>
+          <a:ln>
+            <a:solidFill>
+              <a:schemeClr val="tx1">
+                <a:lumMod val="50000"/>
+                <a:lumOff val="50000"/>
+              </a:schemeClr>
+            </a:solidFill>
+            <a:headEnd type="triangle"/>
+            <a:tailEnd type="triangle"/>
+          </a:ln>
+        </p:spPr>
+        <p:style>
+          <a:lnRef idx="1">
+            <a:schemeClr val="accent1"/>
+          </a:lnRef>
+          <a:fillRef idx="0">
+            <a:schemeClr val="accent1"/>
+          </a:fillRef>
+          <a:effectRef idx="0">
+            <a:schemeClr val="accent1"/>
+          </a:effectRef>
+          <a:fontRef idx="minor">
+            <a:schemeClr val="tx1"/>
+          </a:fontRef>
+        </p:style>
+      </p:cxnSp>
+      <p:cxnSp>
+        <p:nvCxnSpPr>
+          <p:cNvPr id="64" name="Straight Arrow Connector 63">
+            <a:extLst>
+              <a:ext uri="{FF2B5EF4-FFF2-40B4-BE49-F238E27FC236}">
+                <a16:creationId xmlns:a16="http://schemas.microsoft.com/office/drawing/2014/main" id="{245AF17B-8B90-1A4F-A57A-FC7FF37B3143}"/>
+              </a:ext>
+            </a:extLst>
+          </p:cNvPr>
+          <p:cNvCxnSpPr/>
+          <p:nvPr/>
+        </p:nvCxnSpPr>
+        <p:spPr>
+          <a:xfrm>
+            <a:off x="5425107" y="4612933"/>
+            <a:ext cx="1023720" cy="7685"/>
+          </a:xfrm>
+          <a:prstGeom prst="straightConnector1">
+            <a:avLst/>
+          </a:prstGeom>
+          <a:ln>
+            <a:solidFill>
+              <a:schemeClr val="tx1">
+                <a:lumMod val="50000"/>
+                <a:lumOff val="50000"/>
+              </a:schemeClr>
+            </a:solidFill>
+            <a:headEnd type="triangle"/>
+            <a:tailEnd type="triangle"/>
+          </a:ln>
+        </p:spPr>
+        <p:style>
+          <a:lnRef idx="1">
+            <a:schemeClr val="accent1"/>
+          </a:lnRef>
+          <a:fillRef idx="0">
+            <a:schemeClr val="accent1"/>
+          </a:fillRef>
+          <a:effectRef idx="0">
+            <a:schemeClr val="accent1"/>
+          </a:effectRef>
+          <a:fontRef idx="minor">
+            <a:schemeClr val="tx1"/>
+          </a:fontRef>
+        </p:style>
+      </p:cxnSp>
+      <p:sp>
+        <p:nvSpPr>
+          <p:cNvPr id="65" name="Rectangle 64">
+            <a:extLst>
+              <a:ext uri="{FF2B5EF4-FFF2-40B4-BE49-F238E27FC236}">
+                <a16:creationId xmlns:a16="http://schemas.microsoft.com/office/drawing/2014/main" id="{D5F84F6E-5FB3-9D4A-A199-DF1641F19F52}"/>
+              </a:ext>
+            </a:extLst>
+          </p:cNvPr>
+          <p:cNvSpPr/>
+          <p:nvPr/>
+        </p:nvSpPr>
+        <p:spPr>
+          <a:xfrm>
+            <a:off x="5410196" y="1184608"/>
+            <a:ext cx="1229133" cy="397565"/>
+          </a:xfrm>
+          <a:prstGeom prst="rect">
+            <a:avLst/>
+          </a:prstGeom>
+          <a:solidFill>
+            <a:schemeClr val="bg1">
+              <a:lumMod val="95000"/>
+            </a:schemeClr>
+          </a:solidFill>
+          <a:ln w="6350">
+            <a:solidFill>
+              <a:schemeClr val="bg1">
+                <a:lumMod val="65000"/>
+              </a:schemeClr>
+            </a:solidFill>
+            <a:prstDash val="dash"/>
+          </a:ln>
+        </p:spPr>
+        <p:style>
+          <a:lnRef idx="2">
+            <a:schemeClr val="accent1">
+              <a:shade val="50000"/>
+            </a:schemeClr>
+          </a:lnRef>
+          <a:fillRef idx="1">
+            <a:schemeClr val="accent1"/>
+          </a:fillRef>
+          <a:effectRef idx="0">
+            <a:schemeClr val="accent1"/>
+          </a:effectRef>
+          <a:fontRef idx="minor">
+            <a:schemeClr val="lt1"/>
+          </a:fontRef>
+        </p:style>
+        <p:txBody>
+          <a:bodyPr rot="0" spcFirstLastPara="0" vertOverflow="overflow" horzOverflow="overflow" vert="horz" wrap="square" lIns="91440" tIns="45720" rIns="91440" bIns="45720" numCol="1" spcCol="0" rtlCol="0" fromWordArt="0" anchor="ctr" anchorCtr="0" forceAA="0" compatLnSpc="1">
+            <a:prstTxWarp prst="textNoShape">
+              <a:avLst/>
+            </a:prstTxWarp>
+            <a:noAutofit/>
+          </a:bodyPr>
+          <a:lstStyle/>
+          <a:p>
+            <a:pPr algn="ctr"/>
+            <a:r>
+              <a:rPr lang="en-US" sz="1600">
+                <a:solidFill>
+                  <a:schemeClr val="tx1">
+                    <a:lumMod val="65000"/>
+                    <a:lumOff val="35000"/>
+                  </a:schemeClr>
+                </a:solidFill>
+                <a:latin typeface="Avenir Roman" panose="02000503020000020003" pitchFamily="2" charset="0"/>
+              </a:rPr>
+              <a:t>Join</a:t>
+            </a:r>
+            <a:endParaRPr lang="en-US" sz="1600" dirty="0">
+              <a:solidFill>
+                <a:schemeClr val="tx1">
+                  <a:lumMod val="65000"/>
+                  <a:lumOff val="35000"/>
+                </a:schemeClr>
+              </a:solidFill>
+              <a:latin typeface="Avenir Roman" panose="02000503020000020003" pitchFamily="2" charset="0"/>
+            </a:endParaRPr>
+          </a:p>
+        </p:txBody>
+      </p:sp>
+      <p:sp>
+        <p:nvSpPr>
+          <p:cNvPr id="51" name="Rectangle 50">
+            <a:extLst>
+              <a:ext uri="{FF2B5EF4-FFF2-40B4-BE49-F238E27FC236}">
+                <a16:creationId xmlns:a16="http://schemas.microsoft.com/office/drawing/2014/main" id="{4BBAD9F7-FF0C-A440-ACA2-F55D937582A1}"/>
+              </a:ext>
+            </a:extLst>
+          </p:cNvPr>
+          <p:cNvSpPr/>
+          <p:nvPr/>
+        </p:nvSpPr>
+        <p:spPr>
+          <a:xfrm>
+            <a:off x="6505131" y="2676992"/>
+            <a:ext cx="1320238" cy="427380"/>
+          </a:xfrm>
+          <a:prstGeom prst="rect">
+            <a:avLst/>
+          </a:prstGeom>
+          <a:solidFill>
+            <a:srgbClr val="92D050"/>
+          </a:solidFill>
+          <a:ln>
+            <a:noFill/>
+          </a:ln>
+        </p:spPr>
+        <p:style>
+          <a:lnRef idx="2">
+            <a:schemeClr val="accent1">
+              <a:shade val="50000"/>
+            </a:schemeClr>
+          </a:lnRef>
+          <a:fillRef idx="1">
+            <a:schemeClr val="accent1"/>
+          </a:fillRef>
+          <a:effectRef idx="0">
+            <a:schemeClr val="accent1"/>
+          </a:effectRef>
+          <a:fontRef idx="minor">
+            <a:schemeClr val="lt1"/>
+          </a:fontRef>
+        </p:style>
+        <p:txBody>
+          <a:bodyPr rot="0" spcFirstLastPara="0" vertOverflow="overflow" horzOverflow="overflow" vert="horz" wrap="square" lIns="91440" tIns="45720" rIns="91440" bIns="45720" numCol="1" spcCol="0" rtlCol="0" fromWordArt="0" anchor="ctr" anchorCtr="0" forceAA="0" compatLnSpc="1">
+            <a:prstTxWarp prst="textNoShape">
+              <a:avLst/>
+            </a:prstTxWarp>
+            <a:noAutofit/>
+          </a:bodyPr>
+          <a:lstStyle/>
+          <a:p>
+            <a:pPr algn="ctr"/>
+            <a:r>
+              <a:rPr lang="en-US" sz="1600" dirty="0">
+                <a:latin typeface="Avenir Roman" panose="02000503020000020003" pitchFamily="2" charset="0"/>
+              </a:rPr>
+              <a:t>DataFrame2</a:t>
+            </a:r>
+          </a:p>
+        </p:txBody>
+      </p:sp>
+      <p:sp>
+        <p:nvSpPr>
+          <p:cNvPr id="53" name="Rectangle 52">
+            <a:extLst>
+              <a:ext uri="{FF2B5EF4-FFF2-40B4-BE49-F238E27FC236}">
+                <a16:creationId xmlns:a16="http://schemas.microsoft.com/office/drawing/2014/main" id="{7473F87B-E777-F142-A4E9-91B710EB2161}"/>
+              </a:ext>
+            </a:extLst>
+          </p:cNvPr>
+          <p:cNvSpPr/>
+          <p:nvPr/>
+        </p:nvSpPr>
+        <p:spPr>
+          <a:xfrm>
+            <a:off x="6480313" y="3480034"/>
+            <a:ext cx="1320238" cy="427380"/>
+          </a:xfrm>
+          <a:prstGeom prst="rect">
+            <a:avLst/>
+          </a:prstGeom>
+          <a:solidFill>
+            <a:srgbClr val="92D050"/>
+          </a:solidFill>
+          <a:ln>
+            <a:noFill/>
+          </a:ln>
+        </p:spPr>
+        <p:style>
+          <a:lnRef idx="2">
+            <a:schemeClr val="accent1">
+              <a:shade val="50000"/>
+            </a:schemeClr>
+          </a:lnRef>
+          <a:fillRef idx="1">
+            <a:schemeClr val="accent1"/>
+          </a:fillRef>
+          <a:effectRef idx="0">
+            <a:schemeClr val="accent1"/>
+          </a:effectRef>
+          <a:fontRef idx="minor">
+            <a:schemeClr val="lt1"/>
+          </a:fontRef>
+        </p:style>
+        <p:txBody>
+          <a:bodyPr rot="0" spcFirstLastPara="0" vertOverflow="overflow" horzOverflow="overflow" vert="horz" wrap="square" lIns="91440" tIns="45720" rIns="91440" bIns="45720" numCol="1" spcCol="0" rtlCol="0" fromWordArt="0" anchor="ctr" anchorCtr="0" forceAA="0" compatLnSpc="1">
+            <a:prstTxWarp prst="textNoShape">
+              <a:avLst/>
+            </a:prstTxWarp>
+            <a:noAutofit/>
+          </a:bodyPr>
+          <a:lstStyle/>
+          <a:p>
+            <a:pPr algn="ctr"/>
+            <a:r>
+              <a:rPr lang="en-US" sz="1600" dirty="0">
+                <a:latin typeface="Avenir Roman" panose="02000503020000020003" pitchFamily="2" charset="0"/>
+              </a:rPr>
+              <a:t>DataFrame2</a:t>
+            </a:r>
+          </a:p>
+        </p:txBody>
+      </p:sp>
+      <p:sp>
+        <p:nvSpPr>
+          <p:cNvPr id="54" name="Rectangle 53">
+            <a:extLst>
+              <a:ext uri="{FF2B5EF4-FFF2-40B4-BE49-F238E27FC236}">
+                <a16:creationId xmlns:a16="http://schemas.microsoft.com/office/drawing/2014/main" id="{3B0DDC1F-5B43-124B-8551-10B770B29801}"/>
+              </a:ext>
+            </a:extLst>
+          </p:cNvPr>
+          <p:cNvSpPr/>
+          <p:nvPr/>
+        </p:nvSpPr>
+        <p:spPr>
+          <a:xfrm>
+            <a:off x="6470375" y="4382326"/>
+            <a:ext cx="1320238" cy="427380"/>
+          </a:xfrm>
+          <a:prstGeom prst="rect">
+            <a:avLst/>
+          </a:prstGeom>
+          <a:solidFill>
+            <a:srgbClr val="92D050"/>
+          </a:solidFill>
+          <a:ln>
+            <a:noFill/>
+          </a:ln>
+        </p:spPr>
+        <p:style>
+          <a:lnRef idx="2">
+            <a:schemeClr val="accent1">
+              <a:shade val="50000"/>
+            </a:schemeClr>
+          </a:lnRef>
+          <a:fillRef idx="1">
+            <a:schemeClr val="accent1"/>
+          </a:fillRef>
+          <a:effectRef idx="0">
+            <a:schemeClr val="accent1"/>
+          </a:effectRef>
+          <a:fontRef idx="minor">
+            <a:schemeClr val="lt1"/>
+          </a:fontRef>
+        </p:style>
+        <p:txBody>
+          <a:bodyPr rot="0" spcFirstLastPara="0" vertOverflow="overflow" horzOverflow="overflow" vert="horz" wrap="square" lIns="91440" tIns="45720" rIns="91440" bIns="45720" numCol="1" spcCol="0" rtlCol="0" fromWordArt="0" anchor="ctr" anchorCtr="0" forceAA="0" compatLnSpc="1">
+            <a:prstTxWarp prst="textNoShape">
+              <a:avLst/>
+            </a:prstTxWarp>
+            <a:noAutofit/>
+          </a:bodyPr>
+          <a:lstStyle/>
+          <a:p>
+            <a:pPr algn="ctr"/>
+            <a:r>
+              <a:rPr lang="en-US" sz="1600" dirty="0">
+                <a:latin typeface="Avenir Roman" panose="02000503020000020003" pitchFamily="2" charset="0"/>
+              </a:rPr>
+              <a:t>DataFrame2</a:t>
+            </a:r>
+          </a:p>
+        </p:txBody>
+      </p:sp>
+      <p:sp>
+        <p:nvSpPr>
+          <p:cNvPr id="57" name="Rounded Rectangle 56">
+            <a:extLst>
+              <a:ext uri="{FF2B5EF4-FFF2-40B4-BE49-F238E27FC236}">
+                <a16:creationId xmlns:a16="http://schemas.microsoft.com/office/drawing/2014/main" id="{A8E121E5-06DC-A34A-B8C0-92400B859193}"/>
+              </a:ext>
+            </a:extLst>
+          </p:cNvPr>
+          <p:cNvSpPr/>
+          <p:nvPr/>
+        </p:nvSpPr>
+        <p:spPr>
+          <a:xfrm>
+            <a:off x="5062323" y="5742103"/>
+            <a:ext cx="1749288" cy="945702"/>
+          </a:xfrm>
+          <a:prstGeom prst="roundRect">
+            <a:avLst/>
+          </a:prstGeom>
+          <a:solidFill>
+            <a:schemeClr val="bg1">
+              <a:lumMod val="85000"/>
+            </a:schemeClr>
+          </a:solidFill>
+          <a:ln>
+            <a:noFill/>
+          </a:ln>
+        </p:spPr>
+        <p:style>
+          <a:lnRef idx="2">
+            <a:schemeClr val="accent1">
+              <a:shade val="50000"/>
+            </a:schemeClr>
+          </a:lnRef>
+          <a:fillRef idx="1">
+            <a:schemeClr val="accent1"/>
+          </a:fillRef>
+          <a:effectRef idx="0">
+            <a:schemeClr val="accent1"/>
+          </a:effectRef>
+          <a:fontRef idx="minor">
+            <a:schemeClr val="lt1"/>
+          </a:fontRef>
+        </p:style>
+        <p:txBody>
+          <a:bodyPr rtlCol="0" anchor="ctr"/>
+          <a:lstStyle/>
+          <a:p>
+            <a:pPr algn="ctr"/>
+            <a:endParaRPr lang="en-US"/>
+          </a:p>
+        </p:txBody>
+      </p:sp>
+      <p:sp>
+        <p:nvSpPr>
+          <p:cNvPr id="60" name="Rectangle 59">
+            <a:extLst>
+              <a:ext uri="{FF2B5EF4-FFF2-40B4-BE49-F238E27FC236}">
+                <a16:creationId xmlns:a16="http://schemas.microsoft.com/office/drawing/2014/main" id="{1F8B6FB7-E15A-B742-9086-890FF459AFB9}"/>
+              </a:ext>
+            </a:extLst>
+          </p:cNvPr>
+          <p:cNvSpPr/>
+          <p:nvPr/>
+        </p:nvSpPr>
+        <p:spPr>
+          <a:xfrm>
+            <a:off x="5294655" y="5857546"/>
+            <a:ext cx="1297890" cy="693907"/>
+          </a:xfrm>
+          <a:prstGeom prst="rect">
+            <a:avLst/>
+          </a:prstGeom>
+          <a:solidFill>
+            <a:srgbClr val="FF7E79"/>
+          </a:solidFill>
+          <a:ln>
+            <a:noFill/>
+          </a:ln>
+        </p:spPr>
+        <p:style>
+          <a:lnRef idx="2">
+            <a:schemeClr val="accent1">
+              <a:shade val="50000"/>
+            </a:schemeClr>
+          </a:lnRef>
+          <a:fillRef idx="1">
+            <a:schemeClr val="accent1"/>
+          </a:fillRef>
+          <a:effectRef idx="0">
+            <a:schemeClr val="accent1"/>
+          </a:effectRef>
+          <a:fontRef idx="minor">
+            <a:schemeClr val="lt1"/>
+          </a:fontRef>
+        </p:style>
+        <p:txBody>
+          <a:bodyPr rtlCol="0" anchor="ctr"/>
+          <a:lstStyle/>
+          <a:p>
+            <a:pPr algn="ctr"/>
+            <a:r>
+              <a:rPr lang="en-US" sz="1600" dirty="0">
+                <a:latin typeface="Avenir Roman" panose="02000503020000020003" pitchFamily="2" charset="0"/>
+              </a:rPr>
+              <a:t>New </a:t>
+            </a:r>
+            <a:r>
+              <a:rPr lang="en-US" sz="1600" dirty="0" err="1">
+                <a:latin typeface="Avenir Roman" panose="02000503020000020003" pitchFamily="2" charset="0"/>
+              </a:rPr>
+              <a:t>DataFrame</a:t>
+            </a:r>
+            <a:endParaRPr lang="en-US" sz="1600" dirty="0">
+              <a:latin typeface="Avenir Roman" panose="02000503020000020003" pitchFamily="2" charset="0"/>
+            </a:endParaRPr>
+          </a:p>
+        </p:txBody>
+      </p:sp>
+      <p:cxnSp>
+        <p:nvCxnSpPr>
+          <p:cNvPr id="67" name="Straight Arrow Connector 66">
+            <a:extLst>
+              <a:ext uri="{FF2B5EF4-FFF2-40B4-BE49-F238E27FC236}">
+                <a16:creationId xmlns:a16="http://schemas.microsoft.com/office/drawing/2014/main" id="{0D196C75-1E05-DE44-9F9A-66CDF6E2A1B6}"/>
+              </a:ext>
+            </a:extLst>
+          </p:cNvPr>
+          <p:cNvCxnSpPr>
+            <a:cxnSpLocks/>
+            <a:endCxn id="60" idx="0"/>
+          </p:cNvCxnSpPr>
+          <p:nvPr/>
+        </p:nvCxnSpPr>
+        <p:spPr>
+          <a:xfrm flipH="1">
+            <a:off x="5943600" y="1997509"/>
+            <a:ext cx="28160" cy="3860037"/>
+          </a:xfrm>
+          <a:prstGeom prst="straightConnector1">
+            <a:avLst/>
+          </a:prstGeom>
+          <a:ln>
+            <a:solidFill>
+              <a:schemeClr val="bg1">
+                <a:lumMod val="65000"/>
+              </a:schemeClr>
+            </a:solidFill>
+            <a:prstDash val="dashDot"/>
+            <a:tailEnd type="triangle"/>
+          </a:ln>
+        </p:spPr>
+        <p:style>
+          <a:lnRef idx="1">
+            <a:schemeClr val="accent1"/>
+          </a:lnRef>
+          <a:fillRef idx="0">
+            <a:schemeClr val="accent1"/>
+          </a:fillRef>
+          <a:effectRef idx="0">
+            <a:schemeClr val="accent1"/>
+          </a:effectRef>
+          <a:fontRef idx="minor">
+            <a:schemeClr val="tx1"/>
+          </a:fontRef>
+        </p:style>
+      </p:cxnSp>
+      <p:sp>
+        <p:nvSpPr>
+          <p:cNvPr id="69" name="Rectangle 68">
+            <a:extLst>
+              <a:ext uri="{FF2B5EF4-FFF2-40B4-BE49-F238E27FC236}">
+                <a16:creationId xmlns:a16="http://schemas.microsoft.com/office/drawing/2014/main" id="{F85EEF4A-7C1C-0B44-9745-EEF369AF29E4}"/>
+              </a:ext>
+            </a:extLst>
+          </p:cNvPr>
+          <p:cNvSpPr/>
+          <p:nvPr/>
+        </p:nvSpPr>
+        <p:spPr>
+          <a:xfrm>
+            <a:off x="5322400" y="5197573"/>
+            <a:ext cx="1229133" cy="397565"/>
+          </a:xfrm>
+          <a:prstGeom prst="rect">
+            <a:avLst/>
+          </a:prstGeom>
+          <a:solidFill>
+            <a:schemeClr val="bg1">
+              <a:lumMod val="95000"/>
+            </a:schemeClr>
+          </a:solidFill>
+          <a:ln w="6350">
+            <a:solidFill>
+              <a:schemeClr val="bg1">
+                <a:lumMod val="65000"/>
+              </a:schemeClr>
+            </a:solidFill>
+            <a:prstDash val="dash"/>
+          </a:ln>
+        </p:spPr>
+        <p:style>
+          <a:lnRef idx="2">
+            <a:schemeClr val="accent1">
+              <a:shade val="50000"/>
+            </a:schemeClr>
+          </a:lnRef>
+          <a:fillRef idx="1">
+            <a:schemeClr val="accent1"/>
+          </a:fillRef>
+          <a:effectRef idx="0">
+            <a:schemeClr val="accent1"/>
+          </a:effectRef>
+          <a:fontRef idx="minor">
+            <a:schemeClr val="lt1"/>
+          </a:fontRef>
+        </p:style>
+        <p:txBody>
+          <a:bodyPr rtlCol="0" anchor="ctr"/>
+          <a:lstStyle/>
+          <a:p>
+            <a:pPr algn="ctr"/>
+            <a:r>
+              <a:rPr lang="en-US" sz="1600" dirty="0">
+                <a:solidFill>
+                  <a:schemeClr val="tx1">
+                    <a:lumMod val="65000"/>
+                    <a:lumOff val="35000"/>
+                  </a:schemeClr>
+                </a:solidFill>
+                <a:latin typeface="Avenir Roman" panose="02000503020000020003" pitchFamily="2" charset="0"/>
+              </a:rPr>
+              <a:t>Shuffle</a:t>
+            </a:r>
+          </a:p>
+        </p:txBody>
+      </p:sp>
+      <p:sp>
+        <p:nvSpPr>
+          <p:cNvPr id="70" name="TextBox 69">
+            <a:extLst>
+              <a:ext uri="{FF2B5EF4-FFF2-40B4-BE49-F238E27FC236}">
+                <a16:creationId xmlns:a16="http://schemas.microsoft.com/office/drawing/2014/main" id="{E6386E37-E33C-1E4B-ADE6-DD67768F6DD5}"/>
+              </a:ext>
+            </a:extLst>
+          </p:cNvPr>
+          <p:cNvSpPr txBox="1"/>
+          <p:nvPr/>
+        </p:nvSpPr>
+        <p:spPr>
+          <a:xfrm>
+            <a:off x="7278756" y="5441752"/>
+            <a:ext cx="4678004" cy="800219"/>
+          </a:xfrm>
+          <a:prstGeom prst="rect">
+            <a:avLst/>
+          </a:prstGeom>
+          <a:noFill/>
+        </p:spPr>
+        <p:txBody>
+          <a:bodyPr wrap="square" rtlCol="0">
+            <a:spAutoFit/>
+          </a:bodyPr>
+          <a:lstStyle/>
+          <a:p>
+            <a:pPr marL="285750" indent="-285750">
+              <a:spcAft>
+                <a:spcPts val="1200"/>
+              </a:spcAft>
+              <a:buFont typeface="Arial" panose="020B0604020202020204" pitchFamily="34" charset="0"/>
+              <a:buChar char="•"/>
+            </a:pPr>
+            <a:r>
+              <a:rPr lang="en-IN" dirty="0" err="1">
+                <a:latin typeface="Avenir Roman" panose="02000503020000020003" pitchFamily="2" charset="0"/>
+              </a:rPr>
+              <a:t>spark.sql.autoBroadcastJoinThreshold</a:t>
+            </a:r>
+            <a:endParaRPr lang="en-US" dirty="0">
+              <a:latin typeface="Avenir Roman" panose="02000503020000020003" pitchFamily="2" charset="0"/>
+            </a:endParaRPr>
+          </a:p>
+          <a:p>
+            <a:pPr marL="285750" indent="-285750">
+              <a:spcAft>
+                <a:spcPts val="1200"/>
+              </a:spcAft>
+              <a:buFont typeface="Arial" panose="020B0604020202020204" pitchFamily="34" charset="0"/>
+              <a:buChar char="•"/>
+            </a:pPr>
+            <a:r>
+              <a:rPr lang="en-US" dirty="0">
+                <a:latin typeface="Avenir Roman" panose="02000503020000020003" pitchFamily="2" charset="0"/>
+              </a:rPr>
+              <a:t>2 stages</a:t>
+            </a:r>
+          </a:p>
+        </p:txBody>
+      </p:sp>
+      <p:sp>
+        <p:nvSpPr>
+          <p:cNvPr id="71" name="Rectangle 70">
+            <a:extLst>
+              <a:ext uri="{FF2B5EF4-FFF2-40B4-BE49-F238E27FC236}">
+                <a16:creationId xmlns:a16="http://schemas.microsoft.com/office/drawing/2014/main" id="{DD017C33-A389-934B-A49F-104C6E8D8F31}"/>
+              </a:ext>
+            </a:extLst>
+          </p:cNvPr>
+          <p:cNvSpPr/>
+          <p:nvPr/>
+        </p:nvSpPr>
+        <p:spPr>
+          <a:xfrm>
+            <a:off x="9137356" y="1174400"/>
+            <a:ext cx="1719484" cy="427380"/>
           </a:xfrm>
           <a:prstGeom prst="rect">
             <a:avLst/>
@@ -7973,17 +12185,456 @@
               <a:rPr lang="en-US" sz="1600" dirty="0">
                 <a:latin typeface="Avenir Roman" panose="02000503020000020003" pitchFamily="2" charset="0"/>
               </a:rPr>
-              <a:t>Spark SQL</a:t>
-            </a:r>
-          </a:p>
-        </p:txBody>
-      </p:sp>
-      <p:sp>
-        <p:nvSpPr>
-          <p:cNvPr id="5" name="Rectangle 4">
-            <a:extLst>
-              <a:ext uri="{FF2B5EF4-FFF2-40B4-BE49-F238E27FC236}">
-                <a16:creationId xmlns:a16="http://schemas.microsoft.com/office/drawing/2014/main" id="{5B475EDC-CD43-424D-9478-133BF5BA0111}"/>
+              <a:t>Spark Driver</a:t>
+            </a:r>
+          </a:p>
+        </p:txBody>
+      </p:sp>
+      <p:cxnSp>
+        <p:nvCxnSpPr>
+          <p:cNvPr id="72" name="Straight Arrow Connector 71">
+            <a:extLst>
+              <a:ext uri="{FF2B5EF4-FFF2-40B4-BE49-F238E27FC236}">
+                <a16:creationId xmlns:a16="http://schemas.microsoft.com/office/drawing/2014/main" id="{6E42970D-BEB7-6542-9E1F-CDD05B70E020}"/>
+              </a:ext>
+            </a:extLst>
+          </p:cNvPr>
+          <p:cNvCxnSpPr>
+            <a:cxnSpLocks/>
+          </p:cNvCxnSpPr>
+          <p:nvPr/>
+        </p:nvCxnSpPr>
+        <p:spPr>
+          <a:xfrm flipV="1">
+            <a:off x="10270435" y="1596877"/>
+            <a:ext cx="0" cy="1489912"/>
+          </a:xfrm>
+          <a:prstGeom prst="straightConnector1">
+            <a:avLst/>
+          </a:prstGeom>
+          <a:ln w="19050">
+            <a:solidFill>
+              <a:schemeClr val="bg1">
+                <a:lumMod val="65000"/>
+              </a:schemeClr>
+            </a:solidFill>
+            <a:prstDash val="dash"/>
+            <a:tailEnd type="triangle"/>
+          </a:ln>
+        </p:spPr>
+        <p:style>
+          <a:lnRef idx="1">
+            <a:schemeClr val="accent1"/>
+          </a:lnRef>
+          <a:fillRef idx="0">
+            <a:schemeClr val="accent1"/>
+          </a:fillRef>
+          <a:effectRef idx="0">
+            <a:schemeClr val="accent1"/>
+          </a:effectRef>
+          <a:fontRef idx="minor">
+            <a:schemeClr val="tx1"/>
+          </a:fontRef>
+        </p:style>
+      </p:cxnSp>
+    </p:spTree>
+    <p:extLst>
+      <p:ext uri="{BB962C8B-B14F-4D97-AF65-F5344CB8AC3E}">
+        <p14:creationId xmlns:p14="http://schemas.microsoft.com/office/powerpoint/2010/main" val="563113492"/>
+      </p:ext>
+    </p:extLst>
+  </p:cSld>
+  <p:clrMapOvr>
+    <a:masterClrMapping/>
+  </p:clrMapOvr>
+</p:sld>
+</file>
+
+<file path=ppt/slides/slide7.xml><?xml version="1.0" encoding="utf-8"?>
+<p:sld xmlns:a="http://schemas.openxmlformats.org/drawingml/2006/main" xmlns:r="http://schemas.openxmlformats.org/officeDocument/2006/relationships" xmlns:p="http://schemas.openxmlformats.org/presentationml/2006/main">
+  <p:cSld>
+    <p:spTree>
+      <p:nvGrpSpPr>
+        <p:cNvPr id="1" name=""/>
+        <p:cNvGrpSpPr/>
+        <p:nvPr/>
+      </p:nvGrpSpPr>
+      <p:grpSpPr>
+        <a:xfrm>
+          <a:off x="0" y="0"/>
+          <a:ext cx="0" cy="0"/>
+          <a:chOff x="0" y="0"/>
+          <a:chExt cx="0" cy="0"/>
+        </a:xfrm>
+      </p:grpSpPr>
+      <p:sp>
+        <p:nvSpPr>
+          <p:cNvPr id="2" name="Title 1">
+            <a:extLst>
+              <a:ext uri="{FF2B5EF4-FFF2-40B4-BE49-F238E27FC236}">
+                <a16:creationId xmlns:a16="http://schemas.microsoft.com/office/drawing/2014/main" id="{8B8CB371-3D04-0C49-85AF-0B4E2DFC4FBA}"/>
+              </a:ext>
+            </a:extLst>
+          </p:cNvPr>
+          <p:cNvSpPr>
+            <a:spLocks noGrp="1"/>
+          </p:cNvSpPr>
+          <p:nvPr>
+            <p:ph type="title"/>
+          </p:nvPr>
+        </p:nvSpPr>
+        <p:spPr/>
+        <p:txBody>
+          <a:bodyPr/>
+          <a:lstStyle/>
+          <a:p>
+            <a:r>
+              <a:rPr lang="en-US" dirty="0">
+                <a:latin typeface="Avenir Roman" panose="02000503020000020003" pitchFamily="2" charset="0"/>
+              </a:rPr>
+              <a:t>Lets see how Catalyst Optimizer works</a:t>
+            </a:r>
+          </a:p>
+        </p:txBody>
+      </p:sp>
+      <p:sp>
+        <p:nvSpPr>
+          <p:cNvPr id="4" name="TextBox 3">
+            <a:extLst>
+              <a:ext uri="{FF2B5EF4-FFF2-40B4-BE49-F238E27FC236}">
+                <a16:creationId xmlns:a16="http://schemas.microsoft.com/office/drawing/2014/main" id="{1E41BC6A-5BE7-FE4C-BA18-646A45C38201}"/>
+              </a:ext>
+            </a:extLst>
+          </p:cNvPr>
+          <p:cNvSpPr txBox="1"/>
+          <p:nvPr/>
+        </p:nvSpPr>
+        <p:spPr>
+          <a:xfrm>
+            <a:off x="838200" y="1690688"/>
+            <a:ext cx="4903381" cy="1477328"/>
+          </a:xfrm>
+          <a:prstGeom prst="rect">
+            <a:avLst/>
+          </a:prstGeom>
+          <a:noFill/>
+        </p:spPr>
+        <p:txBody>
+          <a:bodyPr wrap="square" rtlCol="0">
+            <a:spAutoFit/>
+          </a:bodyPr>
+          <a:lstStyle>
+            <a:defPPr>
+              <a:defRPr lang="en-US"/>
+            </a:defPPr>
+            <a:lvl1pPr>
+              <a:defRPr sz="1400" b="1">
+                <a:latin typeface="Courier New" panose="02070309020205020404" pitchFamily="49" charset="0"/>
+                <a:cs typeface="Courier New" panose="02070309020205020404" pitchFamily="49" charset="0"/>
+              </a:defRPr>
+            </a:lvl1pPr>
+          </a:lstStyle>
+          <a:p>
+            <a:r>
+              <a:rPr lang="en-US" sz="1800" dirty="0"/>
+              <a:t>select a1, sum(b1)</a:t>
+            </a:r>
+          </a:p>
+          <a:p>
+            <a:r>
+              <a:rPr lang="en-US" sz="1800" dirty="0"/>
+              <a:t>from   A join B</a:t>
+            </a:r>
+          </a:p>
+          <a:p>
+            <a:r>
+              <a:rPr lang="en-US" sz="1800" dirty="0"/>
+              <a:t>on     </a:t>
+            </a:r>
+            <a:r>
+              <a:rPr lang="en-US" sz="1800" dirty="0" err="1"/>
+              <a:t>A.key</a:t>
+            </a:r>
+            <a:r>
+              <a:rPr lang="en-US" sz="1800" dirty="0"/>
+              <a:t> = </a:t>
+            </a:r>
+            <a:r>
+              <a:rPr lang="en-US" sz="1800" dirty="0" err="1"/>
+              <a:t>B.key</a:t>
+            </a:r>
+            <a:endParaRPr lang="en-US" sz="1800" dirty="0"/>
+          </a:p>
+          <a:p>
+            <a:r>
+              <a:rPr lang="en-US" sz="1800" dirty="0"/>
+              <a:t>where  b1 &gt; 2208</a:t>
+            </a:r>
+          </a:p>
+          <a:p>
+            <a:r>
+              <a:rPr lang="en-US" sz="1800" dirty="0"/>
+              <a:t>group by a1</a:t>
+            </a:r>
+          </a:p>
+        </p:txBody>
+      </p:sp>
+      <p:sp>
+        <p:nvSpPr>
+          <p:cNvPr id="5" name="TextBox 4">
+            <a:extLst>
+              <a:ext uri="{FF2B5EF4-FFF2-40B4-BE49-F238E27FC236}">
+                <a16:creationId xmlns:a16="http://schemas.microsoft.com/office/drawing/2014/main" id="{129CE033-3DDC-BD4E-ADEC-08FF8BEB0E3A}"/>
+              </a:ext>
+            </a:extLst>
+          </p:cNvPr>
+          <p:cNvSpPr txBox="1"/>
+          <p:nvPr/>
+        </p:nvSpPr>
+        <p:spPr>
+          <a:xfrm>
+            <a:off x="838200" y="4134335"/>
+            <a:ext cx="11036596" cy="1077218"/>
+          </a:xfrm>
+          <a:prstGeom prst="rect">
+            <a:avLst/>
+          </a:prstGeom>
+          <a:noFill/>
+        </p:spPr>
+        <p:txBody>
+          <a:bodyPr wrap="square" rtlCol="0">
+            <a:spAutoFit/>
+          </a:bodyPr>
+          <a:lstStyle/>
+          <a:p>
+            <a:pPr>
+              <a:spcAft>
+                <a:spcPts val="600"/>
+              </a:spcAft>
+            </a:pPr>
+            <a:r>
+              <a:rPr lang="en-US" b="1" dirty="0">
+                <a:latin typeface="Courier New" panose="02070309020205020404" pitchFamily="49" charset="0"/>
+                <a:cs typeface="Courier New" panose="02070309020205020404" pitchFamily="49" charset="0"/>
+              </a:rPr>
+              <a:t>Joined1 = </a:t>
+            </a:r>
+            <a:r>
+              <a:rPr lang="en-US" b="1" dirty="0" err="1">
+                <a:latin typeface="Courier New" panose="02070309020205020404" pitchFamily="49" charset="0"/>
+                <a:cs typeface="Courier New" panose="02070309020205020404" pitchFamily="49" charset="0"/>
+              </a:rPr>
+              <a:t>dfA.select</a:t>
+            </a:r>
+            <a:r>
+              <a:rPr lang="en-US" b="1" dirty="0">
+                <a:latin typeface="Courier New" panose="02070309020205020404" pitchFamily="49" charset="0"/>
+                <a:cs typeface="Courier New" panose="02070309020205020404" pitchFamily="49" charset="0"/>
+              </a:rPr>
+              <a:t>(‘a1’).join(</a:t>
+            </a:r>
+            <a:r>
+              <a:rPr lang="en-US" b="1" dirty="0" err="1">
+                <a:latin typeface="Courier New" panose="02070309020205020404" pitchFamily="49" charset="0"/>
+                <a:cs typeface="Courier New" panose="02070309020205020404" pitchFamily="49" charset="0"/>
+              </a:rPr>
+              <a:t>dfB.select</a:t>
+            </a:r>
+            <a:r>
+              <a:rPr lang="en-US" b="1" dirty="0">
+                <a:latin typeface="Courier New" panose="02070309020205020404" pitchFamily="49" charset="0"/>
+                <a:cs typeface="Courier New" panose="02070309020205020404" pitchFamily="49" charset="0"/>
+              </a:rPr>
+              <a:t>(col(‘b1’) &gt; 2208), [“key”], ‘inner’)</a:t>
+            </a:r>
+          </a:p>
+          <a:p>
+            <a:pPr>
+              <a:spcAft>
+                <a:spcPts val="600"/>
+              </a:spcAft>
+            </a:pPr>
+            <a:r>
+              <a:rPr lang="en-US" b="1" dirty="0">
+                <a:latin typeface="Courier New" panose="02070309020205020404" pitchFamily="49" charset="0"/>
+                <a:cs typeface="Courier New" panose="02070309020205020404" pitchFamily="49" charset="0"/>
+              </a:rPr>
+              <a:t>Joined2 = Joined1.groupBy(‘a1’).</a:t>
+            </a:r>
+            <a:r>
+              <a:rPr lang="en-US" b="1" dirty="0" err="1">
+                <a:latin typeface="Courier New" panose="02070309020205020404" pitchFamily="49" charset="0"/>
+                <a:cs typeface="Courier New" panose="02070309020205020404" pitchFamily="49" charset="0"/>
+              </a:rPr>
+              <a:t>agg</a:t>
+            </a:r>
+            <a:r>
+              <a:rPr lang="en-US" b="1" dirty="0">
+                <a:latin typeface="Courier New" panose="02070309020205020404" pitchFamily="49" charset="0"/>
+                <a:cs typeface="Courier New" panose="02070309020205020404" pitchFamily="49" charset="0"/>
+              </a:rPr>
+              <a:t>(sum(‘b1’)).show()</a:t>
+            </a:r>
+          </a:p>
+          <a:p>
+            <a:endParaRPr lang="en-US" b="1" dirty="0">
+              <a:latin typeface="Courier New" panose="02070309020205020404" pitchFamily="49" charset="0"/>
+              <a:cs typeface="Courier New" panose="02070309020205020404" pitchFamily="49" charset="0"/>
+            </a:endParaRPr>
+          </a:p>
+        </p:txBody>
+      </p:sp>
+    </p:spTree>
+    <p:extLst>
+      <p:ext uri="{BB962C8B-B14F-4D97-AF65-F5344CB8AC3E}">
+        <p14:creationId xmlns:p14="http://schemas.microsoft.com/office/powerpoint/2010/main" val="1342429872"/>
+      </p:ext>
+    </p:extLst>
+  </p:cSld>
+  <p:clrMapOvr>
+    <a:masterClrMapping/>
+  </p:clrMapOvr>
+  <p:timing>
+    <p:tnLst>
+      <p:par>
+        <p:cTn id="1" dur="indefinite" restart="never" nodeType="tmRoot">
+          <p:childTnLst>
+            <p:seq concurrent="1" nextAc="seek">
+              <p:cTn id="2" dur="indefinite" nodeType="mainSeq">
+                <p:childTnLst>
+                  <p:par>
+                    <p:cTn id="3" fill="hold">
+                      <p:stCondLst>
+                        <p:cond delay="indefinite"/>
+                      </p:stCondLst>
+                      <p:childTnLst>
+                        <p:par>
+                          <p:cTn id="4" fill="hold">
+                            <p:stCondLst>
+                              <p:cond delay="0"/>
+                            </p:stCondLst>
+                            <p:childTnLst>
+                              <p:par>
+                                <p:cTn id="5" presetID="1" presetClass="entr" presetSubtype="0" fill="hold" grpId="0" nodeType="clickEffect">
+                                  <p:stCondLst>
+                                    <p:cond delay="0"/>
+                                  </p:stCondLst>
+                                  <p:childTnLst>
+                                    <p:set>
+                                      <p:cBhvr>
+                                        <p:cTn id="6" dur="1" fill="hold">
+                                          <p:stCondLst>
+                                            <p:cond delay="0"/>
+                                          </p:stCondLst>
+                                        </p:cTn>
+                                        <p:tgtEl>
+                                          <p:spTgt spid="5"/>
+                                        </p:tgtEl>
+                                        <p:attrNameLst>
+                                          <p:attrName>style.visibility</p:attrName>
+                                        </p:attrNameLst>
+                                      </p:cBhvr>
+                                      <p:to>
+                                        <p:strVal val="visible"/>
+                                      </p:to>
+                                    </p:set>
+                                  </p:childTnLst>
+                                </p:cTn>
+                              </p:par>
+                            </p:childTnLst>
+                          </p:cTn>
+                        </p:par>
+                      </p:childTnLst>
+                    </p:cTn>
+                  </p:par>
+                </p:childTnLst>
+              </p:cTn>
+              <p:prevCondLst>
+                <p:cond evt="onPrev" delay="0">
+                  <p:tgtEl>
+                    <p:sldTgt/>
+                  </p:tgtEl>
+                </p:cond>
+              </p:prevCondLst>
+              <p:nextCondLst>
+                <p:cond evt="onNext" delay="0">
+                  <p:tgtEl>
+                    <p:sldTgt/>
+                  </p:tgtEl>
+                </p:cond>
+              </p:nextCondLst>
+            </p:seq>
+          </p:childTnLst>
+        </p:cTn>
+      </p:par>
+    </p:tnLst>
+    <p:bldLst>
+      <p:bldP spid="5" grpId="0"/>
+    </p:bldLst>
+  </p:timing>
+</p:sld>
+</file>
+
+<file path=ppt/slides/slide8.xml><?xml version="1.0" encoding="utf-8"?>
+<p:sld xmlns:a="http://schemas.openxmlformats.org/drawingml/2006/main" xmlns:r="http://schemas.openxmlformats.org/officeDocument/2006/relationships" xmlns:p="http://schemas.openxmlformats.org/presentationml/2006/main">
+  <p:cSld>
+    <p:spTree>
+      <p:nvGrpSpPr>
+        <p:cNvPr id="1" name=""/>
+        <p:cNvGrpSpPr/>
+        <p:nvPr/>
+      </p:nvGrpSpPr>
+      <p:grpSpPr>
+        <a:xfrm>
+          <a:off x="0" y="0"/>
+          <a:ext cx="0" cy="0"/>
+          <a:chOff x="0" y="0"/>
+          <a:chExt cx="0" cy="0"/>
+        </a:xfrm>
+      </p:grpSpPr>
+      <p:sp>
+        <p:nvSpPr>
+          <p:cNvPr id="2" name="Title 1">
+            <a:extLst>
+              <a:ext uri="{FF2B5EF4-FFF2-40B4-BE49-F238E27FC236}">
+                <a16:creationId xmlns:a16="http://schemas.microsoft.com/office/drawing/2014/main" id="{6221D110-9F03-EF47-AC5C-1EAB8071190E}"/>
+              </a:ext>
+            </a:extLst>
+          </p:cNvPr>
+          <p:cNvSpPr>
+            <a:spLocks noGrp="1"/>
+          </p:cNvSpPr>
+          <p:nvPr>
+            <p:ph type="title"/>
+          </p:nvPr>
+        </p:nvSpPr>
+        <p:spPr>
+          <a:xfrm>
+            <a:off x="127591" y="-17140"/>
+            <a:ext cx="10515600" cy="868252"/>
+          </a:xfrm>
+        </p:spPr>
+        <p:txBody>
+          <a:bodyPr>
+            <a:normAutofit/>
+          </a:bodyPr>
+          <a:lstStyle/>
+          <a:p>
+            <a:r>
+              <a:rPr lang="en-US" sz="3600" dirty="0">
+                <a:latin typeface="Avenir Roman" panose="02000503020000020003" pitchFamily="2" charset="0"/>
+              </a:rPr>
+              <a:t>Execution Plan – Catalyst Optimizer</a:t>
+            </a:r>
+          </a:p>
+        </p:txBody>
+      </p:sp>
+      <p:sp>
+        <p:nvSpPr>
+          <p:cNvPr id="4" name="Rectangle 3">
+            <a:extLst>
+              <a:ext uri="{FF2B5EF4-FFF2-40B4-BE49-F238E27FC236}">
+                <a16:creationId xmlns:a16="http://schemas.microsoft.com/office/drawing/2014/main" id="{AB8D6067-BF88-8C49-9701-B4C7175E7524}"/>
               </a:ext>
             </a:extLst>
           </p:cNvPr>
@@ -7992,8 +12643,8 @@
         </p:nvSpPr>
         <p:spPr>
           <a:xfrm>
-            <a:off x="127591" y="3012555"/>
-            <a:ext cx="1286537" cy="382773"/>
+            <a:off x="127592" y="1342245"/>
+            <a:ext cx="1286538" cy="382773"/>
           </a:xfrm>
           <a:prstGeom prst="rect">
             <a:avLst/>
@@ -8027,6 +12678,63 @@
           <a:p>
             <a:pPr algn="ctr"/>
             <a:r>
+              <a:rPr lang="en-US" sz="1600" dirty="0">
+                <a:latin typeface="Avenir Roman" panose="02000503020000020003" pitchFamily="2" charset="0"/>
+              </a:rPr>
+              <a:t>Spark SQL</a:t>
+            </a:r>
+          </a:p>
+        </p:txBody>
+      </p:sp>
+      <p:sp>
+        <p:nvSpPr>
+          <p:cNvPr id="5" name="Rectangle 4">
+            <a:extLst>
+              <a:ext uri="{FF2B5EF4-FFF2-40B4-BE49-F238E27FC236}">
+                <a16:creationId xmlns:a16="http://schemas.microsoft.com/office/drawing/2014/main" id="{5B475EDC-CD43-424D-9478-133BF5BA0111}"/>
+              </a:ext>
+            </a:extLst>
+          </p:cNvPr>
+          <p:cNvSpPr/>
+          <p:nvPr/>
+        </p:nvSpPr>
+        <p:spPr>
+          <a:xfrm>
+            <a:off x="127591" y="2747515"/>
+            <a:ext cx="1286537" cy="382773"/>
+          </a:xfrm>
+          <a:prstGeom prst="rect">
+            <a:avLst/>
+          </a:prstGeom>
+          <a:solidFill>
+            <a:srgbClr val="0096FF"/>
+          </a:solidFill>
+          <a:ln>
+            <a:noFill/>
+          </a:ln>
+        </p:spPr>
+        <p:style>
+          <a:lnRef idx="2">
+            <a:schemeClr val="accent1">
+              <a:shade val="50000"/>
+            </a:schemeClr>
+          </a:lnRef>
+          <a:fillRef idx="1">
+            <a:schemeClr val="accent1"/>
+          </a:fillRef>
+          <a:effectRef idx="0">
+            <a:schemeClr val="accent1"/>
+          </a:effectRef>
+          <a:fontRef idx="minor">
+            <a:schemeClr val="lt1"/>
+          </a:fontRef>
+        </p:style>
+        <p:txBody>
+          <a:bodyPr rtlCol="0" anchor="ctr"/>
+          <a:lstStyle/>
+          <a:p>
+            <a:pPr algn="ctr"/>
+            <a:r>
               <a:rPr lang="en-US" sz="1600" dirty="0" err="1">
                 <a:latin typeface="Avenir Roman" panose="02000503020000020003" pitchFamily="2" charset="0"/>
               </a:rPr>
@@ -8052,7 +12760,7 @@
         </p:nvSpPr>
         <p:spPr>
           <a:xfrm>
-            <a:off x="1811080" y="2030817"/>
+            <a:off x="1811080" y="1765777"/>
             <a:ext cx="1158949" cy="779720"/>
           </a:xfrm>
           <a:prstGeom prst="rect">
@@ -8109,7 +12817,7 @@
         </p:nvSpPr>
         <p:spPr>
           <a:xfrm>
-            <a:off x="3379381" y="2030817"/>
+            <a:off x="3379381" y="1765777"/>
             <a:ext cx="1158949" cy="779720"/>
           </a:xfrm>
           <a:prstGeom prst="rect">
@@ -8166,7 +12874,7 @@
         </p:nvSpPr>
         <p:spPr>
           <a:xfrm>
-            <a:off x="4976039" y="2030817"/>
+            <a:off x="4976039" y="1765777"/>
             <a:ext cx="1158949" cy="779720"/>
           </a:xfrm>
           <a:prstGeom prst="rect">
@@ -8223,7 +12931,7 @@
         </p:nvSpPr>
         <p:spPr>
           <a:xfrm>
-            <a:off x="6592184" y="2030817"/>
+            <a:off x="6592184" y="1765777"/>
             <a:ext cx="988826" cy="779720"/>
           </a:xfrm>
           <a:prstGeom prst="rect">
@@ -8284,7 +12992,7 @@
         </p:nvCxnSpPr>
         <p:spPr>
           <a:xfrm>
-            <a:off x="1414130" y="1798672"/>
+            <a:off x="1414130" y="1533632"/>
             <a:ext cx="976425" cy="232145"/>
           </a:xfrm>
           <a:prstGeom prst="bentConnector2">
@@ -8333,7 +13041,7 @@
         </p:nvCxnSpPr>
         <p:spPr>
           <a:xfrm flipV="1">
-            <a:off x="1414129" y="2810537"/>
+            <a:off x="1414129" y="2545497"/>
             <a:ext cx="976426" cy="393404"/>
           </a:xfrm>
           <a:prstGeom prst="bentConnector2">
@@ -8381,7 +13089,7 @@
         </p:nvCxnSpPr>
         <p:spPr>
           <a:xfrm>
-            <a:off x="2970029" y="2420677"/>
+            <a:off x="2970029" y="2155637"/>
             <a:ext cx="409352" cy="0"/>
           </a:xfrm>
           <a:prstGeom prst="straightConnector1">
@@ -8430,7 +13138,7 @@
         </p:nvCxnSpPr>
         <p:spPr>
           <a:xfrm>
-            <a:off x="4538330" y="2420677"/>
+            <a:off x="4538330" y="2155637"/>
             <a:ext cx="437709" cy="0"/>
           </a:xfrm>
           <a:prstGeom prst="straightConnector1">
@@ -8479,7 +13187,7 @@
         </p:nvCxnSpPr>
         <p:spPr>
           <a:xfrm>
-            <a:off x="6134988" y="2420677"/>
+            <a:off x="6134988" y="2155637"/>
             <a:ext cx="457196" cy="0"/>
           </a:xfrm>
           <a:prstGeom prst="straightConnector1">
@@ -8524,7 +13232,7 @@
         </p:nvSpPr>
         <p:spPr>
           <a:xfrm>
-            <a:off x="8038206" y="2030817"/>
+            <a:off x="8038206" y="1765777"/>
             <a:ext cx="903767" cy="779720"/>
           </a:xfrm>
           <a:prstGeom prst="rect">
@@ -8582,7 +13290,7 @@
         </p:nvCxnSpPr>
         <p:spPr>
           <a:xfrm>
-            <a:off x="7581010" y="2420677"/>
+            <a:off x="7581010" y="2155637"/>
             <a:ext cx="457196" cy="0"/>
           </a:xfrm>
           <a:prstGeom prst="straightConnector1">
@@ -8627,7 +13335,7 @@
         </p:nvSpPr>
         <p:spPr>
           <a:xfrm>
-            <a:off x="9471825" y="2030817"/>
+            <a:off x="9471825" y="1765777"/>
             <a:ext cx="981739" cy="779720"/>
           </a:xfrm>
           <a:prstGeom prst="rect">
@@ -8697,7 +13405,7 @@
         </p:nvCxnSpPr>
         <p:spPr>
           <a:xfrm>
-            <a:off x="8941973" y="2420677"/>
+            <a:off x="8941973" y="2155637"/>
             <a:ext cx="529852" cy="0"/>
           </a:xfrm>
           <a:prstGeom prst="straightConnector1">
@@ -8742,7 +13450,7 @@
         </p:nvSpPr>
         <p:spPr>
           <a:xfrm>
-            <a:off x="10960396" y="2030817"/>
+            <a:off x="10960396" y="1765777"/>
             <a:ext cx="848846" cy="779720"/>
           </a:xfrm>
           <a:prstGeom prst="rect">
@@ -8803,7 +13511,7 @@
         </p:nvCxnSpPr>
         <p:spPr>
           <a:xfrm>
-            <a:off x="10453564" y="2420677"/>
+            <a:off x="10453564" y="2155637"/>
             <a:ext cx="506832" cy="0"/>
           </a:xfrm>
           <a:prstGeom prst="straightConnector1">
@@ -8852,7 +13560,7 @@
         </p:nvCxnSpPr>
         <p:spPr>
           <a:xfrm flipH="1">
-            <a:off x="770860" y="1990058"/>
+            <a:off x="770860" y="1725018"/>
             <a:ext cx="1" cy="1022497"/>
           </a:xfrm>
           <a:prstGeom prst="straightConnector1">
@@ -8897,7 +13605,7 @@
         </p:nvSpPr>
         <p:spPr>
           <a:xfrm>
-            <a:off x="2700670" y="1265274"/>
+            <a:off x="2700670" y="1000234"/>
             <a:ext cx="1031358" cy="342011"/>
           </a:xfrm>
           <a:prstGeom prst="rect">
@@ -8959,7 +13667,7 @@
         </p:nvCxnSpPr>
         <p:spPr>
           <a:xfrm>
-            <a:off x="3216349" y="1607285"/>
+            <a:off x="3216349" y="1342245"/>
             <a:ext cx="0" cy="765546"/>
           </a:xfrm>
           <a:prstGeom prst="straightConnector1">
@@ -8991,10 +13699,1767 @@
           </a:fontRef>
         </p:style>
       </p:cxnSp>
+      <p:sp>
+        <p:nvSpPr>
+          <p:cNvPr id="3" name="Rectangle 2">
+            <a:extLst>
+              <a:ext uri="{FF2B5EF4-FFF2-40B4-BE49-F238E27FC236}">
+                <a16:creationId xmlns:a16="http://schemas.microsoft.com/office/drawing/2014/main" id="{B3125878-8440-BF44-A97D-9803FB3D037C}"/>
+              </a:ext>
+            </a:extLst>
+          </p:cNvPr>
+          <p:cNvSpPr/>
+          <p:nvPr/>
+        </p:nvSpPr>
+        <p:spPr>
+          <a:xfrm>
+            <a:off x="10239153" y="3477620"/>
+            <a:ext cx="1570089" cy="882503"/>
+          </a:xfrm>
+          <a:prstGeom prst="rect">
+            <a:avLst/>
+          </a:prstGeom>
+          <a:solidFill>
+            <a:srgbClr val="FF2F92"/>
+          </a:solidFill>
+          <a:ln>
+            <a:noFill/>
+          </a:ln>
+        </p:spPr>
+        <p:style>
+          <a:lnRef idx="2">
+            <a:schemeClr val="accent1">
+              <a:shade val="50000"/>
+            </a:schemeClr>
+          </a:lnRef>
+          <a:fillRef idx="1">
+            <a:schemeClr val="accent1"/>
+          </a:fillRef>
+          <a:effectRef idx="0">
+            <a:schemeClr val="accent1"/>
+          </a:effectRef>
+          <a:fontRef idx="minor">
+            <a:schemeClr val="lt1"/>
+          </a:fontRef>
+        </p:style>
+        <p:txBody>
+          <a:bodyPr rtlCol="0" anchor="ctr"/>
+          <a:lstStyle/>
+          <a:p>
+            <a:pPr algn="ctr"/>
+            <a:r>
+              <a:rPr lang="en-US" dirty="0">
+                <a:latin typeface="Avenir Roman" panose="02000503020000020003" pitchFamily="2" charset="0"/>
+              </a:rPr>
+              <a:t>Tungsten Execution</a:t>
+            </a:r>
+          </a:p>
+        </p:txBody>
+      </p:sp>
+      <p:cxnSp>
+        <p:nvCxnSpPr>
+          <p:cNvPr id="24" name="Straight Arrow Connector 23">
+            <a:extLst>
+              <a:ext uri="{FF2B5EF4-FFF2-40B4-BE49-F238E27FC236}">
+                <a16:creationId xmlns:a16="http://schemas.microsoft.com/office/drawing/2014/main" id="{C4454273-52EF-7E43-9130-C43064631BBE}"/>
+              </a:ext>
+            </a:extLst>
+          </p:cNvPr>
+          <p:cNvCxnSpPr>
+            <a:cxnSpLocks/>
+          </p:cNvCxnSpPr>
+          <p:nvPr/>
+        </p:nvCxnSpPr>
+        <p:spPr>
+          <a:xfrm>
+            <a:off x="11302410" y="2545495"/>
+            <a:ext cx="0" cy="932125"/>
+          </a:xfrm>
+          <a:prstGeom prst="straightConnector1">
+            <a:avLst/>
+          </a:prstGeom>
+          <a:ln w="19050">
+            <a:solidFill>
+              <a:schemeClr val="tx1">
+                <a:lumMod val="85000"/>
+                <a:lumOff val="15000"/>
+              </a:schemeClr>
+            </a:solidFill>
+            <a:tailEnd type="triangle"/>
+          </a:ln>
+        </p:spPr>
+        <p:style>
+          <a:lnRef idx="1">
+            <a:schemeClr val="accent1"/>
+          </a:lnRef>
+          <a:fillRef idx="0">
+            <a:schemeClr val="accent1"/>
+          </a:fillRef>
+          <a:effectRef idx="0">
+            <a:schemeClr val="accent1"/>
+          </a:effectRef>
+          <a:fontRef idx="minor">
+            <a:schemeClr val="tx1"/>
+          </a:fontRef>
+        </p:style>
+      </p:cxnSp>
+      <p:sp>
+        <p:nvSpPr>
+          <p:cNvPr id="11" name="TextBox 10">
+            <a:extLst>
+              <a:ext uri="{FF2B5EF4-FFF2-40B4-BE49-F238E27FC236}">
+                <a16:creationId xmlns:a16="http://schemas.microsoft.com/office/drawing/2014/main" id="{A980191E-CEB4-0D4B-9A7B-9B450BFEFD2D}"/>
+              </a:ext>
+            </a:extLst>
+          </p:cNvPr>
+          <p:cNvSpPr txBox="1"/>
+          <p:nvPr/>
+        </p:nvSpPr>
+        <p:spPr>
+          <a:xfrm>
+            <a:off x="9737657" y="200289"/>
+            <a:ext cx="2573079" cy="1169551"/>
+          </a:xfrm>
+          <a:prstGeom prst="rect">
+            <a:avLst/>
+          </a:prstGeom>
+          <a:noFill/>
+        </p:spPr>
+        <p:txBody>
+          <a:bodyPr wrap="square" rtlCol="0">
+            <a:spAutoFit/>
+          </a:bodyPr>
+          <a:lstStyle/>
+          <a:p>
+            <a:r>
+              <a:rPr lang="en-US" sz="1400" b="1" dirty="0">
+                <a:latin typeface="Courier" pitchFamily="2" charset="0"/>
+                <a:cs typeface="Courier New" panose="02070309020205020404" pitchFamily="49" charset="0"/>
+              </a:rPr>
+              <a:t>select a1, sum(b1)</a:t>
+            </a:r>
+          </a:p>
+          <a:p>
+            <a:r>
+              <a:rPr lang="en-US" sz="1400" b="1" dirty="0">
+                <a:latin typeface="Courier" pitchFamily="2" charset="0"/>
+                <a:cs typeface="Courier New" panose="02070309020205020404" pitchFamily="49" charset="0"/>
+              </a:rPr>
+              <a:t>from   A join B</a:t>
+            </a:r>
+          </a:p>
+          <a:p>
+            <a:r>
+              <a:rPr lang="en-US" sz="1400" b="1" dirty="0">
+                <a:latin typeface="Courier" pitchFamily="2" charset="0"/>
+                <a:cs typeface="Courier New" panose="02070309020205020404" pitchFamily="49" charset="0"/>
+              </a:rPr>
+              <a:t>on     </a:t>
+            </a:r>
+            <a:r>
+              <a:rPr lang="en-US" sz="1400" b="1" dirty="0" err="1">
+                <a:latin typeface="Courier" pitchFamily="2" charset="0"/>
+                <a:cs typeface="Courier New" panose="02070309020205020404" pitchFamily="49" charset="0"/>
+              </a:rPr>
+              <a:t>A.key</a:t>
+            </a:r>
+            <a:r>
+              <a:rPr lang="en-US" sz="1400" b="1" dirty="0">
+                <a:latin typeface="Courier" pitchFamily="2" charset="0"/>
+                <a:cs typeface="Courier New" panose="02070309020205020404" pitchFamily="49" charset="0"/>
+              </a:rPr>
+              <a:t> = </a:t>
+            </a:r>
+            <a:r>
+              <a:rPr lang="en-US" sz="1400" b="1" dirty="0" err="1">
+                <a:latin typeface="Courier" pitchFamily="2" charset="0"/>
+                <a:cs typeface="Courier New" panose="02070309020205020404" pitchFamily="49" charset="0"/>
+              </a:rPr>
+              <a:t>B.key</a:t>
+            </a:r>
+            <a:endParaRPr lang="en-US" sz="1400" b="1" dirty="0">
+              <a:latin typeface="Courier" pitchFamily="2" charset="0"/>
+              <a:cs typeface="Courier New" panose="02070309020205020404" pitchFamily="49" charset="0"/>
+            </a:endParaRPr>
+          </a:p>
+          <a:p>
+            <a:r>
+              <a:rPr lang="en-US" sz="1400" b="1" dirty="0">
+                <a:latin typeface="Courier" pitchFamily="2" charset="0"/>
+                <a:cs typeface="Courier New" panose="02070309020205020404" pitchFamily="49" charset="0"/>
+              </a:rPr>
+              <a:t>where  b1 &gt; 2208</a:t>
+            </a:r>
+          </a:p>
+          <a:p>
+            <a:r>
+              <a:rPr lang="en-US" sz="1400" b="1" dirty="0">
+                <a:latin typeface="Courier" pitchFamily="2" charset="0"/>
+                <a:cs typeface="Courier New" panose="02070309020205020404" pitchFamily="49" charset="0"/>
+              </a:rPr>
+              <a:t>group by a1</a:t>
+            </a:r>
+          </a:p>
+        </p:txBody>
+      </p:sp>
+      <p:grpSp>
+        <p:nvGrpSpPr>
+          <p:cNvPr id="56" name="Group 55">
+            <a:extLst>
+              <a:ext uri="{FF2B5EF4-FFF2-40B4-BE49-F238E27FC236}">
+                <a16:creationId xmlns:a16="http://schemas.microsoft.com/office/drawing/2014/main" id="{47AFE247-982A-8F44-965A-64C82DBAC2CE}"/>
+              </a:ext>
+            </a:extLst>
+          </p:cNvPr>
+          <p:cNvGrpSpPr/>
+          <p:nvPr/>
+        </p:nvGrpSpPr>
+        <p:grpSpPr>
+          <a:xfrm>
+            <a:off x="645812" y="3631016"/>
+            <a:ext cx="3313043" cy="3018724"/>
+            <a:chOff x="1523999" y="3597346"/>
+            <a:chExt cx="3313043" cy="3018724"/>
+          </a:xfrm>
+        </p:grpSpPr>
+        <p:sp>
+          <p:nvSpPr>
+            <p:cNvPr id="15" name="Rounded Rectangle 14">
+              <a:extLst>
+                <a:ext uri="{FF2B5EF4-FFF2-40B4-BE49-F238E27FC236}">
+                  <a16:creationId xmlns:a16="http://schemas.microsoft.com/office/drawing/2014/main" id="{D939B120-0991-1247-8043-5E2B232A9DD2}"/>
+                </a:ext>
+              </a:extLst>
+            </p:cNvPr>
+            <p:cNvSpPr/>
+            <p:nvPr/>
+          </p:nvSpPr>
+          <p:spPr>
+            <a:xfrm>
+              <a:off x="1523999" y="3597346"/>
+              <a:ext cx="3313043" cy="3018724"/>
+            </a:xfrm>
+            <a:prstGeom prst="roundRect">
+              <a:avLst/>
+            </a:prstGeom>
+            <a:ln>
+              <a:solidFill>
+                <a:schemeClr val="bg1"/>
+              </a:solidFill>
+            </a:ln>
+          </p:spPr>
+          <p:style>
+            <a:lnRef idx="2">
+              <a:schemeClr val="accent1">
+                <a:shade val="50000"/>
+              </a:schemeClr>
+            </a:lnRef>
+            <a:fillRef idx="1">
+              <a:schemeClr val="accent1"/>
+            </a:fillRef>
+            <a:effectRef idx="0">
+              <a:schemeClr val="accent1"/>
+            </a:effectRef>
+            <a:fontRef idx="minor">
+              <a:schemeClr val="lt1"/>
+            </a:fontRef>
+          </p:style>
+          <p:txBody>
+            <a:bodyPr rtlCol="0" anchor="ctr"/>
+            <a:lstStyle/>
+            <a:p>
+              <a:pPr algn="ctr"/>
+              <a:endParaRPr lang="en-US"/>
+            </a:p>
+          </p:txBody>
+        </p:sp>
+        <p:sp>
+          <p:nvSpPr>
+            <p:cNvPr id="33" name="Rectangle 32">
+              <a:extLst>
+                <a:ext uri="{FF2B5EF4-FFF2-40B4-BE49-F238E27FC236}">
+                  <a16:creationId xmlns:a16="http://schemas.microsoft.com/office/drawing/2014/main" id="{FF76625B-62BA-B440-B57E-FC253349DD5D}"/>
+                </a:ext>
+              </a:extLst>
+            </p:cNvPr>
+            <p:cNvSpPr/>
+            <p:nvPr/>
+          </p:nvSpPr>
+          <p:spPr>
+            <a:xfrm>
+              <a:off x="1764078" y="4282069"/>
+              <a:ext cx="1245705" cy="331305"/>
+            </a:xfrm>
+            <a:prstGeom prst="rect">
+              <a:avLst/>
+            </a:prstGeom>
+            <a:solidFill>
+              <a:srgbClr val="FF9300"/>
+            </a:solidFill>
+            <a:ln>
+              <a:solidFill>
+                <a:schemeClr val="bg1"/>
+              </a:solidFill>
+            </a:ln>
+          </p:spPr>
+          <p:style>
+            <a:lnRef idx="2">
+              <a:schemeClr val="accent1">
+                <a:shade val="50000"/>
+              </a:schemeClr>
+            </a:lnRef>
+            <a:fillRef idx="1">
+              <a:schemeClr val="accent1"/>
+            </a:fillRef>
+            <a:effectRef idx="0">
+              <a:schemeClr val="accent1"/>
+            </a:effectRef>
+            <a:fontRef idx="minor">
+              <a:schemeClr val="lt1"/>
+            </a:fontRef>
+          </p:style>
+          <p:txBody>
+            <a:bodyPr rtlCol="0" anchor="ctr"/>
+            <a:lstStyle/>
+            <a:p>
+              <a:pPr algn="ctr"/>
+              <a:r>
+                <a:rPr lang="en-US" sz="1600" dirty="0">
+                  <a:latin typeface="Avenir Roman" panose="02000503020000020003" pitchFamily="2" charset="0"/>
+                </a:rPr>
+                <a:t>Scan A</a:t>
+              </a:r>
+            </a:p>
+          </p:txBody>
+        </p:sp>
+        <p:sp>
+          <p:nvSpPr>
+            <p:cNvPr id="34" name="Rectangle 33">
+              <a:extLst>
+                <a:ext uri="{FF2B5EF4-FFF2-40B4-BE49-F238E27FC236}">
+                  <a16:creationId xmlns:a16="http://schemas.microsoft.com/office/drawing/2014/main" id="{D1493547-D067-B347-8CCE-CA718944A22B}"/>
+                </a:ext>
+              </a:extLst>
+            </p:cNvPr>
+            <p:cNvSpPr/>
+            <p:nvPr/>
+          </p:nvSpPr>
+          <p:spPr>
+            <a:xfrm>
+              <a:off x="3321209" y="3897621"/>
+              <a:ext cx="1245705" cy="331305"/>
+            </a:xfrm>
+            <a:prstGeom prst="rect">
+              <a:avLst/>
+            </a:prstGeom>
+            <a:solidFill>
+              <a:srgbClr val="FF9300"/>
+            </a:solidFill>
+            <a:ln>
+              <a:solidFill>
+                <a:schemeClr val="bg1"/>
+              </a:solidFill>
+            </a:ln>
+          </p:spPr>
+          <p:style>
+            <a:lnRef idx="2">
+              <a:schemeClr val="accent1">
+                <a:shade val="50000"/>
+              </a:schemeClr>
+            </a:lnRef>
+            <a:fillRef idx="1">
+              <a:schemeClr val="accent1"/>
+            </a:fillRef>
+            <a:effectRef idx="0">
+              <a:schemeClr val="accent1"/>
+            </a:effectRef>
+            <a:fontRef idx="minor">
+              <a:schemeClr val="lt1"/>
+            </a:fontRef>
+          </p:style>
+          <p:txBody>
+            <a:bodyPr rtlCol="0" anchor="ctr"/>
+            <a:lstStyle/>
+            <a:p>
+              <a:pPr algn="ctr"/>
+              <a:r>
+                <a:rPr lang="en-US" sz="1600" dirty="0">
+                  <a:latin typeface="Avenir Roman" panose="02000503020000020003" pitchFamily="2" charset="0"/>
+                </a:rPr>
+                <a:t>Scan B</a:t>
+              </a:r>
+            </a:p>
+          </p:txBody>
+        </p:sp>
+        <p:sp>
+          <p:nvSpPr>
+            <p:cNvPr id="35" name="Rectangle 34">
+              <a:extLst>
+                <a:ext uri="{FF2B5EF4-FFF2-40B4-BE49-F238E27FC236}">
+                  <a16:creationId xmlns:a16="http://schemas.microsoft.com/office/drawing/2014/main" id="{09C63E90-DDCC-D747-8859-DF16D9767A9C}"/>
+                </a:ext>
+              </a:extLst>
+            </p:cNvPr>
+            <p:cNvSpPr/>
+            <p:nvPr/>
+          </p:nvSpPr>
+          <p:spPr>
+            <a:xfrm>
+              <a:off x="3321209" y="4447722"/>
+              <a:ext cx="1245705" cy="331305"/>
+            </a:xfrm>
+            <a:prstGeom prst="rect">
+              <a:avLst/>
+            </a:prstGeom>
+            <a:solidFill>
+              <a:srgbClr val="FF9300"/>
+            </a:solidFill>
+            <a:ln>
+              <a:solidFill>
+                <a:schemeClr val="bg1"/>
+              </a:solidFill>
+            </a:ln>
+          </p:spPr>
+          <p:style>
+            <a:lnRef idx="2">
+              <a:schemeClr val="accent1">
+                <a:shade val="50000"/>
+              </a:schemeClr>
+            </a:lnRef>
+            <a:fillRef idx="1">
+              <a:schemeClr val="accent1"/>
+            </a:fillRef>
+            <a:effectRef idx="0">
+              <a:schemeClr val="accent1"/>
+            </a:effectRef>
+            <a:fontRef idx="minor">
+              <a:schemeClr val="lt1"/>
+            </a:fontRef>
+          </p:style>
+          <p:txBody>
+            <a:bodyPr rtlCol="0" anchor="ctr"/>
+            <a:lstStyle/>
+            <a:p>
+              <a:pPr algn="ctr"/>
+              <a:r>
+                <a:rPr lang="en-US" sz="1600" dirty="0">
+                  <a:latin typeface="Avenir Roman" panose="02000503020000020003" pitchFamily="2" charset="0"/>
+                </a:rPr>
+                <a:t>Filter</a:t>
+              </a:r>
+            </a:p>
+          </p:txBody>
+        </p:sp>
+        <p:sp>
+          <p:nvSpPr>
+            <p:cNvPr id="38" name="Rectangle 37">
+              <a:extLst>
+                <a:ext uri="{FF2B5EF4-FFF2-40B4-BE49-F238E27FC236}">
+                  <a16:creationId xmlns:a16="http://schemas.microsoft.com/office/drawing/2014/main" id="{FA480252-6ED2-944C-8E45-341C8434043C}"/>
+                </a:ext>
+              </a:extLst>
+            </p:cNvPr>
+            <p:cNvSpPr/>
+            <p:nvPr/>
+          </p:nvSpPr>
+          <p:spPr>
+            <a:xfrm>
+              <a:off x="2446567" y="5338325"/>
+              <a:ext cx="1245705" cy="331305"/>
+            </a:xfrm>
+            <a:prstGeom prst="rect">
+              <a:avLst/>
+            </a:prstGeom>
+            <a:solidFill>
+              <a:srgbClr val="FF9300"/>
+            </a:solidFill>
+            <a:ln>
+              <a:solidFill>
+                <a:schemeClr val="bg1"/>
+              </a:solidFill>
+            </a:ln>
+          </p:spPr>
+          <p:style>
+            <a:lnRef idx="2">
+              <a:schemeClr val="accent1">
+                <a:shade val="50000"/>
+              </a:schemeClr>
+            </a:lnRef>
+            <a:fillRef idx="1">
+              <a:schemeClr val="accent1"/>
+            </a:fillRef>
+            <a:effectRef idx="0">
+              <a:schemeClr val="accent1"/>
+            </a:effectRef>
+            <a:fontRef idx="minor">
+              <a:schemeClr val="lt1"/>
+            </a:fontRef>
+          </p:style>
+          <p:txBody>
+            <a:bodyPr rtlCol="0" anchor="ctr"/>
+            <a:lstStyle/>
+            <a:p>
+              <a:pPr algn="ctr"/>
+              <a:r>
+                <a:rPr lang="en-US" sz="1600" dirty="0">
+                  <a:latin typeface="Avenir Roman" panose="02000503020000020003" pitchFamily="2" charset="0"/>
+                </a:rPr>
+                <a:t>Join</a:t>
+              </a:r>
+            </a:p>
+          </p:txBody>
+        </p:sp>
+        <p:sp>
+          <p:nvSpPr>
+            <p:cNvPr id="39" name="Rectangle 38">
+              <a:extLst>
+                <a:ext uri="{FF2B5EF4-FFF2-40B4-BE49-F238E27FC236}">
+                  <a16:creationId xmlns:a16="http://schemas.microsoft.com/office/drawing/2014/main" id="{3145671C-DAFF-8E45-8D4D-F74E0D0D8837}"/>
+                </a:ext>
+              </a:extLst>
+            </p:cNvPr>
+            <p:cNvSpPr/>
+            <p:nvPr/>
+          </p:nvSpPr>
+          <p:spPr>
+            <a:xfrm>
+              <a:off x="2446566" y="6086146"/>
+              <a:ext cx="1245705" cy="331305"/>
+            </a:xfrm>
+            <a:prstGeom prst="rect">
+              <a:avLst/>
+            </a:prstGeom>
+            <a:solidFill>
+              <a:srgbClr val="FF9300"/>
+            </a:solidFill>
+            <a:ln>
+              <a:solidFill>
+                <a:schemeClr val="bg1"/>
+              </a:solidFill>
+            </a:ln>
+          </p:spPr>
+          <p:style>
+            <a:lnRef idx="2">
+              <a:schemeClr val="accent1">
+                <a:shade val="50000"/>
+              </a:schemeClr>
+            </a:lnRef>
+            <a:fillRef idx="1">
+              <a:schemeClr val="accent1"/>
+            </a:fillRef>
+            <a:effectRef idx="0">
+              <a:schemeClr val="accent1"/>
+            </a:effectRef>
+            <a:fontRef idx="minor">
+              <a:schemeClr val="lt1"/>
+            </a:fontRef>
+          </p:style>
+          <p:txBody>
+            <a:bodyPr rtlCol="0" anchor="ctr"/>
+            <a:lstStyle/>
+            <a:p>
+              <a:pPr algn="ctr"/>
+              <a:r>
+                <a:rPr lang="en-US" sz="1600" dirty="0">
+                  <a:latin typeface="Avenir Roman" panose="02000503020000020003" pitchFamily="2" charset="0"/>
+                </a:rPr>
+                <a:t>Aggregate</a:t>
+              </a:r>
+            </a:p>
+          </p:txBody>
+        </p:sp>
+        <p:cxnSp>
+          <p:nvCxnSpPr>
+            <p:cNvPr id="25" name="Straight Arrow Connector 24">
+              <a:extLst>
+                <a:ext uri="{FF2B5EF4-FFF2-40B4-BE49-F238E27FC236}">
+                  <a16:creationId xmlns:a16="http://schemas.microsoft.com/office/drawing/2014/main" id="{5D3718C7-71EB-AD44-9906-23611DDBD45B}"/>
+                </a:ext>
+              </a:extLst>
+            </p:cNvPr>
+            <p:cNvCxnSpPr>
+              <a:stCxn id="33" idx="2"/>
+              <a:endCxn id="38" idx="0"/>
+            </p:cNvCxnSpPr>
+            <p:nvPr/>
+          </p:nvCxnSpPr>
+          <p:spPr>
+            <a:xfrm>
+              <a:off x="2386931" y="4613374"/>
+              <a:ext cx="682489" cy="724951"/>
+            </a:xfrm>
+            <a:prstGeom prst="straightConnector1">
+              <a:avLst/>
+            </a:prstGeom>
+            <a:ln>
+              <a:solidFill>
+                <a:schemeClr val="bg1"/>
+              </a:solidFill>
+              <a:tailEnd type="triangle"/>
+            </a:ln>
+          </p:spPr>
+          <p:style>
+            <a:lnRef idx="1">
+              <a:schemeClr val="accent1"/>
+            </a:lnRef>
+            <a:fillRef idx="0">
+              <a:schemeClr val="accent1"/>
+            </a:fillRef>
+            <a:effectRef idx="0">
+              <a:schemeClr val="accent1"/>
+            </a:effectRef>
+            <a:fontRef idx="minor">
+              <a:schemeClr val="tx1"/>
+            </a:fontRef>
+          </p:style>
+        </p:cxnSp>
+        <p:cxnSp>
+          <p:nvCxnSpPr>
+            <p:cNvPr id="40" name="Straight Arrow Connector 39">
+              <a:extLst>
+                <a:ext uri="{FF2B5EF4-FFF2-40B4-BE49-F238E27FC236}">
+                  <a16:creationId xmlns:a16="http://schemas.microsoft.com/office/drawing/2014/main" id="{78DE066E-2E6A-664F-8177-D60F1E204DE9}"/>
+                </a:ext>
+              </a:extLst>
+            </p:cNvPr>
+            <p:cNvCxnSpPr>
+              <a:cxnSpLocks/>
+              <a:stCxn id="35" idx="2"/>
+              <a:endCxn id="38" idx="0"/>
+            </p:cNvCxnSpPr>
+            <p:nvPr/>
+          </p:nvCxnSpPr>
+          <p:spPr>
+            <a:xfrm flipH="1">
+              <a:off x="3069420" y="4779027"/>
+              <a:ext cx="874642" cy="559298"/>
+            </a:xfrm>
+            <a:prstGeom prst="straightConnector1">
+              <a:avLst/>
+            </a:prstGeom>
+            <a:ln>
+              <a:solidFill>
+                <a:schemeClr val="bg1"/>
+              </a:solidFill>
+              <a:tailEnd type="triangle"/>
+            </a:ln>
+          </p:spPr>
+          <p:style>
+            <a:lnRef idx="1">
+              <a:schemeClr val="accent1"/>
+            </a:lnRef>
+            <a:fillRef idx="0">
+              <a:schemeClr val="accent1"/>
+            </a:fillRef>
+            <a:effectRef idx="0">
+              <a:schemeClr val="accent1"/>
+            </a:effectRef>
+            <a:fontRef idx="minor">
+              <a:schemeClr val="tx1"/>
+            </a:fontRef>
+          </p:style>
+        </p:cxnSp>
+        <p:cxnSp>
+          <p:nvCxnSpPr>
+            <p:cNvPr id="43" name="Straight Arrow Connector 42">
+              <a:extLst>
+                <a:ext uri="{FF2B5EF4-FFF2-40B4-BE49-F238E27FC236}">
+                  <a16:creationId xmlns:a16="http://schemas.microsoft.com/office/drawing/2014/main" id="{8F857492-C2E7-4E48-91C3-CAFA6260F9C3}"/>
+                </a:ext>
+              </a:extLst>
+            </p:cNvPr>
+            <p:cNvCxnSpPr>
+              <a:cxnSpLocks/>
+              <a:stCxn id="34" idx="2"/>
+              <a:endCxn id="35" idx="0"/>
+            </p:cNvCxnSpPr>
+            <p:nvPr/>
+          </p:nvCxnSpPr>
+          <p:spPr>
+            <a:xfrm>
+              <a:off x="3944062" y="4228926"/>
+              <a:ext cx="0" cy="218796"/>
+            </a:xfrm>
+            <a:prstGeom prst="straightConnector1">
+              <a:avLst/>
+            </a:prstGeom>
+            <a:ln>
+              <a:solidFill>
+                <a:schemeClr val="bg1"/>
+              </a:solidFill>
+              <a:tailEnd type="triangle"/>
+            </a:ln>
+          </p:spPr>
+          <p:style>
+            <a:lnRef idx="1">
+              <a:schemeClr val="accent1"/>
+            </a:lnRef>
+            <a:fillRef idx="0">
+              <a:schemeClr val="accent1"/>
+            </a:fillRef>
+            <a:effectRef idx="0">
+              <a:schemeClr val="accent1"/>
+            </a:effectRef>
+            <a:fontRef idx="minor">
+              <a:schemeClr val="tx1"/>
+            </a:fontRef>
+          </p:style>
+        </p:cxnSp>
+        <p:cxnSp>
+          <p:nvCxnSpPr>
+            <p:cNvPr id="53" name="Straight Arrow Connector 52">
+              <a:extLst>
+                <a:ext uri="{FF2B5EF4-FFF2-40B4-BE49-F238E27FC236}">
+                  <a16:creationId xmlns:a16="http://schemas.microsoft.com/office/drawing/2014/main" id="{605AF851-C12B-CA4D-8E03-C2ED94AF3E89}"/>
+                </a:ext>
+              </a:extLst>
+            </p:cNvPr>
+            <p:cNvCxnSpPr>
+              <a:cxnSpLocks/>
+              <a:stCxn id="38" idx="2"/>
+              <a:endCxn id="39" idx="0"/>
+            </p:cNvCxnSpPr>
+            <p:nvPr/>
+          </p:nvCxnSpPr>
+          <p:spPr>
+            <a:xfrm flipH="1">
+              <a:off x="3069419" y="5669630"/>
+              <a:ext cx="1" cy="416516"/>
+            </a:xfrm>
+            <a:prstGeom prst="straightConnector1">
+              <a:avLst/>
+            </a:prstGeom>
+            <a:ln>
+              <a:solidFill>
+                <a:schemeClr val="bg1"/>
+              </a:solidFill>
+              <a:tailEnd type="triangle"/>
+            </a:ln>
+          </p:spPr>
+          <p:style>
+            <a:lnRef idx="1">
+              <a:schemeClr val="accent1"/>
+            </a:lnRef>
+            <a:fillRef idx="0">
+              <a:schemeClr val="accent1"/>
+            </a:fillRef>
+            <a:effectRef idx="0">
+              <a:schemeClr val="accent1"/>
+            </a:effectRef>
+            <a:fontRef idx="minor">
+              <a:schemeClr val="tx1"/>
+            </a:fontRef>
+          </p:style>
+        </p:cxnSp>
+      </p:grpSp>
+      <p:grpSp>
+        <p:nvGrpSpPr>
+          <p:cNvPr id="86" name="Group 85">
+            <a:extLst>
+              <a:ext uri="{FF2B5EF4-FFF2-40B4-BE49-F238E27FC236}">
+                <a16:creationId xmlns:a16="http://schemas.microsoft.com/office/drawing/2014/main" id="{F89F73E0-1918-294D-A081-5614CA0F221B}"/>
+              </a:ext>
+            </a:extLst>
+          </p:cNvPr>
+          <p:cNvGrpSpPr/>
+          <p:nvPr/>
+        </p:nvGrpSpPr>
+        <p:grpSpPr>
+          <a:xfrm>
+            <a:off x="5339784" y="2621922"/>
+            <a:ext cx="4269528" cy="4060332"/>
+            <a:chOff x="5351020" y="2670078"/>
+            <a:chExt cx="4269528" cy="4060332"/>
+          </a:xfrm>
+        </p:grpSpPr>
+        <p:sp>
+          <p:nvSpPr>
+            <p:cNvPr id="57" name="Rounded Rectangle 56">
+              <a:extLst>
+                <a:ext uri="{FF2B5EF4-FFF2-40B4-BE49-F238E27FC236}">
+                  <a16:creationId xmlns:a16="http://schemas.microsoft.com/office/drawing/2014/main" id="{B07D4571-47BB-EF4C-9DE4-23F3C779976C}"/>
+                </a:ext>
+              </a:extLst>
+            </p:cNvPr>
+            <p:cNvSpPr/>
+            <p:nvPr/>
+          </p:nvSpPr>
+          <p:spPr>
+            <a:xfrm>
+              <a:off x="5351020" y="2670078"/>
+              <a:ext cx="4269528" cy="4060332"/>
+            </a:xfrm>
+            <a:prstGeom prst="roundRect">
+              <a:avLst/>
+            </a:prstGeom>
+            <a:solidFill>
+              <a:schemeClr val="tx1">
+                <a:lumMod val="65000"/>
+                <a:lumOff val="35000"/>
+              </a:schemeClr>
+            </a:solidFill>
+            <a:ln>
+              <a:noFill/>
+            </a:ln>
+          </p:spPr>
+          <p:style>
+            <a:lnRef idx="2">
+              <a:schemeClr val="accent1">
+                <a:shade val="50000"/>
+              </a:schemeClr>
+            </a:lnRef>
+            <a:fillRef idx="1">
+              <a:schemeClr val="accent1"/>
+            </a:fillRef>
+            <a:effectRef idx="0">
+              <a:schemeClr val="accent1"/>
+            </a:effectRef>
+            <a:fontRef idx="minor">
+              <a:schemeClr val="lt1"/>
+            </a:fontRef>
+          </p:style>
+          <p:txBody>
+            <a:bodyPr rtlCol="0" anchor="ctr"/>
+            <a:lstStyle/>
+            <a:p>
+              <a:pPr algn="ctr"/>
+              <a:endParaRPr lang="en-US"/>
+            </a:p>
+          </p:txBody>
+        </p:sp>
+        <p:sp>
+          <p:nvSpPr>
+            <p:cNvPr id="58" name="Rectangle 57">
+              <a:extLst>
+                <a:ext uri="{FF2B5EF4-FFF2-40B4-BE49-F238E27FC236}">
+                  <a16:creationId xmlns:a16="http://schemas.microsoft.com/office/drawing/2014/main" id="{C3179DF9-5998-8148-97DD-A078A5072508}"/>
+                </a:ext>
+              </a:extLst>
+            </p:cNvPr>
+            <p:cNvSpPr/>
+            <p:nvPr/>
+          </p:nvSpPr>
+          <p:spPr>
+            <a:xfrm>
+              <a:off x="5626935" y="3278365"/>
+              <a:ext cx="879536" cy="331305"/>
+            </a:xfrm>
+            <a:prstGeom prst="rect">
+              <a:avLst/>
+            </a:prstGeom>
+            <a:solidFill>
+              <a:srgbClr val="00B050"/>
+            </a:solidFill>
+            <a:ln>
+              <a:solidFill>
+                <a:schemeClr val="bg1"/>
+              </a:solidFill>
+            </a:ln>
+          </p:spPr>
+          <p:style>
+            <a:lnRef idx="2">
+              <a:schemeClr val="accent1">
+                <a:shade val="50000"/>
+              </a:schemeClr>
+            </a:lnRef>
+            <a:fillRef idx="1">
+              <a:schemeClr val="accent1"/>
+            </a:fillRef>
+            <a:effectRef idx="0">
+              <a:schemeClr val="accent1"/>
+            </a:effectRef>
+            <a:fontRef idx="minor">
+              <a:schemeClr val="lt1"/>
+            </a:fontRef>
+          </p:style>
+          <p:txBody>
+            <a:bodyPr rtlCol="0" anchor="ctr"/>
+            <a:lstStyle/>
+            <a:p>
+              <a:pPr algn="ctr"/>
+              <a:r>
+                <a:rPr lang="en-US" sz="1400" dirty="0">
+                  <a:latin typeface="Avenir Roman" panose="02000503020000020003" pitchFamily="2" charset="0"/>
+                </a:rPr>
+                <a:t>Scan A</a:t>
+              </a:r>
+            </a:p>
+          </p:txBody>
+        </p:sp>
+        <p:sp>
+          <p:nvSpPr>
+            <p:cNvPr id="59" name="Rectangle 58">
+              <a:extLst>
+                <a:ext uri="{FF2B5EF4-FFF2-40B4-BE49-F238E27FC236}">
+                  <a16:creationId xmlns:a16="http://schemas.microsoft.com/office/drawing/2014/main" id="{F94A4A19-9B52-724E-B0E1-ABE207E51831}"/>
+                </a:ext>
+              </a:extLst>
+            </p:cNvPr>
+            <p:cNvSpPr/>
+            <p:nvPr/>
+          </p:nvSpPr>
+          <p:spPr>
+            <a:xfrm>
+              <a:off x="8122406" y="2829025"/>
+              <a:ext cx="879536" cy="331305"/>
+            </a:xfrm>
+            <a:prstGeom prst="rect">
+              <a:avLst/>
+            </a:prstGeom>
+            <a:solidFill>
+              <a:srgbClr val="00B050"/>
+            </a:solidFill>
+            <a:ln>
+              <a:solidFill>
+                <a:schemeClr val="bg1"/>
+              </a:solidFill>
+            </a:ln>
+          </p:spPr>
+          <p:style>
+            <a:lnRef idx="2">
+              <a:schemeClr val="accent1">
+                <a:shade val="50000"/>
+              </a:schemeClr>
+            </a:lnRef>
+            <a:fillRef idx="1">
+              <a:schemeClr val="accent1"/>
+            </a:fillRef>
+            <a:effectRef idx="0">
+              <a:schemeClr val="accent1"/>
+            </a:effectRef>
+            <a:fontRef idx="minor">
+              <a:schemeClr val="lt1"/>
+            </a:fontRef>
+          </p:style>
+          <p:txBody>
+            <a:bodyPr rtlCol="0" anchor="ctr"/>
+            <a:lstStyle/>
+            <a:p>
+              <a:pPr algn="ctr"/>
+              <a:r>
+                <a:rPr lang="en-US" sz="1400" dirty="0">
+                  <a:latin typeface="Avenir Roman" panose="02000503020000020003" pitchFamily="2" charset="0"/>
+                </a:rPr>
+                <a:t>Scan B</a:t>
+              </a:r>
+            </a:p>
+          </p:txBody>
+        </p:sp>
+        <p:sp>
+          <p:nvSpPr>
+            <p:cNvPr id="60" name="Rectangle 59">
+              <a:extLst>
+                <a:ext uri="{FF2B5EF4-FFF2-40B4-BE49-F238E27FC236}">
+                  <a16:creationId xmlns:a16="http://schemas.microsoft.com/office/drawing/2014/main" id="{AF5FA7D9-6406-A340-A513-51B2B090D578}"/>
+                </a:ext>
+              </a:extLst>
+            </p:cNvPr>
+            <p:cNvSpPr/>
+            <p:nvPr/>
+          </p:nvSpPr>
+          <p:spPr>
+            <a:xfrm>
+              <a:off x="8122406" y="3319978"/>
+              <a:ext cx="879536" cy="331305"/>
+            </a:xfrm>
+            <a:prstGeom prst="rect">
+              <a:avLst/>
+            </a:prstGeom>
+            <a:solidFill>
+              <a:srgbClr val="00B050"/>
+            </a:solidFill>
+            <a:ln>
+              <a:solidFill>
+                <a:schemeClr val="bg1"/>
+              </a:solidFill>
+            </a:ln>
+          </p:spPr>
+          <p:style>
+            <a:lnRef idx="2">
+              <a:schemeClr val="accent1">
+                <a:shade val="50000"/>
+              </a:schemeClr>
+            </a:lnRef>
+            <a:fillRef idx="1">
+              <a:schemeClr val="accent1"/>
+            </a:fillRef>
+            <a:effectRef idx="0">
+              <a:schemeClr val="accent1"/>
+            </a:effectRef>
+            <a:fontRef idx="minor">
+              <a:schemeClr val="lt1"/>
+            </a:fontRef>
+          </p:style>
+          <p:txBody>
+            <a:bodyPr rtlCol="0" anchor="ctr"/>
+            <a:lstStyle/>
+            <a:p>
+              <a:pPr algn="ctr"/>
+              <a:r>
+                <a:rPr lang="en-US" sz="1400" dirty="0">
+                  <a:latin typeface="Avenir Roman" panose="02000503020000020003" pitchFamily="2" charset="0"/>
+                </a:rPr>
+                <a:t>Filter</a:t>
+              </a:r>
+            </a:p>
+          </p:txBody>
+        </p:sp>
+        <p:sp>
+          <p:nvSpPr>
+            <p:cNvPr id="61" name="Rectangle 60">
+              <a:extLst>
+                <a:ext uri="{FF2B5EF4-FFF2-40B4-BE49-F238E27FC236}">
+                  <a16:creationId xmlns:a16="http://schemas.microsoft.com/office/drawing/2014/main" id="{EC92CE10-073D-8648-8E29-3BCD8E481E07}"/>
+                </a:ext>
+              </a:extLst>
+            </p:cNvPr>
+            <p:cNvSpPr/>
+            <p:nvPr/>
+          </p:nvSpPr>
+          <p:spPr>
+            <a:xfrm>
+              <a:off x="7670296" y="3911855"/>
+              <a:ext cx="1785564" cy="331305"/>
+            </a:xfrm>
+            <a:prstGeom prst="rect">
+              <a:avLst/>
+            </a:prstGeom>
+            <a:solidFill>
+              <a:srgbClr val="00B050"/>
+            </a:solidFill>
+            <a:ln>
+              <a:solidFill>
+                <a:schemeClr val="bg1"/>
+              </a:solidFill>
+            </a:ln>
+          </p:spPr>
+          <p:style>
+            <a:lnRef idx="2">
+              <a:schemeClr val="accent1">
+                <a:shade val="50000"/>
+              </a:schemeClr>
+            </a:lnRef>
+            <a:fillRef idx="1">
+              <a:schemeClr val="accent1"/>
+            </a:fillRef>
+            <a:effectRef idx="0">
+              <a:schemeClr val="accent1"/>
+            </a:effectRef>
+            <a:fontRef idx="minor">
+              <a:schemeClr val="lt1"/>
+            </a:fontRef>
+          </p:style>
+          <p:txBody>
+            <a:bodyPr rtlCol="0" anchor="ctr"/>
+            <a:lstStyle/>
+            <a:p>
+              <a:pPr algn="ctr"/>
+              <a:r>
+                <a:rPr lang="en-US" sz="1400" dirty="0" err="1">
+                  <a:latin typeface="Avenir Roman" panose="02000503020000020003" pitchFamily="2" charset="0"/>
+                </a:rPr>
+                <a:t>BroadcastExchange</a:t>
+              </a:r>
+              <a:endParaRPr lang="en-US" sz="1400" dirty="0">
+                <a:latin typeface="Avenir Roman" panose="02000503020000020003" pitchFamily="2" charset="0"/>
+              </a:endParaRPr>
+            </a:p>
+          </p:txBody>
+        </p:sp>
+        <p:sp>
+          <p:nvSpPr>
+            <p:cNvPr id="62" name="Rectangle 61">
+              <a:extLst>
+                <a:ext uri="{FF2B5EF4-FFF2-40B4-BE49-F238E27FC236}">
+                  <a16:creationId xmlns:a16="http://schemas.microsoft.com/office/drawing/2014/main" id="{A870403A-7440-0B40-B21D-34DBF376F75A}"/>
+                </a:ext>
+              </a:extLst>
+            </p:cNvPr>
+            <p:cNvSpPr/>
+            <p:nvPr/>
+          </p:nvSpPr>
+          <p:spPr>
+            <a:xfrm>
+              <a:off x="6326030" y="4442705"/>
+              <a:ext cx="1785564" cy="331305"/>
+            </a:xfrm>
+            <a:prstGeom prst="rect">
+              <a:avLst/>
+            </a:prstGeom>
+            <a:solidFill>
+              <a:srgbClr val="00B050"/>
+            </a:solidFill>
+            <a:ln>
+              <a:solidFill>
+                <a:schemeClr val="bg1"/>
+              </a:solidFill>
+            </a:ln>
+          </p:spPr>
+          <p:style>
+            <a:lnRef idx="2">
+              <a:schemeClr val="accent1">
+                <a:shade val="50000"/>
+              </a:schemeClr>
+            </a:lnRef>
+            <a:fillRef idx="1">
+              <a:schemeClr val="accent1"/>
+            </a:fillRef>
+            <a:effectRef idx="0">
+              <a:schemeClr val="accent1"/>
+            </a:effectRef>
+            <a:fontRef idx="minor">
+              <a:schemeClr val="lt1"/>
+            </a:fontRef>
+          </p:style>
+          <p:txBody>
+            <a:bodyPr rtlCol="0" anchor="ctr"/>
+            <a:lstStyle/>
+            <a:p>
+              <a:pPr algn="ctr"/>
+              <a:r>
+                <a:rPr lang="en-US" sz="1400" dirty="0" err="1">
+                  <a:latin typeface="Avenir Roman" panose="02000503020000020003" pitchFamily="2" charset="0"/>
+                </a:rPr>
+                <a:t>BroadcastHashJoin</a:t>
+              </a:r>
+              <a:endParaRPr lang="en-US" sz="1400" dirty="0">
+                <a:latin typeface="Avenir Roman" panose="02000503020000020003" pitchFamily="2" charset="0"/>
+              </a:endParaRPr>
+            </a:p>
+          </p:txBody>
+        </p:sp>
+        <p:sp>
+          <p:nvSpPr>
+            <p:cNvPr id="63" name="Rectangle 62">
+              <a:extLst>
+                <a:ext uri="{FF2B5EF4-FFF2-40B4-BE49-F238E27FC236}">
+                  <a16:creationId xmlns:a16="http://schemas.microsoft.com/office/drawing/2014/main" id="{AAD33165-EF75-C044-928E-F1C2A30817D5}"/>
+                </a:ext>
+              </a:extLst>
+            </p:cNvPr>
+            <p:cNvSpPr/>
+            <p:nvPr/>
+          </p:nvSpPr>
+          <p:spPr>
+            <a:xfrm>
+              <a:off x="6326030" y="5045215"/>
+              <a:ext cx="1785564" cy="331305"/>
+            </a:xfrm>
+            <a:prstGeom prst="rect">
+              <a:avLst/>
+            </a:prstGeom>
+            <a:solidFill>
+              <a:srgbClr val="00B050"/>
+            </a:solidFill>
+            <a:ln>
+              <a:solidFill>
+                <a:schemeClr val="bg1"/>
+              </a:solidFill>
+            </a:ln>
+          </p:spPr>
+          <p:style>
+            <a:lnRef idx="2">
+              <a:schemeClr val="accent1">
+                <a:shade val="50000"/>
+              </a:schemeClr>
+            </a:lnRef>
+            <a:fillRef idx="1">
+              <a:schemeClr val="accent1"/>
+            </a:fillRef>
+            <a:effectRef idx="0">
+              <a:schemeClr val="accent1"/>
+            </a:effectRef>
+            <a:fontRef idx="minor">
+              <a:schemeClr val="lt1"/>
+            </a:fontRef>
+          </p:style>
+          <p:txBody>
+            <a:bodyPr rtlCol="0" anchor="ctr"/>
+            <a:lstStyle/>
+            <a:p>
+              <a:pPr algn="ctr"/>
+              <a:r>
+                <a:rPr lang="en-US" sz="1400" dirty="0" err="1">
+                  <a:latin typeface="Avenir Roman" panose="02000503020000020003" pitchFamily="2" charset="0"/>
+                </a:rPr>
+                <a:t>HashAggregate</a:t>
+              </a:r>
+              <a:endParaRPr lang="en-US" sz="1400" dirty="0">
+                <a:latin typeface="Avenir Roman" panose="02000503020000020003" pitchFamily="2" charset="0"/>
+              </a:endParaRPr>
+            </a:p>
+          </p:txBody>
+        </p:sp>
+        <p:sp>
+          <p:nvSpPr>
+            <p:cNvPr id="64" name="Rectangle 63">
+              <a:extLst>
+                <a:ext uri="{FF2B5EF4-FFF2-40B4-BE49-F238E27FC236}">
+                  <a16:creationId xmlns:a16="http://schemas.microsoft.com/office/drawing/2014/main" id="{423D8D4B-BC6C-A34E-B5C6-564C5035BB8A}"/>
+                </a:ext>
+              </a:extLst>
+            </p:cNvPr>
+            <p:cNvSpPr/>
+            <p:nvPr/>
+          </p:nvSpPr>
+          <p:spPr>
+            <a:xfrm>
+              <a:off x="6320166" y="5615826"/>
+              <a:ext cx="1785564" cy="331305"/>
+            </a:xfrm>
+            <a:prstGeom prst="rect">
+              <a:avLst/>
+            </a:prstGeom>
+            <a:solidFill>
+              <a:srgbClr val="00B050"/>
+            </a:solidFill>
+            <a:ln>
+              <a:solidFill>
+                <a:schemeClr val="bg1"/>
+              </a:solidFill>
+            </a:ln>
+          </p:spPr>
+          <p:style>
+            <a:lnRef idx="2">
+              <a:schemeClr val="accent1">
+                <a:shade val="50000"/>
+              </a:schemeClr>
+            </a:lnRef>
+            <a:fillRef idx="1">
+              <a:schemeClr val="accent1"/>
+            </a:fillRef>
+            <a:effectRef idx="0">
+              <a:schemeClr val="accent1"/>
+            </a:effectRef>
+            <a:fontRef idx="minor">
+              <a:schemeClr val="lt1"/>
+            </a:fontRef>
+          </p:style>
+          <p:txBody>
+            <a:bodyPr rtlCol="0" anchor="ctr"/>
+            <a:lstStyle/>
+            <a:p>
+              <a:pPr algn="ctr"/>
+              <a:r>
+                <a:rPr lang="en-US" sz="1400" dirty="0" err="1">
+                  <a:latin typeface="Avenir Roman" panose="02000503020000020003" pitchFamily="2" charset="0"/>
+                </a:rPr>
+                <a:t>ShuffleExchange</a:t>
+              </a:r>
+              <a:endParaRPr lang="en-US" sz="1400" dirty="0">
+                <a:latin typeface="Avenir Roman" panose="02000503020000020003" pitchFamily="2" charset="0"/>
+              </a:endParaRPr>
+            </a:p>
+          </p:txBody>
+        </p:sp>
+        <p:sp>
+          <p:nvSpPr>
+            <p:cNvPr id="66" name="Rectangle 65">
+              <a:extLst>
+                <a:ext uri="{FF2B5EF4-FFF2-40B4-BE49-F238E27FC236}">
+                  <a16:creationId xmlns:a16="http://schemas.microsoft.com/office/drawing/2014/main" id="{21CD52F3-A151-7F4D-9A02-E5D4298131B3}"/>
+                </a:ext>
+              </a:extLst>
+            </p:cNvPr>
+            <p:cNvSpPr/>
+            <p:nvPr/>
+          </p:nvSpPr>
+          <p:spPr>
+            <a:xfrm>
+              <a:off x="6315696" y="6219752"/>
+              <a:ext cx="1785564" cy="331305"/>
+            </a:xfrm>
+            <a:prstGeom prst="rect">
+              <a:avLst/>
+            </a:prstGeom>
+            <a:solidFill>
+              <a:srgbClr val="00B050"/>
+            </a:solidFill>
+            <a:ln>
+              <a:solidFill>
+                <a:schemeClr val="bg1"/>
+              </a:solidFill>
+            </a:ln>
+          </p:spPr>
+          <p:style>
+            <a:lnRef idx="2">
+              <a:schemeClr val="accent1">
+                <a:shade val="50000"/>
+              </a:schemeClr>
+            </a:lnRef>
+            <a:fillRef idx="1">
+              <a:schemeClr val="accent1"/>
+            </a:fillRef>
+            <a:effectRef idx="0">
+              <a:schemeClr val="accent1"/>
+            </a:effectRef>
+            <a:fontRef idx="minor">
+              <a:schemeClr val="lt1"/>
+            </a:fontRef>
+          </p:style>
+          <p:txBody>
+            <a:bodyPr rtlCol="0" anchor="ctr"/>
+            <a:lstStyle/>
+            <a:p>
+              <a:pPr algn="ctr"/>
+              <a:r>
+                <a:rPr lang="en-US" sz="1400" dirty="0" err="1">
+                  <a:latin typeface="Avenir Roman" panose="02000503020000020003" pitchFamily="2" charset="0"/>
+                </a:rPr>
+                <a:t>HashAggregate</a:t>
+              </a:r>
+              <a:endParaRPr lang="en-US" sz="1400" dirty="0">
+                <a:latin typeface="Avenir Roman" panose="02000503020000020003" pitchFamily="2" charset="0"/>
+              </a:endParaRPr>
+            </a:p>
+          </p:txBody>
+        </p:sp>
+        <p:cxnSp>
+          <p:nvCxnSpPr>
+            <p:cNvPr id="68" name="Elbow Connector 67">
+              <a:extLst>
+                <a:ext uri="{FF2B5EF4-FFF2-40B4-BE49-F238E27FC236}">
+                  <a16:creationId xmlns:a16="http://schemas.microsoft.com/office/drawing/2014/main" id="{F6179EC1-107E-D746-8029-0141369EEB72}"/>
+                </a:ext>
+              </a:extLst>
+            </p:cNvPr>
+            <p:cNvCxnSpPr>
+              <a:cxnSpLocks/>
+              <a:stCxn id="58" idx="2"/>
+              <a:endCxn id="62" idx="0"/>
+            </p:cNvCxnSpPr>
+            <p:nvPr/>
+          </p:nvCxnSpPr>
+          <p:spPr>
+            <a:xfrm rot="16200000" flipH="1">
+              <a:off x="6226240" y="3450132"/>
+              <a:ext cx="833035" cy="1152109"/>
+            </a:xfrm>
+            <a:prstGeom prst="bentConnector3">
+              <a:avLst>
+                <a:gd name="adj1" fmla="val 50000"/>
+              </a:avLst>
+            </a:prstGeom>
+            <a:ln>
+              <a:solidFill>
+                <a:schemeClr val="bg1"/>
+              </a:solidFill>
+              <a:tailEnd type="triangle"/>
+            </a:ln>
+          </p:spPr>
+          <p:style>
+            <a:lnRef idx="1">
+              <a:schemeClr val="accent1"/>
+            </a:lnRef>
+            <a:fillRef idx="0">
+              <a:schemeClr val="accent1"/>
+            </a:fillRef>
+            <a:effectRef idx="0">
+              <a:schemeClr val="accent1"/>
+            </a:effectRef>
+            <a:fontRef idx="minor">
+              <a:schemeClr val="tx1"/>
+            </a:fontRef>
+          </p:style>
+        </p:cxnSp>
+        <p:cxnSp>
+          <p:nvCxnSpPr>
+            <p:cNvPr id="70" name="Elbow Connector 69">
+              <a:extLst>
+                <a:ext uri="{FF2B5EF4-FFF2-40B4-BE49-F238E27FC236}">
+                  <a16:creationId xmlns:a16="http://schemas.microsoft.com/office/drawing/2014/main" id="{672ADB2F-8549-7F4E-9D1D-43F29C8E62CF}"/>
+                </a:ext>
+              </a:extLst>
+            </p:cNvPr>
+            <p:cNvCxnSpPr>
+              <a:cxnSpLocks/>
+              <a:stCxn id="61" idx="2"/>
+              <a:endCxn id="62" idx="3"/>
+            </p:cNvCxnSpPr>
+            <p:nvPr/>
+          </p:nvCxnSpPr>
+          <p:spPr>
+            <a:xfrm rot="5400000">
+              <a:off x="8154737" y="4200017"/>
+              <a:ext cx="365198" cy="451484"/>
+            </a:xfrm>
+            <a:prstGeom prst="bentConnector2">
+              <a:avLst/>
+            </a:prstGeom>
+            <a:ln>
+              <a:solidFill>
+                <a:schemeClr val="bg1"/>
+              </a:solidFill>
+              <a:tailEnd type="triangle"/>
+            </a:ln>
+          </p:spPr>
+          <p:style>
+            <a:lnRef idx="1">
+              <a:schemeClr val="accent1"/>
+            </a:lnRef>
+            <a:fillRef idx="0">
+              <a:schemeClr val="accent1"/>
+            </a:fillRef>
+            <a:effectRef idx="0">
+              <a:schemeClr val="accent1"/>
+            </a:effectRef>
+            <a:fontRef idx="minor">
+              <a:schemeClr val="tx1"/>
+            </a:fontRef>
+          </p:style>
+        </p:cxnSp>
+        <p:cxnSp>
+          <p:nvCxnSpPr>
+            <p:cNvPr id="74" name="Straight Arrow Connector 73">
+              <a:extLst>
+                <a:ext uri="{FF2B5EF4-FFF2-40B4-BE49-F238E27FC236}">
+                  <a16:creationId xmlns:a16="http://schemas.microsoft.com/office/drawing/2014/main" id="{032BD3FC-F66B-0C4E-A844-46CD7A0C2F58}"/>
+                </a:ext>
+              </a:extLst>
+            </p:cNvPr>
+            <p:cNvCxnSpPr>
+              <a:endCxn id="61" idx="0"/>
+            </p:cNvCxnSpPr>
+            <p:nvPr/>
+          </p:nvCxnSpPr>
+          <p:spPr>
+            <a:xfrm>
+              <a:off x="8562174" y="3651283"/>
+              <a:ext cx="904" cy="260572"/>
+            </a:xfrm>
+            <a:prstGeom prst="straightConnector1">
+              <a:avLst/>
+            </a:prstGeom>
+            <a:ln>
+              <a:solidFill>
+                <a:schemeClr val="bg1"/>
+              </a:solidFill>
+              <a:tailEnd type="triangle"/>
+            </a:ln>
+          </p:spPr>
+          <p:style>
+            <a:lnRef idx="1">
+              <a:schemeClr val="accent1"/>
+            </a:lnRef>
+            <a:fillRef idx="0">
+              <a:schemeClr val="accent1"/>
+            </a:fillRef>
+            <a:effectRef idx="0">
+              <a:schemeClr val="accent1"/>
+            </a:effectRef>
+            <a:fontRef idx="minor">
+              <a:schemeClr val="tx1"/>
+            </a:fontRef>
+          </p:style>
+        </p:cxnSp>
+        <p:cxnSp>
+          <p:nvCxnSpPr>
+            <p:cNvPr id="75" name="Straight Arrow Connector 74">
+              <a:extLst>
+                <a:ext uri="{FF2B5EF4-FFF2-40B4-BE49-F238E27FC236}">
+                  <a16:creationId xmlns:a16="http://schemas.microsoft.com/office/drawing/2014/main" id="{351B7E24-BE1A-0D4E-8CBE-A734F5FCFFBE}"/>
+                </a:ext>
+              </a:extLst>
+            </p:cNvPr>
+            <p:cNvCxnSpPr>
+              <a:cxnSpLocks/>
+              <a:stCxn id="62" idx="2"/>
+              <a:endCxn id="63" idx="0"/>
+            </p:cNvCxnSpPr>
+            <p:nvPr/>
+          </p:nvCxnSpPr>
+          <p:spPr>
+            <a:xfrm>
+              <a:off x="7218812" y="4774010"/>
+              <a:ext cx="0" cy="271205"/>
+            </a:xfrm>
+            <a:prstGeom prst="straightConnector1">
+              <a:avLst/>
+            </a:prstGeom>
+            <a:ln>
+              <a:solidFill>
+                <a:schemeClr val="bg1"/>
+              </a:solidFill>
+              <a:tailEnd type="triangle"/>
+            </a:ln>
+          </p:spPr>
+          <p:style>
+            <a:lnRef idx="1">
+              <a:schemeClr val="accent1"/>
+            </a:lnRef>
+            <a:fillRef idx="0">
+              <a:schemeClr val="accent1"/>
+            </a:fillRef>
+            <a:effectRef idx="0">
+              <a:schemeClr val="accent1"/>
+            </a:effectRef>
+            <a:fontRef idx="minor">
+              <a:schemeClr val="tx1"/>
+            </a:fontRef>
+          </p:style>
+        </p:cxnSp>
+        <p:cxnSp>
+          <p:nvCxnSpPr>
+            <p:cNvPr id="76" name="Straight Arrow Connector 75">
+              <a:extLst>
+                <a:ext uri="{FF2B5EF4-FFF2-40B4-BE49-F238E27FC236}">
+                  <a16:creationId xmlns:a16="http://schemas.microsoft.com/office/drawing/2014/main" id="{2E6DC1E1-1260-2D43-8CFB-459BF2EDD7D0}"/>
+                </a:ext>
+              </a:extLst>
+            </p:cNvPr>
+            <p:cNvCxnSpPr>
+              <a:cxnSpLocks/>
+              <a:stCxn id="59" idx="2"/>
+              <a:endCxn id="60" idx="0"/>
+            </p:cNvCxnSpPr>
+            <p:nvPr/>
+          </p:nvCxnSpPr>
+          <p:spPr>
+            <a:xfrm>
+              <a:off x="8562174" y="3160330"/>
+              <a:ext cx="0" cy="159648"/>
+            </a:xfrm>
+            <a:prstGeom prst="straightConnector1">
+              <a:avLst/>
+            </a:prstGeom>
+            <a:ln>
+              <a:solidFill>
+                <a:schemeClr val="bg1"/>
+              </a:solidFill>
+              <a:tailEnd type="triangle"/>
+            </a:ln>
+          </p:spPr>
+          <p:style>
+            <a:lnRef idx="1">
+              <a:schemeClr val="accent1"/>
+            </a:lnRef>
+            <a:fillRef idx="0">
+              <a:schemeClr val="accent1"/>
+            </a:fillRef>
+            <a:effectRef idx="0">
+              <a:schemeClr val="accent1"/>
+            </a:effectRef>
+            <a:fontRef idx="minor">
+              <a:schemeClr val="tx1"/>
+            </a:fontRef>
+          </p:style>
+        </p:cxnSp>
+        <p:cxnSp>
+          <p:nvCxnSpPr>
+            <p:cNvPr id="79" name="Straight Arrow Connector 78">
+              <a:extLst>
+                <a:ext uri="{FF2B5EF4-FFF2-40B4-BE49-F238E27FC236}">
+                  <a16:creationId xmlns:a16="http://schemas.microsoft.com/office/drawing/2014/main" id="{DC8E2BF7-5A6C-A14F-92E0-30836E849E35}"/>
+                </a:ext>
+              </a:extLst>
+            </p:cNvPr>
+            <p:cNvCxnSpPr>
+              <a:cxnSpLocks/>
+              <a:stCxn id="63" idx="2"/>
+              <a:endCxn id="64" idx="0"/>
+            </p:cNvCxnSpPr>
+            <p:nvPr/>
+          </p:nvCxnSpPr>
+          <p:spPr>
+            <a:xfrm flipH="1">
+              <a:off x="7212948" y="5376520"/>
+              <a:ext cx="5864" cy="239306"/>
+            </a:xfrm>
+            <a:prstGeom prst="straightConnector1">
+              <a:avLst/>
+            </a:prstGeom>
+            <a:ln>
+              <a:solidFill>
+                <a:schemeClr val="bg1"/>
+              </a:solidFill>
+              <a:tailEnd type="triangle"/>
+            </a:ln>
+          </p:spPr>
+          <p:style>
+            <a:lnRef idx="1">
+              <a:schemeClr val="accent1"/>
+            </a:lnRef>
+            <a:fillRef idx="0">
+              <a:schemeClr val="accent1"/>
+            </a:fillRef>
+            <a:effectRef idx="0">
+              <a:schemeClr val="accent1"/>
+            </a:effectRef>
+            <a:fontRef idx="minor">
+              <a:schemeClr val="tx1"/>
+            </a:fontRef>
+          </p:style>
+        </p:cxnSp>
+        <p:cxnSp>
+          <p:nvCxnSpPr>
+            <p:cNvPr id="84" name="Straight Arrow Connector 83">
+              <a:extLst>
+                <a:ext uri="{FF2B5EF4-FFF2-40B4-BE49-F238E27FC236}">
+                  <a16:creationId xmlns:a16="http://schemas.microsoft.com/office/drawing/2014/main" id="{44E8E9E6-205B-9A48-AF44-DA0B223A3A18}"/>
+                </a:ext>
+              </a:extLst>
+            </p:cNvPr>
+            <p:cNvCxnSpPr>
+              <a:cxnSpLocks/>
+              <a:endCxn id="66" idx="0"/>
+            </p:cNvCxnSpPr>
+            <p:nvPr/>
+          </p:nvCxnSpPr>
+          <p:spPr>
+            <a:xfrm>
+              <a:off x="7208478" y="5959714"/>
+              <a:ext cx="0" cy="260038"/>
+            </a:xfrm>
+            <a:prstGeom prst="straightConnector1">
+              <a:avLst/>
+            </a:prstGeom>
+            <a:ln>
+              <a:solidFill>
+                <a:schemeClr val="bg1"/>
+              </a:solidFill>
+              <a:tailEnd type="triangle"/>
+            </a:ln>
+          </p:spPr>
+          <p:style>
+            <a:lnRef idx="1">
+              <a:schemeClr val="accent1"/>
+            </a:lnRef>
+            <a:fillRef idx="0">
+              <a:schemeClr val="accent1"/>
+            </a:fillRef>
+            <a:effectRef idx="0">
+              <a:schemeClr val="accent1"/>
+            </a:effectRef>
+            <a:fontRef idx="minor">
+              <a:schemeClr val="tx1"/>
+            </a:fontRef>
+          </p:style>
+        </p:cxnSp>
+      </p:grpSp>
     </p:spTree>
     <p:extLst>
       <p:ext uri="{BB962C8B-B14F-4D97-AF65-F5344CB8AC3E}">
         <p14:creationId xmlns:p14="http://schemas.microsoft.com/office/powerpoint/2010/main" val="588617414"/>
+      </p:ext>
+    </p:extLst>
+  </p:cSld>
+  <p:clrMapOvr>
+    <a:masterClrMapping/>
+  </p:clrMapOvr>
+</p:sld>
+</file>
+
+<file path=ppt/slides/slide9.xml><?xml version="1.0" encoding="utf-8"?>
+<p:sld xmlns:a="http://schemas.openxmlformats.org/drawingml/2006/main" xmlns:r="http://schemas.openxmlformats.org/officeDocument/2006/relationships" xmlns:p="http://schemas.openxmlformats.org/presentationml/2006/main">
+  <p:cSld>
+    <p:bg>
+      <p:bgPr>
+        <a:solidFill>
+          <a:schemeClr val="tx1"/>
+        </a:solidFill>
+        <a:effectLst/>
+      </p:bgPr>
+    </p:bg>
+    <p:spTree>
+      <p:nvGrpSpPr>
+        <p:cNvPr id="1" name=""/>
+        <p:cNvGrpSpPr/>
+        <p:nvPr/>
+      </p:nvGrpSpPr>
+      <p:grpSpPr>
+        <a:xfrm>
+          <a:off x="0" y="0"/>
+          <a:ext cx="0" cy="0"/>
+          <a:chOff x="0" y="0"/>
+          <a:chExt cx="0" cy="0"/>
+        </a:xfrm>
+      </p:grpSpPr>
+      <p:pic>
+        <p:nvPicPr>
+          <p:cNvPr id="6" name="Picture 5">
+            <a:extLst>
+              <a:ext uri="{FF2B5EF4-FFF2-40B4-BE49-F238E27FC236}">
+                <a16:creationId xmlns:a16="http://schemas.microsoft.com/office/drawing/2014/main" id="{9D36963C-9FDF-974D-ACE2-B7436BC6BF10}"/>
+              </a:ext>
+            </a:extLst>
+          </p:cNvPr>
+          <p:cNvPicPr>
+            <a:picLocks noChangeAspect="1"/>
+          </p:cNvPicPr>
+          <p:nvPr/>
+        </p:nvPicPr>
+        <p:blipFill>
+          <a:blip r:embed="rId2"/>
+          <a:stretch>
+            <a:fillRect/>
+          </a:stretch>
+        </p:blipFill>
+        <p:spPr>
+          <a:xfrm>
+            <a:off x="2787865" y="278296"/>
+            <a:ext cx="6183206" cy="6308035"/>
+          </a:xfrm>
+          <a:prstGeom prst="rect">
+            <a:avLst/>
+          </a:prstGeom>
+        </p:spPr>
+      </p:pic>
+      <p:sp>
+        <p:nvSpPr>
+          <p:cNvPr id="7" name="Rectangle 6">
+            <a:extLst>
+              <a:ext uri="{FF2B5EF4-FFF2-40B4-BE49-F238E27FC236}">
+                <a16:creationId xmlns:a16="http://schemas.microsoft.com/office/drawing/2014/main" id="{36C949FF-2854-894F-B894-2C005525AB7B}"/>
+              </a:ext>
+            </a:extLst>
+          </p:cNvPr>
+          <p:cNvSpPr/>
+          <p:nvPr/>
+        </p:nvSpPr>
+        <p:spPr>
+          <a:xfrm>
+            <a:off x="2173357" y="424070"/>
+            <a:ext cx="3339547" cy="1086678"/>
+          </a:xfrm>
+          <a:prstGeom prst="rect">
+            <a:avLst/>
+          </a:prstGeom>
+          <a:solidFill>
+            <a:schemeClr val="tx1"/>
+          </a:solidFill>
+          <a:ln>
+            <a:noFill/>
+          </a:ln>
+        </p:spPr>
+        <p:style>
+          <a:lnRef idx="2">
+            <a:schemeClr val="accent1">
+              <a:shade val="50000"/>
+            </a:schemeClr>
+          </a:lnRef>
+          <a:fillRef idx="1">
+            <a:schemeClr val="accent1"/>
+          </a:fillRef>
+          <a:effectRef idx="0">
+            <a:schemeClr val="accent1"/>
+          </a:effectRef>
+          <a:fontRef idx="minor">
+            <a:schemeClr val="lt1"/>
+          </a:fontRef>
+        </p:style>
+        <p:txBody>
+          <a:bodyPr rtlCol="0" anchor="ctr"/>
+          <a:lstStyle/>
+          <a:p>
+            <a:pPr algn="ctr"/>
+            <a:endParaRPr lang="en-US"/>
+          </a:p>
+        </p:txBody>
+      </p:sp>
+    </p:spTree>
+    <p:extLst>
+      <p:ext uri="{BB962C8B-B14F-4D97-AF65-F5344CB8AC3E}">
+        <p14:creationId xmlns:p14="http://schemas.microsoft.com/office/powerpoint/2010/main" val="3065771813"/>
       </p:ext>
     </p:extLst>
   </p:cSld>

--- a/Partitioning & SparkContext.pptx
+++ b/Partitioning & SparkContext.pptx
@@ -8,12 +8,13 @@
     <p:sldId id="256" r:id="rId2"/>
     <p:sldId id="257" r:id="rId3"/>
     <p:sldId id="258" r:id="rId4"/>
-    <p:sldId id="260" r:id="rId5"/>
-    <p:sldId id="261" r:id="rId6"/>
-    <p:sldId id="262" r:id="rId7"/>
-    <p:sldId id="265" r:id="rId8"/>
-    <p:sldId id="259" r:id="rId9"/>
-    <p:sldId id="264" r:id="rId10"/>
+    <p:sldId id="266" r:id="rId5"/>
+    <p:sldId id="260" r:id="rId6"/>
+    <p:sldId id="261" r:id="rId7"/>
+    <p:sldId id="262" r:id="rId8"/>
+    <p:sldId id="265" r:id="rId9"/>
+    <p:sldId id="259" r:id="rId10"/>
+    <p:sldId id="264" r:id="rId11"/>
   </p:sldIdLst>
   <p:sldSz cx="12192000" cy="6858000"/>
   <p:notesSz cx="6858000" cy="9144000"/>
@@ -4864,6 +4865,126 @@
 </p:sld>
 </file>
 
+<file path=ppt/slides/slide10.xml><?xml version="1.0" encoding="utf-8"?>
+<p:sld xmlns:a="http://schemas.openxmlformats.org/drawingml/2006/main" xmlns:r="http://schemas.openxmlformats.org/officeDocument/2006/relationships" xmlns:p="http://schemas.openxmlformats.org/presentationml/2006/main">
+  <p:cSld>
+    <p:bg>
+      <p:bgPr>
+        <a:solidFill>
+          <a:schemeClr val="tx1"/>
+        </a:solidFill>
+        <a:effectLst/>
+      </p:bgPr>
+    </p:bg>
+    <p:spTree>
+      <p:nvGrpSpPr>
+        <p:cNvPr id="1" name=""/>
+        <p:cNvGrpSpPr/>
+        <p:nvPr/>
+      </p:nvGrpSpPr>
+      <p:grpSpPr>
+        <a:xfrm>
+          <a:off x="0" y="0"/>
+          <a:ext cx="0" cy="0"/>
+          <a:chOff x="0" y="0"/>
+          <a:chExt cx="0" cy="0"/>
+        </a:xfrm>
+      </p:grpSpPr>
+      <p:pic>
+        <p:nvPicPr>
+          <p:cNvPr id="6" name="Picture 5">
+            <a:extLst>
+              <a:ext uri="{FF2B5EF4-FFF2-40B4-BE49-F238E27FC236}">
+                <a16:creationId xmlns:a16="http://schemas.microsoft.com/office/drawing/2014/main" id="{9D36963C-9FDF-974D-ACE2-B7436BC6BF10}"/>
+              </a:ext>
+            </a:extLst>
+          </p:cNvPr>
+          <p:cNvPicPr>
+            <a:picLocks noChangeAspect="1"/>
+          </p:cNvPicPr>
+          <p:nvPr/>
+        </p:nvPicPr>
+        <p:blipFill>
+          <a:blip r:embed="rId2"/>
+          <a:stretch>
+            <a:fillRect/>
+          </a:stretch>
+        </p:blipFill>
+        <p:spPr>
+          <a:xfrm>
+            <a:off x="2787865" y="278296"/>
+            <a:ext cx="6183206" cy="6308035"/>
+          </a:xfrm>
+          <a:prstGeom prst="rect">
+            <a:avLst/>
+          </a:prstGeom>
+        </p:spPr>
+      </p:pic>
+      <p:sp>
+        <p:nvSpPr>
+          <p:cNvPr id="7" name="Rectangle 6">
+            <a:extLst>
+              <a:ext uri="{FF2B5EF4-FFF2-40B4-BE49-F238E27FC236}">
+                <a16:creationId xmlns:a16="http://schemas.microsoft.com/office/drawing/2014/main" id="{36C949FF-2854-894F-B894-2C005525AB7B}"/>
+              </a:ext>
+            </a:extLst>
+          </p:cNvPr>
+          <p:cNvSpPr/>
+          <p:nvPr/>
+        </p:nvSpPr>
+        <p:spPr>
+          <a:xfrm>
+            <a:off x="2173357" y="424070"/>
+            <a:ext cx="3339547" cy="1086678"/>
+          </a:xfrm>
+          <a:prstGeom prst="rect">
+            <a:avLst/>
+          </a:prstGeom>
+          <a:solidFill>
+            <a:schemeClr val="tx1"/>
+          </a:solidFill>
+          <a:ln>
+            <a:noFill/>
+          </a:ln>
+        </p:spPr>
+        <p:style>
+          <a:lnRef idx="2">
+            <a:schemeClr val="accent1">
+              <a:shade val="50000"/>
+            </a:schemeClr>
+          </a:lnRef>
+          <a:fillRef idx="1">
+            <a:schemeClr val="accent1"/>
+          </a:fillRef>
+          <a:effectRef idx="0">
+            <a:schemeClr val="accent1"/>
+          </a:effectRef>
+          <a:fontRef idx="minor">
+            <a:schemeClr val="lt1"/>
+          </a:fontRef>
+        </p:style>
+        <p:txBody>
+          <a:bodyPr rtlCol="0" anchor="ctr"/>
+          <a:lstStyle/>
+          <a:p>
+            <a:pPr algn="ctr"/>
+            <a:endParaRPr lang="en-US"/>
+          </a:p>
+        </p:txBody>
+      </p:sp>
+    </p:spTree>
+    <p:extLst>
+      <p:ext uri="{BB962C8B-B14F-4D97-AF65-F5344CB8AC3E}">
+        <p14:creationId xmlns:p14="http://schemas.microsoft.com/office/powerpoint/2010/main" val="3065771813"/>
+      </p:ext>
+    </p:extLst>
+  </p:cSld>
+  <p:clrMapOvr>
+    <a:masterClrMapping/>
+  </p:clrMapOvr>
+</p:sld>
+</file>
+
 <file path=ppt/slides/slide2.xml><?xml version="1.0" encoding="utf-8"?>
 <p:sld xmlns:a="http://schemas.openxmlformats.org/drawingml/2006/main" xmlns:r="http://schemas.openxmlformats.org/officeDocument/2006/relationships" xmlns:p="http://schemas.openxmlformats.org/presentationml/2006/main">
   <p:cSld>
@@ -7896,7 +8017,7 @@
           <p:cNvPr id="2" name="Title 1">
             <a:extLst>
               <a:ext uri="{FF2B5EF4-FFF2-40B4-BE49-F238E27FC236}">
-                <a16:creationId xmlns:a16="http://schemas.microsoft.com/office/drawing/2014/main" id="{EEA5F434-80A5-A041-8B0E-1DEBC1CB8B62}"/>
+                <a16:creationId xmlns:a16="http://schemas.microsoft.com/office/drawing/2014/main" id="{A0CF755D-E647-A64A-AEF3-4CD4EE823026}"/>
               </a:ext>
             </a:extLst>
           </p:cNvPr>
@@ -7909,7 +8030,7 @@
         </p:nvSpPr>
         <p:spPr>
           <a:xfrm>
-            <a:off x="238538" y="225287"/>
+            <a:off x="210880" y="195004"/>
             <a:ext cx="10515600" cy="1325563"/>
           </a:xfrm>
         </p:spPr>
@@ -7923,123 +8044,15 @@
               <a:rPr lang="en-US" dirty="0">
                 <a:latin typeface="Avenir Roman" panose="02000503020000020003" pitchFamily="2" charset="0"/>
               </a:rPr>
-              <a:t>Joins – </a:t>
-            </a:r>
-            <a:br>
-              <a:rPr lang="en-US" dirty="0">
-                <a:latin typeface="Avenir Roman" panose="02000503020000020003" pitchFamily="2" charset="0"/>
-              </a:rPr>
-            </a:br>
-            <a:r>
-              <a:rPr lang="en-US" dirty="0">
-                <a:latin typeface="Avenir Roman" panose="02000503020000020003" pitchFamily="2" charset="0"/>
-              </a:rPr>
-              <a:t>Sort Merge Join</a:t>
-            </a:r>
-          </a:p>
-        </p:txBody>
-      </p:sp>
-      <p:pic>
-        <p:nvPicPr>
-          <p:cNvPr id="5" name="Content Placeholder 4">
-            <a:extLst>
-              <a:ext uri="{FF2B5EF4-FFF2-40B4-BE49-F238E27FC236}">
-                <a16:creationId xmlns:a16="http://schemas.microsoft.com/office/drawing/2014/main" id="{F3AE8397-04C3-4046-A284-C31716A954C1}"/>
-              </a:ext>
-            </a:extLst>
-          </p:cNvPr>
-          <p:cNvPicPr>
-            <a:picLocks noGrp="1" noChangeAspect="1"/>
-          </p:cNvPicPr>
-          <p:nvPr>
-            <p:ph idx="1"/>
-          </p:nvPr>
-        </p:nvPicPr>
-        <p:blipFill>
-          <a:blip r:embed="rId2"/>
-          <a:stretch>
-            <a:fillRect/>
-          </a:stretch>
-        </p:blipFill>
-        <p:spPr>
-          <a:xfrm>
-            <a:off x="4539551" y="225286"/>
-            <a:ext cx="7599438" cy="6162729"/>
-          </a:xfrm>
-        </p:spPr>
-      </p:pic>
-      <p:sp>
-        <p:nvSpPr>
-          <p:cNvPr id="6" name="TextBox 5">
-            <a:extLst>
-              <a:ext uri="{FF2B5EF4-FFF2-40B4-BE49-F238E27FC236}">
-                <a16:creationId xmlns:a16="http://schemas.microsoft.com/office/drawing/2014/main" id="{4C532D07-4E5C-3843-84E2-E73642F0763E}"/>
-              </a:ext>
-            </a:extLst>
-          </p:cNvPr>
-          <p:cNvSpPr txBox="1"/>
-          <p:nvPr/>
-        </p:nvSpPr>
-        <p:spPr>
-          <a:xfrm>
-            <a:off x="238538" y="1908314"/>
-            <a:ext cx="4399723" cy="800219"/>
-          </a:xfrm>
-          <a:prstGeom prst="rect">
-            <a:avLst/>
-          </a:prstGeom>
-          <a:noFill/>
-        </p:spPr>
-        <p:txBody>
-          <a:bodyPr wrap="square" rtlCol="0">
-            <a:spAutoFit/>
-          </a:bodyPr>
-          <a:lstStyle/>
-          <a:p>
-            <a:pPr marL="285750" indent="-285750">
-              <a:spcAft>
-                <a:spcPts val="1200"/>
-              </a:spcAft>
-              <a:buFont typeface="Arial" panose="020B0604020202020204" pitchFamily="34" charset="0"/>
-              <a:buChar char="•"/>
-            </a:pPr>
-            <a:r>
-              <a:rPr lang="en-IN" dirty="0">
-                <a:latin typeface="Avenir Roman" panose="02000503020000020003" pitchFamily="2" charset="0"/>
-              </a:rPr>
-              <a:t>Principle: Sort data before joining.</a:t>
-            </a:r>
-          </a:p>
-          <a:p>
-            <a:pPr marL="285750" indent="-285750">
-              <a:spcAft>
-                <a:spcPts val="1200"/>
-              </a:spcAft>
-              <a:buFont typeface="Arial" panose="020B0604020202020204" pitchFamily="34" charset="0"/>
-              <a:buChar char="•"/>
-            </a:pPr>
-            <a:r>
-              <a:rPr lang="en-IN" dirty="0" err="1">
-                <a:latin typeface="Avenir Roman" panose="02000503020000020003" pitchFamily="2" charset="0"/>
-              </a:rPr>
-              <a:t>spark.sql.join.preferSortMergeJoin</a:t>
-            </a:r>
-            <a:r>
-              <a:rPr lang="en-IN" dirty="0">
-                <a:latin typeface="Avenir Roman" panose="02000503020000020003" pitchFamily="2" charset="0"/>
-              </a:rPr>
-              <a:t> </a:t>
-            </a:r>
-            <a:endParaRPr lang="en-US" dirty="0">
-              <a:latin typeface="Avenir Roman" panose="02000503020000020003" pitchFamily="2" charset="0"/>
-            </a:endParaRPr>
+              <a:t>Shuffling</a:t>
+            </a:r>
           </a:p>
         </p:txBody>
       </p:sp>
     </p:spTree>
     <p:extLst>
       <p:ext uri="{BB962C8B-B14F-4D97-AF65-F5344CB8AC3E}">
-        <p14:creationId xmlns:p14="http://schemas.microsoft.com/office/powerpoint/2010/main" val="1931001350"/>
+        <p14:creationId xmlns:p14="http://schemas.microsoft.com/office/powerpoint/2010/main" val="3108860935"/>
       </p:ext>
     </p:extLst>
   </p:cSld>
@@ -8068,60 +8081,6 @@
       </p:grpSpPr>
       <p:sp>
         <p:nvSpPr>
-          <p:cNvPr id="25" name="Rounded Rectangle 24">
-            <a:extLst>
-              <a:ext uri="{FF2B5EF4-FFF2-40B4-BE49-F238E27FC236}">
-                <a16:creationId xmlns:a16="http://schemas.microsoft.com/office/drawing/2014/main" id="{A2F22960-FCE2-CA44-ABAA-4BFEDE673535}"/>
-              </a:ext>
-            </a:extLst>
-          </p:cNvPr>
-          <p:cNvSpPr/>
-          <p:nvPr/>
-        </p:nvSpPr>
-        <p:spPr>
-          <a:xfrm>
-            <a:off x="3962400" y="1656522"/>
-            <a:ext cx="3962400" cy="662608"/>
-          </a:xfrm>
-          <a:prstGeom prst="roundRect">
-            <a:avLst/>
-          </a:prstGeom>
-          <a:solidFill>
-            <a:schemeClr val="bg1">
-              <a:lumMod val="85000"/>
-            </a:schemeClr>
-          </a:solidFill>
-          <a:ln>
-            <a:noFill/>
-          </a:ln>
-        </p:spPr>
-        <p:style>
-          <a:lnRef idx="2">
-            <a:schemeClr val="accent1">
-              <a:shade val="50000"/>
-            </a:schemeClr>
-          </a:lnRef>
-          <a:fillRef idx="1">
-            <a:schemeClr val="accent1"/>
-          </a:fillRef>
-          <a:effectRef idx="0">
-            <a:schemeClr val="accent1"/>
-          </a:effectRef>
-          <a:fontRef idx="minor">
-            <a:schemeClr val="lt1"/>
-          </a:fontRef>
-        </p:style>
-        <p:txBody>
-          <a:bodyPr rtlCol="0" anchor="ctr"/>
-          <a:lstStyle/>
-          <a:p>
-            <a:pPr algn="ctr"/>
-            <a:endParaRPr lang="en-US"/>
-          </a:p>
-        </p:txBody>
-      </p:sp>
-      <p:sp>
-        <p:nvSpPr>
           <p:cNvPr id="2" name="Title 1">
             <a:extLst>
               <a:ext uri="{FF2B5EF4-FFF2-40B4-BE49-F238E27FC236}">
@@ -8138,7 +8097,7 @@
         </p:nvSpPr>
         <p:spPr>
           <a:xfrm>
-            <a:off x="167307" y="-146268"/>
+            <a:off x="238538" y="225287"/>
             <a:ext cx="10515600" cy="1325563"/>
           </a:xfrm>
         </p:spPr>
@@ -8152,2242 +8111,57 @@
               <a:rPr lang="en-US" dirty="0">
                 <a:latin typeface="Avenir Roman" panose="02000503020000020003" pitchFamily="2" charset="0"/>
               </a:rPr>
-              <a:t>Joins – Shuffle Hash Join</a:t>
-            </a:r>
-          </a:p>
-        </p:txBody>
-      </p:sp>
-      <p:sp>
-        <p:nvSpPr>
-          <p:cNvPr id="6" name="Rectangle 5">
-            <a:extLst>
-              <a:ext uri="{FF2B5EF4-FFF2-40B4-BE49-F238E27FC236}">
-                <a16:creationId xmlns:a16="http://schemas.microsoft.com/office/drawing/2014/main" id="{07D9ADC2-EA22-884A-A1C9-BB45D0640A93}"/>
-              </a:ext>
-            </a:extLst>
-          </p:cNvPr>
-          <p:cNvSpPr/>
-          <p:nvPr/>
-        </p:nvSpPr>
-        <p:spPr>
-          <a:xfrm>
-            <a:off x="238538" y="3162127"/>
-            <a:ext cx="1278837" cy="427380"/>
-          </a:xfrm>
-          <a:prstGeom prst="rect">
-            <a:avLst/>
-          </a:prstGeom>
-          <a:ln>
-            <a:noFill/>
-          </a:ln>
-        </p:spPr>
-        <p:style>
-          <a:lnRef idx="2">
-            <a:schemeClr val="accent1">
-              <a:shade val="50000"/>
-            </a:schemeClr>
-          </a:lnRef>
-          <a:fillRef idx="1">
-            <a:schemeClr val="accent1"/>
-          </a:fillRef>
-          <a:effectRef idx="0">
-            <a:schemeClr val="accent1"/>
-          </a:effectRef>
-          <a:fontRef idx="minor">
-            <a:schemeClr val="lt1"/>
-          </a:fontRef>
-        </p:style>
-        <p:txBody>
-          <a:bodyPr rtlCol="0" anchor="ctr"/>
-          <a:lstStyle/>
-          <a:p>
-            <a:pPr algn="ctr"/>
-            <a:r>
-              <a:rPr lang="en-US" sz="1600" dirty="0">
+              <a:t>Joins – </a:t>
+            </a:r>
+            <a:br>
+              <a:rPr lang="en-US" dirty="0">
                 <a:latin typeface="Avenir Roman" panose="02000503020000020003" pitchFamily="2" charset="0"/>
               </a:rPr>
-              <a:t>DF 1</a:t>
-            </a:r>
-          </a:p>
-        </p:txBody>
-      </p:sp>
-      <p:sp>
-        <p:nvSpPr>
-          <p:cNvPr id="7" name="Rectangle 6">
-            <a:extLst>
-              <a:ext uri="{FF2B5EF4-FFF2-40B4-BE49-F238E27FC236}">
-                <a16:creationId xmlns:a16="http://schemas.microsoft.com/office/drawing/2014/main" id="{A4030EB9-4B3D-3640-B318-4FF0D2FB2646}"/>
-              </a:ext>
-            </a:extLst>
-          </p:cNvPr>
-          <p:cNvSpPr/>
-          <p:nvPr/>
-        </p:nvSpPr>
-        <p:spPr>
-          <a:xfrm>
-            <a:off x="1782416" y="1776134"/>
-            <a:ext cx="1278837" cy="427380"/>
-          </a:xfrm>
-          <a:prstGeom prst="rect">
-            <a:avLst/>
-          </a:prstGeom>
-          <a:ln>
-            <a:noFill/>
-          </a:ln>
-        </p:spPr>
-        <p:style>
-          <a:lnRef idx="2">
-            <a:schemeClr val="accent1">
-              <a:shade val="50000"/>
-            </a:schemeClr>
-          </a:lnRef>
-          <a:fillRef idx="1">
-            <a:schemeClr val="accent1"/>
-          </a:fillRef>
-          <a:effectRef idx="0">
-            <a:schemeClr val="accent1"/>
-          </a:effectRef>
-          <a:fontRef idx="minor">
-            <a:schemeClr val="lt1"/>
-          </a:fontRef>
-        </p:style>
-        <p:txBody>
-          <a:bodyPr rtlCol="0" anchor="ctr"/>
-          <a:lstStyle/>
-          <a:p>
-            <a:pPr algn="ctr"/>
-            <a:r>
-              <a:rPr lang="en-US" sz="1600" dirty="0">
+            </a:br>
+            <a:r>
+              <a:rPr lang="en-US" dirty="0">
                 <a:latin typeface="Avenir Roman" panose="02000503020000020003" pitchFamily="2" charset="0"/>
               </a:rPr>
-              <a:t>Partition 0</a:t>
-            </a:r>
-          </a:p>
-        </p:txBody>
-      </p:sp>
-      <p:sp>
-        <p:nvSpPr>
-          <p:cNvPr id="8" name="Rectangle 7">
-            <a:extLst>
-              <a:ext uri="{FF2B5EF4-FFF2-40B4-BE49-F238E27FC236}">
-                <a16:creationId xmlns:a16="http://schemas.microsoft.com/office/drawing/2014/main" id="{3FD8A293-6B50-644C-ABE7-935E84646EA6}"/>
-              </a:ext>
-            </a:extLst>
-          </p:cNvPr>
-          <p:cNvSpPr/>
-          <p:nvPr/>
-        </p:nvSpPr>
-        <p:spPr>
-          <a:xfrm>
-            <a:off x="1782415" y="2657235"/>
-            <a:ext cx="1278837" cy="427380"/>
-          </a:xfrm>
-          <a:prstGeom prst="rect">
-            <a:avLst/>
-          </a:prstGeom>
-          <a:ln>
-            <a:noFill/>
-          </a:ln>
-        </p:spPr>
-        <p:style>
-          <a:lnRef idx="2">
-            <a:schemeClr val="accent1">
-              <a:shade val="50000"/>
-            </a:schemeClr>
-          </a:lnRef>
-          <a:fillRef idx="1">
-            <a:schemeClr val="accent1"/>
-          </a:fillRef>
-          <a:effectRef idx="0">
-            <a:schemeClr val="accent1"/>
-          </a:effectRef>
-          <a:fontRef idx="minor">
-            <a:schemeClr val="lt1"/>
-          </a:fontRef>
-        </p:style>
-        <p:txBody>
-          <a:bodyPr rtlCol="0" anchor="ctr"/>
-          <a:lstStyle/>
-          <a:p>
-            <a:pPr algn="ctr"/>
-            <a:r>
-              <a:rPr lang="en-US" sz="1600" dirty="0">
-                <a:latin typeface="Avenir Roman" panose="02000503020000020003" pitchFamily="2" charset="0"/>
-              </a:rPr>
-              <a:t>Partition 1</a:t>
-            </a:r>
-          </a:p>
-        </p:txBody>
-      </p:sp>
-      <p:sp>
-        <p:nvSpPr>
-          <p:cNvPr id="9" name="Rectangle 8">
-            <a:extLst>
-              <a:ext uri="{FF2B5EF4-FFF2-40B4-BE49-F238E27FC236}">
-                <a16:creationId xmlns:a16="http://schemas.microsoft.com/office/drawing/2014/main" id="{076DE417-4207-2244-B97D-1056060F3836}"/>
-              </a:ext>
-            </a:extLst>
-          </p:cNvPr>
-          <p:cNvSpPr/>
-          <p:nvPr/>
-        </p:nvSpPr>
-        <p:spPr>
-          <a:xfrm>
-            <a:off x="1782415" y="3514169"/>
-            <a:ext cx="1278837" cy="427380"/>
-          </a:xfrm>
-          <a:prstGeom prst="rect">
-            <a:avLst/>
-          </a:prstGeom>
-          <a:ln>
-            <a:noFill/>
-          </a:ln>
-        </p:spPr>
-        <p:style>
-          <a:lnRef idx="2">
-            <a:schemeClr val="accent1">
-              <a:shade val="50000"/>
-            </a:schemeClr>
-          </a:lnRef>
-          <a:fillRef idx="1">
-            <a:schemeClr val="accent1"/>
-          </a:fillRef>
-          <a:effectRef idx="0">
-            <a:schemeClr val="accent1"/>
-          </a:effectRef>
-          <a:fontRef idx="minor">
-            <a:schemeClr val="lt1"/>
-          </a:fontRef>
-        </p:style>
-        <p:txBody>
-          <a:bodyPr rtlCol="0" anchor="ctr"/>
-          <a:lstStyle/>
-          <a:p>
-            <a:pPr algn="ctr"/>
-            <a:r>
-              <a:rPr lang="en-US" sz="1600" dirty="0">
-                <a:latin typeface="Avenir Roman" panose="02000503020000020003" pitchFamily="2" charset="0"/>
-              </a:rPr>
-              <a:t>Partition 2</a:t>
-            </a:r>
-          </a:p>
-        </p:txBody>
-      </p:sp>
-      <p:sp>
-        <p:nvSpPr>
-          <p:cNvPr id="10" name="Rectangle 9">
-            <a:extLst>
-              <a:ext uri="{FF2B5EF4-FFF2-40B4-BE49-F238E27FC236}">
-                <a16:creationId xmlns:a16="http://schemas.microsoft.com/office/drawing/2014/main" id="{AF0E25D5-3D5B-8D4C-906C-072D2D935BC7}"/>
-              </a:ext>
-            </a:extLst>
-          </p:cNvPr>
-          <p:cNvSpPr/>
-          <p:nvPr/>
-        </p:nvSpPr>
-        <p:spPr>
-          <a:xfrm>
-            <a:off x="1782414" y="4380013"/>
-            <a:ext cx="1278837" cy="427380"/>
-          </a:xfrm>
-          <a:prstGeom prst="rect">
-            <a:avLst/>
-          </a:prstGeom>
-          <a:ln>
-            <a:noFill/>
-          </a:ln>
-        </p:spPr>
-        <p:style>
-          <a:lnRef idx="2">
-            <a:schemeClr val="accent1">
-              <a:shade val="50000"/>
-            </a:schemeClr>
-          </a:lnRef>
-          <a:fillRef idx="1">
-            <a:schemeClr val="accent1"/>
-          </a:fillRef>
-          <a:effectRef idx="0">
-            <a:schemeClr val="accent1"/>
-          </a:effectRef>
-          <a:fontRef idx="minor">
-            <a:schemeClr val="lt1"/>
-          </a:fontRef>
-        </p:style>
-        <p:txBody>
-          <a:bodyPr rtlCol="0" anchor="ctr"/>
-          <a:lstStyle/>
-          <a:p>
-            <a:pPr algn="ctr"/>
-            <a:r>
-              <a:rPr lang="en-US" sz="1600" dirty="0">
-                <a:latin typeface="Avenir Roman" panose="02000503020000020003" pitchFamily="2" charset="0"/>
-              </a:rPr>
-              <a:t>Partition 3</a:t>
-            </a:r>
-          </a:p>
-        </p:txBody>
-      </p:sp>
-      <p:sp>
-        <p:nvSpPr>
-          <p:cNvPr id="11" name="Rectangle 10">
-            <a:extLst>
-              <a:ext uri="{FF2B5EF4-FFF2-40B4-BE49-F238E27FC236}">
-                <a16:creationId xmlns:a16="http://schemas.microsoft.com/office/drawing/2014/main" id="{48321D3E-943C-6E4C-B001-6C4C777FEC42}"/>
-              </a:ext>
-            </a:extLst>
-          </p:cNvPr>
-          <p:cNvSpPr/>
-          <p:nvPr/>
-        </p:nvSpPr>
-        <p:spPr>
-          <a:xfrm>
-            <a:off x="10754135" y="3375817"/>
-            <a:ext cx="1278837" cy="427380"/>
-          </a:xfrm>
-          <a:prstGeom prst="rect">
-            <a:avLst/>
-          </a:prstGeom>
-          <a:solidFill>
-            <a:srgbClr val="92D050"/>
-          </a:solidFill>
-          <a:ln>
-            <a:noFill/>
-          </a:ln>
-        </p:spPr>
-        <p:style>
-          <a:lnRef idx="2">
-            <a:schemeClr val="accent1">
-              <a:shade val="50000"/>
-            </a:schemeClr>
-          </a:lnRef>
-          <a:fillRef idx="1">
-            <a:schemeClr val="accent1"/>
-          </a:fillRef>
-          <a:effectRef idx="0">
-            <a:schemeClr val="accent1"/>
-          </a:effectRef>
-          <a:fontRef idx="minor">
-            <a:schemeClr val="lt1"/>
-          </a:fontRef>
-        </p:style>
-        <p:txBody>
-          <a:bodyPr rtlCol="0" anchor="ctr"/>
-          <a:lstStyle/>
-          <a:p>
-            <a:pPr algn="ctr"/>
-            <a:r>
-              <a:rPr lang="en-US" sz="1600" dirty="0">
-                <a:latin typeface="Avenir Roman" panose="02000503020000020003" pitchFamily="2" charset="0"/>
-              </a:rPr>
-              <a:t>DF 2</a:t>
-            </a:r>
-          </a:p>
-        </p:txBody>
-      </p:sp>
-      <p:sp>
-        <p:nvSpPr>
-          <p:cNvPr id="13" name="Rectangle 12">
-            <a:extLst>
-              <a:ext uri="{FF2B5EF4-FFF2-40B4-BE49-F238E27FC236}">
-                <a16:creationId xmlns:a16="http://schemas.microsoft.com/office/drawing/2014/main" id="{8071272D-289E-4245-80E0-80BC51A8477F}"/>
-              </a:ext>
-            </a:extLst>
-          </p:cNvPr>
-          <p:cNvSpPr/>
-          <p:nvPr/>
-        </p:nvSpPr>
-        <p:spPr>
-          <a:xfrm>
-            <a:off x="9037977" y="1776480"/>
-            <a:ext cx="1278837" cy="427380"/>
-          </a:xfrm>
-          <a:prstGeom prst="rect">
-            <a:avLst/>
-          </a:prstGeom>
-          <a:solidFill>
-            <a:srgbClr val="92D050"/>
-          </a:solidFill>
-          <a:ln>
-            <a:noFill/>
-          </a:ln>
-        </p:spPr>
-        <p:style>
-          <a:lnRef idx="2">
-            <a:schemeClr val="accent1">
-              <a:shade val="50000"/>
-            </a:schemeClr>
-          </a:lnRef>
-          <a:fillRef idx="1">
-            <a:schemeClr val="accent1"/>
-          </a:fillRef>
-          <a:effectRef idx="0">
-            <a:schemeClr val="accent1"/>
-          </a:effectRef>
-          <a:fontRef idx="minor">
-            <a:schemeClr val="lt1"/>
-          </a:fontRef>
-        </p:style>
-        <p:txBody>
-          <a:bodyPr rot="0" spcFirstLastPara="0" vertOverflow="overflow" horzOverflow="overflow" vert="horz" wrap="square" lIns="91440" tIns="45720" rIns="91440" bIns="45720" numCol="1" spcCol="0" rtlCol="0" fromWordArt="0" anchor="ctr" anchorCtr="0" forceAA="0" compatLnSpc="1">
-            <a:prstTxWarp prst="textNoShape">
-              <a:avLst/>
-            </a:prstTxWarp>
-            <a:noAutofit/>
-          </a:bodyPr>
-          <a:lstStyle/>
-          <a:p>
-            <a:pPr algn="ctr"/>
-            <a:r>
-              <a:rPr lang="en-US" sz="1600" dirty="0">
-                <a:latin typeface="Avenir Roman" panose="02000503020000020003" pitchFamily="2" charset="0"/>
-              </a:rPr>
-              <a:t>Partition 3</a:t>
-            </a:r>
-          </a:p>
-        </p:txBody>
-      </p:sp>
-      <p:sp>
-        <p:nvSpPr>
-          <p:cNvPr id="14" name="Rectangle 13">
-            <a:extLst>
-              <a:ext uri="{FF2B5EF4-FFF2-40B4-BE49-F238E27FC236}">
-                <a16:creationId xmlns:a16="http://schemas.microsoft.com/office/drawing/2014/main" id="{86959CA0-782B-D943-B174-DA77866DE2F1}"/>
-              </a:ext>
-            </a:extLst>
-          </p:cNvPr>
-          <p:cNvSpPr/>
-          <p:nvPr/>
-        </p:nvSpPr>
-        <p:spPr>
-          <a:xfrm>
-            <a:off x="9031343" y="2604568"/>
-            <a:ext cx="1278837" cy="427380"/>
-          </a:xfrm>
-          <a:prstGeom prst="rect">
-            <a:avLst/>
-          </a:prstGeom>
-          <a:solidFill>
-            <a:srgbClr val="92D050"/>
-          </a:solidFill>
-          <a:ln>
-            <a:noFill/>
-          </a:ln>
-        </p:spPr>
-        <p:style>
-          <a:lnRef idx="2">
-            <a:schemeClr val="accent1">
-              <a:shade val="50000"/>
-            </a:schemeClr>
-          </a:lnRef>
-          <a:fillRef idx="1">
-            <a:schemeClr val="accent1"/>
-          </a:fillRef>
-          <a:effectRef idx="0">
-            <a:schemeClr val="accent1"/>
-          </a:effectRef>
-          <a:fontRef idx="minor">
-            <a:schemeClr val="lt1"/>
-          </a:fontRef>
-        </p:style>
-        <p:txBody>
-          <a:bodyPr rot="0" spcFirstLastPara="0" vertOverflow="overflow" horzOverflow="overflow" vert="horz" wrap="square" lIns="91440" tIns="45720" rIns="91440" bIns="45720" numCol="1" spcCol="0" rtlCol="0" fromWordArt="0" anchor="ctr" anchorCtr="0" forceAA="0" compatLnSpc="1">
-            <a:prstTxWarp prst="textNoShape">
-              <a:avLst/>
-            </a:prstTxWarp>
-            <a:noAutofit/>
-          </a:bodyPr>
-          <a:lstStyle/>
-          <a:p>
-            <a:pPr algn="ctr"/>
-            <a:r>
-              <a:rPr lang="en-US" sz="1600" dirty="0">
-                <a:latin typeface="Avenir Roman" panose="02000503020000020003" pitchFamily="2" charset="0"/>
-              </a:rPr>
-              <a:t>Partition 2</a:t>
-            </a:r>
-          </a:p>
-        </p:txBody>
-      </p:sp>
-      <p:sp>
-        <p:nvSpPr>
-          <p:cNvPr id="15" name="Rectangle 14">
-            <a:extLst>
-              <a:ext uri="{FF2B5EF4-FFF2-40B4-BE49-F238E27FC236}">
-                <a16:creationId xmlns:a16="http://schemas.microsoft.com/office/drawing/2014/main" id="{962152A8-CE63-4448-95AA-1924E8F2AFFB}"/>
-              </a:ext>
-            </a:extLst>
-          </p:cNvPr>
-          <p:cNvSpPr/>
-          <p:nvPr/>
-        </p:nvSpPr>
-        <p:spPr>
-          <a:xfrm>
-            <a:off x="9031342" y="3514169"/>
-            <a:ext cx="1278837" cy="427380"/>
-          </a:xfrm>
-          <a:prstGeom prst="rect">
-            <a:avLst/>
-          </a:prstGeom>
-          <a:solidFill>
-            <a:srgbClr val="92D050"/>
-          </a:solidFill>
-          <a:ln>
-            <a:noFill/>
-          </a:ln>
-        </p:spPr>
-        <p:style>
-          <a:lnRef idx="2">
-            <a:schemeClr val="accent1">
-              <a:shade val="50000"/>
-            </a:schemeClr>
-          </a:lnRef>
-          <a:fillRef idx="1">
-            <a:schemeClr val="accent1"/>
-          </a:fillRef>
-          <a:effectRef idx="0">
-            <a:schemeClr val="accent1"/>
-          </a:effectRef>
-          <a:fontRef idx="minor">
-            <a:schemeClr val="lt1"/>
-          </a:fontRef>
-        </p:style>
-        <p:txBody>
-          <a:bodyPr rot="0" spcFirstLastPara="0" vertOverflow="overflow" horzOverflow="overflow" vert="horz" wrap="square" lIns="91440" tIns="45720" rIns="91440" bIns="45720" numCol="1" spcCol="0" rtlCol="0" fromWordArt="0" anchor="ctr" anchorCtr="0" forceAA="0" compatLnSpc="1">
-            <a:prstTxWarp prst="textNoShape">
-              <a:avLst/>
-            </a:prstTxWarp>
-            <a:noAutofit/>
-          </a:bodyPr>
-          <a:lstStyle/>
-          <a:p>
-            <a:pPr algn="ctr"/>
-            <a:r>
-              <a:rPr lang="en-US" sz="1600" dirty="0">
-                <a:latin typeface="Avenir Roman" panose="02000503020000020003" pitchFamily="2" charset="0"/>
-              </a:rPr>
-              <a:t>Partition 1</a:t>
-            </a:r>
-          </a:p>
-        </p:txBody>
-      </p:sp>
-      <p:sp>
-        <p:nvSpPr>
-          <p:cNvPr id="16" name="Rectangle 15">
-            <a:extLst>
-              <a:ext uri="{FF2B5EF4-FFF2-40B4-BE49-F238E27FC236}">
-                <a16:creationId xmlns:a16="http://schemas.microsoft.com/office/drawing/2014/main" id="{1FFF52E5-27D2-074C-80A9-9E4E9C308BF3}"/>
-              </a:ext>
-            </a:extLst>
-          </p:cNvPr>
-          <p:cNvSpPr/>
-          <p:nvPr/>
-        </p:nvSpPr>
-        <p:spPr>
-          <a:xfrm>
-            <a:off x="9031341" y="4380013"/>
-            <a:ext cx="1278837" cy="427380"/>
-          </a:xfrm>
-          <a:prstGeom prst="rect">
-            <a:avLst/>
-          </a:prstGeom>
-          <a:solidFill>
-            <a:srgbClr val="92D050"/>
-          </a:solidFill>
-          <a:ln>
-            <a:noFill/>
-          </a:ln>
-        </p:spPr>
-        <p:style>
-          <a:lnRef idx="2">
-            <a:schemeClr val="accent1">
-              <a:shade val="50000"/>
-            </a:schemeClr>
-          </a:lnRef>
-          <a:fillRef idx="1">
-            <a:schemeClr val="accent1"/>
-          </a:fillRef>
-          <a:effectRef idx="0">
-            <a:schemeClr val="accent1"/>
-          </a:effectRef>
-          <a:fontRef idx="minor">
-            <a:schemeClr val="lt1"/>
-          </a:fontRef>
-        </p:style>
-        <p:txBody>
-          <a:bodyPr rot="0" spcFirstLastPara="0" vertOverflow="overflow" horzOverflow="overflow" vert="horz" wrap="square" lIns="91440" tIns="45720" rIns="91440" bIns="45720" numCol="1" spcCol="0" rtlCol="0" fromWordArt="0" anchor="ctr" anchorCtr="0" forceAA="0" compatLnSpc="1">
-            <a:prstTxWarp prst="textNoShape">
-              <a:avLst/>
-            </a:prstTxWarp>
-            <a:noAutofit/>
-          </a:bodyPr>
-          <a:lstStyle/>
-          <a:p>
-            <a:pPr algn="ctr"/>
-            <a:r>
-              <a:rPr lang="en-US" sz="1600" dirty="0">
-                <a:latin typeface="Avenir Roman" panose="02000503020000020003" pitchFamily="2" charset="0"/>
-              </a:rPr>
-              <a:t>Partition 0</a:t>
-            </a:r>
-          </a:p>
-        </p:txBody>
-      </p:sp>
-      <p:sp>
-        <p:nvSpPr>
-          <p:cNvPr id="19" name="Rectangle 18">
-            <a:extLst>
-              <a:ext uri="{FF2B5EF4-FFF2-40B4-BE49-F238E27FC236}">
-                <a16:creationId xmlns:a16="http://schemas.microsoft.com/office/drawing/2014/main" id="{3556EEC8-DF13-BF46-B1C3-01D8E560E834}"/>
-              </a:ext>
-            </a:extLst>
-          </p:cNvPr>
-          <p:cNvSpPr/>
-          <p:nvPr/>
-        </p:nvSpPr>
-        <p:spPr>
-          <a:xfrm>
-            <a:off x="4174428" y="1776134"/>
-            <a:ext cx="1278837" cy="427380"/>
-          </a:xfrm>
-          <a:prstGeom prst="rect">
-            <a:avLst/>
-          </a:prstGeom>
-          <a:ln>
-            <a:noFill/>
-          </a:ln>
-        </p:spPr>
-        <p:style>
-          <a:lnRef idx="2">
-            <a:schemeClr val="accent1">
-              <a:shade val="50000"/>
-            </a:schemeClr>
-          </a:lnRef>
-          <a:fillRef idx="1">
-            <a:schemeClr val="accent1"/>
-          </a:fillRef>
-          <a:effectRef idx="0">
-            <a:schemeClr val="accent1"/>
-          </a:effectRef>
-          <a:fontRef idx="minor">
-            <a:schemeClr val="lt1"/>
-          </a:fontRef>
-        </p:style>
-        <p:txBody>
-          <a:bodyPr rtlCol="0" anchor="ctr"/>
-          <a:lstStyle/>
-          <a:p>
-            <a:pPr algn="ctr"/>
-            <a:r>
-              <a:rPr lang="en-US" sz="1600" dirty="0">
-                <a:latin typeface="Avenir Roman" panose="02000503020000020003" pitchFamily="2" charset="0"/>
-              </a:rPr>
-              <a:t>Partition 1</a:t>
-            </a:r>
-          </a:p>
-        </p:txBody>
-      </p:sp>
-      <p:sp>
-        <p:nvSpPr>
-          <p:cNvPr id="22" name="Rectangle 21">
-            <a:extLst>
-              <a:ext uri="{FF2B5EF4-FFF2-40B4-BE49-F238E27FC236}">
-                <a16:creationId xmlns:a16="http://schemas.microsoft.com/office/drawing/2014/main" id="{188196D2-C2E0-DA40-9D15-8F17E2DF3786}"/>
-              </a:ext>
-            </a:extLst>
-          </p:cNvPr>
-          <p:cNvSpPr/>
-          <p:nvPr/>
-        </p:nvSpPr>
-        <p:spPr>
-          <a:xfrm>
-            <a:off x="6480304" y="1783819"/>
-            <a:ext cx="1278837" cy="427380"/>
-          </a:xfrm>
-          <a:prstGeom prst="rect">
-            <a:avLst/>
-          </a:prstGeom>
-          <a:solidFill>
-            <a:srgbClr val="92D050"/>
-          </a:solidFill>
-          <a:ln>
-            <a:noFill/>
-          </a:ln>
-        </p:spPr>
-        <p:style>
-          <a:lnRef idx="2">
-            <a:schemeClr val="accent1">
-              <a:shade val="50000"/>
-            </a:schemeClr>
-          </a:lnRef>
-          <a:fillRef idx="1">
-            <a:schemeClr val="accent1"/>
-          </a:fillRef>
-          <a:effectRef idx="0">
-            <a:schemeClr val="accent1"/>
-          </a:effectRef>
-          <a:fontRef idx="minor">
-            <a:schemeClr val="lt1"/>
-          </a:fontRef>
-        </p:style>
-        <p:txBody>
-          <a:bodyPr rot="0" spcFirstLastPara="0" vertOverflow="overflow" horzOverflow="overflow" vert="horz" wrap="square" lIns="91440" tIns="45720" rIns="91440" bIns="45720" numCol="1" spcCol="0" rtlCol="0" fromWordArt="0" anchor="ctr" anchorCtr="0" forceAA="0" compatLnSpc="1">
-            <a:prstTxWarp prst="textNoShape">
-              <a:avLst/>
-            </a:prstTxWarp>
-            <a:noAutofit/>
-          </a:bodyPr>
-          <a:lstStyle/>
-          <a:p>
-            <a:pPr algn="ctr"/>
-            <a:r>
-              <a:rPr lang="en-US" sz="1600" dirty="0">
-                <a:latin typeface="Avenir Roman" panose="02000503020000020003" pitchFamily="2" charset="0"/>
-              </a:rPr>
-              <a:t>Partition 1</a:t>
-            </a:r>
-          </a:p>
-        </p:txBody>
-      </p:sp>
-      <p:sp>
-        <p:nvSpPr>
-          <p:cNvPr id="26" name="Rounded Rectangle 25">
-            <a:extLst>
-              <a:ext uri="{FF2B5EF4-FFF2-40B4-BE49-F238E27FC236}">
-                <a16:creationId xmlns:a16="http://schemas.microsoft.com/office/drawing/2014/main" id="{A162D219-F5EF-424D-87CF-2B29EBCC6AFB}"/>
-              </a:ext>
-            </a:extLst>
-          </p:cNvPr>
-          <p:cNvSpPr/>
-          <p:nvPr/>
-        </p:nvSpPr>
-        <p:spPr>
-          <a:xfrm>
-            <a:off x="3962400" y="4262399"/>
-            <a:ext cx="3962400" cy="662608"/>
-          </a:xfrm>
-          <a:prstGeom prst="roundRect">
-            <a:avLst/>
-          </a:prstGeom>
-          <a:solidFill>
-            <a:schemeClr val="bg1">
-              <a:lumMod val="85000"/>
-            </a:schemeClr>
-          </a:solidFill>
-          <a:ln>
-            <a:noFill/>
-          </a:ln>
-        </p:spPr>
-        <p:style>
-          <a:lnRef idx="2">
-            <a:schemeClr val="accent1">
-              <a:shade val="50000"/>
-            </a:schemeClr>
-          </a:lnRef>
-          <a:fillRef idx="1">
-            <a:schemeClr val="accent1"/>
-          </a:fillRef>
-          <a:effectRef idx="0">
-            <a:schemeClr val="accent1"/>
-          </a:effectRef>
-          <a:fontRef idx="minor">
-            <a:schemeClr val="lt1"/>
-          </a:fontRef>
-        </p:style>
-        <p:txBody>
-          <a:bodyPr rtlCol="0" anchor="ctr"/>
-          <a:lstStyle/>
-          <a:p>
-            <a:pPr algn="ctr"/>
-            <a:endParaRPr lang="en-US"/>
-          </a:p>
-        </p:txBody>
-      </p:sp>
-      <p:sp>
-        <p:nvSpPr>
-          <p:cNvPr id="27" name="Rounded Rectangle 26">
-            <a:extLst>
-              <a:ext uri="{FF2B5EF4-FFF2-40B4-BE49-F238E27FC236}">
-                <a16:creationId xmlns:a16="http://schemas.microsoft.com/office/drawing/2014/main" id="{434ACFFF-2945-C742-9D3C-83F3CDCF32A3}"/>
-              </a:ext>
-            </a:extLst>
-          </p:cNvPr>
-          <p:cNvSpPr/>
-          <p:nvPr/>
-        </p:nvSpPr>
-        <p:spPr>
-          <a:xfrm>
-            <a:off x="3962400" y="3370105"/>
-            <a:ext cx="3962400" cy="662608"/>
-          </a:xfrm>
-          <a:prstGeom prst="roundRect">
-            <a:avLst/>
-          </a:prstGeom>
-          <a:solidFill>
-            <a:schemeClr val="bg1">
-              <a:lumMod val="85000"/>
-            </a:schemeClr>
-          </a:solidFill>
-          <a:ln>
-            <a:noFill/>
-          </a:ln>
-        </p:spPr>
-        <p:style>
-          <a:lnRef idx="2">
-            <a:schemeClr val="accent1">
-              <a:shade val="50000"/>
-            </a:schemeClr>
-          </a:lnRef>
-          <a:fillRef idx="1">
-            <a:schemeClr val="accent1"/>
-          </a:fillRef>
-          <a:effectRef idx="0">
-            <a:schemeClr val="accent1"/>
-          </a:effectRef>
-          <a:fontRef idx="minor">
-            <a:schemeClr val="lt1"/>
-          </a:fontRef>
-        </p:style>
-        <p:txBody>
-          <a:bodyPr rtlCol="0" anchor="ctr"/>
-          <a:lstStyle/>
-          <a:p>
-            <a:pPr algn="ctr"/>
-            <a:endParaRPr lang="en-US"/>
-          </a:p>
-        </p:txBody>
-      </p:sp>
-      <p:sp>
-        <p:nvSpPr>
-          <p:cNvPr id="28" name="Rounded Rectangle 27">
-            <a:extLst>
-              <a:ext uri="{FF2B5EF4-FFF2-40B4-BE49-F238E27FC236}">
-                <a16:creationId xmlns:a16="http://schemas.microsoft.com/office/drawing/2014/main" id="{A1A4A473-7B1B-4D45-8373-6790C66445D1}"/>
-              </a:ext>
-            </a:extLst>
-          </p:cNvPr>
-          <p:cNvSpPr/>
-          <p:nvPr/>
-        </p:nvSpPr>
-        <p:spPr>
-          <a:xfrm>
-            <a:off x="3962400" y="2544502"/>
-            <a:ext cx="3962400" cy="662608"/>
-          </a:xfrm>
-          <a:prstGeom prst="roundRect">
-            <a:avLst/>
-          </a:prstGeom>
-          <a:solidFill>
-            <a:schemeClr val="bg1">
-              <a:lumMod val="85000"/>
-            </a:schemeClr>
-          </a:solidFill>
-          <a:ln>
-            <a:noFill/>
-          </a:ln>
-        </p:spPr>
-        <p:style>
-          <a:lnRef idx="2">
-            <a:schemeClr val="accent1">
-              <a:shade val="50000"/>
-            </a:schemeClr>
-          </a:lnRef>
-          <a:fillRef idx="1">
-            <a:schemeClr val="accent1"/>
-          </a:fillRef>
-          <a:effectRef idx="0">
-            <a:schemeClr val="accent1"/>
-          </a:effectRef>
-          <a:fontRef idx="minor">
-            <a:schemeClr val="lt1"/>
-          </a:fontRef>
-        </p:style>
-        <p:txBody>
-          <a:bodyPr rtlCol="0" anchor="ctr"/>
-          <a:lstStyle/>
-          <a:p>
-            <a:pPr algn="ctr"/>
-            <a:endParaRPr lang="en-US"/>
-          </a:p>
-        </p:txBody>
-      </p:sp>
-      <p:sp>
-        <p:nvSpPr>
-          <p:cNvPr id="29" name="Rectangle 28">
-            <a:extLst>
-              <a:ext uri="{FF2B5EF4-FFF2-40B4-BE49-F238E27FC236}">
-                <a16:creationId xmlns:a16="http://schemas.microsoft.com/office/drawing/2014/main" id="{473A0CB8-8EF7-ED45-9106-E08D7962F8DA}"/>
-              </a:ext>
-            </a:extLst>
-          </p:cNvPr>
-          <p:cNvSpPr/>
-          <p:nvPr/>
-        </p:nvSpPr>
-        <p:spPr>
-          <a:xfrm>
-            <a:off x="4197619" y="2674520"/>
-            <a:ext cx="1278837" cy="427380"/>
-          </a:xfrm>
-          <a:prstGeom prst="rect">
-            <a:avLst/>
-          </a:prstGeom>
-          <a:ln>
-            <a:noFill/>
-          </a:ln>
-        </p:spPr>
-        <p:style>
-          <a:lnRef idx="2">
-            <a:schemeClr val="accent1">
-              <a:shade val="50000"/>
-            </a:schemeClr>
-          </a:lnRef>
-          <a:fillRef idx="1">
-            <a:schemeClr val="accent1"/>
-          </a:fillRef>
-          <a:effectRef idx="0">
-            <a:schemeClr val="accent1"/>
-          </a:effectRef>
-          <a:fontRef idx="minor">
-            <a:schemeClr val="lt1"/>
-          </a:fontRef>
-        </p:style>
-        <p:txBody>
-          <a:bodyPr rtlCol="0" anchor="ctr"/>
-          <a:lstStyle/>
-          <a:p>
-            <a:pPr algn="ctr"/>
-            <a:r>
-              <a:rPr lang="en-US" sz="1600" dirty="0">
-                <a:latin typeface="Avenir Roman" panose="02000503020000020003" pitchFamily="2" charset="0"/>
-              </a:rPr>
-              <a:t>Partition 0</a:t>
-            </a:r>
-          </a:p>
-        </p:txBody>
-      </p:sp>
-      <p:sp>
-        <p:nvSpPr>
-          <p:cNvPr id="30" name="Rectangle 29">
-            <a:extLst>
-              <a:ext uri="{FF2B5EF4-FFF2-40B4-BE49-F238E27FC236}">
-                <a16:creationId xmlns:a16="http://schemas.microsoft.com/office/drawing/2014/main" id="{7616A0AE-80D5-0048-966B-7C85879102CB}"/>
-              </a:ext>
-            </a:extLst>
-          </p:cNvPr>
-          <p:cNvSpPr/>
-          <p:nvPr/>
-        </p:nvSpPr>
-        <p:spPr>
-          <a:xfrm>
-            <a:off x="6480305" y="2649217"/>
-            <a:ext cx="1278837" cy="427380"/>
-          </a:xfrm>
-          <a:prstGeom prst="rect">
-            <a:avLst/>
-          </a:prstGeom>
-          <a:solidFill>
-            <a:srgbClr val="92D050"/>
-          </a:solidFill>
-          <a:ln>
-            <a:noFill/>
-          </a:ln>
-        </p:spPr>
-        <p:style>
-          <a:lnRef idx="2">
-            <a:schemeClr val="accent1">
-              <a:shade val="50000"/>
-            </a:schemeClr>
-          </a:lnRef>
-          <a:fillRef idx="1">
-            <a:schemeClr val="accent1"/>
-          </a:fillRef>
-          <a:effectRef idx="0">
-            <a:schemeClr val="accent1"/>
-          </a:effectRef>
-          <a:fontRef idx="minor">
-            <a:schemeClr val="lt1"/>
-          </a:fontRef>
-        </p:style>
-        <p:txBody>
-          <a:bodyPr rot="0" spcFirstLastPara="0" vertOverflow="overflow" horzOverflow="overflow" vert="horz" wrap="square" lIns="91440" tIns="45720" rIns="91440" bIns="45720" numCol="1" spcCol="0" rtlCol="0" fromWordArt="0" anchor="ctr" anchorCtr="0" forceAA="0" compatLnSpc="1">
-            <a:prstTxWarp prst="textNoShape">
-              <a:avLst/>
-            </a:prstTxWarp>
-            <a:noAutofit/>
-          </a:bodyPr>
-          <a:lstStyle/>
-          <a:p>
-            <a:pPr algn="ctr"/>
-            <a:r>
-              <a:rPr lang="en-US" sz="1600" dirty="0">
-                <a:latin typeface="Avenir Roman" panose="02000503020000020003" pitchFamily="2" charset="0"/>
-              </a:rPr>
-              <a:t>Partition 0</a:t>
-            </a:r>
-          </a:p>
-        </p:txBody>
-      </p:sp>
-      <p:sp>
-        <p:nvSpPr>
-          <p:cNvPr id="31" name="Rectangle 30">
-            <a:extLst>
-              <a:ext uri="{FF2B5EF4-FFF2-40B4-BE49-F238E27FC236}">
-                <a16:creationId xmlns:a16="http://schemas.microsoft.com/office/drawing/2014/main" id="{8638FF9E-B852-7447-9FF8-CE3EB7D1FBED}"/>
-              </a:ext>
-            </a:extLst>
-          </p:cNvPr>
-          <p:cNvSpPr/>
-          <p:nvPr/>
-        </p:nvSpPr>
-        <p:spPr>
-          <a:xfrm>
-            <a:off x="4131359" y="4412555"/>
-            <a:ext cx="1278837" cy="427380"/>
-          </a:xfrm>
-          <a:prstGeom prst="rect">
-            <a:avLst/>
-          </a:prstGeom>
-          <a:ln>
-            <a:noFill/>
-          </a:ln>
-        </p:spPr>
-        <p:style>
-          <a:lnRef idx="2">
-            <a:schemeClr val="accent1">
-              <a:shade val="50000"/>
-            </a:schemeClr>
-          </a:lnRef>
-          <a:fillRef idx="1">
-            <a:schemeClr val="accent1"/>
-          </a:fillRef>
-          <a:effectRef idx="0">
-            <a:schemeClr val="accent1"/>
-          </a:effectRef>
-          <a:fontRef idx="minor">
-            <a:schemeClr val="lt1"/>
-          </a:fontRef>
-        </p:style>
-        <p:txBody>
-          <a:bodyPr rtlCol="0" anchor="ctr"/>
-          <a:lstStyle/>
-          <a:p>
-            <a:pPr algn="ctr"/>
-            <a:r>
-              <a:rPr lang="en-US" sz="1600" dirty="0">
-                <a:latin typeface="Avenir Roman" panose="02000503020000020003" pitchFamily="2" charset="0"/>
-              </a:rPr>
-              <a:t>Partition 2</a:t>
-            </a:r>
-          </a:p>
-        </p:txBody>
-      </p:sp>
-      <p:sp>
-        <p:nvSpPr>
-          <p:cNvPr id="32" name="Rectangle 31">
-            <a:extLst>
-              <a:ext uri="{FF2B5EF4-FFF2-40B4-BE49-F238E27FC236}">
-                <a16:creationId xmlns:a16="http://schemas.microsoft.com/office/drawing/2014/main" id="{D247FEBF-B696-E046-82A0-FEC51AE0DC3F}"/>
-              </a:ext>
-            </a:extLst>
-          </p:cNvPr>
-          <p:cNvSpPr/>
-          <p:nvPr/>
-        </p:nvSpPr>
-        <p:spPr>
-          <a:xfrm>
-            <a:off x="4174426" y="3514169"/>
-            <a:ext cx="1278837" cy="427380"/>
-          </a:xfrm>
-          <a:prstGeom prst="rect">
-            <a:avLst/>
-          </a:prstGeom>
-          <a:ln>
-            <a:noFill/>
-          </a:ln>
-        </p:spPr>
-        <p:style>
-          <a:lnRef idx="2">
-            <a:schemeClr val="accent1">
-              <a:shade val="50000"/>
-            </a:schemeClr>
-          </a:lnRef>
-          <a:fillRef idx="1">
-            <a:schemeClr val="accent1"/>
-          </a:fillRef>
-          <a:effectRef idx="0">
-            <a:schemeClr val="accent1"/>
-          </a:effectRef>
-          <a:fontRef idx="minor">
-            <a:schemeClr val="lt1"/>
-          </a:fontRef>
-        </p:style>
-        <p:txBody>
-          <a:bodyPr rtlCol="0" anchor="ctr"/>
-          <a:lstStyle/>
-          <a:p>
-            <a:pPr algn="ctr"/>
-            <a:r>
-              <a:rPr lang="en-US" sz="1600" dirty="0">
-                <a:latin typeface="Avenir Roman" panose="02000503020000020003" pitchFamily="2" charset="0"/>
-              </a:rPr>
-              <a:t>Partition 3</a:t>
-            </a:r>
-          </a:p>
-        </p:txBody>
-      </p:sp>
-      <p:sp>
-        <p:nvSpPr>
-          <p:cNvPr id="33" name="Rectangle 32">
-            <a:extLst>
-              <a:ext uri="{FF2B5EF4-FFF2-40B4-BE49-F238E27FC236}">
-                <a16:creationId xmlns:a16="http://schemas.microsoft.com/office/drawing/2014/main" id="{9D5E71E0-8B71-9547-B988-8997D115CC8A}"/>
-              </a:ext>
-            </a:extLst>
-          </p:cNvPr>
-          <p:cNvSpPr/>
-          <p:nvPr/>
-        </p:nvSpPr>
-        <p:spPr>
-          <a:xfrm>
-            <a:off x="6476986" y="4380013"/>
-            <a:ext cx="1278837" cy="427380"/>
-          </a:xfrm>
-          <a:prstGeom prst="rect">
-            <a:avLst/>
-          </a:prstGeom>
-          <a:solidFill>
-            <a:srgbClr val="92D050"/>
-          </a:solidFill>
-          <a:ln>
-            <a:noFill/>
-          </a:ln>
-        </p:spPr>
-        <p:style>
-          <a:lnRef idx="2">
-            <a:schemeClr val="accent1">
-              <a:shade val="50000"/>
-            </a:schemeClr>
-          </a:lnRef>
-          <a:fillRef idx="1">
-            <a:schemeClr val="accent1"/>
-          </a:fillRef>
-          <a:effectRef idx="0">
-            <a:schemeClr val="accent1"/>
-          </a:effectRef>
-          <a:fontRef idx="minor">
-            <a:schemeClr val="lt1"/>
-          </a:fontRef>
-        </p:style>
-        <p:txBody>
-          <a:bodyPr rot="0" spcFirstLastPara="0" vertOverflow="overflow" horzOverflow="overflow" vert="horz" wrap="square" lIns="91440" tIns="45720" rIns="91440" bIns="45720" numCol="1" spcCol="0" rtlCol="0" fromWordArt="0" anchor="ctr" anchorCtr="0" forceAA="0" compatLnSpc="1">
-            <a:prstTxWarp prst="textNoShape">
-              <a:avLst/>
-            </a:prstTxWarp>
-            <a:noAutofit/>
-          </a:bodyPr>
-          <a:lstStyle/>
-          <a:p>
-            <a:pPr algn="ctr"/>
-            <a:r>
-              <a:rPr lang="en-US" sz="1600" dirty="0">
-                <a:latin typeface="Avenir Roman" panose="02000503020000020003" pitchFamily="2" charset="0"/>
-              </a:rPr>
-              <a:t>Partition 2</a:t>
-            </a:r>
-          </a:p>
-        </p:txBody>
-      </p:sp>
-      <p:sp>
-        <p:nvSpPr>
-          <p:cNvPr id="34" name="Rectangle 33">
-            <a:extLst>
-              <a:ext uri="{FF2B5EF4-FFF2-40B4-BE49-F238E27FC236}">
-                <a16:creationId xmlns:a16="http://schemas.microsoft.com/office/drawing/2014/main" id="{FFC57F4B-B5F7-D145-AE19-69BFD84F4155}"/>
-              </a:ext>
-            </a:extLst>
-          </p:cNvPr>
-          <p:cNvSpPr/>
-          <p:nvPr/>
-        </p:nvSpPr>
-        <p:spPr>
-          <a:xfrm>
-            <a:off x="6476985" y="3504406"/>
-            <a:ext cx="1278837" cy="427380"/>
-          </a:xfrm>
-          <a:prstGeom prst="rect">
-            <a:avLst/>
-          </a:prstGeom>
-          <a:solidFill>
-            <a:srgbClr val="92D050"/>
-          </a:solidFill>
-          <a:ln>
-            <a:noFill/>
-          </a:ln>
-        </p:spPr>
-        <p:style>
-          <a:lnRef idx="2">
-            <a:schemeClr val="accent1">
-              <a:shade val="50000"/>
-            </a:schemeClr>
-          </a:lnRef>
-          <a:fillRef idx="1">
-            <a:schemeClr val="accent1"/>
-          </a:fillRef>
-          <a:effectRef idx="0">
-            <a:schemeClr val="accent1"/>
-          </a:effectRef>
-          <a:fontRef idx="minor">
-            <a:schemeClr val="lt1"/>
-          </a:fontRef>
-        </p:style>
-        <p:txBody>
-          <a:bodyPr rot="0" spcFirstLastPara="0" vertOverflow="overflow" horzOverflow="overflow" vert="horz" wrap="square" lIns="91440" tIns="45720" rIns="91440" bIns="45720" numCol="1" spcCol="0" rtlCol="0" fromWordArt="0" anchor="ctr" anchorCtr="0" forceAA="0" compatLnSpc="1">
-            <a:prstTxWarp prst="textNoShape">
-              <a:avLst/>
-            </a:prstTxWarp>
-            <a:noAutofit/>
-          </a:bodyPr>
-          <a:lstStyle/>
-          <a:p>
-            <a:pPr algn="ctr"/>
-            <a:r>
-              <a:rPr lang="en-US" sz="1600" dirty="0">
-                <a:latin typeface="Avenir Roman" panose="02000503020000020003" pitchFamily="2" charset="0"/>
-              </a:rPr>
-              <a:t>Partition 3</a:t>
-            </a:r>
-          </a:p>
-        </p:txBody>
-      </p:sp>
-      <p:cxnSp>
-        <p:nvCxnSpPr>
-          <p:cNvPr id="36" name="Straight Arrow Connector 35">
-            <a:extLst>
-              <a:ext uri="{FF2B5EF4-FFF2-40B4-BE49-F238E27FC236}">
-                <a16:creationId xmlns:a16="http://schemas.microsoft.com/office/drawing/2014/main" id="{0345C8C3-C8D5-5C46-9CEE-FC9CB533D694}"/>
-              </a:ext>
-            </a:extLst>
-          </p:cNvPr>
-          <p:cNvCxnSpPr>
-            <a:endCxn id="29" idx="1"/>
-          </p:cNvCxnSpPr>
-          <p:nvPr/>
-        </p:nvCxnSpPr>
-        <p:spPr>
-          <a:xfrm>
-            <a:off x="3061251" y="1987826"/>
-            <a:ext cx="1136368" cy="900384"/>
-          </a:xfrm>
-          <a:prstGeom prst="straightConnector1">
-            <a:avLst/>
-          </a:prstGeom>
-          <a:ln w="19050">
-            <a:solidFill>
-              <a:schemeClr val="bg1">
-                <a:lumMod val="65000"/>
-              </a:schemeClr>
-            </a:solidFill>
-            <a:prstDash val="dash"/>
-            <a:tailEnd type="triangle"/>
-          </a:ln>
-        </p:spPr>
-        <p:style>
-          <a:lnRef idx="1">
-            <a:schemeClr val="accent1"/>
-          </a:lnRef>
-          <a:fillRef idx="0">
-            <a:schemeClr val="accent1"/>
-          </a:fillRef>
-          <a:effectRef idx="0">
-            <a:schemeClr val="accent1"/>
-          </a:effectRef>
-          <a:fontRef idx="minor">
-            <a:schemeClr val="tx1"/>
-          </a:fontRef>
-        </p:style>
-      </p:cxnSp>
-      <p:cxnSp>
-        <p:nvCxnSpPr>
-          <p:cNvPr id="37" name="Straight Arrow Connector 36">
-            <a:extLst>
-              <a:ext uri="{FF2B5EF4-FFF2-40B4-BE49-F238E27FC236}">
-                <a16:creationId xmlns:a16="http://schemas.microsoft.com/office/drawing/2014/main" id="{C94F47A1-F243-D34C-B516-482CE115DA9E}"/>
-              </a:ext>
-            </a:extLst>
-          </p:cNvPr>
-          <p:cNvCxnSpPr>
-            <a:cxnSpLocks/>
-            <a:stCxn id="8" idx="3"/>
-            <a:endCxn id="19" idx="1"/>
-          </p:cNvCxnSpPr>
-          <p:nvPr/>
-        </p:nvCxnSpPr>
-        <p:spPr>
-          <a:xfrm flipV="1">
-            <a:off x="3061252" y="1989824"/>
-            <a:ext cx="1113176" cy="881101"/>
-          </a:xfrm>
-          <a:prstGeom prst="straightConnector1">
-            <a:avLst/>
-          </a:prstGeom>
-          <a:ln w="19050">
-            <a:solidFill>
-              <a:schemeClr val="bg1">
-                <a:lumMod val="65000"/>
-              </a:schemeClr>
-            </a:solidFill>
-            <a:prstDash val="dash"/>
-            <a:tailEnd type="triangle"/>
-          </a:ln>
-        </p:spPr>
-        <p:style>
-          <a:lnRef idx="1">
-            <a:schemeClr val="accent1"/>
-          </a:lnRef>
-          <a:fillRef idx="0">
-            <a:schemeClr val="accent1"/>
-          </a:fillRef>
-          <a:effectRef idx="0">
-            <a:schemeClr val="accent1"/>
-          </a:effectRef>
-          <a:fontRef idx="minor">
-            <a:schemeClr val="tx1"/>
-          </a:fontRef>
-        </p:style>
-      </p:cxnSp>
-      <p:cxnSp>
-        <p:nvCxnSpPr>
-          <p:cNvPr id="40" name="Straight Arrow Connector 39">
-            <a:extLst>
-              <a:ext uri="{FF2B5EF4-FFF2-40B4-BE49-F238E27FC236}">
-                <a16:creationId xmlns:a16="http://schemas.microsoft.com/office/drawing/2014/main" id="{5CD5308E-9123-FF48-A8D1-6C73742A9E61}"/>
-              </a:ext>
-            </a:extLst>
-          </p:cNvPr>
-          <p:cNvCxnSpPr>
-            <a:cxnSpLocks/>
-            <a:stCxn id="9" idx="3"/>
-            <a:endCxn id="31" idx="1"/>
-          </p:cNvCxnSpPr>
-          <p:nvPr/>
-        </p:nvCxnSpPr>
-        <p:spPr>
-          <a:xfrm>
-            <a:off x="3061252" y="3727859"/>
-            <a:ext cx="1070107" cy="898386"/>
-          </a:xfrm>
-          <a:prstGeom prst="straightConnector1">
-            <a:avLst/>
-          </a:prstGeom>
-          <a:ln w="19050">
-            <a:solidFill>
-              <a:schemeClr val="bg1">
-                <a:lumMod val="65000"/>
-              </a:schemeClr>
-            </a:solidFill>
-            <a:prstDash val="dash"/>
-            <a:tailEnd type="triangle"/>
-          </a:ln>
-        </p:spPr>
-        <p:style>
-          <a:lnRef idx="1">
-            <a:schemeClr val="accent1"/>
-          </a:lnRef>
-          <a:fillRef idx="0">
-            <a:schemeClr val="accent1"/>
-          </a:fillRef>
-          <a:effectRef idx="0">
-            <a:schemeClr val="accent1"/>
-          </a:effectRef>
-          <a:fontRef idx="minor">
-            <a:schemeClr val="tx1"/>
-          </a:fontRef>
-        </p:style>
-      </p:cxnSp>
-      <p:cxnSp>
-        <p:nvCxnSpPr>
-          <p:cNvPr id="43" name="Straight Arrow Connector 42">
-            <a:extLst>
-              <a:ext uri="{FF2B5EF4-FFF2-40B4-BE49-F238E27FC236}">
-                <a16:creationId xmlns:a16="http://schemas.microsoft.com/office/drawing/2014/main" id="{BFC3D6A4-7921-144E-A375-C669006E1B1C}"/>
-              </a:ext>
-            </a:extLst>
-          </p:cNvPr>
-          <p:cNvCxnSpPr>
-            <a:cxnSpLocks/>
-            <a:stCxn id="10" idx="3"/>
-            <a:endCxn id="32" idx="1"/>
-          </p:cNvCxnSpPr>
-          <p:nvPr/>
-        </p:nvCxnSpPr>
-        <p:spPr>
-          <a:xfrm flipV="1">
-            <a:off x="3061251" y="3727859"/>
-            <a:ext cx="1113175" cy="865844"/>
-          </a:xfrm>
-          <a:prstGeom prst="straightConnector1">
-            <a:avLst/>
-          </a:prstGeom>
-          <a:ln w="19050">
-            <a:solidFill>
-              <a:schemeClr val="bg1">
-                <a:lumMod val="65000"/>
-              </a:schemeClr>
-            </a:solidFill>
-            <a:prstDash val="dash"/>
-            <a:tailEnd type="triangle"/>
-          </a:ln>
-        </p:spPr>
-        <p:style>
-          <a:lnRef idx="1">
-            <a:schemeClr val="accent1"/>
-          </a:lnRef>
-          <a:fillRef idx="0">
-            <a:schemeClr val="accent1"/>
-          </a:fillRef>
-          <a:effectRef idx="0">
-            <a:schemeClr val="accent1"/>
-          </a:effectRef>
-          <a:fontRef idx="minor">
-            <a:schemeClr val="tx1"/>
-          </a:fontRef>
-        </p:style>
-      </p:cxnSp>
-      <p:cxnSp>
-        <p:nvCxnSpPr>
-          <p:cNvPr id="46" name="Straight Arrow Connector 45">
-            <a:extLst>
-              <a:ext uri="{FF2B5EF4-FFF2-40B4-BE49-F238E27FC236}">
-                <a16:creationId xmlns:a16="http://schemas.microsoft.com/office/drawing/2014/main" id="{19D86D33-AA3A-B940-91BD-FB881FDCF77B}"/>
-              </a:ext>
-            </a:extLst>
-          </p:cNvPr>
-          <p:cNvCxnSpPr>
-            <a:cxnSpLocks/>
-            <a:stCxn id="15" idx="1"/>
-            <a:endCxn id="22" idx="3"/>
-          </p:cNvCxnSpPr>
-          <p:nvPr/>
-        </p:nvCxnSpPr>
-        <p:spPr>
-          <a:xfrm flipH="1" flipV="1">
-            <a:off x="7759141" y="1997509"/>
-            <a:ext cx="1272201" cy="1730350"/>
-          </a:xfrm>
-          <a:prstGeom prst="straightConnector1">
-            <a:avLst/>
-          </a:prstGeom>
-          <a:ln w="19050">
-            <a:solidFill>
-              <a:schemeClr val="bg1">
-                <a:lumMod val="65000"/>
-              </a:schemeClr>
-            </a:solidFill>
-            <a:prstDash val="dash"/>
-            <a:tailEnd type="triangle"/>
-          </a:ln>
-        </p:spPr>
-        <p:style>
-          <a:lnRef idx="1">
-            <a:schemeClr val="accent1"/>
-          </a:lnRef>
-          <a:fillRef idx="0">
-            <a:schemeClr val="accent1"/>
-          </a:fillRef>
-          <a:effectRef idx="0">
-            <a:schemeClr val="accent1"/>
-          </a:effectRef>
-          <a:fontRef idx="minor">
-            <a:schemeClr val="tx1"/>
-          </a:fontRef>
-        </p:style>
-      </p:cxnSp>
-      <p:cxnSp>
-        <p:nvCxnSpPr>
-          <p:cNvPr id="49" name="Straight Arrow Connector 48">
-            <a:extLst>
-              <a:ext uri="{FF2B5EF4-FFF2-40B4-BE49-F238E27FC236}">
-                <a16:creationId xmlns:a16="http://schemas.microsoft.com/office/drawing/2014/main" id="{9247C540-561D-E647-8E9C-C7643F3BBFD0}"/>
-              </a:ext>
-            </a:extLst>
-          </p:cNvPr>
-          <p:cNvCxnSpPr>
-            <a:cxnSpLocks/>
-            <a:stCxn id="13" idx="1"/>
-            <a:endCxn id="34" idx="3"/>
-          </p:cNvCxnSpPr>
-          <p:nvPr/>
-        </p:nvCxnSpPr>
-        <p:spPr>
-          <a:xfrm flipH="1">
-            <a:off x="7755822" y="1990170"/>
-            <a:ext cx="1282155" cy="1727926"/>
-          </a:xfrm>
-          <a:prstGeom prst="straightConnector1">
-            <a:avLst/>
-          </a:prstGeom>
-          <a:ln w="19050">
-            <a:solidFill>
-              <a:schemeClr val="bg1">
-                <a:lumMod val="65000"/>
-              </a:schemeClr>
-            </a:solidFill>
-            <a:prstDash val="dash"/>
-            <a:tailEnd type="triangle"/>
-          </a:ln>
-        </p:spPr>
-        <p:style>
-          <a:lnRef idx="1">
-            <a:schemeClr val="accent1"/>
-          </a:lnRef>
-          <a:fillRef idx="0">
-            <a:schemeClr val="accent1"/>
-          </a:fillRef>
-          <a:effectRef idx="0">
-            <a:schemeClr val="accent1"/>
-          </a:effectRef>
-          <a:fontRef idx="minor">
-            <a:schemeClr val="tx1"/>
-          </a:fontRef>
-        </p:style>
-      </p:cxnSp>
-      <p:cxnSp>
-        <p:nvCxnSpPr>
-          <p:cNvPr id="52" name="Straight Arrow Connector 51">
-            <a:extLst>
-              <a:ext uri="{FF2B5EF4-FFF2-40B4-BE49-F238E27FC236}">
-                <a16:creationId xmlns:a16="http://schemas.microsoft.com/office/drawing/2014/main" id="{0995041D-26A3-FA43-8E2D-1AAB674D62AC}"/>
-              </a:ext>
-            </a:extLst>
-          </p:cNvPr>
-          <p:cNvCxnSpPr>
-            <a:cxnSpLocks/>
-            <a:stCxn id="14" idx="1"/>
-            <a:endCxn id="33" idx="3"/>
-          </p:cNvCxnSpPr>
-          <p:nvPr/>
-        </p:nvCxnSpPr>
-        <p:spPr>
-          <a:xfrm flipH="1">
-            <a:off x="7755823" y="2818258"/>
-            <a:ext cx="1275520" cy="1775445"/>
-          </a:xfrm>
-          <a:prstGeom prst="straightConnector1">
-            <a:avLst/>
-          </a:prstGeom>
-          <a:ln w="19050">
-            <a:solidFill>
-              <a:schemeClr val="bg1">
-                <a:lumMod val="65000"/>
-              </a:schemeClr>
-            </a:solidFill>
-            <a:prstDash val="dash"/>
-            <a:tailEnd type="triangle"/>
-          </a:ln>
-        </p:spPr>
-        <p:style>
-          <a:lnRef idx="1">
-            <a:schemeClr val="accent1"/>
-          </a:lnRef>
-          <a:fillRef idx="0">
-            <a:schemeClr val="accent1"/>
-          </a:fillRef>
-          <a:effectRef idx="0">
-            <a:schemeClr val="accent1"/>
-          </a:effectRef>
-          <a:fontRef idx="minor">
-            <a:schemeClr val="tx1"/>
-          </a:fontRef>
-        </p:style>
-      </p:cxnSp>
-      <p:cxnSp>
-        <p:nvCxnSpPr>
-          <p:cNvPr id="55" name="Straight Arrow Connector 54">
-            <a:extLst>
-              <a:ext uri="{FF2B5EF4-FFF2-40B4-BE49-F238E27FC236}">
-                <a16:creationId xmlns:a16="http://schemas.microsoft.com/office/drawing/2014/main" id="{B8D54EA2-6266-F04D-8087-D8EC3B81D147}"/>
-              </a:ext>
-            </a:extLst>
-          </p:cNvPr>
-          <p:cNvCxnSpPr>
-            <a:cxnSpLocks/>
-            <a:stCxn id="16" idx="1"/>
-            <a:endCxn id="30" idx="3"/>
-          </p:cNvCxnSpPr>
-          <p:nvPr/>
-        </p:nvCxnSpPr>
-        <p:spPr>
-          <a:xfrm flipH="1" flipV="1">
-            <a:off x="7759142" y="2862907"/>
-            <a:ext cx="1272199" cy="1730796"/>
-          </a:xfrm>
-          <a:prstGeom prst="straightConnector1">
-            <a:avLst/>
-          </a:prstGeom>
-          <a:ln w="19050">
-            <a:solidFill>
-              <a:schemeClr val="bg1">
-                <a:lumMod val="65000"/>
-              </a:schemeClr>
-            </a:solidFill>
-            <a:prstDash val="dash"/>
-            <a:tailEnd type="triangle"/>
-          </a:ln>
-        </p:spPr>
-        <p:style>
-          <a:lnRef idx="1">
-            <a:schemeClr val="accent1"/>
-          </a:lnRef>
-          <a:fillRef idx="0">
-            <a:schemeClr val="accent1"/>
-          </a:fillRef>
-          <a:effectRef idx="0">
-            <a:schemeClr val="accent1"/>
-          </a:effectRef>
-          <a:fontRef idx="minor">
-            <a:schemeClr val="tx1"/>
-          </a:fontRef>
-        </p:style>
-      </p:cxnSp>
-      <p:sp>
-        <p:nvSpPr>
-          <p:cNvPr id="58" name="Rectangle 57">
-            <a:extLst>
-              <a:ext uri="{FF2B5EF4-FFF2-40B4-BE49-F238E27FC236}">
-                <a16:creationId xmlns:a16="http://schemas.microsoft.com/office/drawing/2014/main" id="{9B944AA8-234E-9D43-8511-0C4AE044DD2C}"/>
-              </a:ext>
-            </a:extLst>
-          </p:cNvPr>
-          <p:cNvSpPr/>
-          <p:nvPr/>
-        </p:nvSpPr>
-        <p:spPr>
-          <a:xfrm>
-            <a:off x="2902226" y="1151708"/>
-            <a:ext cx="1229133" cy="397565"/>
-          </a:xfrm>
-          <a:prstGeom prst="rect">
-            <a:avLst/>
-          </a:prstGeom>
-          <a:solidFill>
-            <a:schemeClr val="bg1">
-              <a:lumMod val="95000"/>
-            </a:schemeClr>
-          </a:solidFill>
-          <a:ln w="6350">
-            <a:solidFill>
-              <a:schemeClr val="bg1">
-                <a:lumMod val="65000"/>
-              </a:schemeClr>
-            </a:solidFill>
-            <a:prstDash val="dash"/>
-          </a:ln>
-        </p:spPr>
-        <p:style>
-          <a:lnRef idx="2">
-            <a:schemeClr val="accent1">
-              <a:shade val="50000"/>
-            </a:schemeClr>
-          </a:lnRef>
-          <a:fillRef idx="1">
-            <a:schemeClr val="accent1"/>
-          </a:fillRef>
-          <a:effectRef idx="0">
-            <a:schemeClr val="accent1"/>
-          </a:effectRef>
-          <a:fontRef idx="minor">
-            <a:schemeClr val="lt1"/>
-          </a:fontRef>
-        </p:style>
-        <p:txBody>
-          <a:bodyPr rtlCol="0" anchor="ctr"/>
-          <a:lstStyle/>
-          <a:p>
-            <a:pPr algn="ctr"/>
-            <a:r>
-              <a:rPr lang="en-US" sz="1600" dirty="0">
-                <a:solidFill>
-                  <a:schemeClr val="tx1">
-                    <a:lumMod val="65000"/>
-                    <a:lumOff val="35000"/>
-                  </a:schemeClr>
-                </a:solidFill>
-                <a:latin typeface="Avenir Roman" panose="02000503020000020003" pitchFamily="2" charset="0"/>
-              </a:rPr>
-              <a:t>Shuffle</a:t>
-            </a:r>
-          </a:p>
-        </p:txBody>
-      </p:sp>
-      <p:sp>
-        <p:nvSpPr>
-          <p:cNvPr id="59" name="Rectangle 58">
-            <a:extLst>
-              <a:ext uri="{FF2B5EF4-FFF2-40B4-BE49-F238E27FC236}">
-                <a16:creationId xmlns:a16="http://schemas.microsoft.com/office/drawing/2014/main" id="{59C55A42-7526-5644-92B0-1972D75EB75C}"/>
-              </a:ext>
-            </a:extLst>
-          </p:cNvPr>
-          <p:cNvSpPr/>
-          <p:nvPr/>
-        </p:nvSpPr>
-        <p:spPr>
-          <a:xfrm>
-            <a:off x="7918166" y="1137804"/>
-            <a:ext cx="1229133" cy="397565"/>
-          </a:xfrm>
-          <a:prstGeom prst="rect">
-            <a:avLst/>
-          </a:prstGeom>
-          <a:solidFill>
-            <a:schemeClr val="bg1">
-              <a:lumMod val="95000"/>
-            </a:schemeClr>
-          </a:solidFill>
-          <a:ln w="6350">
-            <a:solidFill>
-              <a:schemeClr val="bg1">
-                <a:lumMod val="65000"/>
-              </a:schemeClr>
-            </a:solidFill>
-            <a:prstDash val="dash"/>
-          </a:ln>
-        </p:spPr>
-        <p:style>
-          <a:lnRef idx="2">
-            <a:schemeClr val="accent1">
-              <a:shade val="50000"/>
-            </a:schemeClr>
-          </a:lnRef>
-          <a:fillRef idx="1">
-            <a:schemeClr val="accent1"/>
-          </a:fillRef>
-          <a:effectRef idx="0">
-            <a:schemeClr val="accent1"/>
-          </a:effectRef>
-          <a:fontRef idx="minor">
-            <a:schemeClr val="lt1"/>
-          </a:fontRef>
-        </p:style>
-        <p:txBody>
-          <a:bodyPr rtlCol="0" anchor="ctr"/>
-          <a:lstStyle/>
-          <a:p>
-            <a:pPr algn="ctr"/>
-            <a:r>
-              <a:rPr lang="en-US" sz="1600" dirty="0">
-                <a:solidFill>
-                  <a:schemeClr val="tx1">
-                    <a:lumMod val="65000"/>
-                    <a:lumOff val="35000"/>
-                  </a:schemeClr>
-                </a:solidFill>
-                <a:latin typeface="Avenir Roman" panose="02000503020000020003" pitchFamily="2" charset="0"/>
-              </a:rPr>
-              <a:t>Shuffle</a:t>
-            </a:r>
-          </a:p>
-        </p:txBody>
-      </p:sp>
-      <p:cxnSp>
-        <p:nvCxnSpPr>
-          <p:cNvPr id="61" name="Straight Arrow Connector 60">
-            <a:extLst>
-              <a:ext uri="{FF2B5EF4-FFF2-40B4-BE49-F238E27FC236}">
-                <a16:creationId xmlns:a16="http://schemas.microsoft.com/office/drawing/2014/main" id="{F3E5C13D-C945-9E41-969F-8C90E3AB1290}"/>
-              </a:ext>
-            </a:extLst>
-          </p:cNvPr>
-          <p:cNvCxnSpPr>
-            <a:stCxn id="19" idx="3"/>
-          </p:cNvCxnSpPr>
-          <p:nvPr/>
-        </p:nvCxnSpPr>
-        <p:spPr>
-          <a:xfrm>
-            <a:off x="5453265" y="1989824"/>
-            <a:ext cx="1023720" cy="7685"/>
-          </a:xfrm>
-          <a:prstGeom prst="straightConnector1">
-            <a:avLst/>
-          </a:prstGeom>
-          <a:ln>
-            <a:solidFill>
-              <a:schemeClr val="tx1">
-                <a:lumMod val="50000"/>
-                <a:lumOff val="50000"/>
-              </a:schemeClr>
-            </a:solidFill>
-            <a:headEnd type="triangle"/>
-            <a:tailEnd type="triangle"/>
-          </a:ln>
-        </p:spPr>
-        <p:style>
-          <a:lnRef idx="1">
-            <a:schemeClr val="accent1"/>
-          </a:lnRef>
-          <a:fillRef idx="0">
-            <a:schemeClr val="accent1"/>
-          </a:fillRef>
-          <a:effectRef idx="0">
-            <a:schemeClr val="accent1"/>
-          </a:effectRef>
-          <a:fontRef idx="minor">
-            <a:schemeClr val="tx1"/>
-          </a:fontRef>
-        </p:style>
-      </p:cxnSp>
-      <p:cxnSp>
-        <p:nvCxnSpPr>
-          <p:cNvPr id="62" name="Straight Arrow Connector 61">
-            <a:extLst>
-              <a:ext uri="{FF2B5EF4-FFF2-40B4-BE49-F238E27FC236}">
-                <a16:creationId xmlns:a16="http://schemas.microsoft.com/office/drawing/2014/main" id="{2D6B79E8-6EF7-894E-B016-5F399C62B6BC}"/>
-              </a:ext>
-            </a:extLst>
-          </p:cNvPr>
-          <p:cNvCxnSpPr/>
-          <p:nvPr/>
-        </p:nvCxnSpPr>
-        <p:spPr>
-          <a:xfrm>
-            <a:off x="5459899" y="2870925"/>
-            <a:ext cx="1023720" cy="7685"/>
-          </a:xfrm>
-          <a:prstGeom prst="straightConnector1">
-            <a:avLst/>
-          </a:prstGeom>
-          <a:ln>
-            <a:solidFill>
-              <a:schemeClr val="tx1">
-                <a:lumMod val="50000"/>
-                <a:lumOff val="50000"/>
-              </a:schemeClr>
-            </a:solidFill>
-            <a:headEnd type="triangle"/>
-            <a:tailEnd type="triangle"/>
-          </a:ln>
-        </p:spPr>
-        <p:style>
-          <a:lnRef idx="1">
-            <a:schemeClr val="accent1"/>
-          </a:lnRef>
-          <a:fillRef idx="0">
-            <a:schemeClr val="accent1"/>
-          </a:fillRef>
-          <a:effectRef idx="0">
-            <a:schemeClr val="accent1"/>
-          </a:effectRef>
-          <a:fontRef idx="minor">
-            <a:schemeClr val="tx1"/>
-          </a:fontRef>
-        </p:style>
-      </p:cxnSp>
-      <p:cxnSp>
-        <p:nvCxnSpPr>
-          <p:cNvPr id="63" name="Straight Arrow Connector 62">
-            <a:extLst>
-              <a:ext uri="{FF2B5EF4-FFF2-40B4-BE49-F238E27FC236}">
-                <a16:creationId xmlns:a16="http://schemas.microsoft.com/office/drawing/2014/main" id="{58711500-14DD-C141-A45E-2B3DB4DF8E3B}"/>
-              </a:ext>
-            </a:extLst>
-          </p:cNvPr>
-          <p:cNvCxnSpPr/>
-          <p:nvPr/>
-        </p:nvCxnSpPr>
-        <p:spPr>
-          <a:xfrm>
-            <a:off x="5446630" y="3693724"/>
-            <a:ext cx="1023720" cy="7685"/>
-          </a:xfrm>
-          <a:prstGeom prst="straightConnector1">
-            <a:avLst/>
-          </a:prstGeom>
-          <a:ln>
-            <a:solidFill>
-              <a:schemeClr val="tx1">
-                <a:lumMod val="50000"/>
-                <a:lumOff val="50000"/>
-              </a:schemeClr>
-            </a:solidFill>
-            <a:headEnd type="triangle"/>
-            <a:tailEnd type="triangle"/>
-          </a:ln>
-        </p:spPr>
-        <p:style>
-          <a:lnRef idx="1">
-            <a:schemeClr val="accent1"/>
-          </a:lnRef>
-          <a:fillRef idx="0">
-            <a:schemeClr val="accent1"/>
-          </a:fillRef>
-          <a:effectRef idx="0">
-            <a:schemeClr val="accent1"/>
-          </a:effectRef>
-          <a:fontRef idx="minor">
-            <a:schemeClr val="tx1"/>
-          </a:fontRef>
-        </p:style>
-      </p:cxnSp>
-      <p:cxnSp>
-        <p:nvCxnSpPr>
-          <p:cNvPr id="64" name="Straight Arrow Connector 63">
-            <a:extLst>
-              <a:ext uri="{FF2B5EF4-FFF2-40B4-BE49-F238E27FC236}">
-                <a16:creationId xmlns:a16="http://schemas.microsoft.com/office/drawing/2014/main" id="{245AF17B-8B90-1A4F-A57A-FC7FF37B3143}"/>
-              </a:ext>
-            </a:extLst>
-          </p:cNvPr>
-          <p:cNvCxnSpPr/>
-          <p:nvPr/>
-        </p:nvCxnSpPr>
-        <p:spPr>
-          <a:xfrm>
-            <a:off x="5425107" y="4612933"/>
-            <a:ext cx="1023720" cy="7685"/>
-          </a:xfrm>
-          <a:prstGeom prst="straightConnector1">
-            <a:avLst/>
-          </a:prstGeom>
-          <a:ln>
-            <a:solidFill>
-              <a:schemeClr val="tx1">
-                <a:lumMod val="50000"/>
-                <a:lumOff val="50000"/>
-              </a:schemeClr>
-            </a:solidFill>
-            <a:headEnd type="triangle"/>
-            <a:tailEnd type="triangle"/>
-          </a:ln>
-        </p:spPr>
-        <p:style>
-          <a:lnRef idx="1">
-            <a:schemeClr val="accent1"/>
-          </a:lnRef>
-          <a:fillRef idx="0">
-            <a:schemeClr val="accent1"/>
-          </a:fillRef>
-          <a:effectRef idx="0">
-            <a:schemeClr val="accent1"/>
-          </a:effectRef>
-          <a:fontRef idx="minor">
-            <a:schemeClr val="tx1"/>
-          </a:fontRef>
-        </p:style>
-      </p:cxnSp>
-      <p:sp>
-        <p:nvSpPr>
-          <p:cNvPr id="65" name="Rectangle 64">
-            <a:extLst>
-              <a:ext uri="{FF2B5EF4-FFF2-40B4-BE49-F238E27FC236}">
-                <a16:creationId xmlns:a16="http://schemas.microsoft.com/office/drawing/2014/main" id="{D5F84F6E-5FB3-9D4A-A199-DF1641F19F52}"/>
-              </a:ext>
-            </a:extLst>
-          </p:cNvPr>
-          <p:cNvSpPr/>
-          <p:nvPr/>
-        </p:nvSpPr>
-        <p:spPr>
-          <a:xfrm>
-            <a:off x="5410196" y="1184608"/>
-            <a:ext cx="1229133" cy="397565"/>
-          </a:xfrm>
-          <a:prstGeom prst="rect">
-            <a:avLst/>
-          </a:prstGeom>
-          <a:solidFill>
-            <a:schemeClr val="bg1">
-              <a:lumMod val="95000"/>
-            </a:schemeClr>
-          </a:solidFill>
-          <a:ln w="6350">
-            <a:solidFill>
-              <a:schemeClr val="bg1">
-                <a:lumMod val="65000"/>
-              </a:schemeClr>
-            </a:solidFill>
-            <a:prstDash val="dash"/>
-          </a:ln>
-        </p:spPr>
-        <p:style>
-          <a:lnRef idx="2">
-            <a:schemeClr val="accent1">
-              <a:shade val="50000"/>
-            </a:schemeClr>
-          </a:lnRef>
-          <a:fillRef idx="1">
-            <a:schemeClr val="accent1"/>
-          </a:fillRef>
-          <a:effectRef idx="0">
-            <a:schemeClr val="accent1"/>
-          </a:effectRef>
-          <a:fontRef idx="minor">
-            <a:schemeClr val="lt1"/>
-          </a:fontRef>
-        </p:style>
-        <p:txBody>
-          <a:bodyPr rtlCol="0" anchor="ctr"/>
-          <a:lstStyle/>
-          <a:p>
-            <a:pPr algn="ctr"/>
-            <a:r>
-              <a:rPr lang="en-US" sz="1600" dirty="0">
-                <a:solidFill>
-                  <a:schemeClr val="tx1">
-                    <a:lumMod val="65000"/>
-                    <a:lumOff val="35000"/>
-                  </a:schemeClr>
-                </a:solidFill>
-                <a:latin typeface="Avenir Roman" panose="02000503020000020003" pitchFamily="2" charset="0"/>
-              </a:rPr>
-              <a:t>Join</a:t>
-            </a:r>
-          </a:p>
-        </p:txBody>
-      </p:sp>
-      <p:sp>
-        <p:nvSpPr>
-          <p:cNvPr id="69" name="Rounded Rectangle 68">
-            <a:extLst>
-              <a:ext uri="{FF2B5EF4-FFF2-40B4-BE49-F238E27FC236}">
-                <a16:creationId xmlns:a16="http://schemas.microsoft.com/office/drawing/2014/main" id="{381BE4E0-5B1E-EC4E-91EE-43620C2BBF5D}"/>
-              </a:ext>
-            </a:extLst>
-          </p:cNvPr>
-          <p:cNvSpPr/>
-          <p:nvPr/>
-        </p:nvSpPr>
-        <p:spPr>
-          <a:xfrm>
-            <a:off x="5062330" y="5766348"/>
-            <a:ext cx="1749288" cy="945702"/>
-          </a:xfrm>
-          <a:prstGeom prst="roundRect">
-            <a:avLst/>
-          </a:prstGeom>
-          <a:solidFill>
-            <a:schemeClr val="bg1">
-              <a:lumMod val="85000"/>
-            </a:schemeClr>
-          </a:solidFill>
-          <a:ln>
-            <a:noFill/>
-          </a:ln>
-        </p:spPr>
-        <p:style>
-          <a:lnRef idx="2">
-            <a:schemeClr val="accent1">
-              <a:shade val="50000"/>
-            </a:schemeClr>
-          </a:lnRef>
-          <a:fillRef idx="1">
-            <a:schemeClr val="accent1"/>
-          </a:fillRef>
-          <a:effectRef idx="0">
-            <a:schemeClr val="accent1"/>
-          </a:effectRef>
-          <a:fontRef idx="minor">
-            <a:schemeClr val="lt1"/>
-          </a:fontRef>
-        </p:style>
-        <p:txBody>
-          <a:bodyPr rtlCol="0" anchor="ctr"/>
-          <a:lstStyle/>
-          <a:p>
-            <a:pPr algn="ctr"/>
-            <a:endParaRPr lang="en-US"/>
-          </a:p>
-        </p:txBody>
-      </p:sp>
-      <p:sp>
-        <p:nvSpPr>
-          <p:cNvPr id="70" name="Rectangle 69">
-            <a:extLst>
-              <a:ext uri="{FF2B5EF4-FFF2-40B4-BE49-F238E27FC236}">
-                <a16:creationId xmlns:a16="http://schemas.microsoft.com/office/drawing/2014/main" id="{1163B507-6DB7-1C48-A5E7-62A4086E5691}"/>
-              </a:ext>
-            </a:extLst>
-          </p:cNvPr>
-          <p:cNvSpPr/>
-          <p:nvPr/>
-        </p:nvSpPr>
-        <p:spPr>
-          <a:xfrm>
-            <a:off x="5294655" y="5883962"/>
-            <a:ext cx="1297890" cy="693907"/>
-          </a:xfrm>
-          <a:prstGeom prst="rect">
-            <a:avLst/>
-          </a:prstGeom>
-          <a:solidFill>
-            <a:srgbClr val="FF7E79"/>
-          </a:solidFill>
-          <a:ln>
-            <a:noFill/>
-          </a:ln>
-        </p:spPr>
-        <p:style>
-          <a:lnRef idx="2">
-            <a:schemeClr val="accent1">
-              <a:shade val="50000"/>
-            </a:schemeClr>
-          </a:lnRef>
-          <a:fillRef idx="1">
-            <a:schemeClr val="accent1"/>
-          </a:fillRef>
-          <a:effectRef idx="0">
-            <a:schemeClr val="accent1"/>
-          </a:effectRef>
-          <a:fontRef idx="minor">
-            <a:schemeClr val="lt1"/>
-          </a:fontRef>
-        </p:style>
-        <p:txBody>
-          <a:bodyPr rtlCol="0" anchor="ctr"/>
-          <a:lstStyle/>
-          <a:p>
-            <a:pPr algn="ctr"/>
-            <a:r>
-              <a:rPr lang="en-US" sz="1600" dirty="0">
-                <a:latin typeface="Avenir Roman" panose="02000503020000020003" pitchFamily="2" charset="0"/>
-              </a:rPr>
-              <a:t>New </a:t>
-            </a:r>
-            <a:r>
-              <a:rPr lang="en-US" sz="1600" dirty="0" err="1">
-                <a:latin typeface="Avenir Roman" panose="02000503020000020003" pitchFamily="2" charset="0"/>
-              </a:rPr>
-              <a:t>DataFrame</a:t>
-            </a:r>
-            <a:endParaRPr lang="en-US" sz="1600" dirty="0">
-              <a:latin typeface="Avenir Roman" panose="02000503020000020003" pitchFamily="2" charset="0"/>
-            </a:endParaRPr>
-          </a:p>
-        </p:txBody>
-      </p:sp>
-      <p:cxnSp>
-        <p:nvCxnSpPr>
-          <p:cNvPr id="71" name="Straight Arrow Connector 70">
-            <a:extLst>
-              <a:ext uri="{FF2B5EF4-FFF2-40B4-BE49-F238E27FC236}">
-                <a16:creationId xmlns:a16="http://schemas.microsoft.com/office/drawing/2014/main" id="{D3A6144E-E623-3D4F-9DA1-F0487F5CF680}"/>
-              </a:ext>
-            </a:extLst>
-          </p:cNvPr>
-          <p:cNvCxnSpPr>
-            <a:cxnSpLocks/>
-            <a:endCxn id="70" idx="0"/>
-          </p:cNvCxnSpPr>
-          <p:nvPr/>
-        </p:nvCxnSpPr>
-        <p:spPr>
-          <a:xfrm flipH="1">
-            <a:off x="5943600" y="1997509"/>
-            <a:ext cx="28160" cy="3886453"/>
-          </a:xfrm>
-          <a:prstGeom prst="straightConnector1">
-            <a:avLst/>
-          </a:prstGeom>
-          <a:ln>
-            <a:solidFill>
-              <a:schemeClr val="bg1">
-                <a:lumMod val="65000"/>
-              </a:schemeClr>
-            </a:solidFill>
-            <a:prstDash val="dashDot"/>
-            <a:tailEnd type="triangle"/>
-          </a:ln>
-        </p:spPr>
-        <p:style>
-          <a:lnRef idx="1">
-            <a:schemeClr val="accent1"/>
-          </a:lnRef>
-          <a:fillRef idx="0">
-            <a:schemeClr val="accent1"/>
-          </a:fillRef>
-          <a:effectRef idx="0">
-            <a:schemeClr val="accent1"/>
-          </a:effectRef>
-          <a:fontRef idx="minor">
-            <a:schemeClr val="tx1"/>
-          </a:fontRef>
-        </p:style>
-      </p:cxnSp>
-      <p:sp>
-        <p:nvSpPr>
-          <p:cNvPr id="72" name="Rectangle 71">
-            <a:extLst>
-              <a:ext uri="{FF2B5EF4-FFF2-40B4-BE49-F238E27FC236}">
-                <a16:creationId xmlns:a16="http://schemas.microsoft.com/office/drawing/2014/main" id="{DC1D97F6-6D8D-2048-92DF-0028D5F6CF0A}"/>
-              </a:ext>
-            </a:extLst>
-          </p:cNvPr>
-          <p:cNvSpPr/>
-          <p:nvPr/>
-        </p:nvSpPr>
-        <p:spPr>
-          <a:xfrm>
-            <a:off x="5322400" y="5197573"/>
-            <a:ext cx="1229133" cy="397565"/>
-          </a:xfrm>
-          <a:prstGeom prst="rect">
-            <a:avLst/>
-          </a:prstGeom>
-          <a:solidFill>
-            <a:schemeClr val="bg1">
-              <a:lumMod val="95000"/>
-            </a:schemeClr>
-          </a:solidFill>
-          <a:ln w="6350">
-            <a:solidFill>
-              <a:schemeClr val="bg1">
-                <a:lumMod val="65000"/>
-              </a:schemeClr>
-            </a:solidFill>
-            <a:prstDash val="dash"/>
-          </a:ln>
-        </p:spPr>
-        <p:style>
-          <a:lnRef idx="2">
-            <a:schemeClr val="accent1">
-              <a:shade val="50000"/>
-            </a:schemeClr>
-          </a:lnRef>
-          <a:fillRef idx="1">
-            <a:schemeClr val="accent1"/>
-          </a:fillRef>
-          <a:effectRef idx="0">
-            <a:schemeClr val="accent1"/>
-          </a:effectRef>
-          <a:fontRef idx="minor">
-            <a:schemeClr val="lt1"/>
-          </a:fontRef>
-        </p:style>
-        <p:txBody>
-          <a:bodyPr rtlCol="0" anchor="ctr"/>
-          <a:lstStyle/>
-          <a:p>
-            <a:pPr algn="ctr"/>
-            <a:r>
-              <a:rPr lang="en-US" sz="1600" dirty="0">
-                <a:solidFill>
-                  <a:schemeClr val="tx1">
-                    <a:lumMod val="65000"/>
-                    <a:lumOff val="35000"/>
-                  </a:schemeClr>
-                </a:solidFill>
-                <a:latin typeface="Avenir Roman" panose="02000503020000020003" pitchFamily="2" charset="0"/>
-              </a:rPr>
-              <a:t>Shuffle</a:t>
-            </a:r>
-          </a:p>
-        </p:txBody>
-      </p:sp>
-      <p:sp>
-        <p:nvSpPr>
-          <p:cNvPr id="74" name="TextBox 73">
-            <a:extLst>
-              <a:ext uri="{FF2B5EF4-FFF2-40B4-BE49-F238E27FC236}">
-                <a16:creationId xmlns:a16="http://schemas.microsoft.com/office/drawing/2014/main" id="{08086552-5230-9B4D-8477-5F37B056F5AA}"/>
+              <a:t>Sort Merge Join</a:t>
+            </a:r>
+          </a:p>
+        </p:txBody>
+      </p:sp>
+      <p:pic>
+        <p:nvPicPr>
+          <p:cNvPr id="5" name="Content Placeholder 4">
+            <a:extLst>
+              <a:ext uri="{FF2B5EF4-FFF2-40B4-BE49-F238E27FC236}">
+                <a16:creationId xmlns:a16="http://schemas.microsoft.com/office/drawing/2014/main" id="{F3AE8397-04C3-4046-A284-C31716A954C1}"/>
+              </a:ext>
+            </a:extLst>
+          </p:cNvPr>
+          <p:cNvPicPr>
+            <a:picLocks noGrp="1" noChangeAspect="1"/>
+          </p:cNvPicPr>
+          <p:nvPr>
+            <p:ph idx="1"/>
+          </p:nvPr>
+        </p:nvPicPr>
+        <p:blipFill>
+          <a:blip r:embed="rId2"/>
+          <a:stretch>
+            <a:fillRect/>
+          </a:stretch>
+        </p:blipFill>
+        <p:spPr>
+          <a:xfrm>
+            <a:off x="4539551" y="225286"/>
+            <a:ext cx="7599438" cy="6162729"/>
+          </a:xfrm>
+        </p:spPr>
+      </p:pic>
+      <p:sp>
+        <p:nvSpPr>
+          <p:cNvPr id="6" name="TextBox 5">
+            <a:extLst>
+              <a:ext uri="{FF2B5EF4-FFF2-40B4-BE49-F238E27FC236}">
+                <a16:creationId xmlns:a16="http://schemas.microsoft.com/office/drawing/2014/main" id="{4C532D07-4E5C-3843-84E2-E73642F0763E}"/>
               </a:ext>
             </a:extLst>
           </p:cNvPr>
@@ -10396,8 +8170,8 @@
         </p:nvSpPr>
         <p:spPr>
           <a:xfrm>
-            <a:off x="8653670" y="5595138"/>
-            <a:ext cx="2796208" cy="646331"/>
+            <a:off x="238538" y="1908314"/>
+            <a:ext cx="4399723" cy="800219"/>
           </a:xfrm>
           <a:prstGeom prst="rect">
             <a:avLst/>
@@ -10410,19 +8184,50 @@
           </a:bodyPr>
           <a:lstStyle/>
           <a:p>
-            <a:r>
-              <a:rPr lang="en-US" dirty="0">
+            <a:pPr marL="285750" indent="-285750">
+              <a:spcAft>
+                <a:spcPts val="1200"/>
+              </a:spcAft>
+              <a:buFont typeface="Arial" panose="020B0604020202020204" pitchFamily="34" charset="0"/>
+              <a:buChar char="•"/>
+            </a:pPr>
+            <a:r>
+              <a:rPr lang="en-IN" dirty="0">
                 <a:latin typeface="Avenir Roman" panose="02000503020000020003" pitchFamily="2" charset="0"/>
               </a:rPr>
-              <a:t>Each shuffle will spawn a new stage – 3 stages</a:t>
-            </a:r>
+              <a:t>Principle: Sort data before joining.</a:t>
+            </a:r>
+          </a:p>
+          <a:p>
+            <a:pPr marL="285750" indent="-285750">
+              <a:spcAft>
+                <a:spcPts val="1200"/>
+              </a:spcAft>
+              <a:buFont typeface="Arial" panose="020B0604020202020204" pitchFamily="34" charset="0"/>
+              <a:buChar char="•"/>
+            </a:pPr>
+            <a:r>
+              <a:rPr lang="en-IN" dirty="0" err="1">
+                <a:latin typeface="Avenir Roman" panose="02000503020000020003" pitchFamily="2" charset="0"/>
+              </a:rPr>
+              <a:t>spark.sql.join.preferSortMergeJoin</a:t>
+            </a:r>
+            <a:r>
+              <a:rPr lang="en-IN" dirty="0">
+                <a:latin typeface="Avenir Roman" panose="02000503020000020003" pitchFamily="2" charset="0"/>
+              </a:rPr>
+              <a:t> </a:t>
+            </a:r>
+            <a:endParaRPr lang="en-US" dirty="0">
+              <a:latin typeface="Avenir Roman" panose="02000503020000020003" pitchFamily="2" charset="0"/>
+            </a:endParaRPr>
           </a:p>
         </p:txBody>
       </p:sp>
     </p:spTree>
     <p:extLst>
       <p:ext uri="{BB962C8B-B14F-4D97-AF65-F5344CB8AC3E}">
-        <p14:creationId xmlns:p14="http://schemas.microsoft.com/office/powerpoint/2010/main" val="2888245552"/>
+        <p14:creationId xmlns:p14="http://schemas.microsoft.com/office/powerpoint/2010/main" val="1931001350"/>
       </p:ext>
     </p:extLst>
   </p:cSld>
@@ -10535,6 +8340,2389 @@
               <a:rPr lang="en-US" dirty="0">
                 <a:latin typeface="Avenir Roman" panose="02000503020000020003" pitchFamily="2" charset="0"/>
               </a:rPr>
+              <a:t>Joins – Shuffle Hash Join</a:t>
+            </a:r>
+          </a:p>
+        </p:txBody>
+      </p:sp>
+      <p:sp>
+        <p:nvSpPr>
+          <p:cNvPr id="6" name="Rectangle 5">
+            <a:extLst>
+              <a:ext uri="{FF2B5EF4-FFF2-40B4-BE49-F238E27FC236}">
+                <a16:creationId xmlns:a16="http://schemas.microsoft.com/office/drawing/2014/main" id="{07D9ADC2-EA22-884A-A1C9-BB45D0640A93}"/>
+              </a:ext>
+            </a:extLst>
+          </p:cNvPr>
+          <p:cNvSpPr/>
+          <p:nvPr/>
+        </p:nvSpPr>
+        <p:spPr>
+          <a:xfrm>
+            <a:off x="238538" y="3162127"/>
+            <a:ext cx="1278837" cy="427380"/>
+          </a:xfrm>
+          <a:prstGeom prst="rect">
+            <a:avLst/>
+          </a:prstGeom>
+          <a:ln>
+            <a:noFill/>
+          </a:ln>
+        </p:spPr>
+        <p:style>
+          <a:lnRef idx="2">
+            <a:schemeClr val="accent1">
+              <a:shade val="50000"/>
+            </a:schemeClr>
+          </a:lnRef>
+          <a:fillRef idx="1">
+            <a:schemeClr val="accent1"/>
+          </a:fillRef>
+          <a:effectRef idx="0">
+            <a:schemeClr val="accent1"/>
+          </a:effectRef>
+          <a:fontRef idx="minor">
+            <a:schemeClr val="lt1"/>
+          </a:fontRef>
+        </p:style>
+        <p:txBody>
+          <a:bodyPr rtlCol="0" anchor="ctr"/>
+          <a:lstStyle/>
+          <a:p>
+            <a:pPr algn="ctr"/>
+            <a:r>
+              <a:rPr lang="en-US" sz="1600" dirty="0">
+                <a:latin typeface="Avenir Roman" panose="02000503020000020003" pitchFamily="2" charset="0"/>
+              </a:rPr>
+              <a:t>DF 1</a:t>
+            </a:r>
+          </a:p>
+        </p:txBody>
+      </p:sp>
+      <p:sp>
+        <p:nvSpPr>
+          <p:cNvPr id="7" name="Rectangle 6">
+            <a:extLst>
+              <a:ext uri="{FF2B5EF4-FFF2-40B4-BE49-F238E27FC236}">
+                <a16:creationId xmlns:a16="http://schemas.microsoft.com/office/drawing/2014/main" id="{A4030EB9-4B3D-3640-B318-4FF0D2FB2646}"/>
+              </a:ext>
+            </a:extLst>
+          </p:cNvPr>
+          <p:cNvSpPr/>
+          <p:nvPr/>
+        </p:nvSpPr>
+        <p:spPr>
+          <a:xfrm>
+            <a:off x="1782416" y="1776134"/>
+            <a:ext cx="1278837" cy="427380"/>
+          </a:xfrm>
+          <a:prstGeom prst="rect">
+            <a:avLst/>
+          </a:prstGeom>
+          <a:ln>
+            <a:noFill/>
+          </a:ln>
+        </p:spPr>
+        <p:style>
+          <a:lnRef idx="2">
+            <a:schemeClr val="accent1">
+              <a:shade val="50000"/>
+            </a:schemeClr>
+          </a:lnRef>
+          <a:fillRef idx="1">
+            <a:schemeClr val="accent1"/>
+          </a:fillRef>
+          <a:effectRef idx="0">
+            <a:schemeClr val="accent1"/>
+          </a:effectRef>
+          <a:fontRef idx="minor">
+            <a:schemeClr val="lt1"/>
+          </a:fontRef>
+        </p:style>
+        <p:txBody>
+          <a:bodyPr rtlCol="0" anchor="ctr"/>
+          <a:lstStyle/>
+          <a:p>
+            <a:pPr algn="ctr"/>
+            <a:r>
+              <a:rPr lang="en-US" sz="1600" dirty="0">
+                <a:latin typeface="Avenir Roman" panose="02000503020000020003" pitchFamily="2" charset="0"/>
+              </a:rPr>
+              <a:t>Partition 0</a:t>
+            </a:r>
+          </a:p>
+        </p:txBody>
+      </p:sp>
+      <p:sp>
+        <p:nvSpPr>
+          <p:cNvPr id="8" name="Rectangle 7">
+            <a:extLst>
+              <a:ext uri="{FF2B5EF4-FFF2-40B4-BE49-F238E27FC236}">
+                <a16:creationId xmlns:a16="http://schemas.microsoft.com/office/drawing/2014/main" id="{3FD8A293-6B50-644C-ABE7-935E84646EA6}"/>
+              </a:ext>
+            </a:extLst>
+          </p:cNvPr>
+          <p:cNvSpPr/>
+          <p:nvPr/>
+        </p:nvSpPr>
+        <p:spPr>
+          <a:xfrm>
+            <a:off x="1782415" y="2657235"/>
+            <a:ext cx="1278837" cy="427380"/>
+          </a:xfrm>
+          <a:prstGeom prst="rect">
+            <a:avLst/>
+          </a:prstGeom>
+          <a:ln>
+            <a:noFill/>
+          </a:ln>
+        </p:spPr>
+        <p:style>
+          <a:lnRef idx="2">
+            <a:schemeClr val="accent1">
+              <a:shade val="50000"/>
+            </a:schemeClr>
+          </a:lnRef>
+          <a:fillRef idx="1">
+            <a:schemeClr val="accent1"/>
+          </a:fillRef>
+          <a:effectRef idx="0">
+            <a:schemeClr val="accent1"/>
+          </a:effectRef>
+          <a:fontRef idx="minor">
+            <a:schemeClr val="lt1"/>
+          </a:fontRef>
+        </p:style>
+        <p:txBody>
+          <a:bodyPr rtlCol="0" anchor="ctr"/>
+          <a:lstStyle/>
+          <a:p>
+            <a:pPr algn="ctr"/>
+            <a:r>
+              <a:rPr lang="en-US" sz="1600" dirty="0">
+                <a:latin typeface="Avenir Roman" panose="02000503020000020003" pitchFamily="2" charset="0"/>
+              </a:rPr>
+              <a:t>Partition 1</a:t>
+            </a:r>
+          </a:p>
+        </p:txBody>
+      </p:sp>
+      <p:sp>
+        <p:nvSpPr>
+          <p:cNvPr id="9" name="Rectangle 8">
+            <a:extLst>
+              <a:ext uri="{FF2B5EF4-FFF2-40B4-BE49-F238E27FC236}">
+                <a16:creationId xmlns:a16="http://schemas.microsoft.com/office/drawing/2014/main" id="{076DE417-4207-2244-B97D-1056060F3836}"/>
+              </a:ext>
+            </a:extLst>
+          </p:cNvPr>
+          <p:cNvSpPr/>
+          <p:nvPr/>
+        </p:nvSpPr>
+        <p:spPr>
+          <a:xfrm>
+            <a:off x="1782415" y="3514169"/>
+            <a:ext cx="1278837" cy="427380"/>
+          </a:xfrm>
+          <a:prstGeom prst="rect">
+            <a:avLst/>
+          </a:prstGeom>
+          <a:ln>
+            <a:noFill/>
+          </a:ln>
+        </p:spPr>
+        <p:style>
+          <a:lnRef idx="2">
+            <a:schemeClr val="accent1">
+              <a:shade val="50000"/>
+            </a:schemeClr>
+          </a:lnRef>
+          <a:fillRef idx="1">
+            <a:schemeClr val="accent1"/>
+          </a:fillRef>
+          <a:effectRef idx="0">
+            <a:schemeClr val="accent1"/>
+          </a:effectRef>
+          <a:fontRef idx="minor">
+            <a:schemeClr val="lt1"/>
+          </a:fontRef>
+        </p:style>
+        <p:txBody>
+          <a:bodyPr rtlCol="0" anchor="ctr"/>
+          <a:lstStyle/>
+          <a:p>
+            <a:pPr algn="ctr"/>
+            <a:r>
+              <a:rPr lang="en-US" sz="1600" dirty="0">
+                <a:latin typeface="Avenir Roman" panose="02000503020000020003" pitchFamily="2" charset="0"/>
+              </a:rPr>
+              <a:t>Partition 2</a:t>
+            </a:r>
+          </a:p>
+        </p:txBody>
+      </p:sp>
+      <p:sp>
+        <p:nvSpPr>
+          <p:cNvPr id="10" name="Rectangle 9">
+            <a:extLst>
+              <a:ext uri="{FF2B5EF4-FFF2-40B4-BE49-F238E27FC236}">
+                <a16:creationId xmlns:a16="http://schemas.microsoft.com/office/drawing/2014/main" id="{AF0E25D5-3D5B-8D4C-906C-072D2D935BC7}"/>
+              </a:ext>
+            </a:extLst>
+          </p:cNvPr>
+          <p:cNvSpPr/>
+          <p:nvPr/>
+        </p:nvSpPr>
+        <p:spPr>
+          <a:xfrm>
+            <a:off x="1782414" y="4380013"/>
+            <a:ext cx="1278837" cy="427380"/>
+          </a:xfrm>
+          <a:prstGeom prst="rect">
+            <a:avLst/>
+          </a:prstGeom>
+          <a:ln>
+            <a:noFill/>
+          </a:ln>
+        </p:spPr>
+        <p:style>
+          <a:lnRef idx="2">
+            <a:schemeClr val="accent1">
+              <a:shade val="50000"/>
+            </a:schemeClr>
+          </a:lnRef>
+          <a:fillRef idx="1">
+            <a:schemeClr val="accent1"/>
+          </a:fillRef>
+          <a:effectRef idx="0">
+            <a:schemeClr val="accent1"/>
+          </a:effectRef>
+          <a:fontRef idx="minor">
+            <a:schemeClr val="lt1"/>
+          </a:fontRef>
+        </p:style>
+        <p:txBody>
+          <a:bodyPr rtlCol="0" anchor="ctr"/>
+          <a:lstStyle/>
+          <a:p>
+            <a:pPr algn="ctr"/>
+            <a:r>
+              <a:rPr lang="en-US" sz="1600" dirty="0">
+                <a:latin typeface="Avenir Roman" panose="02000503020000020003" pitchFamily="2" charset="0"/>
+              </a:rPr>
+              <a:t>Partition 3</a:t>
+            </a:r>
+          </a:p>
+        </p:txBody>
+      </p:sp>
+      <p:sp>
+        <p:nvSpPr>
+          <p:cNvPr id="11" name="Rectangle 10">
+            <a:extLst>
+              <a:ext uri="{FF2B5EF4-FFF2-40B4-BE49-F238E27FC236}">
+                <a16:creationId xmlns:a16="http://schemas.microsoft.com/office/drawing/2014/main" id="{48321D3E-943C-6E4C-B001-6C4C777FEC42}"/>
+              </a:ext>
+            </a:extLst>
+          </p:cNvPr>
+          <p:cNvSpPr/>
+          <p:nvPr/>
+        </p:nvSpPr>
+        <p:spPr>
+          <a:xfrm>
+            <a:off x="10754135" y="3375817"/>
+            <a:ext cx="1278837" cy="427380"/>
+          </a:xfrm>
+          <a:prstGeom prst="rect">
+            <a:avLst/>
+          </a:prstGeom>
+          <a:solidFill>
+            <a:srgbClr val="92D050"/>
+          </a:solidFill>
+          <a:ln>
+            <a:noFill/>
+          </a:ln>
+        </p:spPr>
+        <p:style>
+          <a:lnRef idx="2">
+            <a:schemeClr val="accent1">
+              <a:shade val="50000"/>
+            </a:schemeClr>
+          </a:lnRef>
+          <a:fillRef idx="1">
+            <a:schemeClr val="accent1"/>
+          </a:fillRef>
+          <a:effectRef idx="0">
+            <a:schemeClr val="accent1"/>
+          </a:effectRef>
+          <a:fontRef idx="minor">
+            <a:schemeClr val="lt1"/>
+          </a:fontRef>
+        </p:style>
+        <p:txBody>
+          <a:bodyPr rtlCol="0" anchor="ctr"/>
+          <a:lstStyle/>
+          <a:p>
+            <a:pPr algn="ctr"/>
+            <a:r>
+              <a:rPr lang="en-US" sz="1600" dirty="0">
+                <a:latin typeface="Avenir Roman" panose="02000503020000020003" pitchFamily="2" charset="0"/>
+              </a:rPr>
+              <a:t>DF 2</a:t>
+            </a:r>
+          </a:p>
+        </p:txBody>
+      </p:sp>
+      <p:sp>
+        <p:nvSpPr>
+          <p:cNvPr id="13" name="Rectangle 12">
+            <a:extLst>
+              <a:ext uri="{FF2B5EF4-FFF2-40B4-BE49-F238E27FC236}">
+                <a16:creationId xmlns:a16="http://schemas.microsoft.com/office/drawing/2014/main" id="{8071272D-289E-4245-80E0-80BC51A8477F}"/>
+              </a:ext>
+            </a:extLst>
+          </p:cNvPr>
+          <p:cNvSpPr/>
+          <p:nvPr/>
+        </p:nvSpPr>
+        <p:spPr>
+          <a:xfrm>
+            <a:off x="9037977" y="1776480"/>
+            <a:ext cx="1278837" cy="427380"/>
+          </a:xfrm>
+          <a:prstGeom prst="rect">
+            <a:avLst/>
+          </a:prstGeom>
+          <a:solidFill>
+            <a:srgbClr val="92D050"/>
+          </a:solidFill>
+          <a:ln>
+            <a:noFill/>
+          </a:ln>
+        </p:spPr>
+        <p:style>
+          <a:lnRef idx="2">
+            <a:schemeClr val="accent1">
+              <a:shade val="50000"/>
+            </a:schemeClr>
+          </a:lnRef>
+          <a:fillRef idx="1">
+            <a:schemeClr val="accent1"/>
+          </a:fillRef>
+          <a:effectRef idx="0">
+            <a:schemeClr val="accent1"/>
+          </a:effectRef>
+          <a:fontRef idx="minor">
+            <a:schemeClr val="lt1"/>
+          </a:fontRef>
+        </p:style>
+        <p:txBody>
+          <a:bodyPr rot="0" spcFirstLastPara="0" vertOverflow="overflow" horzOverflow="overflow" vert="horz" wrap="square" lIns="91440" tIns="45720" rIns="91440" bIns="45720" numCol="1" spcCol="0" rtlCol="0" fromWordArt="0" anchor="ctr" anchorCtr="0" forceAA="0" compatLnSpc="1">
+            <a:prstTxWarp prst="textNoShape">
+              <a:avLst/>
+            </a:prstTxWarp>
+            <a:noAutofit/>
+          </a:bodyPr>
+          <a:lstStyle/>
+          <a:p>
+            <a:pPr algn="ctr"/>
+            <a:r>
+              <a:rPr lang="en-US" sz="1600" dirty="0">
+                <a:latin typeface="Avenir Roman" panose="02000503020000020003" pitchFamily="2" charset="0"/>
+              </a:rPr>
+              <a:t>Partition 3</a:t>
+            </a:r>
+          </a:p>
+        </p:txBody>
+      </p:sp>
+      <p:sp>
+        <p:nvSpPr>
+          <p:cNvPr id="14" name="Rectangle 13">
+            <a:extLst>
+              <a:ext uri="{FF2B5EF4-FFF2-40B4-BE49-F238E27FC236}">
+                <a16:creationId xmlns:a16="http://schemas.microsoft.com/office/drawing/2014/main" id="{86959CA0-782B-D943-B174-DA77866DE2F1}"/>
+              </a:ext>
+            </a:extLst>
+          </p:cNvPr>
+          <p:cNvSpPr/>
+          <p:nvPr/>
+        </p:nvSpPr>
+        <p:spPr>
+          <a:xfrm>
+            <a:off x="9031343" y="2604568"/>
+            <a:ext cx="1278837" cy="427380"/>
+          </a:xfrm>
+          <a:prstGeom prst="rect">
+            <a:avLst/>
+          </a:prstGeom>
+          <a:solidFill>
+            <a:srgbClr val="92D050"/>
+          </a:solidFill>
+          <a:ln>
+            <a:noFill/>
+          </a:ln>
+        </p:spPr>
+        <p:style>
+          <a:lnRef idx="2">
+            <a:schemeClr val="accent1">
+              <a:shade val="50000"/>
+            </a:schemeClr>
+          </a:lnRef>
+          <a:fillRef idx="1">
+            <a:schemeClr val="accent1"/>
+          </a:fillRef>
+          <a:effectRef idx="0">
+            <a:schemeClr val="accent1"/>
+          </a:effectRef>
+          <a:fontRef idx="minor">
+            <a:schemeClr val="lt1"/>
+          </a:fontRef>
+        </p:style>
+        <p:txBody>
+          <a:bodyPr rot="0" spcFirstLastPara="0" vertOverflow="overflow" horzOverflow="overflow" vert="horz" wrap="square" lIns="91440" tIns="45720" rIns="91440" bIns="45720" numCol="1" spcCol="0" rtlCol="0" fromWordArt="0" anchor="ctr" anchorCtr="0" forceAA="0" compatLnSpc="1">
+            <a:prstTxWarp prst="textNoShape">
+              <a:avLst/>
+            </a:prstTxWarp>
+            <a:noAutofit/>
+          </a:bodyPr>
+          <a:lstStyle/>
+          <a:p>
+            <a:pPr algn="ctr"/>
+            <a:r>
+              <a:rPr lang="en-US" sz="1600" dirty="0">
+                <a:latin typeface="Avenir Roman" panose="02000503020000020003" pitchFamily="2" charset="0"/>
+              </a:rPr>
+              <a:t>Partition 2</a:t>
+            </a:r>
+          </a:p>
+        </p:txBody>
+      </p:sp>
+      <p:sp>
+        <p:nvSpPr>
+          <p:cNvPr id="15" name="Rectangle 14">
+            <a:extLst>
+              <a:ext uri="{FF2B5EF4-FFF2-40B4-BE49-F238E27FC236}">
+                <a16:creationId xmlns:a16="http://schemas.microsoft.com/office/drawing/2014/main" id="{962152A8-CE63-4448-95AA-1924E8F2AFFB}"/>
+              </a:ext>
+            </a:extLst>
+          </p:cNvPr>
+          <p:cNvSpPr/>
+          <p:nvPr/>
+        </p:nvSpPr>
+        <p:spPr>
+          <a:xfrm>
+            <a:off x="9031342" y="3514169"/>
+            <a:ext cx="1278837" cy="427380"/>
+          </a:xfrm>
+          <a:prstGeom prst="rect">
+            <a:avLst/>
+          </a:prstGeom>
+          <a:solidFill>
+            <a:srgbClr val="92D050"/>
+          </a:solidFill>
+          <a:ln>
+            <a:noFill/>
+          </a:ln>
+        </p:spPr>
+        <p:style>
+          <a:lnRef idx="2">
+            <a:schemeClr val="accent1">
+              <a:shade val="50000"/>
+            </a:schemeClr>
+          </a:lnRef>
+          <a:fillRef idx="1">
+            <a:schemeClr val="accent1"/>
+          </a:fillRef>
+          <a:effectRef idx="0">
+            <a:schemeClr val="accent1"/>
+          </a:effectRef>
+          <a:fontRef idx="minor">
+            <a:schemeClr val="lt1"/>
+          </a:fontRef>
+        </p:style>
+        <p:txBody>
+          <a:bodyPr rot="0" spcFirstLastPara="0" vertOverflow="overflow" horzOverflow="overflow" vert="horz" wrap="square" lIns="91440" tIns="45720" rIns="91440" bIns="45720" numCol="1" spcCol="0" rtlCol="0" fromWordArt="0" anchor="ctr" anchorCtr="0" forceAA="0" compatLnSpc="1">
+            <a:prstTxWarp prst="textNoShape">
+              <a:avLst/>
+            </a:prstTxWarp>
+            <a:noAutofit/>
+          </a:bodyPr>
+          <a:lstStyle/>
+          <a:p>
+            <a:pPr algn="ctr"/>
+            <a:r>
+              <a:rPr lang="en-US" sz="1600" dirty="0">
+                <a:latin typeface="Avenir Roman" panose="02000503020000020003" pitchFamily="2" charset="0"/>
+              </a:rPr>
+              <a:t>Partition 1</a:t>
+            </a:r>
+          </a:p>
+        </p:txBody>
+      </p:sp>
+      <p:sp>
+        <p:nvSpPr>
+          <p:cNvPr id="16" name="Rectangle 15">
+            <a:extLst>
+              <a:ext uri="{FF2B5EF4-FFF2-40B4-BE49-F238E27FC236}">
+                <a16:creationId xmlns:a16="http://schemas.microsoft.com/office/drawing/2014/main" id="{1FFF52E5-27D2-074C-80A9-9E4E9C308BF3}"/>
+              </a:ext>
+            </a:extLst>
+          </p:cNvPr>
+          <p:cNvSpPr/>
+          <p:nvPr/>
+        </p:nvSpPr>
+        <p:spPr>
+          <a:xfrm>
+            <a:off x="9031341" y="4380013"/>
+            <a:ext cx="1278837" cy="427380"/>
+          </a:xfrm>
+          <a:prstGeom prst="rect">
+            <a:avLst/>
+          </a:prstGeom>
+          <a:solidFill>
+            <a:srgbClr val="92D050"/>
+          </a:solidFill>
+          <a:ln>
+            <a:noFill/>
+          </a:ln>
+        </p:spPr>
+        <p:style>
+          <a:lnRef idx="2">
+            <a:schemeClr val="accent1">
+              <a:shade val="50000"/>
+            </a:schemeClr>
+          </a:lnRef>
+          <a:fillRef idx="1">
+            <a:schemeClr val="accent1"/>
+          </a:fillRef>
+          <a:effectRef idx="0">
+            <a:schemeClr val="accent1"/>
+          </a:effectRef>
+          <a:fontRef idx="minor">
+            <a:schemeClr val="lt1"/>
+          </a:fontRef>
+        </p:style>
+        <p:txBody>
+          <a:bodyPr rot="0" spcFirstLastPara="0" vertOverflow="overflow" horzOverflow="overflow" vert="horz" wrap="square" lIns="91440" tIns="45720" rIns="91440" bIns="45720" numCol="1" spcCol="0" rtlCol="0" fromWordArt="0" anchor="ctr" anchorCtr="0" forceAA="0" compatLnSpc="1">
+            <a:prstTxWarp prst="textNoShape">
+              <a:avLst/>
+            </a:prstTxWarp>
+            <a:noAutofit/>
+          </a:bodyPr>
+          <a:lstStyle/>
+          <a:p>
+            <a:pPr algn="ctr"/>
+            <a:r>
+              <a:rPr lang="en-US" sz="1600" dirty="0">
+                <a:latin typeface="Avenir Roman" panose="02000503020000020003" pitchFamily="2" charset="0"/>
+              </a:rPr>
+              <a:t>Partition 0</a:t>
+            </a:r>
+          </a:p>
+        </p:txBody>
+      </p:sp>
+      <p:sp>
+        <p:nvSpPr>
+          <p:cNvPr id="19" name="Rectangle 18">
+            <a:extLst>
+              <a:ext uri="{FF2B5EF4-FFF2-40B4-BE49-F238E27FC236}">
+                <a16:creationId xmlns:a16="http://schemas.microsoft.com/office/drawing/2014/main" id="{3556EEC8-DF13-BF46-B1C3-01D8E560E834}"/>
+              </a:ext>
+            </a:extLst>
+          </p:cNvPr>
+          <p:cNvSpPr/>
+          <p:nvPr/>
+        </p:nvSpPr>
+        <p:spPr>
+          <a:xfrm>
+            <a:off x="4174428" y="1776134"/>
+            <a:ext cx="1278837" cy="427380"/>
+          </a:xfrm>
+          <a:prstGeom prst="rect">
+            <a:avLst/>
+          </a:prstGeom>
+          <a:ln>
+            <a:noFill/>
+          </a:ln>
+        </p:spPr>
+        <p:style>
+          <a:lnRef idx="2">
+            <a:schemeClr val="accent1">
+              <a:shade val="50000"/>
+            </a:schemeClr>
+          </a:lnRef>
+          <a:fillRef idx="1">
+            <a:schemeClr val="accent1"/>
+          </a:fillRef>
+          <a:effectRef idx="0">
+            <a:schemeClr val="accent1"/>
+          </a:effectRef>
+          <a:fontRef idx="minor">
+            <a:schemeClr val="lt1"/>
+          </a:fontRef>
+        </p:style>
+        <p:txBody>
+          <a:bodyPr rtlCol="0" anchor="ctr"/>
+          <a:lstStyle/>
+          <a:p>
+            <a:pPr algn="ctr"/>
+            <a:r>
+              <a:rPr lang="en-US" sz="1600" dirty="0">
+                <a:latin typeface="Avenir Roman" panose="02000503020000020003" pitchFamily="2" charset="0"/>
+              </a:rPr>
+              <a:t>Partition 1</a:t>
+            </a:r>
+          </a:p>
+        </p:txBody>
+      </p:sp>
+      <p:sp>
+        <p:nvSpPr>
+          <p:cNvPr id="22" name="Rectangle 21">
+            <a:extLst>
+              <a:ext uri="{FF2B5EF4-FFF2-40B4-BE49-F238E27FC236}">
+                <a16:creationId xmlns:a16="http://schemas.microsoft.com/office/drawing/2014/main" id="{188196D2-C2E0-DA40-9D15-8F17E2DF3786}"/>
+              </a:ext>
+            </a:extLst>
+          </p:cNvPr>
+          <p:cNvSpPr/>
+          <p:nvPr/>
+        </p:nvSpPr>
+        <p:spPr>
+          <a:xfrm>
+            <a:off x="6480304" y="1783819"/>
+            <a:ext cx="1278837" cy="427380"/>
+          </a:xfrm>
+          <a:prstGeom prst="rect">
+            <a:avLst/>
+          </a:prstGeom>
+          <a:solidFill>
+            <a:srgbClr val="92D050"/>
+          </a:solidFill>
+          <a:ln>
+            <a:noFill/>
+          </a:ln>
+        </p:spPr>
+        <p:style>
+          <a:lnRef idx="2">
+            <a:schemeClr val="accent1">
+              <a:shade val="50000"/>
+            </a:schemeClr>
+          </a:lnRef>
+          <a:fillRef idx="1">
+            <a:schemeClr val="accent1"/>
+          </a:fillRef>
+          <a:effectRef idx="0">
+            <a:schemeClr val="accent1"/>
+          </a:effectRef>
+          <a:fontRef idx="minor">
+            <a:schemeClr val="lt1"/>
+          </a:fontRef>
+        </p:style>
+        <p:txBody>
+          <a:bodyPr rot="0" spcFirstLastPara="0" vertOverflow="overflow" horzOverflow="overflow" vert="horz" wrap="square" lIns="91440" tIns="45720" rIns="91440" bIns="45720" numCol="1" spcCol="0" rtlCol="0" fromWordArt="0" anchor="ctr" anchorCtr="0" forceAA="0" compatLnSpc="1">
+            <a:prstTxWarp prst="textNoShape">
+              <a:avLst/>
+            </a:prstTxWarp>
+            <a:noAutofit/>
+          </a:bodyPr>
+          <a:lstStyle/>
+          <a:p>
+            <a:pPr algn="ctr"/>
+            <a:r>
+              <a:rPr lang="en-US" sz="1600" dirty="0">
+                <a:latin typeface="Avenir Roman" panose="02000503020000020003" pitchFamily="2" charset="0"/>
+              </a:rPr>
+              <a:t>Partition 1</a:t>
+            </a:r>
+          </a:p>
+        </p:txBody>
+      </p:sp>
+      <p:sp>
+        <p:nvSpPr>
+          <p:cNvPr id="26" name="Rounded Rectangle 25">
+            <a:extLst>
+              <a:ext uri="{FF2B5EF4-FFF2-40B4-BE49-F238E27FC236}">
+                <a16:creationId xmlns:a16="http://schemas.microsoft.com/office/drawing/2014/main" id="{A162D219-F5EF-424D-87CF-2B29EBCC6AFB}"/>
+              </a:ext>
+            </a:extLst>
+          </p:cNvPr>
+          <p:cNvSpPr/>
+          <p:nvPr/>
+        </p:nvSpPr>
+        <p:spPr>
+          <a:xfrm>
+            <a:off x="3962400" y="4262399"/>
+            <a:ext cx="3962400" cy="662608"/>
+          </a:xfrm>
+          <a:prstGeom prst="roundRect">
+            <a:avLst/>
+          </a:prstGeom>
+          <a:solidFill>
+            <a:schemeClr val="bg1">
+              <a:lumMod val="85000"/>
+            </a:schemeClr>
+          </a:solidFill>
+          <a:ln>
+            <a:noFill/>
+          </a:ln>
+        </p:spPr>
+        <p:style>
+          <a:lnRef idx="2">
+            <a:schemeClr val="accent1">
+              <a:shade val="50000"/>
+            </a:schemeClr>
+          </a:lnRef>
+          <a:fillRef idx="1">
+            <a:schemeClr val="accent1"/>
+          </a:fillRef>
+          <a:effectRef idx="0">
+            <a:schemeClr val="accent1"/>
+          </a:effectRef>
+          <a:fontRef idx="minor">
+            <a:schemeClr val="lt1"/>
+          </a:fontRef>
+        </p:style>
+        <p:txBody>
+          <a:bodyPr rtlCol="0" anchor="ctr"/>
+          <a:lstStyle/>
+          <a:p>
+            <a:pPr algn="ctr"/>
+            <a:endParaRPr lang="en-US"/>
+          </a:p>
+        </p:txBody>
+      </p:sp>
+      <p:sp>
+        <p:nvSpPr>
+          <p:cNvPr id="27" name="Rounded Rectangle 26">
+            <a:extLst>
+              <a:ext uri="{FF2B5EF4-FFF2-40B4-BE49-F238E27FC236}">
+                <a16:creationId xmlns:a16="http://schemas.microsoft.com/office/drawing/2014/main" id="{434ACFFF-2945-C742-9D3C-83F3CDCF32A3}"/>
+              </a:ext>
+            </a:extLst>
+          </p:cNvPr>
+          <p:cNvSpPr/>
+          <p:nvPr/>
+        </p:nvSpPr>
+        <p:spPr>
+          <a:xfrm>
+            <a:off x="3962400" y="3370105"/>
+            <a:ext cx="3962400" cy="662608"/>
+          </a:xfrm>
+          <a:prstGeom prst="roundRect">
+            <a:avLst/>
+          </a:prstGeom>
+          <a:solidFill>
+            <a:schemeClr val="bg1">
+              <a:lumMod val="85000"/>
+            </a:schemeClr>
+          </a:solidFill>
+          <a:ln>
+            <a:noFill/>
+          </a:ln>
+        </p:spPr>
+        <p:style>
+          <a:lnRef idx="2">
+            <a:schemeClr val="accent1">
+              <a:shade val="50000"/>
+            </a:schemeClr>
+          </a:lnRef>
+          <a:fillRef idx="1">
+            <a:schemeClr val="accent1"/>
+          </a:fillRef>
+          <a:effectRef idx="0">
+            <a:schemeClr val="accent1"/>
+          </a:effectRef>
+          <a:fontRef idx="minor">
+            <a:schemeClr val="lt1"/>
+          </a:fontRef>
+        </p:style>
+        <p:txBody>
+          <a:bodyPr rtlCol="0" anchor="ctr"/>
+          <a:lstStyle/>
+          <a:p>
+            <a:pPr algn="ctr"/>
+            <a:endParaRPr lang="en-US"/>
+          </a:p>
+        </p:txBody>
+      </p:sp>
+      <p:sp>
+        <p:nvSpPr>
+          <p:cNvPr id="28" name="Rounded Rectangle 27">
+            <a:extLst>
+              <a:ext uri="{FF2B5EF4-FFF2-40B4-BE49-F238E27FC236}">
+                <a16:creationId xmlns:a16="http://schemas.microsoft.com/office/drawing/2014/main" id="{A1A4A473-7B1B-4D45-8373-6790C66445D1}"/>
+              </a:ext>
+            </a:extLst>
+          </p:cNvPr>
+          <p:cNvSpPr/>
+          <p:nvPr/>
+        </p:nvSpPr>
+        <p:spPr>
+          <a:xfrm>
+            <a:off x="3962400" y="2544502"/>
+            <a:ext cx="3962400" cy="662608"/>
+          </a:xfrm>
+          <a:prstGeom prst="roundRect">
+            <a:avLst/>
+          </a:prstGeom>
+          <a:solidFill>
+            <a:schemeClr val="bg1">
+              <a:lumMod val="85000"/>
+            </a:schemeClr>
+          </a:solidFill>
+          <a:ln>
+            <a:noFill/>
+          </a:ln>
+        </p:spPr>
+        <p:style>
+          <a:lnRef idx="2">
+            <a:schemeClr val="accent1">
+              <a:shade val="50000"/>
+            </a:schemeClr>
+          </a:lnRef>
+          <a:fillRef idx="1">
+            <a:schemeClr val="accent1"/>
+          </a:fillRef>
+          <a:effectRef idx="0">
+            <a:schemeClr val="accent1"/>
+          </a:effectRef>
+          <a:fontRef idx="minor">
+            <a:schemeClr val="lt1"/>
+          </a:fontRef>
+        </p:style>
+        <p:txBody>
+          <a:bodyPr rtlCol="0" anchor="ctr"/>
+          <a:lstStyle/>
+          <a:p>
+            <a:pPr algn="ctr"/>
+            <a:endParaRPr lang="en-US"/>
+          </a:p>
+        </p:txBody>
+      </p:sp>
+      <p:sp>
+        <p:nvSpPr>
+          <p:cNvPr id="29" name="Rectangle 28">
+            <a:extLst>
+              <a:ext uri="{FF2B5EF4-FFF2-40B4-BE49-F238E27FC236}">
+                <a16:creationId xmlns:a16="http://schemas.microsoft.com/office/drawing/2014/main" id="{473A0CB8-8EF7-ED45-9106-E08D7962F8DA}"/>
+              </a:ext>
+            </a:extLst>
+          </p:cNvPr>
+          <p:cNvSpPr/>
+          <p:nvPr/>
+        </p:nvSpPr>
+        <p:spPr>
+          <a:xfrm>
+            <a:off x="4197619" y="2674520"/>
+            <a:ext cx="1278837" cy="427380"/>
+          </a:xfrm>
+          <a:prstGeom prst="rect">
+            <a:avLst/>
+          </a:prstGeom>
+          <a:ln>
+            <a:noFill/>
+          </a:ln>
+        </p:spPr>
+        <p:style>
+          <a:lnRef idx="2">
+            <a:schemeClr val="accent1">
+              <a:shade val="50000"/>
+            </a:schemeClr>
+          </a:lnRef>
+          <a:fillRef idx="1">
+            <a:schemeClr val="accent1"/>
+          </a:fillRef>
+          <a:effectRef idx="0">
+            <a:schemeClr val="accent1"/>
+          </a:effectRef>
+          <a:fontRef idx="minor">
+            <a:schemeClr val="lt1"/>
+          </a:fontRef>
+        </p:style>
+        <p:txBody>
+          <a:bodyPr rtlCol="0" anchor="ctr"/>
+          <a:lstStyle/>
+          <a:p>
+            <a:pPr algn="ctr"/>
+            <a:r>
+              <a:rPr lang="en-US" sz="1600" dirty="0">
+                <a:latin typeface="Avenir Roman" panose="02000503020000020003" pitchFamily="2" charset="0"/>
+              </a:rPr>
+              <a:t>Partition 0</a:t>
+            </a:r>
+          </a:p>
+        </p:txBody>
+      </p:sp>
+      <p:sp>
+        <p:nvSpPr>
+          <p:cNvPr id="30" name="Rectangle 29">
+            <a:extLst>
+              <a:ext uri="{FF2B5EF4-FFF2-40B4-BE49-F238E27FC236}">
+                <a16:creationId xmlns:a16="http://schemas.microsoft.com/office/drawing/2014/main" id="{7616A0AE-80D5-0048-966B-7C85879102CB}"/>
+              </a:ext>
+            </a:extLst>
+          </p:cNvPr>
+          <p:cNvSpPr/>
+          <p:nvPr/>
+        </p:nvSpPr>
+        <p:spPr>
+          <a:xfrm>
+            <a:off x="6480305" y="2649217"/>
+            <a:ext cx="1278837" cy="427380"/>
+          </a:xfrm>
+          <a:prstGeom prst="rect">
+            <a:avLst/>
+          </a:prstGeom>
+          <a:solidFill>
+            <a:srgbClr val="92D050"/>
+          </a:solidFill>
+          <a:ln>
+            <a:noFill/>
+          </a:ln>
+        </p:spPr>
+        <p:style>
+          <a:lnRef idx="2">
+            <a:schemeClr val="accent1">
+              <a:shade val="50000"/>
+            </a:schemeClr>
+          </a:lnRef>
+          <a:fillRef idx="1">
+            <a:schemeClr val="accent1"/>
+          </a:fillRef>
+          <a:effectRef idx="0">
+            <a:schemeClr val="accent1"/>
+          </a:effectRef>
+          <a:fontRef idx="minor">
+            <a:schemeClr val="lt1"/>
+          </a:fontRef>
+        </p:style>
+        <p:txBody>
+          <a:bodyPr rot="0" spcFirstLastPara="0" vertOverflow="overflow" horzOverflow="overflow" vert="horz" wrap="square" lIns="91440" tIns="45720" rIns="91440" bIns="45720" numCol="1" spcCol="0" rtlCol="0" fromWordArt="0" anchor="ctr" anchorCtr="0" forceAA="0" compatLnSpc="1">
+            <a:prstTxWarp prst="textNoShape">
+              <a:avLst/>
+            </a:prstTxWarp>
+            <a:noAutofit/>
+          </a:bodyPr>
+          <a:lstStyle/>
+          <a:p>
+            <a:pPr algn="ctr"/>
+            <a:r>
+              <a:rPr lang="en-US" sz="1600" dirty="0">
+                <a:latin typeface="Avenir Roman" panose="02000503020000020003" pitchFamily="2" charset="0"/>
+              </a:rPr>
+              <a:t>Partition 0</a:t>
+            </a:r>
+          </a:p>
+        </p:txBody>
+      </p:sp>
+      <p:sp>
+        <p:nvSpPr>
+          <p:cNvPr id="31" name="Rectangle 30">
+            <a:extLst>
+              <a:ext uri="{FF2B5EF4-FFF2-40B4-BE49-F238E27FC236}">
+                <a16:creationId xmlns:a16="http://schemas.microsoft.com/office/drawing/2014/main" id="{8638FF9E-B852-7447-9FF8-CE3EB7D1FBED}"/>
+              </a:ext>
+            </a:extLst>
+          </p:cNvPr>
+          <p:cNvSpPr/>
+          <p:nvPr/>
+        </p:nvSpPr>
+        <p:spPr>
+          <a:xfrm>
+            <a:off x="4131359" y="4412555"/>
+            <a:ext cx="1278837" cy="427380"/>
+          </a:xfrm>
+          <a:prstGeom prst="rect">
+            <a:avLst/>
+          </a:prstGeom>
+          <a:ln>
+            <a:noFill/>
+          </a:ln>
+        </p:spPr>
+        <p:style>
+          <a:lnRef idx="2">
+            <a:schemeClr val="accent1">
+              <a:shade val="50000"/>
+            </a:schemeClr>
+          </a:lnRef>
+          <a:fillRef idx="1">
+            <a:schemeClr val="accent1"/>
+          </a:fillRef>
+          <a:effectRef idx="0">
+            <a:schemeClr val="accent1"/>
+          </a:effectRef>
+          <a:fontRef idx="minor">
+            <a:schemeClr val="lt1"/>
+          </a:fontRef>
+        </p:style>
+        <p:txBody>
+          <a:bodyPr rtlCol="0" anchor="ctr"/>
+          <a:lstStyle/>
+          <a:p>
+            <a:pPr algn="ctr"/>
+            <a:r>
+              <a:rPr lang="en-US" sz="1600" dirty="0">
+                <a:latin typeface="Avenir Roman" panose="02000503020000020003" pitchFamily="2" charset="0"/>
+              </a:rPr>
+              <a:t>Partition 2</a:t>
+            </a:r>
+          </a:p>
+        </p:txBody>
+      </p:sp>
+      <p:sp>
+        <p:nvSpPr>
+          <p:cNvPr id="32" name="Rectangle 31">
+            <a:extLst>
+              <a:ext uri="{FF2B5EF4-FFF2-40B4-BE49-F238E27FC236}">
+                <a16:creationId xmlns:a16="http://schemas.microsoft.com/office/drawing/2014/main" id="{D247FEBF-B696-E046-82A0-FEC51AE0DC3F}"/>
+              </a:ext>
+            </a:extLst>
+          </p:cNvPr>
+          <p:cNvSpPr/>
+          <p:nvPr/>
+        </p:nvSpPr>
+        <p:spPr>
+          <a:xfrm>
+            <a:off x="4174426" y="3514169"/>
+            <a:ext cx="1278837" cy="427380"/>
+          </a:xfrm>
+          <a:prstGeom prst="rect">
+            <a:avLst/>
+          </a:prstGeom>
+          <a:ln>
+            <a:noFill/>
+          </a:ln>
+        </p:spPr>
+        <p:style>
+          <a:lnRef idx="2">
+            <a:schemeClr val="accent1">
+              <a:shade val="50000"/>
+            </a:schemeClr>
+          </a:lnRef>
+          <a:fillRef idx="1">
+            <a:schemeClr val="accent1"/>
+          </a:fillRef>
+          <a:effectRef idx="0">
+            <a:schemeClr val="accent1"/>
+          </a:effectRef>
+          <a:fontRef idx="minor">
+            <a:schemeClr val="lt1"/>
+          </a:fontRef>
+        </p:style>
+        <p:txBody>
+          <a:bodyPr rtlCol="0" anchor="ctr"/>
+          <a:lstStyle/>
+          <a:p>
+            <a:pPr algn="ctr"/>
+            <a:r>
+              <a:rPr lang="en-US" sz="1600" dirty="0">
+                <a:latin typeface="Avenir Roman" panose="02000503020000020003" pitchFamily="2" charset="0"/>
+              </a:rPr>
+              <a:t>Partition 3</a:t>
+            </a:r>
+          </a:p>
+        </p:txBody>
+      </p:sp>
+      <p:sp>
+        <p:nvSpPr>
+          <p:cNvPr id="33" name="Rectangle 32">
+            <a:extLst>
+              <a:ext uri="{FF2B5EF4-FFF2-40B4-BE49-F238E27FC236}">
+                <a16:creationId xmlns:a16="http://schemas.microsoft.com/office/drawing/2014/main" id="{9D5E71E0-8B71-9547-B988-8997D115CC8A}"/>
+              </a:ext>
+            </a:extLst>
+          </p:cNvPr>
+          <p:cNvSpPr/>
+          <p:nvPr/>
+        </p:nvSpPr>
+        <p:spPr>
+          <a:xfrm>
+            <a:off x="6476986" y="4380013"/>
+            <a:ext cx="1278837" cy="427380"/>
+          </a:xfrm>
+          <a:prstGeom prst="rect">
+            <a:avLst/>
+          </a:prstGeom>
+          <a:solidFill>
+            <a:srgbClr val="92D050"/>
+          </a:solidFill>
+          <a:ln>
+            <a:noFill/>
+          </a:ln>
+        </p:spPr>
+        <p:style>
+          <a:lnRef idx="2">
+            <a:schemeClr val="accent1">
+              <a:shade val="50000"/>
+            </a:schemeClr>
+          </a:lnRef>
+          <a:fillRef idx="1">
+            <a:schemeClr val="accent1"/>
+          </a:fillRef>
+          <a:effectRef idx="0">
+            <a:schemeClr val="accent1"/>
+          </a:effectRef>
+          <a:fontRef idx="minor">
+            <a:schemeClr val="lt1"/>
+          </a:fontRef>
+        </p:style>
+        <p:txBody>
+          <a:bodyPr rot="0" spcFirstLastPara="0" vertOverflow="overflow" horzOverflow="overflow" vert="horz" wrap="square" lIns="91440" tIns="45720" rIns="91440" bIns="45720" numCol="1" spcCol="0" rtlCol="0" fromWordArt="0" anchor="ctr" anchorCtr="0" forceAA="0" compatLnSpc="1">
+            <a:prstTxWarp prst="textNoShape">
+              <a:avLst/>
+            </a:prstTxWarp>
+            <a:noAutofit/>
+          </a:bodyPr>
+          <a:lstStyle/>
+          <a:p>
+            <a:pPr algn="ctr"/>
+            <a:r>
+              <a:rPr lang="en-US" sz="1600" dirty="0">
+                <a:latin typeface="Avenir Roman" panose="02000503020000020003" pitchFamily="2" charset="0"/>
+              </a:rPr>
+              <a:t>Partition 2</a:t>
+            </a:r>
+          </a:p>
+        </p:txBody>
+      </p:sp>
+      <p:sp>
+        <p:nvSpPr>
+          <p:cNvPr id="34" name="Rectangle 33">
+            <a:extLst>
+              <a:ext uri="{FF2B5EF4-FFF2-40B4-BE49-F238E27FC236}">
+                <a16:creationId xmlns:a16="http://schemas.microsoft.com/office/drawing/2014/main" id="{FFC57F4B-B5F7-D145-AE19-69BFD84F4155}"/>
+              </a:ext>
+            </a:extLst>
+          </p:cNvPr>
+          <p:cNvSpPr/>
+          <p:nvPr/>
+        </p:nvSpPr>
+        <p:spPr>
+          <a:xfrm>
+            <a:off x="6476985" y="3504406"/>
+            <a:ext cx="1278837" cy="427380"/>
+          </a:xfrm>
+          <a:prstGeom prst="rect">
+            <a:avLst/>
+          </a:prstGeom>
+          <a:solidFill>
+            <a:srgbClr val="92D050"/>
+          </a:solidFill>
+          <a:ln>
+            <a:noFill/>
+          </a:ln>
+        </p:spPr>
+        <p:style>
+          <a:lnRef idx="2">
+            <a:schemeClr val="accent1">
+              <a:shade val="50000"/>
+            </a:schemeClr>
+          </a:lnRef>
+          <a:fillRef idx="1">
+            <a:schemeClr val="accent1"/>
+          </a:fillRef>
+          <a:effectRef idx="0">
+            <a:schemeClr val="accent1"/>
+          </a:effectRef>
+          <a:fontRef idx="minor">
+            <a:schemeClr val="lt1"/>
+          </a:fontRef>
+        </p:style>
+        <p:txBody>
+          <a:bodyPr rot="0" spcFirstLastPara="0" vertOverflow="overflow" horzOverflow="overflow" vert="horz" wrap="square" lIns="91440" tIns="45720" rIns="91440" bIns="45720" numCol="1" spcCol="0" rtlCol="0" fromWordArt="0" anchor="ctr" anchorCtr="0" forceAA="0" compatLnSpc="1">
+            <a:prstTxWarp prst="textNoShape">
+              <a:avLst/>
+            </a:prstTxWarp>
+            <a:noAutofit/>
+          </a:bodyPr>
+          <a:lstStyle/>
+          <a:p>
+            <a:pPr algn="ctr"/>
+            <a:r>
+              <a:rPr lang="en-US" sz="1600" dirty="0">
+                <a:latin typeface="Avenir Roman" panose="02000503020000020003" pitchFamily="2" charset="0"/>
+              </a:rPr>
+              <a:t>Partition 3</a:t>
+            </a:r>
+          </a:p>
+        </p:txBody>
+      </p:sp>
+      <p:cxnSp>
+        <p:nvCxnSpPr>
+          <p:cNvPr id="36" name="Straight Arrow Connector 35">
+            <a:extLst>
+              <a:ext uri="{FF2B5EF4-FFF2-40B4-BE49-F238E27FC236}">
+                <a16:creationId xmlns:a16="http://schemas.microsoft.com/office/drawing/2014/main" id="{0345C8C3-C8D5-5C46-9CEE-FC9CB533D694}"/>
+              </a:ext>
+            </a:extLst>
+          </p:cNvPr>
+          <p:cNvCxnSpPr>
+            <a:endCxn id="29" idx="1"/>
+          </p:cNvCxnSpPr>
+          <p:nvPr/>
+        </p:nvCxnSpPr>
+        <p:spPr>
+          <a:xfrm>
+            <a:off x="3061251" y="1987826"/>
+            <a:ext cx="1136368" cy="900384"/>
+          </a:xfrm>
+          <a:prstGeom prst="straightConnector1">
+            <a:avLst/>
+          </a:prstGeom>
+          <a:ln w="19050">
+            <a:solidFill>
+              <a:schemeClr val="bg1">
+                <a:lumMod val="65000"/>
+              </a:schemeClr>
+            </a:solidFill>
+            <a:prstDash val="dash"/>
+            <a:tailEnd type="triangle"/>
+          </a:ln>
+        </p:spPr>
+        <p:style>
+          <a:lnRef idx="1">
+            <a:schemeClr val="accent1"/>
+          </a:lnRef>
+          <a:fillRef idx="0">
+            <a:schemeClr val="accent1"/>
+          </a:fillRef>
+          <a:effectRef idx="0">
+            <a:schemeClr val="accent1"/>
+          </a:effectRef>
+          <a:fontRef idx="minor">
+            <a:schemeClr val="tx1"/>
+          </a:fontRef>
+        </p:style>
+      </p:cxnSp>
+      <p:cxnSp>
+        <p:nvCxnSpPr>
+          <p:cNvPr id="37" name="Straight Arrow Connector 36">
+            <a:extLst>
+              <a:ext uri="{FF2B5EF4-FFF2-40B4-BE49-F238E27FC236}">
+                <a16:creationId xmlns:a16="http://schemas.microsoft.com/office/drawing/2014/main" id="{C94F47A1-F243-D34C-B516-482CE115DA9E}"/>
+              </a:ext>
+            </a:extLst>
+          </p:cNvPr>
+          <p:cNvCxnSpPr>
+            <a:cxnSpLocks/>
+            <a:stCxn id="8" idx="3"/>
+            <a:endCxn id="19" idx="1"/>
+          </p:cNvCxnSpPr>
+          <p:nvPr/>
+        </p:nvCxnSpPr>
+        <p:spPr>
+          <a:xfrm flipV="1">
+            <a:off x="3061252" y="1989824"/>
+            <a:ext cx="1113176" cy="881101"/>
+          </a:xfrm>
+          <a:prstGeom prst="straightConnector1">
+            <a:avLst/>
+          </a:prstGeom>
+          <a:ln w="19050">
+            <a:solidFill>
+              <a:schemeClr val="bg1">
+                <a:lumMod val="65000"/>
+              </a:schemeClr>
+            </a:solidFill>
+            <a:prstDash val="dash"/>
+            <a:tailEnd type="triangle"/>
+          </a:ln>
+        </p:spPr>
+        <p:style>
+          <a:lnRef idx="1">
+            <a:schemeClr val="accent1"/>
+          </a:lnRef>
+          <a:fillRef idx="0">
+            <a:schemeClr val="accent1"/>
+          </a:fillRef>
+          <a:effectRef idx="0">
+            <a:schemeClr val="accent1"/>
+          </a:effectRef>
+          <a:fontRef idx="minor">
+            <a:schemeClr val="tx1"/>
+          </a:fontRef>
+        </p:style>
+      </p:cxnSp>
+      <p:cxnSp>
+        <p:nvCxnSpPr>
+          <p:cNvPr id="40" name="Straight Arrow Connector 39">
+            <a:extLst>
+              <a:ext uri="{FF2B5EF4-FFF2-40B4-BE49-F238E27FC236}">
+                <a16:creationId xmlns:a16="http://schemas.microsoft.com/office/drawing/2014/main" id="{5CD5308E-9123-FF48-A8D1-6C73742A9E61}"/>
+              </a:ext>
+            </a:extLst>
+          </p:cNvPr>
+          <p:cNvCxnSpPr>
+            <a:cxnSpLocks/>
+            <a:stCxn id="9" idx="3"/>
+            <a:endCxn id="31" idx="1"/>
+          </p:cNvCxnSpPr>
+          <p:nvPr/>
+        </p:nvCxnSpPr>
+        <p:spPr>
+          <a:xfrm>
+            <a:off x="3061252" y="3727859"/>
+            <a:ext cx="1070107" cy="898386"/>
+          </a:xfrm>
+          <a:prstGeom prst="straightConnector1">
+            <a:avLst/>
+          </a:prstGeom>
+          <a:ln w="19050">
+            <a:solidFill>
+              <a:schemeClr val="bg1">
+                <a:lumMod val="65000"/>
+              </a:schemeClr>
+            </a:solidFill>
+            <a:prstDash val="dash"/>
+            <a:tailEnd type="triangle"/>
+          </a:ln>
+        </p:spPr>
+        <p:style>
+          <a:lnRef idx="1">
+            <a:schemeClr val="accent1"/>
+          </a:lnRef>
+          <a:fillRef idx="0">
+            <a:schemeClr val="accent1"/>
+          </a:fillRef>
+          <a:effectRef idx="0">
+            <a:schemeClr val="accent1"/>
+          </a:effectRef>
+          <a:fontRef idx="minor">
+            <a:schemeClr val="tx1"/>
+          </a:fontRef>
+        </p:style>
+      </p:cxnSp>
+      <p:cxnSp>
+        <p:nvCxnSpPr>
+          <p:cNvPr id="43" name="Straight Arrow Connector 42">
+            <a:extLst>
+              <a:ext uri="{FF2B5EF4-FFF2-40B4-BE49-F238E27FC236}">
+                <a16:creationId xmlns:a16="http://schemas.microsoft.com/office/drawing/2014/main" id="{BFC3D6A4-7921-144E-A375-C669006E1B1C}"/>
+              </a:ext>
+            </a:extLst>
+          </p:cNvPr>
+          <p:cNvCxnSpPr>
+            <a:cxnSpLocks/>
+            <a:stCxn id="10" idx="3"/>
+            <a:endCxn id="32" idx="1"/>
+          </p:cNvCxnSpPr>
+          <p:nvPr/>
+        </p:nvCxnSpPr>
+        <p:spPr>
+          <a:xfrm flipV="1">
+            <a:off x="3061251" y="3727859"/>
+            <a:ext cx="1113175" cy="865844"/>
+          </a:xfrm>
+          <a:prstGeom prst="straightConnector1">
+            <a:avLst/>
+          </a:prstGeom>
+          <a:ln w="19050">
+            <a:solidFill>
+              <a:schemeClr val="bg1">
+                <a:lumMod val="65000"/>
+              </a:schemeClr>
+            </a:solidFill>
+            <a:prstDash val="dash"/>
+            <a:tailEnd type="triangle"/>
+          </a:ln>
+        </p:spPr>
+        <p:style>
+          <a:lnRef idx="1">
+            <a:schemeClr val="accent1"/>
+          </a:lnRef>
+          <a:fillRef idx="0">
+            <a:schemeClr val="accent1"/>
+          </a:fillRef>
+          <a:effectRef idx="0">
+            <a:schemeClr val="accent1"/>
+          </a:effectRef>
+          <a:fontRef idx="minor">
+            <a:schemeClr val="tx1"/>
+          </a:fontRef>
+        </p:style>
+      </p:cxnSp>
+      <p:cxnSp>
+        <p:nvCxnSpPr>
+          <p:cNvPr id="46" name="Straight Arrow Connector 45">
+            <a:extLst>
+              <a:ext uri="{FF2B5EF4-FFF2-40B4-BE49-F238E27FC236}">
+                <a16:creationId xmlns:a16="http://schemas.microsoft.com/office/drawing/2014/main" id="{19D86D33-AA3A-B940-91BD-FB881FDCF77B}"/>
+              </a:ext>
+            </a:extLst>
+          </p:cNvPr>
+          <p:cNvCxnSpPr>
+            <a:cxnSpLocks/>
+            <a:stCxn id="15" idx="1"/>
+            <a:endCxn id="22" idx="3"/>
+          </p:cNvCxnSpPr>
+          <p:nvPr/>
+        </p:nvCxnSpPr>
+        <p:spPr>
+          <a:xfrm flipH="1" flipV="1">
+            <a:off x="7759141" y="1997509"/>
+            <a:ext cx="1272201" cy="1730350"/>
+          </a:xfrm>
+          <a:prstGeom prst="straightConnector1">
+            <a:avLst/>
+          </a:prstGeom>
+          <a:ln w="19050">
+            <a:solidFill>
+              <a:schemeClr val="bg1">
+                <a:lumMod val="65000"/>
+              </a:schemeClr>
+            </a:solidFill>
+            <a:prstDash val="dash"/>
+            <a:tailEnd type="triangle"/>
+          </a:ln>
+        </p:spPr>
+        <p:style>
+          <a:lnRef idx="1">
+            <a:schemeClr val="accent1"/>
+          </a:lnRef>
+          <a:fillRef idx="0">
+            <a:schemeClr val="accent1"/>
+          </a:fillRef>
+          <a:effectRef idx="0">
+            <a:schemeClr val="accent1"/>
+          </a:effectRef>
+          <a:fontRef idx="minor">
+            <a:schemeClr val="tx1"/>
+          </a:fontRef>
+        </p:style>
+      </p:cxnSp>
+      <p:cxnSp>
+        <p:nvCxnSpPr>
+          <p:cNvPr id="49" name="Straight Arrow Connector 48">
+            <a:extLst>
+              <a:ext uri="{FF2B5EF4-FFF2-40B4-BE49-F238E27FC236}">
+                <a16:creationId xmlns:a16="http://schemas.microsoft.com/office/drawing/2014/main" id="{9247C540-561D-E647-8E9C-C7643F3BBFD0}"/>
+              </a:ext>
+            </a:extLst>
+          </p:cNvPr>
+          <p:cNvCxnSpPr>
+            <a:cxnSpLocks/>
+            <a:stCxn id="13" idx="1"/>
+            <a:endCxn id="34" idx="3"/>
+          </p:cNvCxnSpPr>
+          <p:nvPr/>
+        </p:nvCxnSpPr>
+        <p:spPr>
+          <a:xfrm flipH="1">
+            <a:off x="7755822" y="1990170"/>
+            <a:ext cx="1282155" cy="1727926"/>
+          </a:xfrm>
+          <a:prstGeom prst="straightConnector1">
+            <a:avLst/>
+          </a:prstGeom>
+          <a:ln w="19050">
+            <a:solidFill>
+              <a:schemeClr val="bg1">
+                <a:lumMod val="65000"/>
+              </a:schemeClr>
+            </a:solidFill>
+            <a:prstDash val="dash"/>
+            <a:tailEnd type="triangle"/>
+          </a:ln>
+        </p:spPr>
+        <p:style>
+          <a:lnRef idx="1">
+            <a:schemeClr val="accent1"/>
+          </a:lnRef>
+          <a:fillRef idx="0">
+            <a:schemeClr val="accent1"/>
+          </a:fillRef>
+          <a:effectRef idx="0">
+            <a:schemeClr val="accent1"/>
+          </a:effectRef>
+          <a:fontRef idx="minor">
+            <a:schemeClr val="tx1"/>
+          </a:fontRef>
+        </p:style>
+      </p:cxnSp>
+      <p:cxnSp>
+        <p:nvCxnSpPr>
+          <p:cNvPr id="52" name="Straight Arrow Connector 51">
+            <a:extLst>
+              <a:ext uri="{FF2B5EF4-FFF2-40B4-BE49-F238E27FC236}">
+                <a16:creationId xmlns:a16="http://schemas.microsoft.com/office/drawing/2014/main" id="{0995041D-26A3-FA43-8E2D-1AAB674D62AC}"/>
+              </a:ext>
+            </a:extLst>
+          </p:cNvPr>
+          <p:cNvCxnSpPr>
+            <a:cxnSpLocks/>
+            <a:stCxn id="14" idx="1"/>
+            <a:endCxn id="33" idx="3"/>
+          </p:cNvCxnSpPr>
+          <p:nvPr/>
+        </p:nvCxnSpPr>
+        <p:spPr>
+          <a:xfrm flipH="1">
+            <a:off x="7755823" y="2818258"/>
+            <a:ext cx="1275520" cy="1775445"/>
+          </a:xfrm>
+          <a:prstGeom prst="straightConnector1">
+            <a:avLst/>
+          </a:prstGeom>
+          <a:ln w="19050">
+            <a:solidFill>
+              <a:schemeClr val="bg1">
+                <a:lumMod val="65000"/>
+              </a:schemeClr>
+            </a:solidFill>
+            <a:prstDash val="dash"/>
+            <a:tailEnd type="triangle"/>
+          </a:ln>
+        </p:spPr>
+        <p:style>
+          <a:lnRef idx="1">
+            <a:schemeClr val="accent1"/>
+          </a:lnRef>
+          <a:fillRef idx="0">
+            <a:schemeClr val="accent1"/>
+          </a:fillRef>
+          <a:effectRef idx="0">
+            <a:schemeClr val="accent1"/>
+          </a:effectRef>
+          <a:fontRef idx="minor">
+            <a:schemeClr val="tx1"/>
+          </a:fontRef>
+        </p:style>
+      </p:cxnSp>
+      <p:cxnSp>
+        <p:nvCxnSpPr>
+          <p:cNvPr id="55" name="Straight Arrow Connector 54">
+            <a:extLst>
+              <a:ext uri="{FF2B5EF4-FFF2-40B4-BE49-F238E27FC236}">
+                <a16:creationId xmlns:a16="http://schemas.microsoft.com/office/drawing/2014/main" id="{B8D54EA2-6266-F04D-8087-D8EC3B81D147}"/>
+              </a:ext>
+            </a:extLst>
+          </p:cNvPr>
+          <p:cNvCxnSpPr>
+            <a:cxnSpLocks/>
+            <a:stCxn id="16" idx="1"/>
+            <a:endCxn id="30" idx="3"/>
+          </p:cNvCxnSpPr>
+          <p:nvPr/>
+        </p:nvCxnSpPr>
+        <p:spPr>
+          <a:xfrm flipH="1" flipV="1">
+            <a:off x="7759142" y="2862907"/>
+            <a:ext cx="1272199" cy="1730796"/>
+          </a:xfrm>
+          <a:prstGeom prst="straightConnector1">
+            <a:avLst/>
+          </a:prstGeom>
+          <a:ln w="19050">
+            <a:solidFill>
+              <a:schemeClr val="bg1">
+                <a:lumMod val="65000"/>
+              </a:schemeClr>
+            </a:solidFill>
+            <a:prstDash val="dash"/>
+            <a:tailEnd type="triangle"/>
+          </a:ln>
+        </p:spPr>
+        <p:style>
+          <a:lnRef idx="1">
+            <a:schemeClr val="accent1"/>
+          </a:lnRef>
+          <a:fillRef idx="0">
+            <a:schemeClr val="accent1"/>
+          </a:fillRef>
+          <a:effectRef idx="0">
+            <a:schemeClr val="accent1"/>
+          </a:effectRef>
+          <a:fontRef idx="minor">
+            <a:schemeClr val="tx1"/>
+          </a:fontRef>
+        </p:style>
+      </p:cxnSp>
+      <p:sp>
+        <p:nvSpPr>
+          <p:cNvPr id="58" name="Rectangle 57">
+            <a:extLst>
+              <a:ext uri="{FF2B5EF4-FFF2-40B4-BE49-F238E27FC236}">
+                <a16:creationId xmlns:a16="http://schemas.microsoft.com/office/drawing/2014/main" id="{9B944AA8-234E-9D43-8511-0C4AE044DD2C}"/>
+              </a:ext>
+            </a:extLst>
+          </p:cNvPr>
+          <p:cNvSpPr/>
+          <p:nvPr/>
+        </p:nvSpPr>
+        <p:spPr>
+          <a:xfrm>
+            <a:off x="2902226" y="1151708"/>
+            <a:ext cx="1229133" cy="397565"/>
+          </a:xfrm>
+          <a:prstGeom prst="rect">
+            <a:avLst/>
+          </a:prstGeom>
+          <a:solidFill>
+            <a:schemeClr val="bg1">
+              <a:lumMod val="95000"/>
+            </a:schemeClr>
+          </a:solidFill>
+          <a:ln w="6350">
+            <a:solidFill>
+              <a:schemeClr val="bg1">
+                <a:lumMod val="65000"/>
+              </a:schemeClr>
+            </a:solidFill>
+            <a:prstDash val="dash"/>
+          </a:ln>
+        </p:spPr>
+        <p:style>
+          <a:lnRef idx="2">
+            <a:schemeClr val="accent1">
+              <a:shade val="50000"/>
+            </a:schemeClr>
+          </a:lnRef>
+          <a:fillRef idx="1">
+            <a:schemeClr val="accent1"/>
+          </a:fillRef>
+          <a:effectRef idx="0">
+            <a:schemeClr val="accent1"/>
+          </a:effectRef>
+          <a:fontRef idx="minor">
+            <a:schemeClr val="lt1"/>
+          </a:fontRef>
+        </p:style>
+        <p:txBody>
+          <a:bodyPr rtlCol="0" anchor="ctr"/>
+          <a:lstStyle/>
+          <a:p>
+            <a:pPr algn="ctr"/>
+            <a:r>
+              <a:rPr lang="en-US" sz="1600" dirty="0">
+                <a:solidFill>
+                  <a:schemeClr val="tx1">
+                    <a:lumMod val="65000"/>
+                    <a:lumOff val="35000"/>
+                  </a:schemeClr>
+                </a:solidFill>
+                <a:latin typeface="Avenir Roman" panose="02000503020000020003" pitchFamily="2" charset="0"/>
+              </a:rPr>
+              <a:t>Shuffle</a:t>
+            </a:r>
+          </a:p>
+        </p:txBody>
+      </p:sp>
+      <p:sp>
+        <p:nvSpPr>
+          <p:cNvPr id="59" name="Rectangle 58">
+            <a:extLst>
+              <a:ext uri="{FF2B5EF4-FFF2-40B4-BE49-F238E27FC236}">
+                <a16:creationId xmlns:a16="http://schemas.microsoft.com/office/drawing/2014/main" id="{59C55A42-7526-5644-92B0-1972D75EB75C}"/>
+              </a:ext>
+            </a:extLst>
+          </p:cNvPr>
+          <p:cNvSpPr/>
+          <p:nvPr/>
+        </p:nvSpPr>
+        <p:spPr>
+          <a:xfrm>
+            <a:off x="7918166" y="1137804"/>
+            <a:ext cx="1229133" cy="397565"/>
+          </a:xfrm>
+          <a:prstGeom prst="rect">
+            <a:avLst/>
+          </a:prstGeom>
+          <a:solidFill>
+            <a:schemeClr val="bg1">
+              <a:lumMod val="95000"/>
+            </a:schemeClr>
+          </a:solidFill>
+          <a:ln w="6350">
+            <a:solidFill>
+              <a:schemeClr val="bg1">
+                <a:lumMod val="65000"/>
+              </a:schemeClr>
+            </a:solidFill>
+            <a:prstDash val="dash"/>
+          </a:ln>
+        </p:spPr>
+        <p:style>
+          <a:lnRef idx="2">
+            <a:schemeClr val="accent1">
+              <a:shade val="50000"/>
+            </a:schemeClr>
+          </a:lnRef>
+          <a:fillRef idx="1">
+            <a:schemeClr val="accent1"/>
+          </a:fillRef>
+          <a:effectRef idx="0">
+            <a:schemeClr val="accent1"/>
+          </a:effectRef>
+          <a:fontRef idx="minor">
+            <a:schemeClr val="lt1"/>
+          </a:fontRef>
+        </p:style>
+        <p:txBody>
+          <a:bodyPr rtlCol="0" anchor="ctr"/>
+          <a:lstStyle/>
+          <a:p>
+            <a:pPr algn="ctr"/>
+            <a:r>
+              <a:rPr lang="en-US" sz="1600" dirty="0">
+                <a:solidFill>
+                  <a:schemeClr val="tx1">
+                    <a:lumMod val="65000"/>
+                    <a:lumOff val="35000"/>
+                  </a:schemeClr>
+                </a:solidFill>
+                <a:latin typeface="Avenir Roman" panose="02000503020000020003" pitchFamily="2" charset="0"/>
+              </a:rPr>
+              <a:t>Shuffle</a:t>
+            </a:r>
+          </a:p>
+        </p:txBody>
+      </p:sp>
+      <p:cxnSp>
+        <p:nvCxnSpPr>
+          <p:cNvPr id="61" name="Straight Arrow Connector 60">
+            <a:extLst>
+              <a:ext uri="{FF2B5EF4-FFF2-40B4-BE49-F238E27FC236}">
+                <a16:creationId xmlns:a16="http://schemas.microsoft.com/office/drawing/2014/main" id="{F3E5C13D-C945-9E41-969F-8C90E3AB1290}"/>
+              </a:ext>
+            </a:extLst>
+          </p:cNvPr>
+          <p:cNvCxnSpPr>
+            <a:stCxn id="19" idx="3"/>
+          </p:cNvCxnSpPr>
+          <p:nvPr/>
+        </p:nvCxnSpPr>
+        <p:spPr>
+          <a:xfrm>
+            <a:off x="5453265" y="1989824"/>
+            <a:ext cx="1023720" cy="7685"/>
+          </a:xfrm>
+          <a:prstGeom prst="straightConnector1">
+            <a:avLst/>
+          </a:prstGeom>
+          <a:ln>
+            <a:solidFill>
+              <a:schemeClr val="tx1">
+                <a:lumMod val="50000"/>
+                <a:lumOff val="50000"/>
+              </a:schemeClr>
+            </a:solidFill>
+            <a:headEnd type="triangle"/>
+            <a:tailEnd type="triangle"/>
+          </a:ln>
+        </p:spPr>
+        <p:style>
+          <a:lnRef idx="1">
+            <a:schemeClr val="accent1"/>
+          </a:lnRef>
+          <a:fillRef idx="0">
+            <a:schemeClr val="accent1"/>
+          </a:fillRef>
+          <a:effectRef idx="0">
+            <a:schemeClr val="accent1"/>
+          </a:effectRef>
+          <a:fontRef idx="minor">
+            <a:schemeClr val="tx1"/>
+          </a:fontRef>
+        </p:style>
+      </p:cxnSp>
+      <p:cxnSp>
+        <p:nvCxnSpPr>
+          <p:cNvPr id="62" name="Straight Arrow Connector 61">
+            <a:extLst>
+              <a:ext uri="{FF2B5EF4-FFF2-40B4-BE49-F238E27FC236}">
+                <a16:creationId xmlns:a16="http://schemas.microsoft.com/office/drawing/2014/main" id="{2D6B79E8-6EF7-894E-B016-5F399C62B6BC}"/>
+              </a:ext>
+            </a:extLst>
+          </p:cNvPr>
+          <p:cNvCxnSpPr/>
+          <p:nvPr/>
+        </p:nvCxnSpPr>
+        <p:spPr>
+          <a:xfrm>
+            <a:off x="5459899" y="2870925"/>
+            <a:ext cx="1023720" cy="7685"/>
+          </a:xfrm>
+          <a:prstGeom prst="straightConnector1">
+            <a:avLst/>
+          </a:prstGeom>
+          <a:ln>
+            <a:solidFill>
+              <a:schemeClr val="tx1">
+                <a:lumMod val="50000"/>
+                <a:lumOff val="50000"/>
+              </a:schemeClr>
+            </a:solidFill>
+            <a:headEnd type="triangle"/>
+            <a:tailEnd type="triangle"/>
+          </a:ln>
+        </p:spPr>
+        <p:style>
+          <a:lnRef idx="1">
+            <a:schemeClr val="accent1"/>
+          </a:lnRef>
+          <a:fillRef idx="0">
+            <a:schemeClr val="accent1"/>
+          </a:fillRef>
+          <a:effectRef idx="0">
+            <a:schemeClr val="accent1"/>
+          </a:effectRef>
+          <a:fontRef idx="minor">
+            <a:schemeClr val="tx1"/>
+          </a:fontRef>
+        </p:style>
+      </p:cxnSp>
+      <p:cxnSp>
+        <p:nvCxnSpPr>
+          <p:cNvPr id="63" name="Straight Arrow Connector 62">
+            <a:extLst>
+              <a:ext uri="{FF2B5EF4-FFF2-40B4-BE49-F238E27FC236}">
+                <a16:creationId xmlns:a16="http://schemas.microsoft.com/office/drawing/2014/main" id="{58711500-14DD-C141-A45E-2B3DB4DF8E3B}"/>
+              </a:ext>
+            </a:extLst>
+          </p:cNvPr>
+          <p:cNvCxnSpPr/>
+          <p:nvPr/>
+        </p:nvCxnSpPr>
+        <p:spPr>
+          <a:xfrm>
+            <a:off x="5446630" y="3693724"/>
+            <a:ext cx="1023720" cy="7685"/>
+          </a:xfrm>
+          <a:prstGeom prst="straightConnector1">
+            <a:avLst/>
+          </a:prstGeom>
+          <a:ln>
+            <a:solidFill>
+              <a:schemeClr val="tx1">
+                <a:lumMod val="50000"/>
+                <a:lumOff val="50000"/>
+              </a:schemeClr>
+            </a:solidFill>
+            <a:headEnd type="triangle"/>
+            <a:tailEnd type="triangle"/>
+          </a:ln>
+        </p:spPr>
+        <p:style>
+          <a:lnRef idx="1">
+            <a:schemeClr val="accent1"/>
+          </a:lnRef>
+          <a:fillRef idx="0">
+            <a:schemeClr val="accent1"/>
+          </a:fillRef>
+          <a:effectRef idx="0">
+            <a:schemeClr val="accent1"/>
+          </a:effectRef>
+          <a:fontRef idx="minor">
+            <a:schemeClr val="tx1"/>
+          </a:fontRef>
+        </p:style>
+      </p:cxnSp>
+      <p:cxnSp>
+        <p:nvCxnSpPr>
+          <p:cNvPr id="64" name="Straight Arrow Connector 63">
+            <a:extLst>
+              <a:ext uri="{FF2B5EF4-FFF2-40B4-BE49-F238E27FC236}">
+                <a16:creationId xmlns:a16="http://schemas.microsoft.com/office/drawing/2014/main" id="{245AF17B-8B90-1A4F-A57A-FC7FF37B3143}"/>
+              </a:ext>
+            </a:extLst>
+          </p:cNvPr>
+          <p:cNvCxnSpPr/>
+          <p:nvPr/>
+        </p:nvCxnSpPr>
+        <p:spPr>
+          <a:xfrm>
+            <a:off x="5425107" y="4612933"/>
+            <a:ext cx="1023720" cy="7685"/>
+          </a:xfrm>
+          <a:prstGeom prst="straightConnector1">
+            <a:avLst/>
+          </a:prstGeom>
+          <a:ln>
+            <a:solidFill>
+              <a:schemeClr val="tx1">
+                <a:lumMod val="50000"/>
+                <a:lumOff val="50000"/>
+              </a:schemeClr>
+            </a:solidFill>
+            <a:headEnd type="triangle"/>
+            <a:tailEnd type="triangle"/>
+          </a:ln>
+        </p:spPr>
+        <p:style>
+          <a:lnRef idx="1">
+            <a:schemeClr val="accent1"/>
+          </a:lnRef>
+          <a:fillRef idx="0">
+            <a:schemeClr val="accent1"/>
+          </a:fillRef>
+          <a:effectRef idx="0">
+            <a:schemeClr val="accent1"/>
+          </a:effectRef>
+          <a:fontRef idx="minor">
+            <a:schemeClr val="tx1"/>
+          </a:fontRef>
+        </p:style>
+      </p:cxnSp>
+      <p:sp>
+        <p:nvSpPr>
+          <p:cNvPr id="65" name="Rectangle 64">
+            <a:extLst>
+              <a:ext uri="{FF2B5EF4-FFF2-40B4-BE49-F238E27FC236}">
+                <a16:creationId xmlns:a16="http://schemas.microsoft.com/office/drawing/2014/main" id="{D5F84F6E-5FB3-9D4A-A199-DF1641F19F52}"/>
+              </a:ext>
+            </a:extLst>
+          </p:cNvPr>
+          <p:cNvSpPr/>
+          <p:nvPr/>
+        </p:nvSpPr>
+        <p:spPr>
+          <a:xfrm>
+            <a:off x="5410196" y="1184608"/>
+            <a:ext cx="1229133" cy="397565"/>
+          </a:xfrm>
+          <a:prstGeom prst="rect">
+            <a:avLst/>
+          </a:prstGeom>
+          <a:solidFill>
+            <a:schemeClr val="bg1">
+              <a:lumMod val="95000"/>
+            </a:schemeClr>
+          </a:solidFill>
+          <a:ln w="6350">
+            <a:solidFill>
+              <a:schemeClr val="bg1">
+                <a:lumMod val="65000"/>
+              </a:schemeClr>
+            </a:solidFill>
+            <a:prstDash val="dash"/>
+          </a:ln>
+        </p:spPr>
+        <p:style>
+          <a:lnRef idx="2">
+            <a:schemeClr val="accent1">
+              <a:shade val="50000"/>
+            </a:schemeClr>
+          </a:lnRef>
+          <a:fillRef idx="1">
+            <a:schemeClr val="accent1"/>
+          </a:fillRef>
+          <a:effectRef idx="0">
+            <a:schemeClr val="accent1"/>
+          </a:effectRef>
+          <a:fontRef idx="minor">
+            <a:schemeClr val="lt1"/>
+          </a:fontRef>
+        </p:style>
+        <p:txBody>
+          <a:bodyPr rtlCol="0" anchor="ctr"/>
+          <a:lstStyle/>
+          <a:p>
+            <a:pPr algn="ctr"/>
+            <a:r>
+              <a:rPr lang="en-US" sz="1600" dirty="0">
+                <a:solidFill>
+                  <a:schemeClr val="tx1">
+                    <a:lumMod val="65000"/>
+                    <a:lumOff val="35000"/>
+                  </a:schemeClr>
+                </a:solidFill>
+                <a:latin typeface="Avenir Roman" panose="02000503020000020003" pitchFamily="2" charset="0"/>
+              </a:rPr>
+              <a:t>Join</a:t>
+            </a:r>
+          </a:p>
+        </p:txBody>
+      </p:sp>
+      <p:sp>
+        <p:nvSpPr>
+          <p:cNvPr id="69" name="Rounded Rectangle 68">
+            <a:extLst>
+              <a:ext uri="{FF2B5EF4-FFF2-40B4-BE49-F238E27FC236}">
+                <a16:creationId xmlns:a16="http://schemas.microsoft.com/office/drawing/2014/main" id="{381BE4E0-5B1E-EC4E-91EE-43620C2BBF5D}"/>
+              </a:ext>
+            </a:extLst>
+          </p:cNvPr>
+          <p:cNvSpPr/>
+          <p:nvPr/>
+        </p:nvSpPr>
+        <p:spPr>
+          <a:xfrm>
+            <a:off x="5062330" y="5766348"/>
+            <a:ext cx="1749288" cy="945702"/>
+          </a:xfrm>
+          <a:prstGeom prst="roundRect">
+            <a:avLst/>
+          </a:prstGeom>
+          <a:solidFill>
+            <a:schemeClr val="bg1">
+              <a:lumMod val="85000"/>
+            </a:schemeClr>
+          </a:solidFill>
+          <a:ln>
+            <a:noFill/>
+          </a:ln>
+        </p:spPr>
+        <p:style>
+          <a:lnRef idx="2">
+            <a:schemeClr val="accent1">
+              <a:shade val="50000"/>
+            </a:schemeClr>
+          </a:lnRef>
+          <a:fillRef idx="1">
+            <a:schemeClr val="accent1"/>
+          </a:fillRef>
+          <a:effectRef idx="0">
+            <a:schemeClr val="accent1"/>
+          </a:effectRef>
+          <a:fontRef idx="minor">
+            <a:schemeClr val="lt1"/>
+          </a:fontRef>
+        </p:style>
+        <p:txBody>
+          <a:bodyPr rtlCol="0" anchor="ctr"/>
+          <a:lstStyle/>
+          <a:p>
+            <a:pPr algn="ctr"/>
+            <a:endParaRPr lang="en-US"/>
+          </a:p>
+        </p:txBody>
+      </p:sp>
+      <p:sp>
+        <p:nvSpPr>
+          <p:cNvPr id="70" name="Rectangle 69">
+            <a:extLst>
+              <a:ext uri="{FF2B5EF4-FFF2-40B4-BE49-F238E27FC236}">
+                <a16:creationId xmlns:a16="http://schemas.microsoft.com/office/drawing/2014/main" id="{1163B507-6DB7-1C48-A5E7-62A4086E5691}"/>
+              </a:ext>
+            </a:extLst>
+          </p:cNvPr>
+          <p:cNvSpPr/>
+          <p:nvPr/>
+        </p:nvSpPr>
+        <p:spPr>
+          <a:xfrm>
+            <a:off x="5294655" y="5883962"/>
+            <a:ext cx="1297890" cy="693907"/>
+          </a:xfrm>
+          <a:prstGeom prst="rect">
+            <a:avLst/>
+          </a:prstGeom>
+          <a:solidFill>
+            <a:srgbClr val="FF7E79"/>
+          </a:solidFill>
+          <a:ln>
+            <a:noFill/>
+          </a:ln>
+        </p:spPr>
+        <p:style>
+          <a:lnRef idx="2">
+            <a:schemeClr val="accent1">
+              <a:shade val="50000"/>
+            </a:schemeClr>
+          </a:lnRef>
+          <a:fillRef idx="1">
+            <a:schemeClr val="accent1"/>
+          </a:fillRef>
+          <a:effectRef idx="0">
+            <a:schemeClr val="accent1"/>
+          </a:effectRef>
+          <a:fontRef idx="minor">
+            <a:schemeClr val="lt1"/>
+          </a:fontRef>
+        </p:style>
+        <p:txBody>
+          <a:bodyPr rtlCol="0" anchor="ctr"/>
+          <a:lstStyle/>
+          <a:p>
+            <a:pPr algn="ctr"/>
+            <a:r>
+              <a:rPr lang="en-US" sz="1600" dirty="0">
+                <a:latin typeface="Avenir Roman" panose="02000503020000020003" pitchFamily="2" charset="0"/>
+              </a:rPr>
+              <a:t>New </a:t>
+            </a:r>
+            <a:r>
+              <a:rPr lang="en-US" sz="1600" dirty="0" err="1">
+                <a:latin typeface="Avenir Roman" panose="02000503020000020003" pitchFamily="2" charset="0"/>
+              </a:rPr>
+              <a:t>DataFrame</a:t>
+            </a:r>
+            <a:endParaRPr lang="en-US" sz="1600" dirty="0">
+              <a:latin typeface="Avenir Roman" panose="02000503020000020003" pitchFamily="2" charset="0"/>
+            </a:endParaRPr>
+          </a:p>
+        </p:txBody>
+      </p:sp>
+      <p:cxnSp>
+        <p:nvCxnSpPr>
+          <p:cNvPr id="71" name="Straight Arrow Connector 70">
+            <a:extLst>
+              <a:ext uri="{FF2B5EF4-FFF2-40B4-BE49-F238E27FC236}">
+                <a16:creationId xmlns:a16="http://schemas.microsoft.com/office/drawing/2014/main" id="{D3A6144E-E623-3D4F-9DA1-F0487F5CF680}"/>
+              </a:ext>
+            </a:extLst>
+          </p:cNvPr>
+          <p:cNvCxnSpPr>
+            <a:cxnSpLocks/>
+            <a:endCxn id="70" idx="0"/>
+          </p:cNvCxnSpPr>
+          <p:nvPr/>
+        </p:nvCxnSpPr>
+        <p:spPr>
+          <a:xfrm flipH="1">
+            <a:off x="5943600" y="1997509"/>
+            <a:ext cx="28160" cy="3886453"/>
+          </a:xfrm>
+          <a:prstGeom prst="straightConnector1">
+            <a:avLst/>
+          </a:prstGeom>
+          <a:ln>
+            <a:solidFill>
+              <a:schemeClr val="bg1">
+                <a:lumMod val="65000"/>
+              </a:schemeClr>
+            </a:solidFill>
+            <a:prstDash val="dashDot"/>
+            <a:tailEnd type="triangle"/>
+          </a:ln>
+        </p:spPr>
+        <p:style>
+          <a:lnRef idx="1">
+            <a:schemeClr val="accent1"/>
+          </a:lnRef>
+          <a:fillRef idx="0">
+            <a:schemeClr val="accent1"/>
+          </a:fillRef>
+          <a:effectRef idx="0">
+            <a:schemeClr val="accent1"/>
+          </a:effectRef>
+          <a:fontRef idx="minor">
+            <a:schemeClr val="tx1"/>
+          </a:fontRef>
+        </p:style>
+      </p:cxnSp>
+      <p:sp>
+        <p:nvSpPr>
+          <p:cNvPr id="72" name="Rectangle 71">
+            <a:extLst>
+              <a:ext uri="{FF2B5EF4-FFF2-40B4-BE49-F238E27FC236}">
+                <a16:creationId xmlns:a16="http://schemas.microsoft.com/office/drawing/2014/main" id="{DC1D97F6-6D8D-2048-92DF-0028D5F6CF0A}"/>
+              </a:ext>
+            </a:extLst>
+          </p:cNvPr>
+          <p:cNvSpPr/>
+          <p:nvPr/>
+        </p:nvSpPr>
+        <p:spPr>
+          <a:xfrm>
+            <a:off x="5322400" y="5197573"/>
+            <a:ext cx="1229133" cy="397565"/>
+          </a:xfrm>
+          <a:prstGeom prst="rect">
+            <a:avLst/>
+          </a:prstGeom>
+          <a:solidFill>
+            <a:schemeClr val="bg1">
+              <a:lumMod val="95000"/>
+            </a:schemeClr>
+          </a:solidFill>
+          <a:ln w="6350">
+            <a:solidFill>
+              <a:schemeClr val="bg1">
+                <a:lumMod val="65000"/>
+              </a:schemeClr>
+            </a:solidFill>
+            <a:prstDash val="dash"/>
+          </a:ln>
+        </p:spPr>
+        <p:style>
+          <a:lnRef idx="2">
+            <a:schemeClr val="accent1">
+              <a:shade val="50000"/>
+            </a:schemeClr>
+          </a:lnRef>
+          <a:fillRef idx="1">
+            <a:schemeClr val="accent1"/>
+          </a:fillRef>
+          <a:effectRef idx="0">
+            <a:schemeClr val="accent1"/>
+          </a:effectRef>
+          <a:fontRef idx="minor">
+            <a:schemeClr val="lt1"/>
+          </a:fontRef>
+        </p:style>
+        <p:txBody>
+          <a:bodyPr rtlCol="0" anchor="ctr"/>
+          <a:lstStyle/>
+          <a:p>
+            <a:pPr algn="ctr"/>
+            <a:r>
+              <a:rPr lang="en-US" sz="1600" dirty="0">
+                <a:solidFill>
+                  <a:schemeClr val="tx1">
+                    <a:lumMod val="65000"/>
+                    <a:lumOff val="35000"/>
+                  </a:schemeClr>
+                </a:solidFill>
+                <a:latin typeface="Avenir Roman" panose="02000503020000020003" pitchFamily="2" charset="0"/>
+              </a:rPr>
+              <a:t>Shuffle</a:t>
+            </a:r>
+          </a:p>
+        </p:txBody>
+      </p:sp>
+      <p:sp>
+        <p:nvSpPr>
+          <p:cNvPr id="74" name="TextBox 73">
+            <a:extLst>
+              <a:ext uri="{FF2B5EF4-FFF2-40B4-BE49-F238E27FC236}">
+                <a16:creationId xmlns:a16="http://schemas.microsoft.com/office/drawing/2014/main" id="{08086552-5230-9B4D-8477-5F37B056F5AA}"/>
+              </a:ext>
+            </a:extLst>
+          </p:cNvPr>
+          <p:cNvSpPr txBox="1"/>
+          <p:nvPr/>
+        </p:nvSpPr>
+        <p:spPr>
+          <a:xfrm>
+            <a:off x="8653670" y="5595138"/>
+            <a:ext cx="2796208" cy="646331"/>
+          </a:xfrm>
+          <a:prstGeom prst="rect">
+            <a:avLst/>
+          </a:prstGeom>
+          <a:noFill/>
+        </p:spPr>
+        <p:txBody>
+          <a:bodyPr wrap="square" rtlCol="0">
+            <a:spAutoFit/>
+          </a:bodyPr>
+          <a:lstStyle/>
+          <a:p>
+            <a:r>
+              <a:rPr lang="en-US" dirty="0">
+                <a:latin typeface="Avenir Roman" panose="02000503020000020003" pitchFamily="2" charset="0"/>
+              </a:rPr>
+              <a:t>Each shuffle will spawn a new stage – 3 stages</a:t>
+            </a:r>
+          </a:p>
+        </p:txBody>
+      </p:sp>
+    </p:spTree>
+    <p:extLst>
+      <p:ext uri="{BB962C8B-B14F-4D97-AF65-F5344CB8AC3E}">
+        <p14:creationId xmlns:p14="http://schemas.microsoft.com/office/powerpoint/2010/main" val="2888245552"/>
+      </p:ext>
+    </p:extLst>
+  </p:cSld>
+  <p:clrMapOvr>
+    <a:masterClrMapping/>
+  </p:clrMapOvr>
+</p:sld>
+</file>
+
+<file path=ppt/slides/slide7.xml><?xml version="1.0" encoding="utf-8"?>
+<p:sld xmlns:a="http://schemas.openxmlformats.org/drawingml/2006/main" xmlns:r="http://schemas.openxmlformats.org/officeDocument/2006/relationships" xmlns:p="http://schemas.openxmlformats.org/presentationml/2006/main">
+  <p:cSld>
+    <p:spTree>
+      <p:nvGrpSpPr>
+        <p:cNvPr id="1" name=""/>
+        <p:cNvGrpSpPr/>
+        <p:nvPr/>
+      </p:nvGrpSpPr>
+      <p:grpSpPr>
+        <a:xfrm>
+          <a:off x="0" y="0"/>
+          <a:ext cx="0" cy="0"/>
+          <a:chOff x="0" y="0"/>
+          <a:chExt cx="0" cy="0"/>
+        </a:xfrm>
+      </p:grpSpPr>
+      <p:sp>
+        <p:nvSpPr>
+          <p:cNvPr id="25" name="Rounded Rectangle 24">
+            <a:extLst>
+              <a:ext uri="{FF2B5EF4-FFF2-40B4-BE49-F238E27FC236}">
+                <a16:creationId xmlns:a16="http://schemas.microsoft.com/office/drawing/2014/main" id="{A2F22960-FCE2-CA44-ABAA-4BFEDE673535}"/>
+              </a:ext>
+            </a:extLst>
+          </p:cNvPr>
+          <p:cNvSpPr/>
+          <p:nvPr/>
+        </p:nvSpPr>
+        <p:spPr>
+          <a:xfrm>
+            <a:off x="3962400" y="1656522"/>
+            <a:ext cx="3962400" cy="662608"/>
+          </a:xfrm>
+          <a:prstGeom prst="roundRect">
+            <a:avLst/>
+          </a:prstGeom>
+          <a:solidFill>
+            <a:schemeClr val="bg1">
+              <a:lumMod val="85000"/>
+            </a:schemeClr>
+          </a:solidFill>
+          <a:ln>
+            <a:noFill/>
+          </a:ln>
+        </p:spPr>
+        <p:style>
+          <a:lnRef idx="2">
+            <a:schemeClr val="accent1">
+              <a:shade val="50000"/>
+            </a:schemeClr>
+          </a:lnRef>
+          <a:fillRef idx="1">
+            <a:schemeClr val="accent1"/>
+          </a:fillRef>
+          <a:effectRef idx="0">
+            <a:schemeClr val="accent1"/>
+          </a:effectRef>
+          <a:fontRef idx="minor">
+            <a:schemeClr val="lt1"/>
+          </a:fontRef>
+        </p:style>
+        <p:txBody>
+          <a:bodyPr rtlCol="0" anchor="ctr"/>
+          <a:lstStyle/>
+          <a:p>
+            <a:pPr algn="ctr"/>
+            <a:endParaRPr lang="en-US"/>
+          </a:p>
+        </p:txBody>
+      </p:sp>
+      <p:sp>
+        <p:nvSpPr>
+          <p:cNvPr id="2" name="Title 1">
+            <a:extLst>
+              <a:ext uri="{FF2B5EF4-FFF2-40B4-BE49-F238E27FC236}">
+                <a16:creationId xmlns:a16="http://schemas.microsoft.com/office/drawing/2014/main" id="{EEA5F434-80A5-A041-8B0E-1DEBC1CB8B62}"/>
+              </a:ext>
+            </a:extLst>
+          </p:cNvPr>
+          <p:cNvSpPr>
+            <a:spLocks noGrp="1"/>
+          </p:cNvSpPr>
+          <p:nvPr>
+            <p:ph type="title"/>
+          </p:nvPr>
+        </p:nvSpPr>
+        <p:spPr>
+          <a:xfrm>
+            <a:off x="167307" y="-146268"/>
+            <a:ext cx="10515600" cy="1325563"/>
+          </a:xfrm>
+        </p:spPr>
+        <p:txBody>
+          <a:bodyPr vert="horz" lIns="91440" tIns="45720" rIns="91440" bIns="45720" rtlCol="0" anchor="ctr">
+            <a:normAutofit/>
+          </a:bodyPr>
+          <a:lstStyle/>
+          <a:p>
+            <a:r>
+              <a:rPr lang="en-US" dirty="0">
+                <a:latin typeface="Avenir Roman" panose="02000503020000020003" pitchFamily="2" charset="0"/>
+              </a:rPr>
               <a:t>Joins – Broadcast Hash Join</a:t>
             </a:r>
           </a:p>
@@ -12250,7 +12438,7 @@
 </p:sld>
 </file>
 
-<file path=ppt/slides/slide7.xml><?xml version="1.0" encoding="utf-8"?>
+<file path=ppt/slides/slide8.xml><?xml version="1.0" encoding="utf-8"?>
 <p:sld xmlns:a="http://schemas.openxmlformats.org/drawingml/2006/main" xmlns:r="http://schemas.openxmlformats.org/officeDocument/2006/relationships" xmlns:p="http://schemas.openxmlformats.org/presentationml/2006/main">
   <p:cSld>
     <p:spTree>
@@ -12575,7 +12763,7 @@
 </p:sld>
 </file>
 
-<file path=ppt/slides/slide8.xml><?xml version="1.0" encoding="utf-8"?>
+<file path=ppt/slides/slide9.xml><?xml version="1.0" encoding="utf-8"?>
 <p:sld xmlns:a="http://schemas.openxmlformats.org/drawingml/2006/main" xmlns:r="http://schemas.openxmlformats.org/officeDocument/2006/relationships" xmlns:p="http://schemas.openxmlformats.org/presentationml/2006/main">
   <p:cSld>
     <p:spTree>
@@ -15349,126 +15537,6 @@
 </p:sld>
 </file>
 
-<file path=ppt/slides/slide9.xml><?xml version="1.0" encoding="utf-8"?>
-<p:sld xmlns:a="http://schemas.openxmlformats.org/drawingml/2006/main" xmlns:r="http://schemas.openxmlformats.org/officeDocument/2006/relationships" xmlns:p="http://schemas.openxmlformats.org/presentationml/2006/main">
-  <p:cSld>
-    <p:bg>
-      <p:bgPr>
-        <a:solidFill>
-          <a:schemeClr val="tx1"/>
-        </a:solidFill>
-        <a:effectLst/>
-      </p:bgPr>
-    </p:bg>
-    <p:spTree>
-      <p:nvGrpSpPr>
-        <p:cNvPr id="1" name=""/>
-        <p:cNvGrpSpPr/>
-        <p:nvPr/>
-      </p:nvGrpSpPr>
-      <p:grpSpPr>
-        <a:xfrm>
-          <a:off x="0" y="0"/>
-          <a:ext cx="0" cy="0"/>
-          <a:chOff x="0" y="0"/>
-          <a:chExt cx="0" cy="0"/>
-        </a:xfrm>
-      </p:grpSpPr>
-      <p:pic>
-        <p:nvPicPr>
-          <p:cNvPr id="6" name="Picture 5">
-            <a:extLst>
-              <a:ext uri="{FF2B5EF4-FFF2-40B4-BE49-F238E27FC236}">
-                <a16:creationId xmlns:a16="http://schemas.microsoft.com/office/drawing/2014/main" id="{9D36963C-9FDF-974D-ACE2-B7436BC6BF10}"/>
-              </a:ext>
-            </a:extLst>
-          </p:cNvPr>
-          <p:cNvPicPr>
-            <a:picLocks noChangeAspect="1"/>
-          </p:cNvPicPr>
-          <p:nvPr/>
-        </p:nvPicPr>
-        <p:blipFill>
-          <a:blip r:embed="rId2"/>
-          <a:stretch>
-            <a:fillRect/>
-          </a:stretch>
-        </p:blipFill>
-        <p:spPr>
-          <a:xfrm>
-            <a:off x="2787865" y="278296"/>
-            <a:ext cx="6183206" cy="6308035"/>
-          </a:xfrm>
-          <a:prstGeom prst="rect">
-            <a:avLst/>
-          </a:prstGeom>
-        </p:spPr>
-      </p:pic>
-      <p:sp>
-        <p:nvSpPr>
-          <p:cNvPr id="7" name="Rectangle 6">
-            <a:extLst>
-              <a:ext uri="{FF2B5EF4-FFF2-40B4-BE49-F238E27FC236}">
-                <a16:creationId xmlns:a16="http://schemas.microsoft.com/office/drawing/2014/main" id="{36C949FF-2854-894F-B894-2C005525AB7B}"/>
-              </a:ext>
-            </a:extLst>
-          </p:cNvPr>
-          <p:cNvSpPr/>
-          <p:nvPr/>
-        </p:nvSpPr>
-        <p:spPr>
-          <a:xfrm>
-            <a:off x="2173357" y="424070"/>
-            <a:ext cx="3339547" cy="1086678"/>
-          </a:xfrm>
-          <a:prstGeom prst="rect">
-            <a:avLst/>
-          </a:prstGeom>
-          <a:solidFill>
-            <a:schemeClr val="tx1"/>
-          </a:solidFill>
-          <a:ln>
-            <a:noFill/>
-          </a:ln>
-        </p:spPr>
-        <p:style>
-          <a:lnRef idx="2">
-            <a:schemeClr val="accent1">
-              <a:shade val="50000"/>
-            </a:schemeClr>
-          </a:lnRef>
-          <a:fillRef idx="1">
-            <a:schemeClr val="accent1"/>
-          </a:fillRef>
-          <a:effectRef idx="0">
-            <a:schemeClr val="accent1"/>
-          </a:effectRef>
-          <a:fontRef idx="minor">
-            <a:schemeClr val="lt1"/>
-          </a:fontRef>
-        </p:style>
-        <p:txBody>
-          <a:bodyPr rtlCol="0" anchor="ctr"/>
-          <a:lstStyle/>
-          <a:p>
-            <a:pPr algn="ctr"/>
-            <a:endParaRPr lang="en-US"/>
-          </a:p>
-        </p:txBody>
-      </p:sp>
-    </p:spTree>
-    <p:extLst>
-      <p:ext uri="{BB962C8B-B14F-4D97-AF65-F5344CB8AC3E}">
-        <p14:creationId xmlns:p14="http://schemas.microsoft.com/office/powerpoint/2010/main" val="3065771813"/>
-      </p:ext>
-    </p:extLst>
-  </p:cSld>
-  <p:clrMapOvr>
-    <a:masterClrMapping/>
-  </p:clrMapOvr>
-</p:sld>
-</file>
-
 <file path=ppt/theme/theme1.xml><?xml version="1.0" encoding="utf-8"?>
 <a:theme xmlns:a="http://schemas.openxmlformats.org/drawingml/2006/main" name="Office Theme">
   <a:themeElements>

--- a/Partitioning & SparkContext.pptx
+++ b/Partitioning & SparkContext.pptx
@@ -7999,8 +7999,8 @@
         </p:nvSpPr>
         <p:spPr>
           <a:xfrm>
-            <a:off x="2617304" y="1690688"/>
-            <a:ext cx="3478696" cy="4272790"/>
+            <a:off x="2617304" y="1690687"/>
+            <a:ext cx="3478696" cy="4445069"/>
           </a:xfrm>
           <a:prstGeom prst="rect">
             <a:avLst/>

--- a/Partitioning & SparkContext.pptx
+++ b/Partitioning & SparkContext.pptx
@@ -4,6 +4,9 @@
   <p:sldMasterIdLst>
     <p:sldMasterId id="2147483648" r:id="rId1"/>
   </p:sldMasterIdLst>
+  <p:notesMasterIdLst>
+    <p:notesMasterId r:id="rId13"/>
+  </p:notesMasterIdLst>
   <p:sldIdLst>
     <p:sldId id="256" r:id="rId2"/>
     <p:sldId id="257" r:id="rId3"/>
@@ -120,6 +123,523 @@
     </p:ext>
   </p:extLst>
 </p:presentation>
+</file>
+
+<file path=ppt/notesMasters/notesMaster1.xml><?xml version="1.0" encoding="utf-8"?>
+<p:notesMaster xmlns:a="http://schemas.openxmlformats.org/drawingml/2006/main" xmlns:r="http://schemas.openxmlformats.org/officeDocument/2006/relationships" xmlns:p="http://schemas.openxmlformats.org/presentationml/2006/main">
+  <p:cSld>
+    <p:bg>
+      <p:bgRef idx="1001">
+        <a:schemeClr val="bg1"/>
+      </p:bgRef>
+    </p:bg>
+    <p:spTree>
+      <p:nvGrpSpPr>
+        <p:cNvPr id="1" name=""/>
+        <p:cNvGrpSpPr/>
+        <p:nvPr/>
+      </p:nvGrpSpPr>
+      <p:grpSpPr>
+        <a:xfrm>
+          <a:off x="0" y="0"/>
+          <a:ext cx="0" cy="0"/>
+          <a:chOff x="0" y="0"/>
+          <a:chExt cx="0" cy="0"/>
+        </a:xfrm>
+      </p:grpSpPr>
+      <p:sp>
+        <p:nvSpPr>
+          <p:cNvPr id="2" name="Header Placeholder 1"/>
+          <p:cNvSpPr>
+            <a:spLocks noGrp="1"/>
+          </p:cNvSpPr>
+          <p:nvPr>
+            <p:ph type="hdr" sz="quarter"/>
+          </p:nvPr>
+        </p:nvSpPr>
+        <p:spPr>
+          <a:xfrm>
+            <a:off x="0" y="0"/>
+            <a:ext cx="2971800" cy="458788"/>
+          </a:xfrm>
+          <a:prstGeom prst="rect">
+            <a:avLst/>
+          </a:prstGeom>
+        </p:spPr>
+        <p:txBody>
+          <a:bodyPr vert="horz" lIns="91440" tIns="45720" rIns="91440" bIns="45720" rtlCol="0"/>
+          <a:lstStyle>
+            <a:lvl1pPr algn="l">
+              <a:defRPr sz="1200"/>
+            </a:lvl1pPr>
+          </a:lstStyle>
+          <a:p>
+            <a:endParaRPr lang="en-US"/>
+          </a:p>
+        </p:txBody>
+      </p:sp>
+      <p:sp>
+        <p:nvSpPr>
+          <p:cNvPr id="3" name="Date Placeholder 2"/>
+          <p:cNvSpPr>
+            <a:spLocks noGrp="1"/>
+          </p:cNvSpPr>
+          <p:nvPr>
+            <p:ph type="dt" idx="1"/>
+          </p:nvPr>
+        </p:nvSpPr>
+        <p:spPr>
+          <a:xfrm>
+            <a:off x="3884613" y="0"/>
+            <a:ext cx="2971800" cy="458788"/>
+          </a:xfrm>
+          <a:prstGeom prst="rect">
+            <a:avLst/>
+          </a:prstGeom>
+        </p:spPr>
+        <p:txBody>
+          <a:bodyPr vert="horz" lIns="91440" tIns="45720" rIns="91440" bIns="45720" rtlCol="0"/>
+          <a:lstStyle>
+            <a:lvl1pPr algn="r">
+              <a:defRPr sz="1200"/>
+            </a:lvl1pPr>
+          </a:lstStyle>
+          <a:p>
+            <a:fld id="{AC7B3839-CBD2-254A-8F78-57299DB0A37E}" type="datetimeFigureOut">
+              <a:rPr lang="en-US" smtClean="0"/>
+              <a:t>4/19/20</a:t>
+            </a:fld>
+            <a:endParaRPr lang="en-US"/>
+          </a:p>
+        </p:txBody>
+      </p:sp>
+      <p:sp>
+        <p:nvSpPr>
+          <p:cNvPr id="4" name="Slide Image Placeholder 3"/>
+          <p:cNvSpPr>
+            <a:spLocks noGrp="1" noRot="1" noChangeAspect="1"/>
+          </p:cNvSpPr>
+          <p:nvPr>
+            <p:ph type="sldImg" idx="2"/>
+          </p:nvPr>
+        </p:nvSpPr>
+        <p:spPr>
+          <a:xfrm>
+            <a:off x="685800" y="1143000"/>
+            <a:ext cx="5486400" cy="3086100"/>
+          </a:xfrm>
+          <a:prstGeom prst="rect">
+            <a:avLst/>
+          </a:prstGeom>
+          <a:noFill/>
+          <a:ln w="12700">
+            <a:solidFill>
+              <a:prstClr val="black"/>
+            </a:solidFill>
+          </a:ln>
+        </p:spPr>
+        <p:txBody>
+          <a:bodyPr vert="horz" lIns="91440" tIns="45720" rIns="91440" bIns="45720" rtlCol="0" anchor="ctr"/>
+          <a:lstStyle/>
+          <a:p>
+            <a:endParaRPr lang="en-US"/>
+          </a:p>
+        </p:txBody>
+      </p:sp>
+      <p:sp>
+        <p:nvSpPr>
+          <p:cNvPr id="5" name="Notes Placeholder 4"/>
+          <p:cNvSpPr>
+            <a:spLocks noGrp="1"/>
+          </p:cNvSpPr>
+          <p:nvPr>
+            <p:ph type="body" sz="quarter" idx="3"/>
+          </p:nvPr>
+        </p:nvSpPr>
+        <p:spPr>
+          <a:xfrm>
+            <a:off x="685800" y="4400550"/>
+            <a:ext cx="5486400" cy="3600450"/>
+          </a:xfrm>
+          <a:prstGeom prst="rect">
+            <a:avLst/>
+          </a:prstGeom>
+        </p:spPr>
+        <p:txBody>
+          <a:bodyPr vert="horz" lIns="91440" tIns="45720" rIns="91440" bIns="45720" rtlCol="0"/>
+          <a:lstStyle/>
+          <a:p>
+            <a:pPr lvl="0"/>
+            <a:r>
+              <a:rPr lang="en-US"/>
+              <a:t>Edit Master text styles</a:t>
+            </a:r>
+          </a:p>
+          <a:p>
+            <a:pPr lvl="1"/>
+            <a:r>
+              <a:rPr lang="en-US"/>
+              <a:t>Second level</a:t>
+            </a:r>
+          </a:p>
+          <a:p>
+            <a:pPr lvl="2"/>
+            <a:r>
+              <a:rPr lang="en-US"/>
+              <a:t>Third level</a:t>
+            </a:r>
+          </a:p>
+          <a:p>
+            <a:pPr lvl="3"/>
+            <a:r>
+              <a:rPr lang="en-US"/>
+              <a:t>Fourth level</a:t>
+            </a:r>
+          </a:p>
+          <a:p>
+            <a:pPr lvl="4"/>
+            <a:r>
+              <a:rPr lang="en-US"/>
+              <a:t>Fifth level</a:t>
+            </a:r>
+          </a:p>
+        </p:txBody>
+      </p:sp>
+      <p:sp>
+        <p:nvSpPr>
+          <p:cNvPr id="6" name="Footer Placeholder 5"/>
+          <p:cNvSpPr>
+            <a:spLocks noGrp="1"/>
+          </p:cNvSpPr>
+          <p:nvPr>
+            <p:ph type="ftr" sz="quarter" idx="4"/>
+          </p:nvPr>
+        </p:nvSpPr>
+        <p:spPr>
+          <a:xfrm>
+            <a:off x="0" y="8685213"/>
+            <a:ext cx="2971800" cy="458787"/>
+          </a:xfrm>
+          <a:prstGeom prst="rect">
+            <a:avLst/>
+          </a:prstGeom>
+        </p:spPr>
+        <p:txBody>
+          <a:bodyPr vert="horz" lIns="91440" tIns="45720" rIns="91440" bIns="45720" rtlCol="0" anchor="b"/>
+          <a:lstStyle>
+            <a:lvl1pPr algn="l">
+              <a:defRPr sz="1200"/>
+            </a:lvl1pPr>
+          </a:lstStyle>
+          <a:p>
+            <a:endParaRPr lang="en-US"/>
+          </a:p>
+        </p:txBody>
+      </p:sp>
+      <p:sp>
+        <p:nvSpPr>
+          <p:cNvPr id="7" name="Slide Number Placeholder 6"/>
+          <p:cNvSpPr>
+            <a:spLocks noGrp="1"/>
+          </p:cNvSpPr>
+          <p:nvPr>
+            <p:ph type="sldNum" sz="quarter" idx="5"/>
+          </p:nvPr>
+        </p:nvSpPr>
+        <p:spPr>
+          <a:xfrm>
+            <a:off x="3884613" y="8685213"/>
+            <a:ext cx="2971800" cy="458787"/>
+          </a:xfrm>
+          <a:prstGeom prst="rect">
+            <a:avLst/>
+          </a:prstGeom>
+        </p:spPr>
+        <p:txBody>
+          <a:bodyPr vert="horz" lIns="91440" tIns="45720" rIns="91440" bIns="45720" rtlCol="0" anchor="b"/>
+          <a:lstStyle>
+            <a:lvl1pPr algn="r">
+              <a:defRPr sz="1200"/>
+            </a:lvl1pPr>
+          </a:lstStyle>
+          <a:p>
+            <a:fld id="{63A72A61-C763-2E47-8906-A96B77B1F0D8}" type="slidenum">
+              <a:rPr lang="en-US" smtClean="0"/>
+              <a:t>‹#›</a:t>
+            </a:fld>
+            <a:endParaRPr lang="en-US"/>
+          </a:p>
+        </p:txBody>
+      </p:sp>
+    </p:spTree>
+    <p:extLst>
+      <p:ext uri="{BB962C8B-B14F-4D97-AF65-F5344CB8AC3E}">
+        <p14:creationId xmlns:p14="http://schemas.microsoft.com/office/powerpoint/2010/main" val="2098763443"/>
+      </p:ext>
+    </p:extLst>
+  </p:cSld>
+  <p:clrMap bg1="lt1" tx1="dk1" bg2="lt2" tx2="dk2" accent1="accent1" accent2="accent2" accent3="accent3" accent4="accent4" accent5="accent5" accent6="accent6" hlink="hlink" folHlink="folHlink"/>
+  <p:notesStyle>
+    <a:lvl1pPr marL="0" algn="l" defTabSz="914400" rtl="0" eaLnBrk="1" latinLnBrk="0" hangingPunct="1">
+      <a:defRPr sz="1200" kern="1200">
+        <a:solidFill>
+          <a:schemeClr val="tx1"/>
+        </a:solidFill>
+        <a:latin typeface="+mn-lt"/>
+        <a:ea typeface="+mn-ea"/>
+        <a:cs typeface="+mn-cs"/>
+      </a:defRPr>
+    </a:lvl1pPr>
+    <a:lvl2pPr marL="457200" algn="l" defTabSz="914400" rtl="0" eaLnBrk="1" latinLnBrk="0" hangingPunct="1">
+      <a:defRPr sz="1200" kern="1200">
+        <a:solidFill>
+          <a:schemeClr val="tx1"/>
+        </a:solidFill>
+        <a:latin typeface="+mn-lt"/>
+        <a:ea typeface="+mn-ea"/>
+        <a:cs typeface="+mn-cs"/>
+      </a:defRPr>
+    </a:lvl2pPr>
+    <a:lvl3pPr marL="914400" algn="l" defTabSz="914400" rtl="0" eaLnBrk="1" latinLnBrk="0" hangingPunct="1">
+      <a:defRPr sz="1200" kern="1200">
+        <a:solidFill>
+          <a:schemeClr val="tx1"/>
+        </a:solidFill>
+        <a:latin typeface="+mn-lt"/>
+        <a:ea typeface="+mn-ea"/>
+        <a:cs typeface="+mn-cs"/>
+      </a:defRPr>
+    </a:lvl3pPr>
+    <a:lvl4pPr marL="1371600" algn="l" defTabSz="914400" rtl="0" eaLnBrk="1" latinLnBrk="0" hangingPunct="1">
+      <a:defRPr sz="1200" kern="1200">
+        <a:solidFill>
+          <a:schemeClr val="tx1"/>
+        </a:solidFill>
+        <a:latin typeface="+mn-lt"/>
+        <a:ea typeface="+mn-ea"/>
+        <a:cs typeface="+mn-cs"/>
+      </a:defRPr>
+    </a:lvl4pPr>
+    <a:lvl5pPr marL="1828800" algn="l" defTabSz="914400" rtl="0" eaLnBrk="1" latinLnBrk="0" hangingPunct="1">
+      <a:defRPr sz="1200" kern="1200">
+        <a:solidFill>
+          <a:schemeClr val="tx1"/>
+        </a:solidFill>
+        <a:latin typeface="+mn-lt"/>
+        <a:ea typeface="+mn-ea"/>
+        <a:cs typeface="+mn-cs"/>
+      </a:defRPr>
+    </a:lvl5pPr>
+    <a:lvl6pPr marL="2286000" algn="l" defTabSz="914400" rtl="0" eaLnBrk="1" latinLnBrk="0" hangingPunct="1">
+      <a:defRPr sz="1200" kern="1200">
+        <a:solidFill>
+          <a:schemeClr val="tx1"/>
+        </a:solidFill>
+        <a:latin typeface="+mn-lt"/>
+        <a:ea typeface="+mn-ea"/>
+        <a:cs typeface="+mn-cs"/>
+      </a:defRPr>
+    </a:lvl6pPr>
+    <a:lvl7pPr marL="2743200" algn="l" defTabSz="914400" rtl="0" eaLnBrk="1" latinLnBrk="0" hangingPunct="1">
+      <a:defRPr sz="1200" kern="1200">
+        <a:solidFill>
+          <a:schemeClr val="tx1"/>
+        </a:solidFill>
+        <a:latin typeface="+mn-lt"/>
+        <a:ea typeface="+mn-ea"/>
+        <a:cs typeface="+mn-cs"/>
+      </a:defRPr>
+    </a:lvl7pPr>
+    <a:lvl8pPr marL="3200400" algn="l" defTabSz="914400" rtl="0" eaLnBrk="1" latinLnBrk="0" hangingPunct="1">
+      <a:defRPr sz="1200" kern="1200">
+        <a:solidFill>
+          <a:schemeClr val="tx1"/>
+        </a:solidFill>
+        <a:latin typeface="+mn-lt"/>
+        <a:ea typeface="+mn-ea"/>
+        <a:cs typeface="+mn-cs"/>
+      </a:defRPr>
+    </a:lvl8pPr>
+    <a:lvl9pPr marL="3657600" algn="l" defTabSz="914400" rtl="0" eaLnBrk="1" latinLnBrk="0" hangingPunct="1">
+      <a:defRPr sz="1200" kern="1200">
+        <a:solidFill>
+          <a:schemeClr val="tx1"/>
+        </a:solidFill>
+        <a:latin typeface="+mn-lt"/>
+        <a:ea typeface="+mn-ea"/>
+        <a:cs typeface="+mn-cs"/>
+      </a:defRPr>
+    </a:lvl9pPr>
+  </p:notesStyle>
+</p:notesMaster>
+</file>
+
+<file path=ppt/notesSlides/notesSlide1.xml><?xml version="1.0" encoding="utf-8"?>
+<p:notes xmlns:a="http://schemas.openxmlformats.org/drawingml/2006/main" xmlns:r="http://schemas.openxmlformats.org/officeDocument/2006/relationships" xmlns:p="http://schemas.openxmlformats.org/presentationml/2006/main">
+  <p:cSld>
+    <p:spTree>
+      <p:nvGrpSpPr>
+        <p:cNvPr id="1" name=""/>
+        <p:cNvGrpSpPr/>
+        <p:nvPr/>
+      </p:nvGrpSpPr>
+      <p:grpSpPr>
+        <a:xfrm>
+          <a:off x="0" y="0"/>
+          <a:ext cx="0" cy="0"/>
+          <a:chOff x="0" y="0"/>
+          <a:chExt cx="0" cy="0"/>
+        </a:xfrm>
+      </p:grpSpPr>
+      <p:sp>
+        <p:nvSpPr>
+          <p:cNvPr id="2" name="Slide Image Placeholder 1"/>
+          <p:cNvSpPr>
+            <a:spLocks noGrp="1" noRot="1" noChangeAspect="1"/>
+          </p:cNvSpPr>
+          <p:nvPr>
+            <p:ph type="sldImg"/>
+          </p:nvPr>
+        </p:nvSpPr>
+        <p:spPr/>
+      </p:sp>
+      <p:sp>
+        <p:nvSpPr>
+          <p:cNvPr id="3" name="Notes Placeholder 2"/>
+          <p:cNvSpPr>
+            <a:spLocks noGrp="1"/>
+          </p:cNvSpPr>
+          <p:nvPr>
+            <p:ph type="body" idx="1"/>
+          </p:nvPr>
+        </p:nvSpPr>
+        <p:spPr/>
+        <p:txBody>
+          <a:bodyPr/>
+          <a:lstStyle/>
+          <a:p>
+            <a:endParaRPr lang="en-US" dirty="0"/>
+          </a:p>
+        </p:txBody>
+      </p:sp>
+      <p:sp>
+        <p:nvSpPr>
+          <p:cNvPr id="4" name="Slide Number Placeholder 3"/>
+          <p:cNvSpPr>
+            <a:spLocks noGrp="1"/>
+          </p:cNvSpPr>
+          <p:nvPr>
+            <p:ph type="sldNum" sz="quarter" idx="5"/>
+          </p:nvPr>
+        </p:nvSpPr>
+        <p:spPr/>
+        <p:txBody>
+          <a:bodyPr/>
+          <a:lstStyle/>
+          <a:p>
+            <a:fld id="{63A72A61-C763-2E47-8906-A96B77B1F0D8}" type="slidenum">
+              <a:rPr lang="en-US" smtClean="0"/>
+              <a:t>4</a:t>
+            </a:fld>
+            <a:endParaRPr lang="en-US"/>
+          </a:p>
+        </p:txBody>
+      </p:sp>
+    </p:spTree>
+    <p:extLst>
+      <p:ext uri="{BB962C8B-B14F-4D97-AF65-F5344CB8AC3E}">
+        <p14:creationId xmlns:p14="http://schemas.microsoft.com/office/powerpoint/2010/main" val="1486531837"/>
+      </p:ext>
+    </p:extLst>
+  </p:cSld>
+  <p:clrMapOvr>
+    <a:masterClrMapping/>
+  </p:clrMapOvr>
+</p:notes>
+</file>
+
+<file path=ppt/notesSlides/notesSlide2.xml><?xml version="1.0" encoding="utf-8"?>
+<p:notes xmlns:a="http://schemas.openxmlformats.org/drawingml/2006/main" xmlns:r="http://schemas.openxmlformats.org/officeDocument/2006/relationships" xmlns:p="http://schemas.openxmlformats.org/presentationml/2006/main">
+  <p:cSld>
+    <p:spTree>
+      <p:nvGrpSpPr>
+        <p:cNvPr id="1" name=""/>
+        <p:cNvGrpSpPr/>
+        <p:nvPr/>
+      </p:nvGrpSpPr>
+      <p:grpSpPr>
+        <a:xfrm>
+          <a:off x="0" y="0"/>
+          <a:ext cx="0" cy="0"/>
+          <a:chOff x="0" y="0"/>
+          <a:chExt cx="0" cy="0"/>
+        </a:xfrm>
+      </p:grpSpPr>
+      <p:sp>
+        <p:nvSpPr>
+          <p:cNvPr id="2" name="Slide Image Placeholder 1"/>
+          <p:cNvSpPr>
+            <a:spLocks noGrp="1" noRot="1" noChangeAspect="1"/>
+          </p:cNvSpPr>
+          <p:nvPr>
+            <p:ph type="sldImg"/>
+          </p:nvPr>
+        </p:nvSpPr>
+        <p:spPr/>
+      </p:sp>
+      <p:sp>
+        <p:nvSpPr>
+          <p:cNvPr id="3" name="Notes Placeholder 2"/>
+          <p:cNvSpPr>
+            <a:spLocks noGrp="1"/>
+          </p:cNvSpPr>
+          <p:nvPr>
+            <p:ph type="body" idx="1"/>
+          </p:nvPr>
+        </p:nvSpPr>
+        <p:spPr/>
+        <p:txBody>
+          <a:bodyPr/>
+          <a:lstStyle/>
+          <a:p>
+            <a:endParaRPr lang="en-US" dirty="0"/>
+          </a:p>
+        </p:txBody>
+      </p:sp>
+      <p:sp>
+        <p:nvSpPr>
+          <p:cNvPr id="4" name="Slide Number Placeholder 3"/>
+          <p:cNvSpPr>
+            <a:spLocks noGrp="1"/>
+          </p:cNvSpPr>
+          <p:nvPr>
+            <p:ph type="sldNum" sz="quarter" idx="5"/>
+          </p:nvPr>
+        </p:nvSpPr>
+        <p:spPr/>
+        <p:txBody>
+          <a:bodyPr/>
+          <a:lstStyle/>
+          <a:p>
+            <a:fld id="{63A72A61-C763-2E47-8906-A96B77B1F0D8}" type="slidenum">
+              <a:rPr lang="en-US" smtClean="0"/>
+              <a:t>9</a:t>
+            </a:fld>
+            <a:endParaRPr lang="en-US"/>
+          </a:p>
+        </p:txBody>
+      </p:sp>
+    </p:spTree>
+    <p:extLst>
+      <p:ext uri="{BB962C8B-B14F-4D97-AF65-F5344CB8AC3E}">
+        <p14:creationId xmlns:p14="http://schemas.microsoft.com/office/powerpoint/2010/main" val="2142984584"/>
+      </p:ext>
+    </p:extLst>
+  </p:cSld>
+  <p:clrMapOvr>
+    <a:masterClrMapping/>
+  </p:clrMapOvr>
+</p:notes>
 </file>
 
 <file path=ppt/slideLayouts/slideLayout1.xml><?xml version="1.0" encoding="utf-8"?>
@@ -4915,7 +5435,16 @@
               <a:rPr lang="en-US" sz="3600" dirty="0">
                 <a:latin typeface="Avenir Roman" panose="02000503020000020003" pitchFamily="2" charset="0"/>
               </a:rPr>
-              <a:t>Execution Plan – Catalyst Optimizer</a:t>
+              <a:t>Execution Plan – </a:t>
+            </a:r>
+            <a:r>
+              <a:rPr lang="en-US" sz="3600" dirty="0">
+                <a:solidFill>
+                  <a:srgbClr val="FF2F92"/>
+                </a:solidFill>
+                <a:latin typeface="Avenir Roman" panose="02000503020000020003" pitchFamily="2" charset="0"/>
+              </a:rPr>
+              <a:t>Catalyst Optimizer</a:t>
             </a:r>
           </a:p>
         </p:txBody>
@@ -6011,7 +6540,9 @@
             <a:avLst/>
           </a:prstGeom>
           <a:solidFill>
-            <a:srgbClr val="FF2F92"/>
+            <a:schemeClr val="bg1">
+              <a:lumMod val="95000"/>
+            </a:schemeClr>
           </a:solidFill>
           <a:ln>
             <a:noFill/>
@@ -6040,6 +6571,9 @@
             <a:pPr algn="ctr"/>
             <a:r>
               <a:rPr lang="en-US" dirty="0">
+                <a:solidFill>
+                  <a:srgbClr val="FF2F92"/>
+                </a:solidFill>
                 <a:latin typeface="Avenir Roman" panose="02000503020000020003" pitchFamily="2" charset="0"/>
               </a:rPr>
               <a:t>Tungsten Execution</a:t>
@@ -7627,6 +8161,149 @@
           </p:style>
         </p:cxnSp>
       </p:grpSp>
+      <p:cxnSp>
+        <p:nvCxnSpPr>
+          <p:cNvPr id="12" name="Straight Arrow Connector 11">
+            <a:extLst>
+              <a:ext uri="{FF2B5EF4-FFF2-40B4-BE49-F238E27FC236}">
+                <a16:creationId xmlns:a16="http://schemas.microsoft.com/office/drawing/2014/main" id="{A47C31F2-A537-A745-89E4-51A5285C6832}"/>
+              </a:ext>
+            </a:extLst>
+          </p:cNvPr>
+          <p:cNvCxnSpPr>
+            <a:cxnSpLocks/>
+            <a:stCxn id="7" idx="2"/>
+          </p:cNvCxnSpPr>
+          <p:nvPr/>
+        </p:nvCxnSpPr>
+        <p:spPr>
+          <a:xfrm flipH="1">
+            <a:off x="3537022" y="2545497"/>
+            <a:ext cx="421834" cy="1016015"/>
+          </a:xfrm>
+          <a:prstGeom prst="straightConnector1">
+            <a:avLst/>
+          </a:prstGeom>
+          <a:ln w="19050">
+            <a:solidFill>
+              <a:schemeClr val="bg2">
+                <a:lumMod val="90000"/>
+              </a:schemeClr>
+            </a:solidFill>
+            <a:prstDash val="dash"/>
+            <a:tailEnd type="triangle"/>
+          </a:ln>
+        </p:spPr>
+        <p:style>
+          <a:lnRef idx="1">
+            <a:schemeClr val="accent1"/>
+          </a:lnRef>
+          <a:fillRef idx="0">
+            <a:schemeClr val="accent1"/>
+          </a:fillRef>
+          <a:effectRef idx="0">
+            <a:schemeClr val="accent1"/>
+          </a:effectRef>
+          <a:fontRef idx="minor">
+            <a:schemeClr val="tx1"/>
+          </a:fontRef>
+        </p:style>
+      </p:cxnSp>
+      <p:cxnSp>
+        <p:nvCxnSpPr>
+          <p:cNvPr id="65" name="Straight Arrow Connector 64">
+            <a:extLst>
+              <a:ext uri="{FF2B5EF4-FFF2-40B4-BE49-F238E27FC236}">
+                <a16:creationId xmlns:a16="http://schemas.microsoft.com/office/drawing/2014/main" id="{1E99FF32-7E3C-1941-AB32-A6ED6F1B0129}"/>
+              </a:ext>
+            </a:extLst>
+          </p:cNvPr>
+          <p:cNvCxnSpPr>
+            <a:cxnSpLocks/>
+            <a:stCxn id="8" idx="2"/>
+          </p:cNvCxnSpPr>
+          <p:nvPr/>
+        </p:nvCxnSpPr>
+        <p:spPr>
+          <a:xfrm flipH="1">
+            <a:off x="3732030" y="2545497"/>
+            <a:ext cx="1823484" cy="1085519"/>
+          </a:xfrm>
+          <a:prstGeom prst="straightConnector1">
+            <a:avLst/>
+          </a:prstGeom>
+          <a:ln w="19050">
+            <a:solidFill>
+              <a:schemeClr val="bg2">
+                <a:lumMod val="90000"/>
+              </a:schemeClr>
+            </a:solidFill>
+            <a:prstDash val="dash"/>
+            <a:tailEnd type="triangle"/>
+          </a:ln>
+        </p:spPr>
+        <p:style>
+          <a:lnRef idx="1">
+            <a:schemeClr val="accent1"/>
+          </a:lnRef>
+          <a:fillRef idx="0">
+            <a:schemeClr val="accent1"/>
+          </a:fillRef>
+          <a:effectRef idx="0">
+            <a:schemeClr val="accent1"/>
+          </a:effectRef>
+          <a:fontRef idx="minor">
+            <a:schemeClr val="tx1"/>
+          </a:fontRef>
+        </p:style>
+      </p:cxnSp>
+      <p:cxnSp>
+        <p:nvCxnSpPr>
+          <p:cNvPr id="67" name="Straight Arrow Connector 66">
+            <a:extLst>
+              <a:ext uri="{FF2B5EF4-FFF2-40B4-BE49-F238E27FC236}">
+                <a16:creationId xmlns:a16="http://schemas.microsoft.com/office/drawing/2014/main" id="{C5DC9B2F-D09B-7B41-87DA-70DE98A5EAD1}"/>
+              </a:ext>
+            </a:extLst>
+          </p:cNvPr>
+          <p:cNvCxnSpPr>
+            <a:cxnSpLocks/>
+          </p:cNvCxnSpPr>
+          <p:nvPr/>
+        </p:nvCxnSpPr>
+        <p:spPr>
+          <a:xfrm flipH="1">
+            <a:off x="9568013" y="2553298"/>
+            <a:ext cx="383313" cy="323504"/>
+          </a:xfrm>
+          <a:prstGeom prst="straightConnector1">
+            <a:avLst/>
+          </a:prstGeom>
+          <a:ln w="19050">
+            <a:solidFill>
+              <a:schemeClr val="bg2">
+                <a:lumMod val="90000"/>
+              </a:schemeClr>
+            </a:solidFill>
+            <a:prstDash val="dash"/>
+            <a:tailEnd type="triangle"/>
+          </a:ln>
+        </p:spPr>
+        <p:style>
+          <a:lnRef idx="1">
+            <a:schemeClr val="accent1"/>
+          </a:lnRef>
+          <a:fillRef idx="0">
+            <a:schemeClr val="accent1"/>
+          </a:fillRef>
+          <a:effectRef idx="0">
+            <a:schemeClr val="accent1"/>
+          </a:effectRef>
+          <a:fontRef idx="minor">
+            <a:schemeClr val="tx1"/>
+          </a:fontRef>
+        </p:style>
+      </p:cxnSp>
     </p:spTree>
     <p:extLst>
       <p:ext uri="{BB962C8B-B14F-4D97-AF65-F5344CB8AC3E}">
@@ -13536,6 +14213,135 @@
           </a:p>
         </p:txBody>
       </p:sp>
+      <p:cxnSp>
+        <p:nvCxnSpPr>
+          <p:cNvPr id="10" name="Straight Connector 9">
+            <a:extLst>
+              <a:ext uri="{FF2B5EF4-FFF2-40B4-BE49-F238E27FC236}">
+                <a16:creationId xmlns:a16="http://schemas.microsoft.com/office/drawing/2014/main" id="{00C2E217-BE4E-B041-BD8F-0D09E4EFA202}"/>
+              </a:ext>
+            </a:extLst>
+          </p:cNvPr>
+          <p:cNvCxnSpPr/>
+          <p:nvPr/>
+        </p:nvCxnSpPr>
+        <p:spPr>
+          <a:xfrm>
+            <a:off x="2828260" y="1095153"/>
+            <a:ext cx="0" cy="5369442"/>
+          </a:xfrm>
+          <a:prstGeom prst="line">
+            <a:avLst/>
+          </a:prstGeom>
+          <a:ln>
+            <a:solidFill>
+              <a:schemeClr val="bg1">
+                <a:lumMod val="65000"/>
+              </a:schemeClr>
+            </a:solidFill>
+          </a:ln>
+        </p:spPr>
+        <p:style>
+          <a:lnRef idx="1">
+            <a:schemeClr val="accent1"/>
+          </a:lnRef>
+          <a:fillRef idx="0">
+            <a:schemeClr val="accent1"/>
+          </a:fillRef>
+          <a:effectRef idx="0">
+            <a:schemeClr val="accent1"/>
+          </a:effectRef>
+          <a:fontRef idx="minor">
+            <a:schemeClr val="tx1"/>
+          </a:fontRef>
+        </p:style>
+      </p:cxnSp>
+      <p:cxnSp>
+        <p:nvCxnSpPr>
+          <p:cNvPr id="28" name="Straight Connector 27">
+            <a:extLst>
+              <a:ext uri="{FF2B5EF4-FFF2-40B4-BE49-F238E27FC236}">
+                <a16:creationId xmlns:a16="http://schemas.microsoft.com/office/drawing/2014/main" id="{2AFD11B9-B630-B842-8519-5A716E06D8AA}"/>
+              </a:ext>
+            </a:extLst>
+          </p:cNvPr>
+          <p:cNvCxnSpPr/>
+          <p:nvPr/>
+        </p:nvCxnSpPr>
+        <p:spPr>
+          <a:xfrm>
+            <a:off x="6085367" y="1095153"/>
+            <a:ext cx="0" cy="5369442"/>
+          </a:xfrm>
+          <a:prstGeom prst="line">
+            <a:avLst/>
+          </a:prstGeom>
+          <a:ln>
+            <a:solidFill>
+              <a:schemeClr val="bg1">
+                <a:lumMod val="65000"/>
+              </a:schemeClr>
+            </a:solidFill>
+          </a:ln>
+        </p:spPr>
+        <p:style>
+          <a:lnRef idx="1">
+            <a:schemeClr val="accent1"/>
+          </a:lnRef>
+          <a:fillRef idx="0">
+            <a:schemeClr val="accent1"/>
+          </a:fillRef>
+          <a:effectRef idx="0">
+            <a:schemeClr val="accent1"/>
+          </a:effectRef>
+          <a:fontRef idx="minor">
+            <a:schemeClr val="tx1"/>
+          </a:fontRef>
+        </p:style>
+      </p:cxnSp>
+      <p:cxnSp>
+        <p:nvCxnSpPr>
+          <p:cNvPr id="30" name="Straight Connector 29">
+            <a:extLst>
+              <a:ext uri="{FF2B5EF4-FFF2-40B4-BE49-F238E27FC236}">
+                <a16:creationId xmlns:a16="http://schemas.microsoft.com/office/drawing/2014/main" id="{778CCFC3-87DA-E046-B1A6-CE22644B515E}"/>
+              </a:ext>
+            </a:extLst>
+          </p:cNvPr>
+          <p:cNvCxnSpPr/>
+          <p:nvPr/>
+        </p:nvCxnSpPr>
+        <p:spPr>
+          <a:xfrm>
+            <a:off x="9158177" y="1095153"/>
+            <a:ext cx="0" cy="5369442"/>
+          </a:xfrm>
+          <a:prstGeom prst="line">
+            <a:avLst/>
+          </a:prstGeom>
+          <a:ln>
+            <a:solidFill>
+              <a:schemeClr val="bg1">
+                <a:lumMod val="65000"/>
+              </a:schemeClr>
+            </a:solidFill>
+          </a:ln>
+        </p:spPr>
+        <p:style>
+          <a:lnRef idx="1">
+            <a:schemeClr val="accent1"/>
+          </a:lnRef>
+          <a:fillRef idx="0">
+            <a:schemeClr val="accent1"/>
+          </a:fillRef>
+          <a:effectRef idx="0">
+            <a:schemeClr val="accent1"/>
+          </a:effectRef>
+          <a:fontRef idx="minor">
+            <a:schemeClr val="tx1"/>
+          </a:fontRef>
+        </p:style>
+      </p:cxnSp>
     </p:spTree>
     <p:extLst>
       <p:ext uri="{BB962C8B-B14F-4D97-AF65-F5344CB8AC3E}">
@@ -15622,6 +16428,135 @@
             <a:round/>
             <a:headEnd w="lg" len="lg"/>
             <a:tailEnd type="triangle" w="lg" len="lg"/>
+          </a:ln>
+        </p:spPr>
+        <p:style>
+          <a:lnRef idx="1">
+            <a:schemeClr val="accent1"/>
+          </a:lnRef>
+          <a:fillRef idx="0">
+            <a:schemeClr val="accent1"/>
+          </a:fillRef>
+          <a:effectRef idx="0">
+            <a:schemeClr val="accent1"/>
+          </a:effectRef>
+          <a:fontRef idx="minor">
+            <a:schemeClr val="tx1"/>
+          </a:fontRef>
+        </p:style>
+      </p:cxnSp>
+      <p:cxnSp>
+        <p:nvCxnSpPr>
+          <p:cNvPr id="26" name="Straight Connector 25">
+            <a:extLst>
+              <a:ext uri="{FF2B5EF4-FFF2-40B4-BE49-F238E27FC236}">
+                <a16:creationId xmlns:a16="http://schemas.microsoft.com/office/drawing/2014/main" id="{806B05B7-2574-AE4B-ACF8-543558A95F8A}"/>
+              </a:ext>
+            </a:extLst>
+          </p:cNvPr>
+          <p:cNvCxnSpPr/>
+          <p:nvPr/>
+        </p:nvCxnSpPr>
+        <p:spPr>
+          <a:xfrm>
+            <a:off x="2828260" y="1095153"/>
+            <a:ext cx="0" cy="5369442"/>
+          </a:xfrm>
+          <a:prstGeom prst="line">
+            <a:avLst/>
+          </a:prstGeom>
+          <a:ln>
+            <a:solidFill>
+              <a:schemeClr val="bg1">
+                <a:lumMod val="65000"/>
+              </a:schemeClr>
+            </a:solidFill>
+          </a:ln>
+        </p:spPr>
+        <p:style>
+          <a:lnRef idx="1">
+            <a:schemeClr val="accent1"/>
+          </a:lnRef>
+          <a:fillRef idx="0">
+            <a:schemeClr val="accent1"/>
+          </a:fillRef>
+          <a:effectRef idx="0">
+            <a:schemeClr val="accent1"/>
+          </a:effectRef>
+          <a:fontRef idx="minor">
+            <a:schemeClr val="tx1"/>
+          </a:fontRef>
+        </p:style>
+      </p:cxnSp>
+      <p:cxnSp>
+        <p:nvCxnSpPr>
+          <p:cNvPr id="29" name="Straight Connector 28">
+            <a:extLst>
+              <a:ext uri="{FF2B5EF4-FFF2-40B4-BE49-F238E27FC236}">
+                <a16:creationId xmlns:a16="http://schemas.microsoft.com/office/drawing/2014/main" id="{8F648935-523A-A64B-A8C5-7E8EBEF8BCF1}"/>
+              </a:ext>
+            </a:extLst>
+          </p:cNvPr>
+          <p:cNvCxnSpPr/>
+          <p:nvPr/>
+        </p:nvCxnSpPr>
+        <p:spPr>
+          <a:xfrm>
+            <a:off x="5947144" y="967410"/>
+            <a:ext cx="0" cy="5369442"/>
+          </a:xfrm>
+          <a:prstGeom prst="line">
+            <a:avLst/>
+          </a:prstGeom>
+          <a:ln>
+            <a:solidFill>
+              <a:schemeClr val="bg1">
+                <a:lumMod val="65000"/>
+              </a:schemeClr>
+            </a:solidFill>
+          </a:ln>
+        </p:spPr>
+        <p:style>
+          <a:lnRef idx="1">
+            <a:schemeClr val="accent1"/>
+          </a:lnRef>
+          <a:fillRef idx="0">
+            <a:schemeClr val="accent1"/>
+          </a:fillRef>
+          <a:effectRef idx="0">
+            <a:schemeClr val="accent1"/>
+          </a:effectRef>
+          <a:fontRef idx="minor">
+            <a:schemeClr val="tx1"/>
+          </a:fontRef>
+        </p:style>
+      </p:cxnSp>
+      <p:cxnSp>
+        <p:nvCxnSpPr>
+          <p:cNvPr id="32" name="Straight Connector 31">
+            <a:extLst>
+              <a:ext uri="{FF2B5EF4-FFF2-40B4-BE49-F238E27FC236}">
+                <a16:creationId xmlns:a16="http://schemas.microsoft.com/office/drawing/2014/main" id="{603D199F-67F8-E443-844C-4F4613E8185F}"/>
+              </a:ext>
+            </a:extLst>
+          </p:cNvPr>
+          <p:cNvCxnSpPr/>
+          <p:nvPr/>
+        </p:nvCxnSpPr>
+        <p:spPr>
+          <a:xfrm>
+            <a:off x="9253869" y="886046"/>
+            <a:ext cx="0" cy="5369442"/>
+          </a:xfrm>
+          <a:prstGeom prst="line">
+            <a:avLst/>
+          </a:prstGeom>
+          <a:ln>
+            <a:solidFill>
+              <a:schemeClr val="bg1">
+                <a:lumMod val="65000"/>
+              </a:schemeClr>
+            </a:solidFill>
           </a:ln>
         </p:spPr>
         <p:style>
@@ -16172,7 +17107,16 @@
               <a:rPr lang="en-IN" dirty="0" err="1">
                 <a:latin typeface="Avenir Roman" panose="02000503020000020003" pitchFamily="2" charset="0"/>
               </a:rPr>
-              <a:t>spark.sql.join.preferSortMergeJoin</a:t>
+              <a:t>spark.sql.join.</a:t>
+            </a:r>
+            <a:r>
+              <a:rPr lang="en-IN" dirty="0" err="1">
+                <a:solidFill>
+                  <a:srgbClr val="FF2F92"/>
+                </a:solidFill>
+                <a:latin typeface="Avenir Roman" panose="02000503020000020003" pitchFamily="2" charset="0"/>
+              </a:rPr>
+              <a:t>preferSortMergeJoin</a:t>
             </a:r>
             <a:r>
               <a:rPr lang="en-IN" dirty="0">
@@ -16321,7 +17265,7 @@
         </p:nvSpPr>
         <p:spPr>
           <a:xfrm>
-            <a:off x="238538" y="3162127"/>
+            <a:off x="229285" y="990528"/>
             <a:ext cx="1278837" cy="427380"/>
           </a:xfrm>
           <a:prstGeom prst="rect">
@@ -16591,7 +17535,7 @@
         </p:nvSpPr>
         <p:spPr>
           <a:xfrm>
-            <a:off x="10754135" y="3375817"/>
+            <a:off x="10448486" y="1020067"/>
             <a:ext cx="1278837" cy="427380"/>
           </a:xfrm>
           <a:prstGeom prst="rect">
@@ -16691,7 +17635,7 @@
               <a:rPr lang="en-US" sz="1600" dirty="0">
                 <a:latin typeface="Avenir Roman" panose="02000503020000020003" pitchFamily="2" charset="0"/>
               </a:rPr>
-              <a:t>Partition 3</a:t>
+              <a:t>Partition 0</a:t>
             </a:r>
           </a:p>
         </p:txBody>
@@ -16753,7 +17697,7 @@
               <a:rPr lang="en-US" sz="1600" dirty="0">
                 <a:latin typeface="Avenir Roman" panose="02000503020000020003" pitchFamily="2" charset="0"/>
               </a:rPr>
-              <a:t>Partition 2</a:t>
+              <a:t>Partition 1</a:t>
             </a:r>
           </a:p>
         </p:txBody>
@@ -16815,7 +17759,7 @@
               <a:rPr lang="en-US" sz="1600" dirty="0">
                 <a:latin typeface="Avenir Roman" panose="02000503020000020003" pitchFamily="2" charset="0"/>
               </a:rPr>
-              <a:t>Partition 1</a:t>
+              <a:t>Partition 2</a:t>
             </a:r>
           </a:p>
         </p:txBody>
@@ -16877,7 +17821,7 @@
               <a:rPr lang="en-US" sz="1600" dirty="0">
                 <a:latin typeface="Avenir Roman" panose="02000503020000020003" pitchFamily="2" charset="0"/>
               </a:rPr>
-              <a:t>Partition 0</a:t>
+              <a:t>Partition 3</a:t>
             </a:r>
           </a:p>
         </p:txBody>
@@ -16993,7 +17937,7 @@
               <a:rPr lang="en-US" sz="1600" dirty="0">
                 <a:latin typeface="Avenir Roman" panose="02000503020000020003" pitchFamily="2" charset="0"/>
               </a:rPr>
-              <a:t>Partition 1</a:t>
+              <a:t>Partition 2</a:t>
             </a:r>
           </a:p>
         </p:txBody>
@@ -17271,7 +18215,7 @@
               <a:rPr lang="en-US" sz="1600" dirty="0">
                 <a:latin typeface="Avenir Roman" panose="02000503020000020003" pitchFamily="2" charset="0"/>
               </a:rPr>
-              <a:t>Partition 0</a:t>
+              <a:t>Partition 3</a:t>
             </a:r>
           </a:p>
         </p:txBody>
@@ -17441,7 +18385,7 @@
               <a:rPr lang="en-US" sz="1600" dirty="0">
                 <a:latin typeface="Avenir Roman" panose="02000503020000020003" pitchFamily="2" charset="0"/>
               </a:rPr>
-              <a:t>Partition 2</a:t>
+              <a:t>Partition 1</a:t>
             </a:r>
           </a:p>
         </p:txBody>
@@ -17503,7 +18447,7 @@
               <a:rPr lang="en-US" sz="1600" dirty="0">
                 <a:latin typeface="Avenir Roman" panose="02000503020000020003" pitchFamily="2" charset="0"/>
               </a:rPr>
-              <a:t>Partition 3</a:t>
+              <a:t>Partition 0</a:t>
             </a:r>
           </a:p>
         </p:txBody>
@@ -18565,6 +19509,384 @@
                 <a:latin typeface="Avenir Roman" panose="02000503020000020003" pitchFamily="2" charset="0"/>
               </a:rPr>
               <a:t>Each shuffle will spawn a new stage – 3 stages</a:t>
+            </a:r>
+          </a:p>
+        </p:txBody>
+      </p:sp>
+      <p:sp>
+        <p:nvSpPr>
+          <p:cNvPr id="3" name="TextBox 2">
+            <a:extLst>
+              <a:ext uri="{FF2B5EF4-FFF2-40B4-BE49-F238E27FC236}">
+                <a16:creationId xmlns:a16="http://schemas.microsoft.com/office/drawing/2014/main" id="{3190471D-16A1-AD47-874B-034237D3FA33}"/>
+              </a:ext>
+            </a:extLst>
+          </p:cNvPr>
+          <p:cNvSpPr txBox="1"/>
+          <p:nvPr/>
+        </p:nvSpPr>
+        <p:spPr>
+          <a:xfrm>
+            <a:off x="382699" y="1445265"/>
+            <a:ext cx="1138034" cy="338554"/>
+          </a:xfrm>
+          <a:prstGeom prst="rect">
+            <a:avLst/>
+          </a:prstGeom>
+          <a:noFill/>
+        </p:spPr>
+        <p:txBody>
+          <a:bodyPr wrap="square" rtlCol="0">
+            <a:spAutoFit/>
+          </a:bodyPr>
+          <a:lstStyle/>
+          <a:p>
+            <a:r>
+              <a:rPr lang="en-US" sz="1600" dirty="0">
+                <a:latin typeface="Avenir Roman" panose="02000503020000020003" pitchFamily="2" charset="0"/>
+              </a:rPr>
+              <a:t>Join Key</a:t>
+            </a:r>
+          </a:p>
+        </p:txBody>
+      </p:sp>
+      <p:sp>
+        <p:nvSpPr>
+          <p:cNvPr id="47" name="TextBox 46">
+            <a:extLst>
+              <a:ext uri="{FF2B5EF4-FFF2-40B4-BE49-F238E27FC236}">
+                <a16:creationId xmlns:a16="http://schemas.microsoft.com/office/drawing/2014/main" id="{572C5B78-AFE6-9848-9300-F22061BBDAD3}"/>
+              </a:ext>
+            </a:extLst>
+          </p:cNvPr>
+          <p:cNvSpPr txBox="1"/>
+          <p:nvPr/>
+        </p:nvSpPr>
+        <p:spPr>
+          <a:xfrm>
+            <a:off x="208999" y="1818549"/>
+            <a:ext cx="1138034" cy="338554"/>
+          </a:xfrm>
+          <a:prstGeom prst="rect">
+            <a:avLst/>
+          </a:prstGeom>
+          <a:noFill/>
+        </p:spPr>
+        <p:txBody>
+          <a:bodyPr wrap="square" rtlCol="0">
+            <a:spAutoFit/>
+          </a:bodyPr>
+          <a:lstStyle/>
+          <a:p>
+            <a:pPr algn="ctr"/>
+            <a:r>
+              <a:rPr lang="en-US" sz="1600" dirty="0">
+                <a:latin typeface="Avenir Roman" panose="02000503020000020003" pitchFamily="2" charset="0"/>
+              </a:rPr>
+              <a:t>10</a:t>
+            </a:r>
+          </a:p>
+        </p:txBody>
+      </p:sp>
+      <p:sp>
+        <p:nvSpPr>
+          <p:cNvPr id="48" name="TextBox 47">
+            <a:extLst>
+              <a:ext uri="{FF2B5EF4-FFF2-40B4-BE49-F238E27FC236}">
+                <a16:creationId xmlns:a16="http://schemas.microsoft.com/office/drawing/2014/main" id="{FE184CCA-EE09-634E-996A-E510E7A92423}"/>
+              </a:ext>
+            </a:extLst>
+          </p:cNvPr>
+          <p:cNvSpPr txBox="1"/>
+          <p:nvPr/>
+        </p:nvSpPr>
+        <p:spPr>
+          <a:xfrm>
+            <a:off x="229285" y="2693407"/>
+            <a:ext cx="1138034" cy="338554"/>
+          </a:xfrm>
+          <a:prstGeom prst="rect">
+            <a:avLst/>
+          </a:prstGeom>
+          <a:noFill/>
+        </p:spPr>
+        <p:txBody>
+          <a:bodyPr wrap="square" rtlCol="0">
+            <a:spAutoFit/>
+          </a:bodyPr>
+          <a:lstStyle/>
+          <a:p>
+            <a:pPr algn="ctr"/>
+            <a:r>
+              <a:rPr lang="en-US" sz="1600" dirty="0">
+                <a:latin typeface="Avenir Roman" panose="02000503020000020003" pitchFamily="2" charset="0"/>
+              </a:rPr>
+              <a:t>20</a:t>
+            </a:r>
+          </a:p>
+        </p:txBody>
+      </p:sp>
+      <p:sp>
+        <p:nvSpPr>
+          <p:cNvPr id="50" name="TextBox 49">
+            <a:extLst>
+              <a:ext uri="{FF2B5EF4-FFF2-40B4-BE49-F238E27FC236}">
+                <a16:creationId xmlns:a16="http://schemas.microsoft.com/office/drawing/2014/main" id="{2055502E-BFC0-D64D-A7BC-878A9328827F}"/>
+              </a:ext>
+            </a:extLst>
+          </p:cNvPr>
+          <p:cNvSpPr txBox="1"/>
+          <p:nvPr/>
+        </p:nvSpPr>
+        <p:spPr>
+          <a:xfrm>
+            <a:off x="229285" y="3568265"/>
+            <a:ext cx="1138034" cy="338554"/>
+          </a:xfrm>
+          <a:prstGeom prst="rect">
+            <a:avLst/>
+          </a:prstGeom>
+          <a:noFill/>
+        </p:spPr>
+        <p:txBody>
+          <a:bodyPr wrap="square" rtlCol="0">
+            <a:spAutoFit/>
+          </a:bodyPr>
+          <a:lstStyle/>
+          <a:p>
+            <a:pPr algn="ctr"/>
+            <a:r>
+              <a:rPr lang="en-US" sz="1600" dirty="0">
+                <a:latin typeface="Avenir Roman" panose="02000503020000020003" pitchFamily="2" charset="0"/>
+              </a:rPr>
+              <a:t>30</a:t>
+            </a:r>
+          </a:p>
+        </p:txBody>
+      </p:sp>
+      <p:sp>
+        <p:nvSpPr>
+          <p:cNvPr id="51" name="TextBox 50">
+            <a:extLst>
+              <a:ext uri="{FF2B5EF4-FFF2-40B4-BE49-F238E27FC236}">
+                <a16:creationId xmlns:a16="http://schemas.microsoft.com/office/drawing/2014/main" id="{F0C1D69B-904F-C342-AE43-7A9900540CA4}"/>
+              </a:ext>
+            </a:extLst>
+          </p:cNvPr>
+          <p:cNvSpPr txBox="1"/>
+          <p:nvPr/>
+        </p:nvSpPr>
+        <p:spPr>
+          <a:xfrm>
+            <a:off x="230303" y="4424426"/>
+            <a:ext cx="1138034" cy="338554"/>
+          </a:xfrm>
+          <a:prstGeom prst="rect">
+            <a:avLst/>
+          </a:prstGeom>
+          <a:noFill/>
+        </p:spPr>
+        <p:txBody>
+          <a:bodyPr wrap="square" rtlCol="0">
+            <a:spAutoFit/>
+          </a:bodyPr>
+          <a:lstStyle/>
+          <a:p>
+            <a:pPr algn="ctr"/>
+            <a:r>
+              <a:rPr lang="en-US" sz="1600" dirty="0">
+                <a:latin typeface="Avenir Roman" panose="02000503020000020003" pitchFamily="2" charset="0"/>
+              </a:rPr>
+              <a:t>40</a:t>
+            </a:r>
+          </a:p>
+        </p:txBody>
+      </p:sp>
+      <p:sp>
+        <p:nvSpPr>
+          <p:cNvPr id="53" name="TextBox 52">
+            <a:extLst>
+              <a:ext uri="{FF2B5EF4-FFF2-40B4-BE49-F238E27FC236}">
+                <a16:creationId xmlns:a16="http://schemas.microsoft.com/office/drawing/2014/main" id="{3A3CF4EB-829E-7A45-9EE7-2AAF52F48780}"/>
+              </a:ext>
+            </a:extLst>
+          </p:cNvPr>
+          <p:cNvSpPr txBox="1"/>
+          <p:nvPr/>
+        </p:nvSpPr>
+        <p:spPr>
+          <a:xfrm>
+            <a:off x="10672302" y="1445265"/>
+            <a:ext cx="1138034" cy="338554"/>
+          </a:xfrm>
+          <a:prstGeom prst="rect">
+            <a:avLst/>
+          </a:prstGeom>
+          <a:noFill/>
+        </p:spPr>
+        <p:txBody>
+          <a:bodyPr wrap="square" rtlCol="0">
+            <a:spAutoFit/>
+          </a:bodyPr>
+          <a:lstStyle/>
+          <a:p>
+            <a:r>
+              <a:rPr lang="en-US" sz="1600" dirty="0">
+                <a:latin typeface="Avenir Roman" panose="02000503020000020003" pitchFamily="2" charset="0"/>
+              </a:rPr>
+              <a:t>Join Key</a:t>
+            </a:r>
+          </a:p>
+        </p:txBody>
+      </p:sp>
+      <p:sp>
+        <p:nvSpPr>
+          <p:cNvPr id="54" name="TextBox 53">
+            <a:extLst>
+              <a:ext uri="{FF2B5EF4-FFF2-40B4-BE49-F238E27FC236}">
+                <a16:creationId xmlns:a16="http://schemas.microsoft.com/office/drawing/2014/main" id="{630D3898-30F5-B348-8B84-B9AECC4777F4}"/>
+              </a:ext>
+            </a:extLst>
+          </p:cNvPr>
+          <p:cNvSpPr txBox="1"/>
+          <p:nvPr/>
+        </p:nvSpPr>
+        <p:spPr>
+          <a:xfrm>
+            <a:off x="10589289" y="4443656"/>
+            <a:ext cx="1138034" cy="338554"/>
+          </a:xfrm>
+          <a:prstGeom prst="rect">
+            <a:avLst/>
+          </a:prstGeom>
+          <a:noFill/>
+        </p:spPr>
+        <p:txBody>
+          <a:bodyPr wrap="square" rtlCol="0">
+            <a:spAutoFit/>
+          </a:bodyPr>
+          <a:lstStyle/>
+          <a:p>
+            <a:pPr algn="ctr"/>
+            <a:r>
+              <a:rPr lang="en-US" sz="1600" dirty="0">
+                <a:latin typeface="Avenir Roman" panose="02000503020000020003" pitchFamily="2" charset="0"/>
+              </a:rPr>
+              <a:t>10</a:t>
+            </a:r>
+          </a:p>
+        </p:txBody>
+      </p:sp>
+      <p:sp>
+        <p:nvSpPr>
+          <p:cNvPr id="56" name="TextBox 55">
+            <a:extLst>
+              <a:ext uri="{FF2B5EF4-FFF2-40B4-BE49-F238E27FC236}">
+                <a16:creationId xmlns:a16="http://schemas.microsoft.com/office/drawing/2014/main" id="{87A0D806-D4EA-494A-A1D3-46EEAD1D557F}"/>
+              </a:ext>
+            </a:extLst>
+          </p:cNvPr>
+          <p:cNvSpPr txBox="1"/>
+          <p:nvPr/>
+        </p:nvSpPr>
+        <p:spPr>
+          <a:xfrm>
+            <a:off x="10589289" y="3568265"/>
+            <a:ext cx="1138034" cy="338554"/>
+          </a:xfrm>
+          <a:prstGeom prst="rect">
+            <a:avLst/>
+          </a:prstGeom>
+          <a:noFill/>
+        </p:spPr>
+        <p:txBody>
+          <a:bodyPr wrap="square" rtlCol="0">
+            <a:spAutoFit/>
+          </a:bodyPr>
+          <a:lstStyle/>
+          <a:p>
+            <a:pPr algn="ctr"/>
+            <a:r>
+              <a:rPr lang="en-US" sz="1600" dirty="0">
+                <a:latin typeface="Avenir Roman" panose="02000503020000020003" pitchFamily="2" charset="0"/>
+              </a:rPr>
+              <a:t>20</a:t>
+            </a:r>
+          </a:p>
+        </p:txBody>
+      </p:sp>
+      <p:sp>
+        <p:nvSpPr>
+          <p:cNvPr id="57" name="TextBox 56">
+            <a:extLst>
+              <a:ext uri="{FF2B5EF4-FFF2-40B4-BE49-F238E27FC236}">
+                <a16:creationId xmlns:a16="http://schemas.microsoft.com/office/drawing/2014/main" id="{F098F7A5-4F4C-5B46-8787-F3A8DF1C8084}"/>
+              </a:ext>
+            </a:extLst>
+          </p:cNvPr>
+          <p:cNvSpPr txBox="1"/>
+          <p:nvPr/>
+        </p:nvSpPr>
+        <p:spPr>
+          <a:xfrm>
+            <a:off x="10589289" y="2663607"/>
+            <a:ext cx="1138034" cy="338554"/>
+          </a:xfrm>
+          <a:prstGeom prst="rect">
+            <a:avLst/>
+          </a:prstGeom>
+          <a:noFill/>
+        </p:spPr>
+        <p:txBody>
+          <a:bodyPr wrap="square" rtlCol="0">
+            <a:spAutoFit/>
+          </a:bodyPr>
+          <a:lstStyle/>
+          <a:p>
+            <a:pPr algn="ctr"/>
+            <a:r>
+              <a:rPr lang="en-US" sz="1600" dirty="0">
+                <a:latin typeface="Avenir Roman" panose="02000503020000020003" pitchFamily="2" charset="0"/>
+              </a:rPr>
+              <a:t>30</a:t>
+            </a:r>
+          </a:p>
+        </p:txBody>
+      </p:sp>
+      <p:sp>
+        <p:nvSpPr>
+          <p:cNvPr id="60" name="TextBox 59">
+            <a:extLst>
+              <a:ext uri="{FF2B5EF4-FFF2-40B4-BE49-F238E27FC236}">
+                <a16:creationId xmlns:a16="http://schemas.microsoft.com/office/drawing/2014/main" id="{F2F6C1A8-8A28-C746-80BD-4D5FA605856B}"/>
+              </a:ext>
+            </a:extLst>
+          </p:cNvPr>
+          <p:cNvSpPr txBox="1"/>
+          <p:nvPr/>
+        </p:nvSpPr>
+        <p:spPr>
+          <a:xfrm>
+            <a:off x="10589289" y="1838901"/>
+            <a:ext cx="1138034" cy="338554"/>
+          </a:xfrm>
+          <a:prstGeom prst="rect">
+            <a:avLst/>
+          </a:prstGeom>
+          <a:noFill/>
+        </p:spPr>
+        <p:txBody>
+          <a:bodyPr wrap="square" rtlCol="0">
+            <a:spAutoFit/>
+          </a:bodyPr>
+          <a:lstStyle/>
+          <a:p>
+            <a:pPr algn="ctr"/>
+            <a:r>
+              <a:rPr lang="en-US" sz="1600" dirty="0">
+                <a:latin typeface="Avenir Roman" panose="02000503020000020003" pitchFamily="2" charset="0"/>
+              </a:rPr>
+              <a:t>40</a:t>
             </a:r>
           </a:p>
         </p:txBody>
@@ -20235,8 +21557,8 @@
         </p:nvSpPr>
         <p:spPr>
           <a:xfrm>
-            <a:off x="7278756" y="5441752"/>
-            <a:ext cx="4678004" cy="800219"/>
+            <a:off x="104792" y="5197573"/>
+            <a:ext cx="4678004" cy="1231106"/>
           </a:xfrm>
           <a:prstGeom prst="rect">
             <a:avLst/>
@@ -20260,9 +21582,51 @@
               <a:rPr lang="en-IN" dirty="0" err="1">
                 <a:latin typeface="Avenir Roman" panose="02000503020000020003" pitchFamily="2" charset="0"/>
               </a:rPr>
-              <a:t>spark.sql.autoBroadcastJoinThreshold</a:t>
+              <a:t>spark.sql.</a:t>
+            </a:r>
+            <a:r>
+              <a:rPr lang="en-IN" dirty="0" err="1">
+                <a:solidFill>
+                  <a:srgbClr val="FF2F92"/>
+                </a:solidFill>
+                <a:latin typeface="Avenir Roman" panose="02000503020000020003" pitchFamily="2" charset="0"/>
+              </a:rPr>
+              <a:t>autoBroadcastJoinThreshold</a:t>
+            </a:r>
+            <a:endParaRPr lang="en-IN" dirty="0">
+              <a:solidFill>
+                <a:srgbClr val="FF2F92"/>
+              </a:solidFill>
+              <a:latin typeface="Avenir Roman" panose="02000503020000020003" pitchFamily="2" charset="0"/>
+            </a:endParaRPr>
+          </a:p>
+          <a:p>
+            <a:pPr marL="285750" indent="-285750">
+              <a:spcAft>
+                <a:spcPts val="1200"/>
+              </a:spcAft>
+              <a:buFont typeface="Arial" panose="020B0604020202020204" pitchFamily="34" charset="0"/>
+              <a:buChar char="•"/>
+            </a:pPr>
+            <a:r>
+              <a:rPr lang="en-IN" dirty="0">
+                <a:latin typeface="Avenir Roman" panose="02000503020000020003" pitchFamily="2" charset="0"/>
+              </a:rPr>
+              <a:t>Default is less Than 10MB</a:t>
+            </a:r>
+            <a:r>
+              <a:rPr lang="en-IN" dirty="0">
+                <a:solidFill>
+                  <a:srgbClr val="FF2F92"/>
+                </a:solidFill>
+                <a:latin typeface="Avenir Roman" panose="02000503020000020003" pitchFamily="2" charset="0"/>
+              </a:rPr>
+              <a:t> </a:t>
             </a:r>
             <a:endParaRPr lang="en-US" dirty="0">
+              <a:solidFill>
+                <a:srgbClr val="FF2F92"/>
+              </a:solidFill>
               <a:latin typeface="Avenir Roman" panose="02000503020000020003" pitchFamily="2" charset="0"/>
             </a:endParaRPr>
           </a:p>
@@ -20387,6 +21751,62 @@
           </a:fontRef>
         </p:style>
       </p:cxnSp>
+      <p:sp>
+        <p:nvSpPr>
+          <p:cNvPr id="34" name="TextBox 33">
+            <a:extLst>
+              <a:ext uri="{FF2B5EF4-FFF2-40B4-BE49-F238E27FC236}">
+                <a16:creationId xmlns:a16="http://schemas.microsoft.com/office/drawing/2014/main" id="{F09138EB-B542-CB47-B6B7-E535A89F2263}"/>
+              </a:ext>
+            </a:extLst>
+          </p:cNvPr>
+          <p:cNvSpPr txBox="1"/>
+          <p:nvPr/>
+        </p:nvSpPr>
+        <p:spPr>
+          <a:xfrm>
+            <a:off x="188857" y="1000220"/>
+            <a:ext cx="4678004" cy="646331"/>
+          </a:xfrm>
+          <a:prstGeom prst="rect">
+            <a:avLst/>
+          </a:prstGeom>
+          <a:noFill/>
+        </p:spPr>
+        <p:txBody>
+          <a:bodyPr wrap="square" rtlCol="0">
+            <a:spAutoFit/>
+          </a:bodyPr>
+          <a:lstStyle/>
+          <a:p>
+            <a:pPr marL="285750" indent="-285750">
+              <a:spcAft>
+                <a:spcPts val="1200"/>
+              </a:spcAft>
+              <a:buFont typeface="Arial" panose="020B0604020202020204" pitchFamily="34" charset="0"/>
+              <a:buChar char="•"/>
+            </a:pPr>
+            <a:r>
+              <a:rPr lang="en-US" dirty="0">
+                <a:latin typeface="Avenir Roman" panose="02000503020000020003" pitchFamily="2" charset="0"/>
+              </a:rPr>
+              <a:t>Condition for Broadcasting one of the </a:t>
+            </a:r>
+            <a:r>
+              <a:rPr lang="en-US" dirty="0" err="1">
+                <a:latin typeface="Avenir Roman" panose="02000503020000020003" pitchFamily="2" charset="0"/>
+              </a:rPr>
+              <a:t>DataFrames</a:t>
+            </a:r>
+            <a:r>
+              <a:rPr lang="en-US" dirty="0">
+                <a:latin typeface="Avenir Roman" panose="02000503020000020003" pitchFamily="2" charset="0"/>
+              </a:rPr>
+              <a:t> – it has to be SMALL</a:t>
+            </a:r>
+          </a:p>
+        </p:txBody>
+      </p:sp>
     </p:spTree>
     <p:extLst>
       <p:ext uri="{BB962C8B-B14F-4D97-AF65-F5344CB8AC3E}">
@@ -20531,10 +21951,10 @@
       </p:sp>
       <p:sp>
         <p:nvSpPr>
-          <p:cNvPr id="5" name="TextBox 4">
-            <a:extLst>
-              <a:ext uri="{FF2B5EF4-FFF2-40B4-BE49-F238E27FC236}">
-                <a16:creationId xmlns:a16="http://schemas.microsoft.com/office/drawing/2014/main" id="{129CE033-3DDC-BD4E-ADEC-08FF8BEB0E3A}"/>
+          <p:cNvPr id="8" name="TextBox 7">
+            <a:extLst>
+              <a:ext uri="{FF2B5EF4-FFF2-40B4-BE49-F238E27FC236}">
+                <a16:creationId xmlns:a16="http://schemas.microsoft.com/office/drawing/2014/main" id="{6A7752D5-44A1-3546-B648-455B2568EAF6}"/>
               </a:ext>
             </a:extLst>
           </p:cNvPr>
@@ -20543,8 +21963,203 @@
         </p:nvSpPr>
         <p:spPr>
           <a:xfrm>
-            <a:off x="838200" y="4134335"/>
-            <a:ext cx="11036596" cy="1077218"/>
+            <a:off x="350854" y="3481498"/>
+            <a:ext cx="11002946" cy="1200329"/>
+          </a:xfrm>
+          <a:prstGeom prst="rect">
+            <a:avLst/>
+          </a:prstGeom>
+          <a:noFill/>
+        </p:spPr>
+        <p:txBody>
+          <a:bodyPr wrap="square" rtlCol="0">
+            <a:spAutoFit/>
+          </a:bodyPr>
+          <a:lstStyle/>
+          <a:p>
+            <a:r>
+              <a:rPr lang="en-US" b="1" dirty="0" err="1">
+                <a:latin typeface="Courier New" panose="02070309020205020404" pitchFamily="49" charset="0"/>
+                <a:cs typeface="Courier New" panose="02070309020205020404" pitchFamily="49" charset="0"/>
+              </a:rPr>
+              <a:t>dfa</a:t>
+            </a:r>
+            <a:r>
+              <a:rPr lang="en-US" b="1" dirty="0">
+                <a:latin typeface="Courier New" panose="02070309020205020404" pitchFamily="49" charset="0"/>
+                <a:cs typeface="Courier New" panose="02070309020205020404" pitchFamily="49" charset="0"/>
+              </a:rPr>
+              <a:t> = </a:t>
+            </a:r>
+            <a:r>
+              <a:rPr lang="en-US" b="1" dirty="0" err="1">
+                <a:latin typeface="Courier New" panose="02070309020205020404" pitchFamily="49" charset="0"/>
+                <a:cs typeface="Courier New" panose="02070309020205020404" pitchFamily="49" charset="0"/>
+              </a:rPr>
+              <a:t>df.select</a:t>
+            </a:r>
+            <a:r>
+              <a:rPr lang="en-US" b="1" dirty="0">
+                <a:latin typeface="Courier New" panose="02070309020205020404" pitchFamily="49" charset="0"/>
+                <a:cs typeface="Courier New" panose="02070309020205020404" pitchFamily="49" charset="0"/>
+              </a:rPr>
+              <a:t>(‘a1’, ‘key’)</a:t>
+            </a:r>
+          </a:p>
+          <a:p>
+            <a:r>
+              <a:rPr lang="en-US" b="1" dirty="0" err="1">
+                <a:latin typeface="Courier New" panose="02070309020205020404" pitchFamily="49" charset="0"/>
+                <a:cs typeface="Courier New" panose="02070309020205020404" pitchFamily="49" charset="0"/>
+              </a:rPr>
+              <a:t>dfb</a:t>
+            </a:r>
+            <a:r>
+              <a:rPr lang="en-US" b="1" dirty="0">
+                <a:latin typeface="Courier New" panose="02070309020205020404" pitchFamily="49" charset="0"/>
+                <a:cs typeface="Courier New" panose="02070309020205020404" pitchFamily="49" charset="0"/>
+              </a:rPr>
+              <a:t> = </a:t>
+            </a:r>
+            <a:r>
+              <a:rPr lang="en-US" b="1" dirty="0" err="1">
+                <a:latin typeface="Courier New" panose="02070309020205020404" pitchFamily="49" charset="0"/>
+                <a:cs typeface="Courier New" panose="02070309020205020404" pitchFamily="49" charset="0"/>
+              </a:rPr>
+              <a:t>df.select</a:t>
+            </a:r>
+            <a:r>
+              <a:rPr lang="en-US" b="1" dirty="0">
+                <a:latin typeface="Courier New" panose="02070309020205020404" pitchFamily="49" charset="0"/>
+                <a:cs typeface="Courier New" panose="02070309020205020404" pitchFamily="49" charset="0"/>
+              </a:rPr>
+              <a:t>(‘b1’, ‘key’).where(col(‘b1’) &gt; 2208)</a:t>
+            </a:r>
+          </a:p>
+          <a:p>
+            <a:r>
+              <a:rPr lang="en-US" b="1" dirty="0" err="1">
+                <a:latin typeface="Courier New" panose="02070309020205020404" pitchFamily="49" charset="0"/>
+                <a:cs typeface="Courier New" panose="02070309020205020404" pitchFamily="49" charset="0"/>
+              </a:rPr>
+              <a:t>join_data</a:t>
+            </a:r>
+            <a:r>
+              <a:rPr lang="en-US" b="1" dirty="0">
+                <a:latin typeface="Courier New" panose="02070309020205020404" pitchFamily="49" charset="0"/>
+                <a:cs typeface="Courier New" panose="02070309020205020404" pitchFamily="49" charset="0"/>
+              </a:rPr>
+              <a:t> = </a:t>
+            </a:r>
+            <a:r>
+              <a:rPr lang="en-US" b="1" dirty="0" err="1">
+                <a:latin typeface="Courier New" panose="02070309020205020404" pitchFamily="49" charset="0"/>
+                <a:cs typeface="Courier New" panose="02070309020205020404" pitchFamily="49" charset="0"/>
+              </a:rPr>
+              <a:t>dfa.join</a:t>
+            </a:r>
+            <a:r>
+              <a:rPr lang="en-US" b="1" dirty="0">
+                <a:latin typeface="Courier New" panose="02070309020205020404" pitchFamily="49" charset="0"/>
+                <a:cs typeface="Courier New" panose="02070309020205020404" pitchFamily="49" charset="0"/>
+              </a:rPr>
+              <a:t>(</a:t>
+            </a:r>
+            <a:r>
+              <a:rPr lang="en-US" b="1" dirty="0" err="1">
+                <a:latin typeface="Courier New" panose="02070309020205020404" pitchFamily="49" charset="0"/>
+                <a:cs typeface="Courier New" panose="02070309020205020404" pitchFamily="49" charset="0"/>
+              </a:rPr>
+              <a:t>dfb</a:t>
+            </a:r>
+            <a:r>
+              <a:rPr lang="en-US" b="1" dirty="0">
+                <a:latin typeface="Courier New" panose="02070309020205020404" pitchFamily="49" charset="0"/>
+                <a:cs typeface="Courier New" panose="02070309020205020404" pitchFamily="49" charset="0"/>
+              </a:rPr>
+              <a:t>, [‘key’], ‘inner’).drop(‘key’)  </a:t>
+            </a:r>
+            <a:r>
+              <a:rPr lang="en-US" b="1" dirty="0">
+                <a:latin typeface="Courier New" panose="02070309020205020404" pitchFamily="49" charset="0"/>
+                <a:cs typeface="Courier New" panose="02070309020205020404" pitchFamily="49" charset="0"/>
+                <a:sym typeface="Wingdings" pitchFamily="2" charset="2"/>
+              </a:rPr>
+              <a:t> a1, b1, key</a:t>
+            </a:r>
+          </a:p>
+          <a:p>
+            <a:r>
+              <a:rPr lang="en-US" b="1" dirty="0" err="1">
+                <a:latin typeface="Courier New" panose="02070309020205020404" pitchFamily="49" charset="0"/>
+                <a:cs typeface="Courier New" panose="02070309020205020404" pitchFamily="49" charset="0"/>
+                <a:sym typeface="Wingdings" pitchFamily="2" charset="2"/>
+              </a:rPr>
+              <a:t>agg_data</a:t>
+            </a:r>
+            <a:r>
+              <a:rPr lang="en-US" b="1" dirty="0">
+                <a:latin typeface="Courier New" panose="02070309020205020404" pitchFamily="49" charset="0"/>
+                <a:cs typeface="Courier New" panose="02070309020205020404" pitchFamily="49" charset="0"/>
+                <a:sym typeface="Wingdings" pitchFamily="2" charset="2"/>
+              </a:rPr>
+              <a:t> = </a:t>
+            </a:r>
+            <a:r>
+              <a:rPr lang="en-US" b="1" dirty="0" err="1">
+                <a:latin typeface="Courier New" panose="02070309020205020404" pitchFamily="49" charset="0"/>
+                <a:cs typeface="Courier New" panose="02070309020205020404" pitchFamily="49" charset="0"/>
+                <a:sym typeface="Wingdings" pitchFamily="2" charset="2"/>
+              </a:rPr>
+              <a:t>join_data.groupBy</a:t>
+            </a:r>
+            <a:r>
+              <a:rPr lang="en-US" b="1" dirty="0">
+                <a:latin typeface="Courier New" panose="02070309020205020404" pitchFamily="49" charset="0"/>
+                <a:cs typeface="Courier New" panose="02070309020205020404" pitchFamily="49" charset="0"/>
+                <a:sym typeface="Wingdings" pitchFamily="2" charset="2"/>
+              </a:rPr>
+              <a:t>(‘a1’).</a:t>
+            </a:r>
+            <a:r>
+              <a:rPr lang="en-US" b="1" dirty="0" err="1">
+                <a:latin typeface="Courier New" panose="02070309020205020404" pitchFamily="49" charset="0"/>
+                <a:cs typeface="Courier New" panose="02070309020205020404" pitchFamily="49" charset="0"/>
+                <a:sym typeface="Wingdings" pitchFamily="2" charset="2"/>
+              </a:rPr>
+              <a:t>agg</a:t>
+            </a:r>
+            <a:r>
+              <a:rPr lang="en-US" b="1" dirty="0">
+                <a:latin typeface="Courier New" panose="02070309020205020404" pitchFamily="49" charset="0"/>
+                <a:cs typeface="Courier New" panose="02070309020205020404" pitchFamily="49" charset="0"/>
+                <a:sym typeface="Wingdings" pitchFamily="2" charset="2"/>
+              </a:rPr>
+              <a:t>(sum(‘b1’)).show()</a:t>
+            </a:r>
+            <a:endParaRPr lang="en-US" b="1" dirty="0">
+              <a:latin typeface="Courier New" panose="02070309020205020404" pitchFamily="49" charset="0"/>
+              <a:cs typeface="Courier New" panose="02070309020205020404" pitchFamily="49" charset="0"/>
+            </a:endParaRPr>
+          </a:p>
+        </p:txBody>
+      </p:sp>
+      <p:sp>
+        <p:nvSpPr>
+          <p:cNvPr id="9" name="TextBox 8">
+            <a:extLst>
+              <a:ext uri="{FF2B5EF4-FFF2-40B4-BE49-F238E27FC236}">
+                <a16:creationId xmlns:a16="http://schemas.microsoft.com/office/drawing/2014/main" id="{995A9D90-4BCF-184E-9016-339DD956A430}"/>
+              </a:ext>
+            </a:extLst>
+          </p:cNvPr>
+          <p:cNvSpPr txBox="1"/>
+          <p:nvPr/>
+        </p:nvSpPr>
+        <p:spPr>
+          <a:xfrm>
+            <a:off x="255394" y="5527872"/>
+            <a:ext cx="11525461" cy="600164"/>
           </a:xfrm>
           <a:prstGeom prst="rect">
             <a:avLst/>
@@ -20563,39 +22178,39 @@
               </a:spcAft>
             </a:pPr>
             <a:r>
-              <a:rPr lang="en-US" b="1" dirty="0">
+              <a:rPr lang="en-US" sz="1400" b="1" dirty="0">
                 <a:latin typeface="Courier New" panose="02070309020205020404" pitchFamily="49" charset="0"/>
                 <a:cs typeface="Courier New" panose="02070309020205020404" pitchFamily="49" charset="0"/>
               </a:rPr>
               <a:t>Joined1 = </a:t>
             </a:r>
             <a:r>
-              <a:rPr lang="en-US" b="1" dirty="0" err="1">
+              <a:rPr lang="en-US" sz="1400" b="1" dirty="0" err="1">
                 <a:latin typeface="Courier New" panose="02070309020205020404" pitchFamily="49" charset="0"/>
                 <a:cs typeface="Courier New" panose="02070309020205020404" pitchFamily="49" charset="0"/>
               </a:rPr>
               <a:t>dfA.select</a:t>
             </a:r>
             <a:r>
-              <a:rPr lang="en-US" b="1" dirty="0">
+              <a:rPr lang="en-US" sz="1400" b="1" dirty="0">
                 <a:latin typeface="Courier New" panose="02070309020205020404" pitchFamily="49" charset="0"/>
                 <a:cs typeface="Courier New" panose="02070309020205020404" pitchFamily="49" charset="0"/>
               </a:rPr>
-              <a:t>(‘a1’).join(</a:t>
-            </a:r>
-            <a:r>
-              <a:rPr lang="en-US" b="1" dirty="0" err="1">
+              <a:t>(‘a1’, ‘key’).join(</a:t>
+            </a:r>
+            <a:r>
+              <a:rPr lang="en-US" sz="1400" b="1" dirty="0" err="1">
                 <a:latin typeface="Courier New" panose="02070309020205020404" pitchFamily="49" charset="0"/>
                 <a:cs typeface="Courier New" panose="02070309020205020404" pitchFamily="49" charset="0"/>
               </a:rPr>
               <a:t>dfB.select</a:t>
             </a:r>
             <a:r>
-              <a:rPr lang="en-US" b="1" dirty="0">
+              <a:rPr lang="en-US" sz="1400" b="1" dirty="0">
                 <a:latin typeface="Courier New" panose="02070309020205020404" pitchFamily="49" charset="0"/>
                 <a:cs typeface="Courier New" panose="02070309020205020404" pitchFamily="49" charset="0"/>
               </a:rPr>
-              <a:t>(col(‘b1’) &gt; 2208), [“key”], ‘inner’)</a:t>
+              <a:t>((col(‘b1’) &gt; 2208), ‘key’), [“key”], ‘inner’)</a:t>
             </a:r>
           </a:p>
           <a:p>
@@ -20605,32 +22220,26 @@
               </a:spcAft>
             </a:pPr>
             <a:r>
-              <a:rPr lang="en-US" b="1" dirty="0">
+              <a:rPr lang="en-US" sz="1400" b="1" dirty="0">
                 <a:latin typeface="Courier New" panose="02070309020205020404" pitchFamily="49" charset="0"/>
                 <a:cs typeface="Courier New" panose="02070309020205020404" pitchFamily="49" charset="0"/>
               </a:rPr>
               <a:t>Joined2 = Joined1.groupBy(‘a1’).</a:t>
             </a:r>
             <a:r>
-              <a:rPr lang="en-US" b="1" dirty="0" err="1">
+              <a:rPr lang="en-US" sz="1400" b="1" dirty="0" err="1">
                 <a:latin typeface="Courier New" panose="02070309020205020404" pitchFamily="49" charset="0"/>
                 <a:cs typeface="Courier New" panose="02070309020205020404" pitchFamily="49" charset="0"/>
               </a:rPr>
               <a:t>agg</a:t>
             </a:r>
             <a:r>
-              <a:rPr lang="en-US" b="1" dirty="0">
+              <a:rPr lang="en-US" sz="1400" b="1" dirty="0">
                 <a:latin typeface="Courier New" panose="02070309020205020404" pitchFamily="49" charset="0"/>
                 <a:cs typeface="Courier New" panose="02070309020205020404" pitchFamily="49" charset="0"/>
               </a:rPr>
               <a:t>(sum(‘b1’)).show()</a:t>
             </a:r>
-          </a:p>
-          <a:p>
-            <a:endParaRPr lang="en-US" b="1" dirty="0">
-              <a:latin typeface="Courier New" panose="02070309020205020404" pitchFamily="49" charset="0"/>
-              <a:cs typeface="Courier New" panose="02070309020205020404" pitchFamily="49" charset="0"/>
-            </a:endParaRPr>
           </a:p>
         </p:txBody>
       </p:sp>
@@ -20644,84 +22253,6 @@
   <p:clrMapOvr>
     <a:masterClrMapping/>
   </p:clrMapOvr>
-  <p:timing>
-    <p:tnLst>
-      <p:par>
-        <p:cTn id="1" dur="indefinite" restart="never" nodeType="tmRoot">
-          <p:childTnLst>
-            <p:seq concurrent="1" nextAc="seek">
-              <p:cTn id="2" dur="indefinite" nodeType="mainSeq">
-                <p:childTnLst>
-                  <p:par>
-                    <p:cTn id="3" fill="hold">
-                      <p:stCondLst>
-                        <p:cond delay="indefinite"/>
-                      </p:stCondLst>
-                      <p:childTnLst>
-                        <p:par>
-                          <p:cTn id="4" fill="hold">
-                            <p:stCondLst>
-                              <p:cond delay="0"/>
-                            </p:stCondLst>
-                            <p:childTnLst>
-                              <p:par>
-                                <p:cTn id="5" presetID="1" presetClass="entr" presetSubtype="0" fill="hold" grpId="0" nodeType="clickEffect">
-                                  <p:stCondLst>
-                                    <p:cond delay="0"/>
-                                  </p:stCondLst>
-                                  <p:childTnLst>
-                                    <p:set>
-                                      <p:cBhvr>
-                                        <p:cTn id="6" dur="1" fill="hold">
-                                          <p:stCondLst>
-                                            <p:cond delay="0"/>
-                                          </p:stCondLst>
-                                        </p:cTn>
-                                        <p:tgtEl>
-                                          <p:spTgt spid="5"/>
-                                        </p:tgtEl>
-                                        <p:attrNameLst>
-                                          <p:attrName>style.visibility</p:attrName>
-                                        </p:attrNameLst>
-                                      </p:cBhvr>
-                                      <p:to>
-                                        <p:strVal val="visible"/>
-                                      </p:to>
-                                    </p:set>
-                                  </p:childTnLst>
-                                </p:cTn>
-                              </p:par>
-                            </p:childTnLst>
-                          </p:cTn>
-                        </p:par>
-                      </p:childTnLst>
-                    </p:cTn>
-                  </p:par>
-                </p:childTnLst>
-              </p:cTn>
-              <p:prevCondLst>
-                <p:cond evt="onPrev" delay="0">
-                  <p:tgtEl>
-                    <p:sldTgt/>
-                  </p:tgtEl>
-                </p:cond>
-              </p:prevCondLst>
-              <p:nextCondLst>
-                <p:cond evt="onNext" delay="0">
-                  <p:tgtEl>
-                    <p:sldTgt/>
-                  </p:tgtEl>
-                </p:cond>
-              </p:nextCondLst>
-            </p:seq>
-          </p:childTnLst>
-        </p:cTn>
-      </p:par>
-    </p:tnLst>
-    <p:bldLst>
-      <p:bldP spid="5" grpId="0"/>
-    </p:bldLst>
-  </p:timing>
 </p:sld>
 </file>
 
@@ -21018,4 +22549,299 @@
     </a:ext>
   </a:extLst>
 </a:theme>
+</file>
+
+<file path=ppt/theme/theme2.xml><?xml version="1.0" encoding="utf-8"?>
+<a:theme xmlns:a="http://schemas.openxmlformats.org/drawingml/2006/main" name="Office Theme">
+  <a:themeElements>
+    <a:clrScheme name="Office">
+      <a:dk1>
+        <a:sysClr val="windowText" lastClr="000000"/>
+      </a:dk1>
+      <a:lt1>
+        <a:sysClr val="window" lastClr="FFFFFF"/>
+      </a:lt1>
+      <a:dk2>
+        <a:srgbClr val="44546A"/>
+      </a:dk2>
+      <a:lt2>
+        <a:srgbClr val="E7E6E6"/>
+      </a:lt2>
+      <a:accent1>
+        <a:srgbClr val="4472C4"/>
+      </a:accent1>
+      <a:accent2>
+        <a:srgbClr val="ED7D31"/>
+      </a:accent2>
+      <a:accent3>
+        <a:srgbClr val="A5A5A5"/>
+      </a:accent3>
+      <a:accent4>
+        <a:srgbClr val="FFC000"/>
+      </a:accent4>
+      <a:accent5>
+        <a:srgbClr val="5B9BD5"/>
+      </a:accent5>
+      <a:accent6>
+        <a:srgbClr val="70AD47"/>
+      </a:accent6>
+      <a:hlink>
+        <a:srgbClr val="0563C1"/>
+      </a:hlink>
+      <a:folHlink>
+        <a:srgbClr val="954F72"/>
+      </a:folHlink>
+    </a:clrScheme>
+    <a:fontScheme name="Office">
+      <a:majorFont>
+        <a:latin typeface="Calibri Light" panose="020F0302020204030204"/>
+        <a:ea typeface=""/>
+        <a:cs typeface=""/>
+        <a:font script="Jpan" typeface="游ゴシック Light"/>
+        <a:font script="Hang" typeface="맑은 고딕"/>
+        <a:font script="Hans" typeface="等线 Light"/>
+        <a:font script="Hant" typeface="新細明體"/>
+        <a:font script="Arab" typeface="Times New Roman"/>
+        <a:font script="Hebr" typeface="Times New Roman"/>
+        <a:font script="Thai" typeface="Angsana New"/>
+        <a:font script="Ethi" typeface="Nyala"/>
+        <a:font script="Beng" typeface="Vrinda"/>
+        <a:font script="Gujr" typeface="Shruti"/>
+        <a:font script="Khmr" typeface="MoolBoran"/>
+        <a:font script="Knda" typeface="Tunga"/>
+        <a:font script="Guru" typeface="Raavi"/>
+        <a:font script="Cans" typeface="Euphemia"/>
+        <a:font script="Cher" typeface="Plantagenet Cherokee"/>
+        <a:font script="Yiii" typeface="Microsoft Yi Baiti"/>
+        <a:font script="Tibt" typeface="Microsoft Himalaya"/>
+        <a:font script="Thaa" typeface="MV Boli"/>
+        <a:font script="Deva" typeface="Mangal"/>
+        <a:font script="Telu" typeface="Gautami"/>
+        <a:font script="Taml" typeface="Latha"/>
+        <a:font script="Syrc" typeface="Estrangelo Edessa"/>
+        <a:font script="Orya" typeface="Kalinga"/>
+        <a:font script="Mlym" typeface="Kartika"/>
+        <a:font script="Laoo" typeface="DokChampa"/>
+        <a:font script="Sinh" typeface="Iskoola Pota"/>
+        <a:font script="Mong" typeface="Mongolian Baiti"/>
+        <a:font script="Viet" typeface="Times New Roman"/>
+        <a:font script="Uigh" typeface="Microsoft Uighur"/>
+        <a:font script="Geor" typeface="Sylfaen"/>
+        <a:font script="Armn" typeface="Arial"/>
+        <a:font script="Bugi" typeface="Leelawadee UI"/>
+        <a:font script="Bopo" typeface="Microsoft JhengHei"/>
+        <a:font script="Java" typeface="Javanese Text"/>
+        <a:font script="Lisu" typeface="Segoe UI"/>
+        <a:font script="Mymr" typeface="Myanmar Text"/>
+        <a:font script="Nkoo" typeface="Ebrima"/>
+        <a:font script="Olck" typeface="Nirmala UI"/>
+        <a:font script="Osma" typeface="Ebrima"/>
+        <a:font script="Phag" typeface="Phagspa"/>
+        <a:font script="Syrn" typeface="Estrangelo Edessa"/>
+        <a:font script="Syrj" typeface="Estrangelo Edessa"/>
+        <a:font script="Syre" typeface="Estrangelo Edessa"/>
+        <a:font script="Sora" typeface="Nirmala UI"/>
+        <a:font script="Tale" typeface="Microsoft Tai Le"/>
+        <a:font script="Talu" typeface="Microsoft New Tai Lue"/>
+        <a:font script="Tfng" typeface="Ebrima"/>
+      </a:majorFont>
+      <a:minorFont>
+        <a:latin typeface="Calibri" panose="020F0502020204030204"/>
+        <a:ea typeface=""/>
+        <a:cs typeface=""/>
+        <a:font script="Jpan" typeface="游ゴシック"/>
+        <a:font script="Hang" typeface="맑은 고딕"/>
+        <a:font script="Hans" typeface="等线"/>
+        <a:font script="Hant" typeface="新細明體"/>
+        <a:font script="Arab" typeface="Arial"/>
+        <a:font script="Hebr" typeface="Arial"/>
+        <a:font script="Thai" typeface="Cordia New"/>
+        <a:font script="Ethi" typeface="Nyala"/>
+        <a:font script="Beng" typeface="Vrinda"/>
+        <a:font script="Gujr" typeface="Shruti"/>
+        <a:font script="Khmr" typeface="DaunPenh"/>
+        <a:font script="Knda" typeface="Tunga"/>
+        <a:font script="Guru" typeface="Raavi"/>
+        <a:font script="Cans" typeface="Euphemia"/>
+        <a:font script="Cher" typeface="Plantagenet Cherokee"/>
+        <a:font script="Yiii" typeface="Microsoft Yi Baiti"/>
+        <a:font script="Tibt" typeface="Microsoft Himalaya"/>
+        <a:font script="Thaa" typeface="MV Boli"/>
+        <a:font script="Deva" typeface="Mangal"/>
+        <a:font script="Telu" typeface="Gautami"/>
+        <a:font script="Taml" typeface="Latha"/>
+        <a:font script="Syrc" typeface="Estrangelo Edessa"/>
+        <a:font script="Orya" typeface="Kalinga"/>
+        <a:font script="Mlym" typeface="Kartika"/>
+        <a:font script="Laoo" typeface="DokChampa"/>
+        <a:font script="Sinh" typeface="Iskoola Pota"/>
+        <a:font script="Mong" typeface="Mongolian Baiti"/>
+        <a:font script="Viet" typeface="Arial"/>
+        <a:font script="Uigh" typeface="Microsoft Uighur"/>
+        <a:font script="Geor" typeface="Sylfaen"/>
+        <a:font script="Armn" typeface="Arial"/>
+        <a:font script="Bugi" typeface="Leelawadee UI"/>
+        <a:font script="Bopo" typeface="Microsoft JhengHei"/>
+        <a:font script="Java" typeface="Javanese Text"/>
+        <a:font script="Lisu" typeface="Segoe UI"/>
+        <a:font script="Mymr" typeface="Myanmar Text"/>
+        <a:font script="Nkoo" typeface="Ebrima"/>
+        <a:font script="Olck" typeface="Nirmala UI"/>
+        <a:font script="Osma" typeface="Ebrima"/>
+        <a:font script="Phag" typeface="Phagspa"/>
+        <a:font script="Syrn" typeface="Estrangelo Edessa"/>
+        <a:font script="Syrj" typeface="Estrangelo Edessa"/>
+        <a:font script="Syre" typeface="Estrangelo Edessa"/>
+        <a:font script="Sora" typeface="Nirmala UI"/>
+        <a:font script="Tale" typeface="Microsoft Tai Le"/>
+        <a:font script="Talu" typeface="Microsoft New Tai Lue"/>
+        <a:font script="Tfng" typeface="Ebrima"/>
+      </a:minorFont>
+    </a:fontScheme>
+    <a:fmtScheme name="Office">
+      <a:fillStyleLst>
+        <a:solidFill>
+          <a:schemeClr val="phClr"/>
+        </a:solidFill>
+        <a:gradFill rotWithShape="1">
+          <a:gsLst>
+            <a:gs pos="0">
+              <a:schemeClr val="phClr">
+                <a:lumMod val="110000"/>
+                <a:satMod val="105000"/>
+                <a:tint val="67000"/>
+              </a:schemeClr>
+            </a:gs>
+            <a:gs pos="50000">
+              <a:schemeClr val="phClr">
+                <a:lumMod val="105000"/>
+                <a:satMod val="103000"/>
+                <a:tint val="73000"/>
+              </a:schemeClr>
+            </a:gs>
+            <a:gs pos="100000">
+              <a:schemeClr val="phClr">
+                <a:lumMod val="105000"/>
+                <a:satMod val="109000"/>
+                <a:tint val="81000"/>
+              </a:schemeClr>
+            </a:gs>
+          </a:gsLst>
+          <a:lin ang="5400000" scaled="0"/>
+        </a:gradFill>
+        <a:gradFill rotWithShape="1">
+          <a:gsLst>
+            <a:gs pos="0">
+              <a:schemeClr val="phClr">
+                <a:satMod val="103000"/>
+                <a:lumMod val="102000"/>
+                <a:tint val="94000"/>
+              </a:schemeClr>
+            </a:gs>
+            <a:gs pos="50000">
+              <a:schemeClr val="phClr">
+                <a:satMod val="110000"/>
+                <a:lumMod val="100000"/>
+                <a:shade val="100000"/>
+              </a:schemeClr>
+            </a:gs>
+            <a:gs pos="100000">
+              <a:schemeClr val="phClr">
+                <a:lumMod val="99000"/>
+                <a:satMod val="120000"/>
+                <a:shade val="78000"/>
+              </a:schemeClr>
+            </a:gs>
+          </a:gsLst>
+          <a:lin ang="5400000" scaled="0"/>
+        </a:gradFill>
+      </a:fillStyleLst>
+      <a:lnStyleLst>
+        <a:ln w="6350" cap="flat" cmpd="sng" algn="ctr">
+          <a:solidFill>
+            <a:schemeClr val="phClr"/>
+          </a:solidFill>
+          <a:prstDash val="solid"/>
+          <a:miter lim="800000"/>
+        </a:ln>
+        <a:ln w="12700" cap="flat" cmpd="sng" algn="ctr">
+          <a:solidFill>
+            <a:schemeClr val="phClr"/>
+          </a:solidFill>
+          <a:prstDash val="solid"/>
+          <a:miter lim="800000"/>
+        </a:ln>
+        <a:ln w="19050" cap="flat" cmpd="sng" algn="ctr">
+          <a:solidFill>
+            <a:schemeClr val="phClr"/>
+          </a:solidFill>
+          <a:prstDash val="solid"/>
+          <a:miter lim="800000"/>
+        </a:ln>
+      </a:lnStyleLst>
+      <a:effectStyleLst>
+        <a:effectStyle>
+          <a:effectLst/>
+        </a:effectStyle>
+        <a:effectStyle>
+          <a:effectLst/>
+        </a:effectStyle>
+        <a:effectStyle>
+          <a:effectLst>
+            <a:outerShdw blurRad="57150" dist="19050" dir="5400000" algn="ctr" rotWithShape="0">
+              <a:srgbClr val="000000">
+                <a:alpha val="63000"/>
+              </a:srgbClr>
+            </a:outerShdw>
+          </a:effectLst>
+        </a:effectStyle>
+      </a:effectStyleLst>
+      <a:bgFillStyleLst>
+        <a:solidFill>
+          <a:schemeClr val="phClr"/>
+        </a:solidFill>
+        <a:solidFill>
+          <a:schemeClr val="phClr">
+            <a:tint val="95000"/>
+            <a:satMod val="170000"/>
+          </a:schemeClr>
+        </a:solidFill>
+        <a:gradFill rotWithShape="1">
+          <a:gsLst>
+            <a:gs pos="0">
+              <a:schemeClr val="phClr">
+                <a:tint val="93000"/>
+                <a:satMod val="150000"/>
+                <a:shade val="98000"/>
+                <a:lumMod val="102000"/>
+              </a:schemeClr>
+            </a:gs>
+            <a:gs pos="50000">
+              <a:schemeClr val="phClr">
+                <a:tint val="98000"/>
+                <a:satMod val="130000"/>
+                <a:shade val="90000"/>
+                <a:lumMod val="103000"/>
+              </a:schemeClr>
+            </a:gs>
+            <a:gs pos="100000">
+              <a:schemeClr val="phClr">
+                <a:shade val="63000"/>
+                <a:satMod val="120000"/>
+              </a:schemeClr>
+            </a:gs>
+          </a:gsLst>
+          <a:lin ang="5400000" scaled="0"/>
+        </a:gradFill>
+      </a:bgFillStyleLst>
+    </a:fmtScheme>
+  </a:themeElements>
+  <a:objectDefaults/>
+  <a:extraClrSchemeLst/>
+  <a:extLst>
+    <a:ext uri="{05A4C25C-085E-4340-85A3-A5531E510DB2}">
+      <thm15:themeFamily xmlns:thm15="http://schemas.microsoft.com/office/thememl/2012/main" name="Office Theme" id="{62F939B6-93AF-4DB8-9C6B-D6C7DFDC589F}" vid="{4A3C46E8-61CC-4603-A589-7422A47A8E4A}"/>
+    </a:ext>
+  </a:extLst>
+</a:theme>
 </file>
--- a/Partitioning & SparkContext.pptx
+++ b/Partitioning & SparkContext.pptx
@@ -5,7 +5,7 @@
     <p:sldMasterId id="2147483648" r:id="rId1"/>
   </p:sldMasterIdLst>
   <p:notesMasterIdLst>
-    <p:notesMasterId r:id="rId13"/>
+    <p:notesMasterId r:id="rId14"/>
   </p:notesMasterIdLst>
   <p:sldIdLst>
     <p:sldId id="256" r:id="rId2"/>
@@ -19,6 +19,7 @@
     <p:sldId id="265" r:id="rId10"/>
     <p:sldId id="259" r:id="rId11"/>
     <p:sldId id="267" r:id="rId12"/>
+    <p:sldId id="270" r:id="rId13"/>
   </p:sldIdLst>
   <p:sldSz cx="12192000" cy="6858000"/>
   <p:notesSz cx="6858000" cy="9144000"/>
@@ -207,7 +208,7 @@
           <a:p>
             <a:fld id="{AC7B3839-CBD2-254A-8F78-57299DB0A37E}" type="datetimeFigureOut">
               <a:rPr lang="en-US" smtClean="0"/>
-              <a:t>4/19/20</a:t>
+              <a:t>5/3/20</a:t>
             </a:fld>
             <a:endParaRPr lang="en-US"/>
           </a:p>
@@ -789,7 +790,7 @@
           <a:p>
             <a:fld id="{47E0D79E-6804-0B41-9659-BE215799C31E}" type="datetimeFigureOut">
               <a:rPr lang="en-US" smtClean="0"/>
-              <a:t>4/19/20</a:t>
+              <a:t>5/3/20</a:t>
             </a:fld>
             <a:endParaRPr lang="en-US"/>
           </a:p>
@@ -987,7 +988,7 @@
           <a:p>
             <a:fld id="{47E0D79E-6804-0B41-9659-BE215799C31E}" type="datetimeFigureOut">
               <a:rPr lang="en-US" smtClean="0"/>
-              <a:t>4/19/20</a:t>
+              <a:t>5/3/20</a:t>
             </a:fld>
             <a:endParaRPr lang="en-US"/>
           </a:p>
@@ -1195,7 +1196,7 @@
           <a:p>
             <a:fld id="{47E0D79E-6804-0B41-9659-BE215799C31E}" type="datetimeFigureOut">
               <a:rPr lang="en-US" smtClean="0"/>
-              <a:t>4/19/20</a:t>
+              <a:t>5/3/20</a:t>
             </a:fld>
             <a:endParaRPr lang="en-US"/>
           </a:p>
@@ -1393,7 +1394,7 @@
           <a:p>
             <a:fld id="{47E0D79E-6804-0B41-9659-BE215799C31E}" type="datetimeFigureOut">
               <a:rPr lang="en-US" smtClean="0"/>
-              <a:t>4/19/20</a:t>
+              <a:t>5/3/20</a:t>
             </a:fld>
             <a:endParaRPr lang="en-US"/>
           </a:p>
@@ -1668,7 +1669,7 @@
           <a:p>
             <a:fld id="{47E0D79E-6804-0B41-9659-BE215799C31E}" type="datetimeFigureOut">
               <a:rPr lang="en-US" smtClean="0"/>
-              <a:t>4/19/20</a:t>
+              <a:t>5/3/20</a:t>
             </a:fld>
             <a:endParaRPr lang="en-US"/>
           </a:p>
@@ -1933,7 +1934,7 @@
           <a:p>
             <a:fld id="{47E0D79E-6804-0B41-9659-BE215799C31E}" type="datetimeFigureOut">
               <a:rPr lang="en-US" smtClean="0"/>
-              <a:t>4/19/20</a:t>
+              <a:t>5/3/20</a:t>
             </a:fld>
             <a:endParaRPr lang="en-US"/>
           </a:p>
@@ -2345,7 +2346,7 @@
           <a:p>
             <a:fld id="{47E0D79E-6804-0B41-9659-BE215799C31E}" type="datetimeFigureOut">
               <a:rPr lang="en-US" smtClean="0"/>
-              <a:t>4/19/20</a:t>
+              <a:t>5/3/20</a:t>
             </a:fld>
             <a:endParaRPr lang="en-US"/>
           </a:p>
@@ -2486,7 +2487,7 @@
           <a:p>
             <a:fld id="{47E0D79E-6804-0B41-9659-BE215799C31E}" type="datetimeFigureOut">
               <a:rPr lang="en-US" smtClean="0"/>
-              <a:t>4/19/20</a:t>
+              <a:t>5/3/20</a:t>
             </a:fld>
             <a:endParaRPr lang="en-US"/>
           </a:p>
@@ -2599,7 +2600,7 @@
           <a:p>
             <a:fld id="{47E0D79E-6804-0B41-9659-BE215799C31E}" type="datetimeFigureOut">
               <a:rPr lang="en-US" smtClean="0"/>
-              <a:t>4/19/20</a:t>
+              <a:t>5/3/20</a:t>
             </a:fld>
             <a:endParaRPr lang="en-US"/>
           </a:p>
@@ -2910,7 +2911,7 @@
           <a:p>
             <a:fld id="{47E0D79E-6804-0B41-9659-BE215799C31E}" type="datetimeFigureOut">
               <a:rPr lang="en-US" smtClean="0"/>
-              <a:t>4/19/20</a:t>
+              <a:t>5/3/20</a:t>
             </a:fld>
             <a:endParaRPr lang="en-US"/>
           </a:p>
@@ -3198,7 +3199,7 @@
           <a:p>
             <a:fld id="{47E0D79E-6804-0B41-9659-BE215799C31E}" type="datetimeFigureOut">
               <a:rPr lang="en-US" smtClean="0"/>
-              <a:t>4/19/20</a:t>
+              <a:t>5/3/20</a:t>
             </a:fld>
             <a:endParaRPr lang="en-US"/>
           </a:p>
@@ -3439,7 +3440,7 @@
           <a:p>
             <a:fld id="{47E0D79E-6804-0B41-9659-BE215799C31E}" type="datetimeFigureOut">
               <a:rPr lang="en-US" smtClean="0"/>
-              <a:t>4/19/20</a:t>
+              <a:t>5/3/20</a:t>
             </a:fld>
             <a:endParaRPr lang="en-US"/>
           </a:p>
@@ -8304,6 +8305,316 @@
           </a:fontRef>
         </p:style>
       </p:cxnSp>
+      <p:sp>
+        <p:nvSpPr>
+          <p:cNvPr id="10" name="Rectangle 9">
+            <a:extLst>
+              <a:ext uri="{FF2B5EF4-FFF2-40B4-BE49-F238E27FC236}">
+                <a16:creationId xmlns:a16="http://schemas.microsoft.com/office/drawing/2014/main" id="{DFAEE501-3025-1241-AD73-011ADFC3B927}"/>
+              </a:ext>
+            </a:extLst>
+          </p:cNvPr>
+          <p:cNvSpPr/>
+          <p:nvPr/>
+        </p:nvSpPr>
+        <p:spPr>
+          <a:xfrm>
+            <a:off x="10201745" y="4725854"/>
+            <a:ext cx="1517301" cy="388757"/>
+          </a:xfrm>
+          <a:prstGeom prst="rect">
+            <a:avLst/>
+          </a:prstGeom>
+          <a:solidFill>
+            <a:srgbClr val="0096FF"/>
+          </a:solidFill>
+          <a:ln>
+            <a:noFill/>
+          </a:ln>
+        </p:spPr>
+        <p:style>
+          <a:lnRef idx="2">
+            <a:schemeClr val="accent1">
+              <a:shade val="50000"/>
+            </a:schemeClr>
+          </a:lnRef>
+          <a:fillRef idx="1">
+            <a:schemeClr val="accent1"/>
+          </a:fillRef>
+          <a:effectRef idx="0">
+            <a:schemeClr val="accent1"/>
+          </a:effectRef>
+          <a:fontRef idx="minor">
+            <a:schemeClr val="lt1"/>
+          </a:fontRef>
+        </p:style>
+        <p:txBody>
+          <a:bodyPr rtlCol="0" anchor="ctr"/>
+          <a:lstStyle/>
+          <a:p>
+            <a:pPr algn="ctr"/>
+            <a:r>
+              <a:rPr lang="en-US" dirty="0">
+                <a:latin typeface="Avenir Roman" panose="02000503020000020003" pitchFamily="2" charset="0"/>
+              </a:rPr>
+              <a:t>Jobs</a:t>
+            </a:r>
+          </a:p>
+        </p:txBody>
+      </p:sp>
+      <p:sp>
+        <p:nvSpPr>
+          <p:cNvPr id="69" name="Rectangle 68">
+            <a:extLst>
+              <a:ext uri="{FF2B5EF4-FFF2-40B4-BE49-F238E27FC236}">
+                <a16:creationId xmlns:a16="http://schemas.microsoft.com/office/drawing/2014/main" id="{2C8F8CAF-147A-B146-919A-5081EE066FE9}"/>
+              </a:ext>
+            </a:extLst>
+          </p:cNvPr>
+          <p:cNvSpPr/>
+          <p:nvPr/>
+        </p:nvSpPr>
+        <p:spPr>
+          <a:xfrm>
+            <a:off x="10201744" y="5355564"/>
+            <a:ext cx="1517301" cy="388757"/>
+          </a:xfrm>
+          <a:prstGeom prst="rect">
+            <a:avLst/>
+          </a:prstGeom>
+          <a:solidFill>
+            <a:srgbClr val="0096FF"/>
+          </a:solidFill>
+          <a:ln>
+            <a:noFill/>
+          </a:ln>
+        </p:spPr>
+        <p:style>
+          <a:lnRef idx="2">
+            <a:schemeClr val="accent1">
+              <a:shade val="50000"/>
+            </a:schemeClr>
+          </a:lnRef>
+          <a:fillRef idx="1">
+            <a:schemeClr val="accent1"/>
+          </a:fillRef>
+          <a:effectRef idx="0">
+            <a:schemeClr val="accent1"/>
+          </a:effectRef>
+          <a:fontRef idx="minor">
+            <a:schemeClr val="lt1"/>
+          </a:fontRef>
+        </p:style>
+        <p:txBody>
+          <a:bodyPr rtlCol="0" anchor="ctr"/>
+          <a:lstStyle/>
+          <a:p>
+            <a:pPr algn="ctr"/>
+            <a:r>
+              <a:rPr lang="en-US" dirty="0">
+                <a:latin typeface="Avenir Roman" panose="02000503020000020003" pitchFamily="2" charset="0"/>
+              </a:rPr>
+              <a:t>Stages</a:t>
+            </a:r>
+          </a:p>
+        </p:txBody>
+      </p:sp>
+      <p:sp>
+        <p:nvSpPr>
+          <p:cNvPr id="71" name="Rectangle 70">
+            <a:extLst>
+              <a:ext uri="{FF2B5EF4-FFF2-40B4-BE49-F238E27FC236}">
+                <a16:creationId xmlns:a16="http://schemas.microsoft.com/office/drawing/2014/main" id="{931980B7-5912-1748-9D1B-A1CA1F847716}"/>
+              </a:ext>
+            </a:extLst>
+          </p:cNvPr>
+          <p:cNvSpPr/>
+          <p:nvPr/>
+        </p:nvSpPr>
+        <p:spPr>
+          <a:xfrm>
+            <a:off x="10201743" y="5986279"/>
+            <a:ext cx="1517301" cy="388757"/>
+          </a:xfrm>
+          <a:prstGeom prst="rect">
+            <a:avLst/>
+          </a:prstGeom>
+          <a:solidFill>
+            <a:srgbClr val="0096FF"/>
+          </a:solidFill>
+          <a:ln>
+            <a:noFill/>
+          </a:ln>
+        </p:spPr>
+        <p:style>
+          <a:lnRef idx="2">
+            <a:schemeClr val="accent1">
+              <a:shade val="50000"/>
+            </a:schemeClr>
+          </a:lnRef>
+          <a:fillRef idx="1">
+            <a:schemeClr val="accent1"/>
+          </a:fillRef>
+          <a:effectRef idx="0">
+            <a:schemeClr val="accent1"/>
+          </a:effectRef>
+          <a:fontRef idx="minor">
+            <a:schemeClr val="lt1"/>
+          </a:fontRef>
+        </p:style>
+        <p:txBody>
+          <a:bodyPr rtlCol="0" anchor="ctr"/>
+          <a:lstStyle/>
+          <a:p>
+            <a:pPr algn="ctr"/>
+            <a:r>
+              <a:rPr lang="en-US" dirty="0">
+                <a:latin typeface="Avenir Roman" panose="02000503020000020003" pitchFamily="2" charset="0"/>
+              </a:rPr>
+              <a:t>Tasks</a:t>
+            </a:r>
+          </a:p>
+        </p:txBody>
+      </p:sp>
+      <p:cxnSp>
+        <p:nvCxnSpPr>
+          <p:cNvPr id="26" name="Straight Arrow Connector 25">
+            <a:extLst>
+              <a:ext uri="{FF2B5EF4-FFF2-40B4-BE49-F238E27FC236}">
+                <a16:creationId xmlns:a16="http://schemas.microsoft.com/office/drawing/2014/main" id="{72D4A6AB-9636-BE4C-9CB5-8C8020E9B34D}"/>
+              </a:ext>
+            </a:extLst>
+          </p:cNvPr>
+          <p:cNvCxnSpPr>
+            <a:stCxn id="10" idx="2"/>
+            <a:endCxn id="69" idx="0"/>
+          </p:cNvCxnSpPr>
+          <p:nvPr/>
+        </p:nvCxnSpPr>
+        <p:spPr>
+          <a:xfrm flipH="1">
+            <a:off x="10960395" y="5114611"/>
+            <a:ext cx="1" cy="240953"/>
+          </a:xfrm>
+          <a:prstGeom prst="straightConnector1">
+            <a:avLst/>
+          </a:prstGeom>
+          <a:ln w="19050">
+            <a:solidFill>
+              <a:schemeClr val="tx1">
+                <a:lumMod val="85000"/>
+                <a:lumOff val="15000"/>
+              </a:schemeClr>
+            </a:solidFill>
+            <a:tailEnd type="triangle"/>
+          </a:ln>
+        </p:spPr>
+        <p:style>
+          <a:lnRef idx="1">
+            <a:schemeClr val="accent1"/>
+          </a:lnRef>
+          <a:fillRef idx="0">
+            <a:schemeClr val="accent1"/>
+          </a:fillRef>
+          <a:effectRef idx="0">
+            <a:schemeClr val="accent1"/>
+          </a:effectRef>
+          <a:fontRef idx="minor">
+            <a:schemeClr val="tx1"/>
+          </a:fontRef>
+        </p:style>
+      </p:cxnSp>
+      <p:cxnSp>
+        <p:nvCxnSpPr>
+          <p:cNvPr id="72" name="Straight Arrow Connector 71">
+            <a:extLst>
+              <a:ext uri="{FF2B5EF4-FFF2-40B4-BE49-F238E27FC236}">
+                <a16:creationId xmlns:a16="http://schemas.microsoft.com/office/drawing/2014/main" id="{138A23AE-3681-834F-87BE-9327DD0B0308}"/>
+              </a:ext>
+            </a:extLst>
+          </p:cNvPr>
+          <p:cNvCxnSpPr/>
+          <p:nvPr/>
+        </p:nvCxnSpPr>
+        <p:spPr>
+          <a:xfrm flipH="1">
+            <a:off x="10960392" y="5744321"/>
+            <a:ext cx="1" cy="240953"/>
+          </a:xfrm>
+          <a:prstGeom prst="straightConnector1">
+            <a:avLst/>
+          </a:prstGeom>
+          <a:ln w="19050">
+            <a:solidFill>
+              <a:schemeClr val="tx1">
+                <a:lumMod val="85000"/>
+                <a:lumOff val="15000"/>
+              </a:schemeClr>
+            </a:solidFill>
+            <a:tailEnd type="triangle"/>
+          </a:ln>
+        </p:spPr>
+        <p:style>
+          <a:lnRef idx="1">
+            <a:schemeClr val="accent1"/>
+          </a:lnRef>
+          <a:fillRef idx="0">
+            <a:schemeClr val="accent1"/>
+          </a:fillRef>
+          <a:effectRef idx="0">
+            <a:schemeClr val="accent1"/>
+          </a:effectRef>
+          <a:fontRef idx="minor">
+            <a:schemeClr val="tx1"/>
+          </a:fontRef>
+        </p:style>
+      </p:cxnSp>
+      <p:cxnSp>
+        <p:nvCxnSpPr>
+          <p:cNvPr id="28" name="Straight Arrow Connector 27">
+            <a:extLst>
+              <a:ext uri="{FF2B5EF4-FFF2-40B4-BE49-F238E27FC236}">
+                <a16:creationId xmlns:a16="http://schemas.microsoft.com/office/drawing/2014/main" id="{0BEDF0B6-1F41-F14B-A89A-56E13CE778CD}"/>
+              </a:ext>
+            </a:extLst>
+          </p:cNvPr>
+          <p:cNvCxnSpPr>
+            <a:endCxn id="69" idx="1"/>
+          </p:cNvCxnSpPr>
+          <p:nvPr/>
+        </p:nvCxnSpPr>
+        <p:spPr>
+          <a:xfrm flipV="1">
+            <a:off x="8209503" y="5549943"/>
+            <a:ext cx="1992241" cy="153357"/>
+          </a:xfrm>
+          <a:prstGeom prst="straightConnector1">
+            <a:avLst/>
+          </a:prstGeom>
+          <a:ln>
+            <a:solidFill>
+              <a:schemeClr val="tx1"/>
+            </a:solidFill>
+            <a:prstDash val="dash"/>
+            <a:headEnd type="triangle"/>
+            <a:tailEnd type="triangle"/>
+          </a:ln>
+        </p:spPr>
+        <p:style>
+          <a:lnRef idx="1">
+            <a:schemeClr val="accent1"/>
+          </a:lnRef>
+          <a:fillRef idx="0">
+            <a:schemeClr val="accent1"/>
+          </a:fillRef>
+          <a:effectRef idx="0">
+            <a:schemeClr val="accent1"/>
+          </a:effectRef>
+          <a:fontRef idx="minor">
+            <a:schemeClr val="tx1"/>
+          </a:fontRef>
+        </p:style>
+      </p:cxnSp>
     </p:spTree>
     <p:extLst>
       <p:ext uri="{BB962C8B-B14F-4D97-AF65-F5344CB8AC3E}">
@@ -9480,6 +9791,1115 @@
 </p:sld>
 </file>
 
+<file path=ppt/slides/slide12.xml><?xml version="1.0" encoding="utf-8"?>
+<p:sld xmlns:a="http://schemas.openxmlformats.org/drawingml/2006/main" xmlns:r="http://schemas.openxmlformats.org/officeDocument/2006/relationships" xmlns:p="http://schemas.openxmlformats.org/presentationml/2006/main">
+  <p:cSld>
+    <p:spTree>
+      <p:nvGrpSpPr>
+        <p:cNvPr id="1" name=""/>
+        <p:cNvGrpSpPr/>
+        <p:nvPr/>
+      </p:nvGrpSpPr>
+      <p:grpSpPr>
+        <a:xfrm>
+          <a:off x="0" y="0"/>
+          <a:ext cx="0" cy="0"/>
+          <a:chOff x="0" y="0"/>
+          <a:chExt cx="0" cy="0"/>
+        </a:xfrm>
+      </p:grpSpPr>
+      <p:sp>
+        <p:nvSpPr>
+          <p:cNvPr id="17" name="Rectangle 16">
+            <a:extLst>
+              <a:ext uri="{FF2B5EF4-FFF2-40B4-BE49-F238E27FC236}">
+                <a16:creationId xmlns:a16="http://schemas.microsoft.com/office/drawing/2014/main" id="{80FEB787-FFFE-A84F-B1FF-177A8AADA4D5}"/>
+              </a:ext>
+            </a:extLst>
+          </p:cNvPr>
+          <p:cNvSpPr/>
+          <p:nvPr/>
+        </p:nvSpPr>
+        <p:spPr>
+          <a:xfrm>
+            <a:off x="281354" y="2291023"/>
+            <a:ext cx="2582426" cy="1730029"/>
+          </a:xfrm>
+          <a:prstGeom prst="rect">
+            <a:avLst/>
+          </a:prstGeom>
+          <a:solidFill>
+            <a:schemeClr val="bg1">
+              <a:lumMod val="50000"/>
+            </a:schemeClr>
+          </a:solidFill>
+          <a:ln>
+            <a:noFill/>
+          </a:ln>
+        </p:spPr>
+        <p:style>
+          <a:lnRef idx="2">
+            <a:schemeClr val="accent1">
+              <a:shade val="50000"/>
+            </a:schemeClr>
+          </a:lnRef>
+          <a:fillRef idx="1">
+            <a:schemeClr val="accent1"/>
+          </a:fillRef>
+          <a:effectRef idx="0">
+            <a:schemeClr val="accent1"/>
+          </a:effectRef>
+          <a:fontRef idx="minor">
+            <a:schemeClr val="lt1"/>
+          </a:fontRef>
+        </p:style>
+        <p:txBody>
+          <a:bodyPr rtlCol="0" anchor="b"/>
+          <a:lstStyle/>
+          <a:p>
+            <a:pPr algn="ctr"/>
+            <a:r>
+              <a:rPr lang="en-US" dirty="0">
+                <a:latin typeface="Avenir Roman" panose="02000503020000020003" pitchFamily="2" charset="0"/>
+              </a:rPr>
+              <a:t>Client (for Spark)</a:t>
+            </a:r>
+          </a:p>
+          <a:p>
+            <a:pPr algn="ctr"/>
+            <a:r>
+              <a:rPr lang="en-US" dirty="0">
+                <a:latin typeface="Avenir Roman" panose="02000503020000020003" pitchFamily="2" charset="0"/>
+              </a:rPr>
+              <a:t>Remote Node</a:t>
+            </a:r>
+          </a:p>
+        </p:txBody>
+      </p:sp>
+      <p:sp>
+        <p:nvSpPr>
+          <p:cNvPr id="4" name="Rectangle 3">
+            <a:extLst>
+              <a:ext uri="{FF2B5EF4-FFF2-40B4-BE49-F238E27FC236}">
+                <a16:creationId xmlns:a16="http://schemas.microsoft.com/office/drawing/2014/main" id="{725118EB-77A9-CC4E-83AB-377721D0FC44}"/>
+              </a:ext>
+            </a:extLst>
+          </p:cNvPr>
+          <p:cNvSpPr/>
+          <p:nvPr/>
+        </p:nvSpPr>
+        <p:spPr>
+          <a:xfrm>
+            <a:off x="7878727" y="510363"/>
+            <a:ext cx="3083440" cy="2094615"/>
+          </a:xfrm>
+          <a:prstGeom prst="rect">
+            <a:avLst/>
+          </a:prstGeom>
+          <a:ln>
+            <a:noFill/>
+          </a:ln>
+        </p:spPr>
+        <p:style>
+          <a:lnRef idx="2">
+            <a:schemeClr val="accent1">
+              <a:shade val="50000"/>
+            </a:schemeClr>
+          </a:lnRef>
+          <a:fillRef idx="1">
+            <a:schemeClr val="accent1"/>
+          </a:fillRef>
+          <a:effectRef idx="0">
+            <a:schemeClr val="accent1"/>
+          </a:effectRef>
+          <a:fontRef idx="minor">
+            <a:schemeClr val="lt1"/>
+          </a:fontRef>
+        </p:style>
+        <p:txBody>
+          <a:bodyPr rtlCol="0" anchor="b"/>
+          <a:lstStyle/>
+          <a:p>
+            <a:pPr algn="ctr"/>
+            <a:r>
+              <a:rPr lang="en-US" dirty="0">
+                <a:latin typeface="Avenir Roman" panose="02000503020000020003" pitchFamily="2" charset="0"/>
+              </a:rPr>
+              <a:t>Executor Node</a:t>
+            </a:r>
+          </a:p>
+        </p:txBody>
+      </p:sp>
+      <p:sp>
+        <p:nvSpPr>
+          <p:cNvPr id="5" name="Rounded Rectangle 4">
+            <a:extLst>
+              <a:ext uri="{FF2B5EF4-FFF2-40B4-BE49-F238E27FC236}">
+                <a16:creationId xmlns:a16="http://schemas.microsoft.com/office/drawing/2014/main" id="{3AB140DE-D4B5-D34D-969C-2F76B07381B3}"/>
+              </a:ext>
+            </a:extLst>
+          </p:cNvPr>
+          <p:cNvSpPr/>
+          <p:nvPr/>
+        </p:nvSpPr>
+        <p:spPr>
+          <a:xfrm>
+            <a:off x="8245549" y="769107"/>
+            <a:ext cx="2349795" cy="662782"/>
+          </a:xfrm>
+          <a:prstGeom prst="roundRect">
+            <a:avLst/>
+          </a:prstGeom>
+          <a:solidFill>
+            <a:schemeClr val="bg2"/>
+          </a:solidFill>
+          <a:ln>
+            <a:noFill/>
+          </a:ln>
+        </p:spPr>
+        <p:style>
+          <a:lnRef idx="2">
+            <a:schemeClr val="accent1">
+              <a:shade val="50000"/>
+            </a:schemeClr>
+          </a:lnRef>
+          <a:fillRef idx="1">
+            <a:schemeClr val="accent1"/>
+          </a:fillRef>
+          <a:effectRef idx="0">
+            <a:schemeClr val="accent1"/>
+          </a:effectRef>
+          <a:fontRef idx="minor">
+            <a:schemeClr val="lt1"/>
+          </a:fontRef>
+        </p:style>
+        <p:txBody>
+          <a:bodyPr rtlCol="0" anchor="ctr"/>
+          <a:lstStyle/>
+          <a:p>
+            <a:pPr algn="ctr"/>
+            <a:r>
+              <a:rPr lang="en-US" dirty="0" err="1">
+                <a:solidFill>
+                  <a:schemeClr val="tx1"/>
+                </a:solidFill>
+                <a:latin typeface="Avenir Roman" panose="02000503020000020003" pitchFamily="2" charset="0"/>
+                <a:cs typeface="Courier New" panose="02070309020205020404" pitchFamily="49" charset="0"/>
+              </a:rPr>
+              <a:t>SparkContext</a:t>
+            </a:r>
+            <a:endParaRPr lang="en-US" dirty="0">
+              <a:solidFill>
+                <a:schemeClr val="tx1"/>
+              </a:solidFill>
+              <a:latin typeface="Avenir Roman" panose="02000503020000020003" pitchFamily="2" charset="0"/>
+              <a:cs typeface="Courier New" panose="02070309020205020404" pitchFamily="49" charset="0"/>
+            </a:endParaRPr>
+          </a:p>
+          <a:p>
+            <a:pPr algn="ctr"/>
+            <a:r>
+              <a:rPr lang="en-US" dirty="0">
+                <a:solidFill>
+                  <a:schemeClr val="tx1"/>
+                </a:solidFill>
+                <a:latin typeface="Avenir Roman" panose="02000503020000020003" pitchFamily="2" charset="0"/>
+                <a:cs typeface="Courier New" panose="02070309020205020404" pitchFamily="49" charset="0"/>
+              </a:rPr>
+              <a:t>(user 1)</a:t>
+            </a:r>
+          </a:p>
+        </p:txBody>
+      </p:sp>
+      <p:sp>
+        <p:nvSpPr>
+          <p:cNvPr id="6" name="Rectangle 5">
+            <a:extLst>
+              <a:ext uri="{FF2B5EF4-FFF2-40B4-BE49-F238E27FC236}">
+                <a16:creationId xmlns:a16="http://schemas.microsoft.com/office/drawing/2014/main" id="{94B90C40-95DC-7B47-B7F2-30C4887E0691}"/>
+              </a:ext>
+            </a:extLst>
+          </p:cNvPr>
+          <p:cNvSpPr/>
+          <p:nvPr/>
+        </p:nvSpPr>
+        <p:spPr>
+          <a:xfrm>
+            <a:off x="487095" y="2604978"/>
+            <a:ext cx="2094614" cy="691116"/>
+          </a:xfrm>
+          <a:prstGeom prst="rect">
+            <a:avLst/>
+          </a:prstGeom>
+          <a:solidFill>
+            <a:srgbClr val="FFC000"/>
+          </a:solidFill>
+          <a:ln>
+            <a:noFill/>
+          </a:ln>
+        </p:spPr>
+        <p:style>
+          <a:lnRef idx="2">
+            <a:schemeClr val="accent1">
+              <a:shade val="50000"/>
+            </a:schemeClr>
+          </a:lnRef>
+          <a:fillRef idx="1">
+            <a:schemeClr val="accent1"/>
+          </a:fillRef>
+          <a:effectRef idx="0">
+            <a:schemeClr val="accent1"/>
+          </a:effectRef>
+          <a:fontRef idx="minor">
+            <a:schemeClr val="lt1"/>
+          </a:fontRef>
+        </p:style>
+        <p:txBody>
+          <a:bodyPr rtlCol="0" anchor="ctr"/>
+          <a:lstStyle/>
+          <a:p>
+            <a:pPr algn="ctr"/>
+            <a:r>
+              <a:rPr lang="en-US" dirty="0">
+                <a:solidFill>
+                  <a:schemeClr val="tx1"/>
+                </a:solidFill>
+                <a:latin typeface="Avenir Roman" panose="02000503020000020003" pitchFamily="2" charset="0"/>
+              </a:rPr>
+              <a:t>spark-submit</a:t>
+            </a:r>
+          </a:p>
+        </p:txBody>
+      </p:sp>
+      <p:sp>
+        <p:nvSpPr>
+          <p:cNvPr id="7" name="Rectangle 6">
+            <a:extLst>
+              <a:ext uri="{FF2B5EF4-FFF2-40B4-BE49-F238E27FC236}">
+                <a16:creationId xmlns:a16="http://schemas.microsoft.com/office/drawing/2014/main" id="{A62ACE4E-6622-B841-8180-280956595ABC}"/>
+              </a:ext>
+            </a:extLst>
+          </p:cNvPr>
+          <p:cNvSpPr/>
+          <p:nvPr/>
+        </p:nvSpPr>
+        <p:spPr>
+          <a:xfrm>
+            <a:off x="7878727" y="2918638"/>
+            <a:ext cx="3083440" cy="1329106"/>
+          </a:xfrm>
+          <a:prstGeom prst="rect">
+            <a:avLst/>
+          </a:prstGeom>
+          <a:ln>
+            <a:noFill/>
+          </a:ln>
+        </p:spPr>
+        <p:style>
+          <a:lnRef idx="2">
+            <a:schemeClr val="accent1">
+              <a:shade val="50000"/>
+            </a:schemeClr>
+          </a:lnRef>
+          <a:fillRef idx="1">
+            <a:schemeClr val="accent1"/>
+          </a:fillRef>
+          <a:effectRef idx="0">
+            <a:schemeClr val="accent1"/>
+          </a:effectRef>
+          <a:fontRef idx="minor">
+            <a:schemeClr val="lt1"/>
+          </a:fontRef>
+        </p:style>
+        <p:txBody>
+          <a:bodyPr rtlCol="0" anchor="b"/>
+          <a:lstStyle/>
+          <a:p>
+            <a:pPr algn="ctr"/>
+            <a:r>
+              <a:rPr lang="en-US" dirty="0">
+                <a:latin typeface="Avenir Roman" panose="02000503020000020003" pitchFamily="2" charset="0"/>
+              </a:rPr>
+              <a:t>Executor Node</a:t>
+            </a:r>
+          </a:p>
+        </p:txBody>
+      </p:sp>
+      <p:sp>
+        <p:nvSpPr>
+          <p:cNvPr id="8" name="Rectangle 7">
+            <a:extLst>
+              <a:ext uri="{FF2B5EF4-FFF2-40B4-BE49-F238E27FC236}">
+                <a16:creationId xmlns:a16="http://schemas.microsoft.com/office/drawing/2014/main" id="{D0AC3F8E-4749-5D44-A345-601409AF3951}"/>
+              </a:ext>
+            </a:extLst>
+          </p:cNvPr>
+          <p:cNvSpPr/>
+          <p:nvPr/>
+        </p:nvSpPr>
+        <p:spPr>
+          <a:xfrm>
+            <a:off x="7878727" y="4763423"/>
+            <a:ext cx="3083440" cy="1445991"/>
+          </a:xfrm>
+          <a:prstGeom prst="rect">
+            <a:avLst/>
+          </a:prstGeom>
+          <a:ln>
+            <a:noFill/>
+          </a:ln>
+        </p:spPr>
+        <p:style>
+          <a:lnRef idx="2">
+            <a:schemeClr val="accent1">
+              <a:shade val="50000"/>
+            </a:schemeClr>
+          </a:lnRef>
+          <a:fillRef idx="1">
+            <a:schemeClr val="accent1"/>
+          </a:fillRef>
+          <a:effectRef idx="0">
+            <a:schemeClr val="accent1"/>
+          </a:effectRef>
+          <a:fontRef idx="minor">
+            <a:schemeClr val="lt1"/>
+          </a:fontRef>
+        </p:style>
+        <p:txBody>
+          <a:bodyPr rtlCol="0" anchor="b"/>
+          <a:lstStyle/>
+          <a:p>
+            <a:pPr algn="ctr"/>
+            <a:r>
+              <a:rPr lang="en-US" dirty="0">
+                <a:latin typeface="Avenir Roman" panose="02000503020000020003" pitchFamily="2" charset="0"/>
+              </a:rPr>
+              <a:t>Executor Node</a:t>
+            </a:r>
+          </a:p>
+        </p:txBody>
+      </p:sp>
+      <p:sp>
+        <p:nvSpPr>
+          <p:cNvPr id="9" name="Rectangle 8">
+            <a:extLst>
+              <a:ext uri="{FF2B5EF4-FFF2-40B4-BE49-F238E27FC236}">
+                <a16:creationId xmlns:a16="http://schemas.microsoft.com/office/drawing/2014/main" id="{D443D8A0-5604-A74B-AE9A-24CE6F740742}"/>
+              </a:ext>
+            </a:extLst>
+          </p:cNvPr>
+          <p:cNvSpPr/>
+          <p:nvPr/>
+        </p:nvSpPr>
+        <p:spPr>
+          <a:xfrm>
+            <a:off x="3586718" y="2137199"/>
+            <a:ext cx="3083440" cy="4072215"/>
+          </a:xfrm>
+          <a:prstGeom prst="rect">
+            <a:avLst/>
+          </a:prstGeom>
+          <a:ln>
+            <a:noFill/>
+          </a:ln>
+        </p:spPr>
+        <p:style>
+          <a:lnRef idx="2">
+            <a:schemeClr val="accent1">
+              <a:shade val="50000"/>
+            </a:schemeClr>
+          </a:lnRef>
+          <a:fillRef idx="1">
+            <a:schemeClr val="accent1"/>
+          </a:fillRef>
+          <a:effectRef idx="0">
+            <a:schemeClr val="accent1"/>
+          </a:effectRef>
+          <a:fontRef idx="minor">
+            <a:schemeClr val="lt1"/>
+          </a:fontRef>
+        </p:style>
+        <p:txBody>
+          <a:bodyPr rtlCol="0" anchor="b"/>
+          <a:lstStyle/>
+          <a:p>
+            <a:pPr algn="ctr"/>
+            <a:endParaRPr lang="en-US" dirty="0">
+              <a:latin typeface="Avenir Roman" panose="02000503020000020003" pitchFamily="2" charset="0"/>
+            </a:endParaRPr>
+          </a:p>
+          <a:p>
+            <a:pPr algn="ctr"/>
+            <a:r>
+              <a:rPr lang="en-US" dirty="0">
+                <a:latin typeface="Avenir Roman" panose="02000503020000020003" pitchFamily="2" charset="0"/>
+              </a:rPr>
+              <a:t>Client (for Spark)</a:t>
+            </a:r>
+          </a:p>
+          <a:p>
+            <a:pPr algn="ctr"/>
+            <a:endParaRPr lang="en-US" dirty="0">
+              <a:latin typeface="Avenir Roman" panose="02000503020000020003" pitchFamily="2" charset="0"/>
+            </a:endParaRPr>
+          </a:p>
+          <a:p>
+            <a:pPr algn="ctr"/>
+            <a:endParaRPr lang="en-US" dirty="0">
+              <a:latin typeface="Avenir Roman" panose="02000503020000020003" pitchFamily="2" charset="0"/>
+            </a:endParaRPr>
+          </a:p>
+          <a:p>
+            <a:pPr algn="ctr"/>
+            <a:r>
+              <a:rPr lang="en-US" dirty="0">
+                <a:latin typeface="Avenir Roman" panose="02000503020000020003" pitchFamily="2" charset="0"/>
+              </a:rPr>
+              <a:t>Master Node (YARN)</a:t>
+            </a:r>
+          </a:p>
+          <a:p>
+            <a:pPr algn="ctr"/>
+            <a:r>
+              <a:rPr lang="en-US" dirty="0">
+                <a:latin typeface="Avenir Roman" panose="02000503020000020003" pitchFamily="2" charset="0"/>
+              </a:rPr>
+              <a:t>Name Node (HDFS)</a:t>
+            </a:r>
+          </a:p>
+        </p:txBody>
+      </p:sp>
+      <p:sp>
+        <p:nvSpPr>
+          <p:cNvPr id="10" name="Rounded Rectangle 9">
+            <a:extLst>
+              <a:ext uri="{FF2B5EF4-FFF2-40B4-BE49-F238E27FC236}">
+                <a16:creationId xmlns:a16="http://schemas.microsoft.com/office/drawing/2014/main" id="{65E30500-10C3-5B4A-B514-DB849788F407}"/>
+              </a:ext>
+            </a:extLst>
+          </p:cNvPr>
+          <p:cNvSpPr/>
+          <p:nvPr/>
+        </p:nvSpPr>
+        <p:spPr>
+          <a:xfrm>
+            <a:off x="3967717" y="2604978"/>
+            <a:ext cx="2321441" cy="738963"/>
+          </a:xfrm>
+          <a:prstGeom prst="roundRect">
+            <a:avLst/>
+          </a:prstGeom>
+          <a:solidFill>
+            <a:srgbClr val="FF7E79"/>
+          </a:solidFill>
+          <a:ln>
+            <a:noFill/>
+          </a:ln>
+        </p:spPr>
+        <p:style>
+          <a:lnRef idx="2">
+            <a:schemeClr val="accent1">
+              <a:shade val="50000"/>
+            </a:schemeClr>
+          </a:lnRef>
+          <a:fillRef idx="1">
+            <a:schemeClr val="accent1"/>
+          </a:fillRef>
+          <a:effectRef idx="0">
+            <a:schemeClr val="accent1"/>
+          </a:effectRef>
+          <a:fontRef idx="minor">
+            <a:schemeClr val="lt1"/>
+          </a:fontRef>
+        </p:style>
+        <p:txBody>
+          <a:bodyPr rtlCol="0" anchor="ctr"/>
+          <a:lstStyle/>
+          <a:p>
+            <a:pPr algn="ctr"/>
+            <a:r>
+              <a:rPr lang="en-US" dirty="0">
+                <a:latin typeface="Avenir Roman" panose="02000503020000020003" pitchFamily="2" charset="0"/>
+              </a:rPr>
+              <a:t>Resource Manager</a:t>
+            </a:r>
+          </a:p>
+        </p:txBody>
+      </p:sp>
+      <p:sp>
+        <p:nvSpPr>
+          <p:cNvPr id="11" name="Rectangle 10">
+            <a:extLst>
+              <a:ext uri="{FF2B5EF4-FFF2-40B4-BE49-F238E27FC236}">
+                <a16:creationId xmlns:a16="http://schemas.microsoft.com/office/drawing/2014/main" id="{B45414A0-1659-484E-A05F-146C968AF2B9}"/>
+              </a:ext>
+            </a:extLst>
+          </p:cNvPr>
+          <p:cNvSpPr/>
+          <p:nvPr/>
+        </p:nvSpPr>
+        <p:spPr>
+          <a:xfrm>
+            <a:off x="8373139" y="3120657"/>
+            <a:ext cx="2094614" cy="691116"/>
+          </a:xfrm>
+          <a:prstGeom prst="rect">
+            <a:avLst/>
+          </a:prstGeom>
+          <a:solidFill>
+            <a:srgbClr val="FFC000"/>
+          </a:solidFill>
+          <a:ln>
+            <a:noFill/>
+          </a:ln>
+        </p:spPr>
+        <p:style>
+          <a:lnRef idx="2">
+            <a:schemeClr val="accent1">
+              <a:shade val="50000"/>
+            </a:schemeClr>
+          </a:lnRef>
+          <a:fillRef idx="1">
+            <a:schemeClr val="accent1"/>
+          </a:fillRef>
+          <a:effectRef idx="0">
+            <a:schemeClr val="accent1"/>
+          </a:effectRef>
+          <a:fontRef idx="minor">
+            <a:schemeClr val="lt1"/>
+          </a:fontRef>
+        </p:style>
+        <p:txBody>
+          <a:bodyPr rtlCol="0" anchor="ctr"/>
+          <a:lstStyle/>
+          <a:p>
+            <a:pPr algn="ctr"/>
+            <a:r>
+              <a:rPr lang="en-US" dirty="0" err="1">
+                <a:solidFill>
+                  <a:schemeClr val="tx1"/>
+                </a:solidFill>
+                <a:latin typeface="Avenir Roman" panose="02000503020000020003" pitchFamily="2" charset="0"/>
+              </a:rPr>
+              <a:t>PySpark</a:t>
+            </a:r>
+            <a:r>
+              <a:rPr lang="en-US" dirty="0">
+                <a:solidFill>
+                  <a:schemeClr val="tx1"/>
+                </a:solidFill>
+                <a:latin typeface="Avenir Roman" panose="02000503020000020003" pitchFamily="2" charset="0"/>
+              </a:rPr>
+              <a:t> Code</a:t>
+            </a:r>
+          </a:p>
+          <a:p>
+            <a:pPr algn="ctr"/>
+            <a:r>
+              <a:rPr lang="en-US" dirty="0">
+                <a:solidFill>
+                  <a:schemeClr val="tx1"/>
+                </a:solidFill>
+                <a:latin typeface="Avenir Roman" panose="02000503020000020003" pitchFamily="2" charset="0"/>
+              </a:rPr>
+              <a:t>&lt;&gt;</a:t>
+            </a:r>
+          </a:p>
+        </p:txBody>
+      </p:sp>
+      <p:sp>
+        <p:nvSpPr>
+          <p:cNvPr id="12" name="Rectangle 11">
+            <a:extLst>
+              <a:ext uri="{FF2B5EF4-FFF2-40B4-BE49-F238E27FC236}">
+                <a16:creationId xmlns:a16="http://schemas.microsoft.com/office/drawing/2014/main" id="{7F9C05AB-9013-FA4E-909F-E3FD42C5D330}"/>
+              </a:ext>
+            </a:extLst>
+          </p:cNvPr>
+          <p:cNvSpPr/>
+          <p:nvPr/>
+        </p:nvSpPr>
+        <p:spPr>
+          <a:xfrm>
+            <a:off x="8319976" y="5020377"/>
+            <a:ext cx="2094614" cy="691116"/>
+          </a:xfrm>
+          <a:prstGeom prst="rect">
+            <a:avLst/>
+          </a:prstGeom>
+          <a:solidFill>
+            <a:srgbClr val="FFC000"/>
+          </a:solidFill>
+          <a:ln>
+            <a:noFill/>
+          </a:ln>
+        </p:spPr>
+        <p:style>
+          <a:lnRef idx="2">
+            <a:schemeClr val="accent1">
+              <a:shade val="50000"/>
+            </a:schemeClr>
+          </a:lnRef>
+          <a:fillRef idx="1">
+            <a:schemeClr val="accent1"/>
+          </a:fillRef>
+          <a:effectRef idx="0">
+            <a:schemeClr val="accent1"/>
+          </a:effectRef>
+          <a:fontRef idx="minor">
+            <a:schemeClr val="lt1"/>
+          </a:fontRef>
+        </p:style>
+        <p:txBody>
+          <a:bodyPr rtlCol="0" anchor="ctr"/>
+          <a:lstStyle/>
+          <a:p>
+            <a:pPr algn="ctr"/>
+            <a:r>
+              <a:rPr lang="en-US" dirty="0" err="1">
+                <a:solidFill>
+                  <a:schemeClr val="tx1"/>
+                </a:solidFill>
+                <a:latin typeface="Avenir Roman" panose="02000503020000020003" pitchFamily="2" charset="0"/>
+              </a:rPr>
+              <a:t>PySpark</a:t>
+            </a:r>
+            <a:r>
+              <a:rPr lang="en-US" dirty="0">
+                <a:solidFill>
+                  <a:schemeClr val="tx1"/>
+                </a:solidFill>
+                <a:latin typeface="Avenir Roman" panose="02000503020000020003" pitchFamily="2" charset="0"/>
+              </a:rPr>
+              <a:t> Code</a:t>
+            </a:r>
+          </a:p>
+          <a:p>
+            <a:pPr algn="ctr"/>
+            <a:r>
+              <a:rPr lang="en-US" dirty="0">
+                <a:solidFill>
+                  <a:schemeClr val="tx1"/>
+                </a:solidFill>
+                <a:latin typeface="Avenir Roman" panose="02000503020000020003" pitchFamily="2" charset="0"/>
+              </a:rPr>
+              <a:t>&lt;&gt;</a:t>
+            </a:r>
+          </a:p>
+        </p:txBody>
+      </p:sp>
+      <p:cxnSp>
+        <p:nvCxnSpPr>
+          <p:cNvPr id="14" name="Straight Arrow Connector 13">
+            <a:extLst>
+              <a:ext uri="{FF2B5EF4-FFF2-40B4-BE49-F238E27FC236}">
+                <a16:creationId xmlns:a16="http://schemas.microsoft.com/office/drawing/2014/main" id="{FD7E7776-75B9-1F4C-AEAA-F7115AA0FC00}"/>
+              </a:ext>
+            </a:extLst>
+          </p:cNvPr>
+          <p:cNvCxnSpPr>
+            <a:endCxn id="10" idx="1"/>
+          </p:cNvCxnSpPr>
+          <p:nvPr/>
+        </p:nvCxnSpPr>
+        <p:spPr>
+          <a:xfrm>
+            <a:off x="2583712" y="2974459"/>
+            <a:ext cx="1384005" cy="1"/>
+          </a:xfrm>
+          <a:prstGeom prst="straightConnector1">
+            <a:avLst/>
+          </a:prstGeom>
+          <a:ln w="19050">
+            <a:solidFill>
+              <a:schemeClr val="tx1"/>
+            </a:solidFill>
+            <a:tailEnd type="triangle"/>
+          </a:ln>
+        </p:spPr>
+        <p:style>
+          <a:lnRef idx="1">
+            <a:schemeClr val="accent1"/>
+          </a:lnRef>
+          <a:fillRef idx="0">
+            <a:schemeClr val="accent1"/>
+          </a:fillRef>
+          <a:effectRef idx="0">
+            <a:schemeClr val="accent1"/>
+          </a:effectRef>
+          <a:fontRef idx="minor">
+            <a:schemeClr val="tx1"/>
+          </a:fontRef>
+        </p:style>
+      </p:cxnSp>
+      <p:cxnSp>
+        <p:nvCxnSpPr>
+          <p:cNvPr id="18" name="Elbow Connector 17">
+            <a:extLst>
+              <a:ext uri="{FF2B5EF4-FFF2-40B4-BE49-F238E27FC236}">
+                <a16:creationId xmlns:a16="http://schemas.microsoft.com/office/drawing/2014/main" id="{2445D9C0-8C20-1E45-BF9A-0306D4FF8445}"/>
+              </a:ext>
+            </a:extLst>
+          </p:cNvPr>
+          <p:cNvCxnSpPr>
+            <a:cxnSpLocks/>
+            <a:endCxn id="5" idx="1"/>
+          </p:cNvCxnSpPr>
+          <p:nvPr/>
+        </p:nvCxnSpPr>
+        <p:spPr>
+          <a:xfrm flipV="1">
+            <a:off x="5444755" y="1100498"/>
+            <a:ext cx="2800794" cy="1479241"/>
+          </a:xfrm>
+          <a:prstGeom prst="bentConnector3">
+            <a:avLst>
+              <a:gd name="adj1" fmla="val 269"/>
+            </a:avLst>
+          </a:prstGeom>
+          <a:ln w="19050">
+            <a:solidFill>
+              <a:schemeClr val="tx1"/>
+            </a:solidFill>
+            <a:tailEnd type="triangle"/>
+          </a:ln>
+        </p:spPr>
+        <p:style>
+          <a:lnRef idx="1">
+            <a:schemeClr val="accent1"/>
+          </a:lnRef>
+          <a:fillRef idx="0">
+            <a:schemeClr val="accent1"/>
+          </a:fillRef>
+          <a:effectRef idx="0">
+            <a:schemeClr val="accent1"/>
+          </a:effectRef>
+          <a:fontRef idx="minor">
+            <a:schemeClr val="tx1"/>
+          </a:fontRef>
+        </p:style>
+      </p:cxnSp>
+      <p:cxnSp>
+        <p:nvCxnSpPr>
+          <p:cNvPr id="19" name="Elbow Connector 18">
+            <a:extLst>
+              <a:ext uri="{FF2B5EF4-FFF2-40B4-BE49-F238E27FC236}">
+                <a16:creationId xmlns:a16="http://schemas.microsoft.com/office/drawing/2014/main" id="{DFFBA621-4514-824B-9667-AF63795840B2}"/>
+              </a:ext>
+            </a:extLst>
+          </p:cNvPr>
+          <p:cNvCxnSpPr>
+            <a:cxnSpLocks/>
+            <a:endCxn id="10" idx="0"/>
+          </p:cNvCxnSpPr>
+          <p:nvPr/>
+        </p:nvCxnSpPr>
+        <p:spPr>
+          <a:xfrm rot="10800000" flipV="1">
+            <a:off x="5128439" y="946940"/>
+            <a:ext cx="3063949" cy="1658038"/>
+          </a:xfrm>
+          <a:prstGeom prst="bentConnector2">
+            <a:avLst/>
+          </a:prstGeom>
+          <a:ln w="19050">
+            <a:solidFill>
+              <a:schemeClr val="tx1"/>
+            </a:solidFill>
+            <a:tailEnd type="triangle"/>
+          </a:ln>
+        </p:spPr>
+        <p:style>
+          <a:lnRef idx="1">
+            <a:schemeClr val="accent1"/>
+          </a:lnRef>
+          <a:fillRef idx="0">
+            <a:schemeClr val="accent1"/>
+          </a:fillRef>
+          <a:effectRef idx="0">
+            <a:schemeClr val="accent1"/>
+          </a:effectRef>
+          <a:fontRef idx="minor">
+            <a:schemeClr val="tx1"/>
+          </a:fontRef>
+        </p:style>
+      </p:cxnSp>
+      <p:sp>
+        <p:nvSpPr>
+          <p:cNvPr id="29" name="Rounded Rectangle 28">
+            <a:extLst>
+              <a:ext uri="{FF2B5EF4-FFF2-40B4-BE49-F238E27FC236}">
+                <a16:creationId xmlns:a16="http://schemas.microsoft.com/office/drawing/2014/main" id="{10468349-71BB-4E40-BD7E-10A193BF3802}"/>
+              </a:ext>
+            </a:extLst>
+          </p:cNvPr>
+          <p:cNvSpPr/>
+          <p:nvPr/>
+        </p:nvSpPr>
+        <p:spPr>
+          <a:xfrm>
+            <a:off x="8227831" y="1645354"/>
+            <a:ext cx="2349795" cy="491846"/>
+          </a:xfrm>
+          <a:prstGeom prst="roundRect">
+            <a:avLst/>
+          </a:prstGeom>
+          <a:solidFill>
+            <a:srgbClr val="92D050"/>
+          </a:solidFill>
+          <a:ln>
+            <a:noFill/>
+          </a:ln>
+        </p:spPr>
+        <p:style>
+          <a:lnRef idx="2">
+            <a:schemeClr val="accent1">
+              <a:shade val="50000"/>
+            </a:schemeClr>
+          </a:lnRef>
+          <a:fillRef idx="1">
+            <a:schemeClr val="accent1"/>
+          </a:fillRef>
+          <a:effectRef idx="0">
+            <a:schemeClr val="accent1"/>
+          </a:effectRef>
+          <a:fontRef idx="minor">
+            <a:schemeClr val="lt1"/>
+          </a:fontRef>
+        </p:style>
+        <p:txBody>
+          <a:bodyPr rtlCol="0" anchor="ctr"/>
+          <a:lstStyle/>
+          <a:p>
+            <a:pPr algn="ctr"/>
+            <a:r>
+              <a:rPr lang="en-US" sz="2000" dirty="0">
+                <a:solidFill>
+                  <a:schemeClr val="bg1"/>
+                </a:solidFill>
+                <a:latin typeface="Avenir Roman" panose="02000503020000020003" pitchFamily="2" charset="0"/>
+                <a:cs typeface="Courier New" panose="02070309020205020404" pitchFamily="49" charset="0"/>
+              </a:rPr>
+              <a:t>Driver Program</a:t>
+            </a:r>
+          </a:p>
+        </p:txBody>
+      </p:sp>
+      <p:cxnSp>
+        <p:nvCxnSpPr>
+          <p:cNvPr id="30" name="Elbow Connector 29">
+            <a:extLst>
+              <a:ext uri="{FF2B5EF4-FFF2-40B4-BE49-F238E27FC236}">
+                <a16:creationId xmlns:a16="http://schemas.microsoft.com/office/drawing/2014/main" id="{792C05B9-1C1A-E145-9326-A703C7181118}"/>
+              </a:ext>
+            </a:extLst>
+          </p:cNvPr>
+          <p:cNvCxnSpPr>
+            <a:cxnSpLocks/>
+            <a:stCxn id="5" idx="3"/>
+            <a:endCxn id="11" idx="3"/>
+          </p:cNvCxnSpPr>
+          <p:nvPr/>
+        </p:nvCxnSpPr>
+        <p:spPr>
+          <a:xfrm flipH="1">
+            <a:off x="10467753" y="1100498"/>
+            <a:ext cx="127591" cy="2365717"/>
+          </a:xfrm>
+          <a:prstGeom prst="bentConnector3">
+            <a:avLst>
+              <a:gd name="adj1" fmla="val -504165"/>
+            </a:avLst>
+          </a:prstGeom>
+          <a:ln w="19050">
+            <a:solidFill>
+              <a:schemeClr val="tx1"/>
+            </a:solidFill>
+            <a:tailEnd type="triangle"/>
+          </a:ln>
+        </p:spPr>
+        <p:style>
+          <a:lnRef idx="1">
+            <a:schemeClr val="accent1"/>
+          </a:lnRef>
+          <a:fillRef idx="0">
+            <a:schemeClr val="accent1"/>
+          </a:fillRef>
+          <a:effectRef idx="0">
+            <a:schemeClr val="accent1"/>
+          </a:effectRef>
+          <a:fontRef idx="minor">
+            <a:schemeClr val="tx1"/>
+          </a:fontRef>
+        </p:style>
+      </p:cxnSp>
+      <p:cxnSp>
+        <p:nvCxnSpPr>
+          <p:cNvPr id="34" name="Elbow Connector 33">
+            <a:extLst>
+              <a:ext uri="{FF2B5EF4-FFF2-40B4-BE49-F238E27FC236}">
+                <a16:creationId xmlns:a16="http://schemas.microsoft.com/office/drawing/2014/main" id="{2D33ECCF-3850-9540-9B8F-E12D7F83BC15}"/>
+              </a:ext>
+            </a:extLst>
+          </p:cNvPr>
+          <p:cNvCxnSpPr>
+            <a:cxnSpLocks/>
+            <a:stCxn id="5" idx="3"/>
+            <a:endCxn id="12" idx="3"/>
+          </p:cNvCxnSpPr>
+          <p:nvPr/>
+        </p:nvCxnSpPr>
+        <p:spPr>
+          <a:xfrm flipH="1">
+            <a:off x="10414590" y="1100498"/>
+            <a:ext cx="180754" cy="4265437"/>
+          </a:xfrm>
+          <a:prstGeom prst="bentConnector3">
+            <a:avLst>
+              <a:gd name="adj1" fmla="val -561763"/>
+            </a:avLst>
+          </a:prstGeom>
+          <a:ln w="19050">
+            <a:solidFill>
+              <a:schemeClr val="tx1"/>
+            </a:solidFill>
+            <a:tailEnd type="triangle"/>
+          </a:ln>
+        </p:spPr>
+        <p:style>
+          <a:lnRef idx="1">
+            <a:schemeClr val="accent1"/>
+          </a:lnRef>
+          <a:fillRef idx="0">
+            <a:schemeClr val="accent1"/>
+          </a:fillRef>
+          <a:effectRef idx="0">
+            <a:schemeClr val="accent1"/>
+          </a:effectRef>
+          <a:fontRef idx="minor">
+            <a:schemeClr val="tx1"/>
+          </a:fontRef>
+        </p:style>
+      </p:cxnSp>
+      <p:sp>
+        <p:nvSpPr>
+          <p:cNvPr id="35" name="Rectangle 34">
+            <a:extLst>
+              <a:ext uri="{FF2B5EF4-FFF2-40B4-BE49-F238E27FC236}">
+                <a16:creationId xmlns:a16="http://schemas.microsoft.com/office/drawing/2014/main" id="{D3EABCD3-8CCF-C947-937F-651632F40A06}"/>
+              </a:ext>
+            </a:extLst>
+          </p:cNvPr>
+          <p:cNvSpPr/>
+          <p:nvPr/>
+        </p:nvSpPr>
+        <p:spPr>
+          <a:xfrm>
+            <a:off x="4279694" y="4021053"/>
+            <a:ext cx="1726817" cy="453381"/>
+          </a:xfrm>
+          <a:prstGeom prst="rect">
+            <a:avLst/>
+          </a:prstGeom>
+          <a:solidFill>
+            <a:srgbClr val="FFC000"/>
+          </a:solidFill>
+          <a:ln>
+            <a:noFill/>
+          </a:ln>
+        </p:spPr>
+        <p:style>
+          <a:lnRef idx="2">
+            <a:schemeClr val="accent1">
+              <a:shade val="50000"/>
+            </a:schemeClr>
+          </a:lnRef>
+          <a:fillRef idx="1">
+            <a:schemeClr val="accent1"/>
+          </a:fillRef>
+          <a:effectRef idx="0">
+            <a:schemeClr val="accent1"/>
+          </a:effectRef>
+          <a:fontRef idx="minor">
+            <a:schemeClr val="lt1"/>
+          </a:fontRef>
+        </p:style>
+        <p:txBody>
+          <a:bodyPr rtlCol="0" anchor="ctr"/>
+          <a:lstStyle/>
+          <a:p>
+            <a:pPr algn="ctr"/>
+            <a:r>
+              <a:rPr lang="en-US" dirty="0">
+                <a:solidFill>
+                  <a:schemeClr val="tx1"/>
+                </a:solidFill>
+                <a:latin typeface="Avenir Roman" panose="02000503020000020003" pitchFamily="2" charset="0"/>
+              </a:rPr>
+              <a:t>spark-submit</a:t>
+            </a:r>
+          </a:p>
+        </p:txBody>
+      </p:sp>
+      <p:cxnSp>
+        <p:nvCxnSpPr>
+          <p:cNvPr id="36" name="Straight Arrow Connector 35">
+            <a:extLst>
+              <a:ext uri="{FF2B5EF4-FFF2-40B4-BE49-F238E27FC236}">
+                <a16:creationId xmlns:a16="http://schemas.microsoft.com/office/drawing/2014/main" id="{75E6525E-D8BC-D24A-A469-CCEF5EE5C85E}"/>
+              </a:ext>
+            </a:extLst>
+          </p:cNvPr>
+          <p:cNvCxnSpPr>
+            <a:cxnSpLocks/>
+            <a:stCxn id="35" idx="0"/>
+            <a:endCxn id="10" idx="2"/>
+          </p:cNvCxnSpPr>
+          <p:nvPr/>
+        </p:nvCxnSpPr>
+        <p:spPr>
+          <a:xfrm flipH="1" flipV="1">
+            <a:off x="5128438" y="3343941"/>
+            <a:ext cx="14665" cy="677112"/>
+          </a:xfrm>
+          <a:prstGeom prst="straightConnector1">
+            <a:avLst/>
+          </a:prstGeom>
+          <a:ln w="19050">
+            <a:solidFill>
+              <a:schemeClr val="bg1"/>
+            </a:solidFill>
+            <a:tailEnd type="triangle"/>
+          </a:ln>
+        </p:spPr>
+        <p:style>
+          <a:lnRef idx="1">
+            <a:schemeClr val="accent1"/>
+          </a:lnRef>
+          <a:fillRef idx="0">
+            <a:schemeClr val="accent1"/>
+          </a:fillRef>
+          <a:effectRef idx="0">
+            <a:schemeClr val="accent1"/>
+          </a:effectRef>
+          <a:fontRef idx="minor">
+            <a:schemeClr val="tx1"/>
+          </a:fontRef>
+        </p:style>
+      </p:cxnSp>
+    </p:spTree>
+    <p:extLst>
+      <p:ext uri="{BB962C8B-B14F-4D97-AF65-F5344CB8AC3E}">
+        <p14:creationId xmlns:p14="http://schemas.microsoft.com/office/powerpoint/2010/main" val="1227521445"/>
+      </p:ext>
+    </p:extLst>
+  </p:cSld>
+  <p:clrMapOvr>
+    <a:masterClrMapping/>
+  </p:clrMapOvr>
+</p:sld>
+</file>
+
 <file path=ppt/slides/slide2.xml><?xml version="1.0" encoding="utf-8"?>
 <p:sld xmlns:a="http://schemas.openxmlformats.org/drawingml/2006/main" xmlns:r="http://schemas.openxmlformats.org/officeDocument/2006/relationships" xmlns:p="http://schemas.openxmlformats.org/presentationml/2006/main">
   <p:cSld>
@@ -9908,7 +11328,16 @@
               <a:rPr lang="en-US" dirty="0">
                 <a:latin typeface="Avenir Roman" panose="02000503020000020003" pitchFamily="2" charset="0"/>
               </a:rPr>
-              <a:t>YARN Master Node</a:t>
+              <a:t>Master Node (YARN)</a:t>
+            </a:r>
+          </a:p>
+          <a:p>
+            <a:pPr algn="ctr"/>
+            <a:r>
+              <a:rPr lang="en-US" dirty="0">
+                <a:latin typeface="Avenir Roman" panose="02000503020000020003" pitchFamily="2" charset="0"/>
+              </a:rPr>
+              <a:t>Name Node (HDFS)</a:t>
             </a:r>
           </a:p>
         </p:txBody>
